--- a/Presentation1.pptx
+++ b/Presentation1.pptx
@@ -375,11 +375,11 @@
         </c:dLbls>
         <c:gapWidth val="75"/>
         <c:overlap val="-25"/>
-        <c:axId val="286457232"/>
-        <c:axId val="286458800"/>
+        <c:axId val="319639992"/>
+        <c:axId val="319638816"/>
       </c:barChart>
       <c:catAx>
-        <c:axId val="286457232"/>
+        <c:axId val="319639992"/>
         <c:scaling>
           <c:orientation val="minMax"/>
         </c:scaling>
@@ -422,7 +422,7 @@
             <a:endParaRPr lang="en-US"/>
           </a:p>
         </c:txPr>
-        <c:crossAx val="286458800"/>
+        <c:crossAx val="319638816"/>
         <c:crosses val="autoZero"/>
         <c:auto val="1"/>
         <c:lblAlgn val="ctr"/>
@@ -430,7 +430,7 @@
         <c:noMultiLvlLbl val="0"/>
       </c:catAx>
       <c:valAx>
-        <c:axId val="286458800"/>
+        <c:axId val="319638816"/>
         <c:scaling>
           <c:orientation val="minMax"/>
         </c:scaling>
@@ -481,7 +481,7 @@
             <a:endParaRPr lang="en-US"/>
           </a:p>
         </c:txPr>
-        <c:crossAx val="286457232"/>
+        <c:crossAx val="319639992"/>
         <c:crosses val="autoZero"/>
         <c:crossBetween val="between"/>
       </c:valAx>
@@ -495,7 +495,6 @@
     </c:plotArea>
     <c:legend>
       <c:legendPos val="b"/>
-      <c:layout/>
       <c:overlay val="0"/>
       <c:spPr>
         <a:noFill/>
@@ -4167,7 +4166,7 @@
           <a:p>
             <a:fld id="{59041DB8-B66F-4DC8-A96E-33677E0F90FF}" type="datetimeFigureOut">
               <a:rPr lang="en-US" smtClean="0"/>
-              <a:t>5/10/2016</a:t>
+              <a:t>5/11/2016</a:t>
             </a:fld>
             <a:endParaRPr lang="en-US"/>
           </a:p>
@@ -4332,7 +4331,7 @@
           <a:p>
             <a:fld id="{DEB49C4A-65AC-492D-9701-81B46C3AD0E4}" type="datetimeFigureOut">
               <a:rPr lang="en-US" smtClean="0"/>
-              <a:t>5/10/2016</a:t>
+              <a:t>5/11/2016</a:t>
             </a:fld>
             <a:endParaRPr lang="en-US"/>
           </a:p>
@@ -6804,7 +6803,7 @@
           <a:p>
             <a:fld id="{384A29A4-78C8-47AB-BA06-22CB45938951}" type="datetime1">
               <a:rPr lang="en-US" smtClean="0"/>
-              <a:t>5/10/2016</a:t>
+              <a:t>5/11/2016</a:t>
             </a:fld>
             <a:endParaRPr lang="en-US"/>
           </a:p>
@@ -6996,7 +6995,7 @@
           <a:p>
             <a:fld id="{E1ED4ACF-2D82-46F2-A8E9-23963AA34E86}" type="datetime1">
               <a:rPr lang="en-US" smtClean="0"/>
-              <a:t>5/10/2016</a:t>
+              <a:t>5/11/2016</a:t>
             </a:fld>
             <a:endParaRPr lang="en-US"/>
           </a:p>
@@ -7178,7 +7177,7 @@
           <a:p>
             <a:fld id="{AE374B5B-21A0-4192-BF4C-38187F1A68D8}" type="datetime1">
               <a:rPr lang="en-US" smtClean="0"/>
-              <a:t>5/10/2016</a:t>
+              <a:t>5/11/2016</a:t>
             </a:fld>
             <a:endParaRPr lang="en-US"/>
           </a:p>
@@ -9518,7 +9517,7 @@
           <a:p>
             <a:fld id="{33B5CF7C-B333-48E1-A4A6-83A3C8B73AC0}" type="datetime1">
               <a:rPr lang="en-US" smtClean="0"/>
-              <a:t>5/10/2016</a:t>
+              <a:t>5/11/2016</a:t>
             </a:fld>
             <a:endParaRPr lang="en-US"/>
           </a:p>
@@ -9970,7 +9969,7 @@
           <a:p>
             <a:fld id="{AE320762-5CBF-4210-AB54-376B091119F8}" type="datetime1">
               <a:rPr lang="en-US" smtClean="0"/>
-              <a:t>5/10/2016</a:t>
+              <a:t>5/11/2016</a:t>
             </a:fld>
             <a:endParaRPr lang="en-US"/>
           </a:p>
@@ -10100,7 +10099,7 @@
           <a:p>
             <a:fld id="{7F0DB371-BF5F-4058-A212-1A908E4D2674}" type="datetime1">
               <a:rPr lang="en-US" smtClean="0"/>
-              <a:t>5/10/2016</a:t>
+              <a:t>5/11/2016</a:t>
             </a:fld>
             <a:endParaRPr lang="en-US"/>
           </a:p>
@@ -12030,7 +12029,7 @@
           <a:p>
             <a:fld id="{60A4083B-90AA-48CF-BAD5-00AA24D7F288}" type="datetime1">
               <a:rPr lang="en-US" smtClean="0"/>
-              <a:t>5/10/2016</a:t>
+              <a:t>5/11/2016</a:t>
             </a:fld>
             <a:endParaRPr lang="en-US"/>
           </a:p>
@@ -14277,7 +14276,7 @@
           <a:p>
             <a:fld id="{F5BAF629-ECA2-4CF3-B790-9D9BDED98269}" type="datetime1">
               <a:rPr lang="en-US" smtClean="0"/>
-              <a:t>5/10/2016</a:t>
+              <a:t>5/11/2016</a:t>
             </a:fld>
             <a:endParaRPr lang="en-US"/>
           </a:p>
@@ -18506,7 +18505,7 @@
           <a:p>
             <a:fld id="{B51B2453-8663-4C69-AF73-9FD7B1DEC5D0}" type="datetime1">
               <a:rPr lang="en-US" smtClean="0"/>
-              <a:t>5/10/2016</a:t>
+              <a:t>5/11/2016</a:t>
             </a:fld>
             <a:endParaRPr lang="en-US"/>
           </a:p>
@@ -19021,16 +19020,22 @@
           </p:nvPr>
         </p:nvSpPr>
         <p:spPr>
-          <a:xfrm rot="3537423">
-            <a:off x="-446155" y="2264154"/>
-            <a:ext cx="6065113" cy="1409933"/>
+          <a:xfrm>
+            <a:off x="532805" y="613064"/>
+            <a:ext cx="4093866" cy="2908523"/>
           </a:xfrm>
         </p:spPr>
         <p:txBody>
-          <a:bodyPr/>
+          <a:bodyPr>
+            <a:noAutofit/>
+          </a:bodyPr>
           <a:lstStyle/>
           <a:p>
-            <a:endParaRPr lang="en-US" dirty="0"/>
+            <a:r>
+              <a:rPr lang="en-US" sz="4400" dirty="0" smtClean="0"/>
+              <a:t>Refactoring towards testable code and happier developers</a:t>
+            </a:r>
+            <a:endParaRPr lang="en-US" sz="4400" dirty="0"/>
           </a:p>
         </p:txBody>
       </p:sp>
@@ -19051,7 +19056,9 @@
           </a:xfrm>
         </p:spPr>
         <p:txBody>
-          <a:bodyPr/>
+          <a:bodyPr>
+            <a:normAutofit fontScale="85000" lnSpcReduction="20000"/>
+          </a:bodyPr>
           <a:lstStyle/>
           <a:p>
             <a:r>
@@ -19061,6 +19068,13 @@
             <a:r>
               <a:rPr lang="en-US" dirty="0" err="1" smtClean="0"/>
               <a:t>dave_mateer</a:t>
+            </a:r>
+            <a:endParaRPr lang="en-US" dirty="0" smtClean="0"/>
+          </a:p>
+          <a:p>
+            <a:r>
+              <a:rPr lang="en-US" dirty="0" smtClean="0"/>
+              <a:t>github.com/refactoring</a:t>
             </a:r>
             <a:endParaRPr lang="en-US" dirty="0"/>
           </a:p>
@@ -19364,7 +19378,7 @@
           <a:p>
             <a:r>
               <a:rPr lang="en-US" dirty="0" smtClean="0"/>
-              <a:t>Title and content layout with list</a:t>
+              <a:t>Scott Allen Palindrome Examples</a:t>
             </a:r>
             <a:endParaRPr lang="en-US" dirty="0"/>
           </a:p>
@@ -19386,23 +19400,9 @@
           <a:lstStyle/>
           <a:p>
             <a:r>
-              <a:rPr lang="en-US" dirty="0" smtClean="0"/>
-              <a:t>Add your first bullet point here</a:t>
+              <a:rPr lang="en-US"/>
+              <a:t>https://app.pluralsight.com/library/courses/csharp-fundamentals-2/table-of-contents</a:t>
             </a:r>
-          </a:p>
-          <a:p>
-            <a:r>
-              <a:rPr lang="en-US" dirty="0" smtClean="0"/>
-              <a:t>Add your second bullet point here</a:t>
-            </a:r>
-          </a:p>
-          <a:p>
-            <a:r>
-              <a:rPr lang="en-US" dirty="0" smtClean="0"/>
-              <a:t>Add your third bullet point here</a:t>
-            </a:r>
-          </a:p>
-          <a:p>
             <a:endParaRPr lang="en-US" dirty="0"/>
           </a:p>
         </p:txBody>

--- a/Presentation1.pptx
+++ b/Presentation1.pptx
@@ -375,11 +375,11 @@
         </c:dLbls>
         <c:gapWidth val="75"/>
         <c:overlap val="-25"/>
-        <c:axId val="319639992"/>
-        <c:axId val="319638816"/>
+        <c:axId val="430931096"/>
+        <c:axId val="430933448"/>
       </c:barChart>
       <c:catAx>
-        <c:axId val="319639992"/>
+        <c:axId val="430931096"/>
         <c:scaling>
           <c:orientation val="minMax"/>
         </c:scaling>
@@ -422,7 +422,7 @@
             <a:endParaRPr lang="en-US"/>
           </a:p>
         </c:txPr>
-        <c:crossAx val="319638816"/>
+        <c:crossAx val="430933448"/>
         <c:crosses val="autoZero"/>
         <c:auto val="1"/>
         <c:lblAlgn val="ctr"/>
@@ -430,7 +430,7 @@
         <c:noMultiLvlLbl val="0"/>
       </c:catAx>
       <c:valAx>
-        <c:axId val="319638816"/>
+        <c:axId val="430933448"/>
         <c:scaling>
           <c:orientation val="minMax"/>
         </c:scaling>
@@ -481,7 +481,7 @@
             <a:endParaRPr lang="en-US"/>
           </a:p>
         </c:txPr>
-        <c:crossAx val="319639992"/>
+        <c:crossAx val="430931096"/>
         <c:crosses val="autoZero"/>
         <c:crossBetween val="between"/>
       </c:valAx>
@@ -2269,489 +2269,6 @@
       <dsp:cNvGrpSpPr/>
     </dsp:nvGrpSpPr>
     <dsp:grpSpPr/>
-    <dsp:sp modelId="{610B5FFC-C0C9-444C-9F7A-14D1B54F604D}">
-      <dsp:nvSpPr>
-        <dsp:cNvPr id="0" name=""/>
-        <dsp:cNvSpPr/>
-      </dsp:nvSpPr>
-      <dsp:spPr>
-        <a:xfrm>
-          <a:off x="623515" y="823134"/>
-          <a:ext cx="2475309" cy="2163731"/>
-        </a:xfrm>
-        <a:prstGeom prst="rightArrow">
-          <a:avLst>
-            <a:gd name="adj1" fmla="val 70000"/>
-            <a:gd name="adj2" fmla="val 50000"/>
-          </a:avLst>
-        </a:prstGeom>
-        <a:solidFill>
-          <a:schemeClr val="accent1">
-            <a:alpha val="90000"/>
-            <a:tint val="40000"/>
-            <a:hueOff val="0"/>
-            <a:satOff val="0"/>
-            <a:lumOff val="0"/>
-            <a:alphaOff val="0"/>
-          </a:schemeClr>
-        </a:solidFill>
-        <a:ln w="12700" cap="flat" cmpd="sng" algn="ctr">
-          <a:solidFill>
-            <a:schemeClr val="accent1">
-              <a:alpha val="90000"/>
-              <a:tint val="40000"/>
-              <a:hueOff val="0"/>
-              <a:satOff val="0"/>
-              <a:lumOff val="0"/>
-              <a:alphaOff val="0"/>
-            </a:schemeClr>
-          </a:solidFill>
-          <a:prstDash val="solid"/>
-          <a:miter lim="800000"/>
-        </a:ln>
-        <a:effectLst/>
-      </dsp:spPr>
-      <dsp:style>
-        <a:lnRef idx="2">
-          <a:scrgbClr r="0" g="0" b="0"/>
-        </a:lnRef>
-        <a:fillRef idx="1">
-          <a:scrgbClr r="0" g="0" b="0"/>
-        </a:fillRef>
-        <a:effectRef idx="0">
-          <a:scrgbClr r="0" g="0" b="0"/>
-        </a:effectRef>
-        <a:fontRef idx="minor"/>
-      </dsp:style>
-      <dsp:txBody>
-        <a:bodyPr spcFirstLastPara="0" vert="horz" wrap="square" lIns="45720" tIns="11430" rIns="22860" bIns="11430" numCol="1" spcCol="1270" anchor="ctr" anchorCtr="0">
-          <a:noAutofit/>
-        </a:bodyPr>
-        <a:lstStyle/>
-        <a:p>
-          <a:pPr lvl="0" algn="ctr" defTabSz="800100">
-            <a:lnSpc>
-              <a:spcPct val="90000"/>
-            </a:lnSpc>
-            <a:spcBef>
-              <a:spcPct val="0"/>
-            </a:spcBef>
-            <a:spcAft>
-              <a:spcPct val="35000"/>
-            </a:spcAft>
-          </a:pPr>
-          <a:r>
-            <a:rPr lang="en-US" sz="1800" kern="1200" dirty="0" smtClean="0"/>
-            <a:t>Task description</a:t>
-          </a:r>
-          <a:endParaRPr lang="en-US" sz="1800" kern="1200" dirty="0"/>
-        </a:p>
-      </dsp:txBody>
-      <dsp:txXfrm>
-        <a:off x="1242342" y="1147694"/>
-        <a:ext cx="1206713" cy="1514611"/>
-      </dsp:txXfrm>
-    </dsp:sp>
-    <dsp:sp modelId="{47DA5750-48DC-4E4F-815D-0B05DBC30DAB}">
-      <dsp:nvSpPr>
-        <dsp:cNvPr id="0" name=""/>
-        <dsp:cNvSpPr/>
-      </dsp:nvSpPr>
-      <dsp:spPr>
-        <a:xfrm>
-          <a:off x="4688" y="1286172"/>
-          <a:ext cx="1237654" cy="1237654"/>
-        </a:xfrm>
-        <a:prstGeom prst="ellipse">
-          <a:avLst/>
-        </a:prstGeom>
-        <a:solidFill>
-          <a:schemeClr val="accent1">
-            <a:hueOff val="0"/>
-            <a:satOff val="0"/>
-            <a:lumOff val="0"/>
-            <a:alphaOff val="0"/>
-          </a:schemeClr>
-        </a:solidFill>
-        <a:ln w="12700" cap="flat" cmpd="sng" algn="ctr">
-          <a:solidFill>
-            <a:schemeClr val="lt1">
-              <a:hueOff val="0"/>
-              <a:satOff val="0"/>
-              <a:lumOff val="0"/>
-              <a:alphaOff val="0"/>
-            </a:schemeClr>
-          </a:solidFill>
-          <a:prstDash val="solid"/>
-          <a:miter lim="800000"/>
-        </a:ln>
-        <a:effectLst/>
-      </dsp:spPr>
-      <dsp:style>
-        <a:lnRef idx="2">
-          <a:scrgbClr r="0" g="0" b="0"/>
-        </a:lnRef>
-        <a:fillRef idx="1">
-          <a:scrgbClr r="0" g="0" b="0"/>
-        </a:fillRef>
-        <a:effectRef idx="0">
-          <a:scrgbClr r="0" g="0" b="0"/>
-        </a:effectRef>
-        <a:fontRef idx="minor">
-          <a:schemeClr val="lt1"/>
-        </a:fontRef>
-      </dsp:style>
-      <dsp:txBody>
-        <a:bodyPr spcFirstLastPara="0" vert="horz" wrap="square" lIns="15240" tIns="15240" rIns="15240" bIns="15240" numCol="1" spcCol="1270" anchor="ctr" anchorCtr="0">
-          <a:noAutofit/>
-        </a:bodyPr>
-        <a:lstStyle/>
-        <a:p>
-          <a:pPr lvl="0" algn="ctr" defTabSz="1066800">
-            <a:lnSpc>
-              <a:spcPct val="90000"/>
-            </a:lnSpc>
-            <a:spcBef>
-              <a:spcPct val="0"/>
-            </a:spcBef>
-            <a:spcAft>
-              <a:spcPct val="35000"/>
-            </a:spcAft>
-          </a:pPr>
-          <a:r>
-            <a:rPr lang="en-US" sz="2400" kern="1200" dirty="0" smtClean="0"/>
-            <a:t>Step 1 Title</a:t>
-          </a:r>
-          <a:endParaRPr lang="en-US" sz="2400" kern="1200" dirty="0"/>
-        </a:p>
-      </dsp:txBody>
-      <dsp:txXfrm>
-        <a:off x="185938" y="1467422"/>
-        <a:ext cx="875154" cy="875154"/>
-      </dsp:txXfrm>
-    </dsp:sp>
-    <dsp:sp modelId="{00D2DC2C-7CA2-4A4B-B66D-3DDCAB7DC8E9}">
-      <dsp:nvSpPr>
-        <dsp:cNvPr id="0" name=""/>
-        <dsp:cNvSpPr/>
-      </dsp:nvSpPr>
-      <dsp:spPr>
-        <a:xfrm>
-          <a:off x="3872358" y="823134"/>
-          <a:ext cx="2475309" cy="2163731"/>
-        </a:xfrm>
-        <a:prstGeom prst="rightArrow">
-          <a:avLst>
-            <a:gd name="adj1" fmla="val 70000"/>
-            <a:gd name="adj2" fmla="val 50000"/>
-          </a:avLst>
-        </a:prstGeom>
-        <a:solidFill>
-          <a:schemeClr val="accent1">
-            <a:alpha val="90000"/>
-            <a:tint val="40000"/>
-            <a:hueOff val="0"/>
-            <a:satOff val="0"/>
-            <a:lumOff val="0"/>
-            <a:alphaOff val="0"/>
-          </a:schemeClr>
-        </a:solidFill>
-        <a:ln w="12700" cap="flat" cmpd="sng" algn="ctr">
-          <a:solidFill>
-            <a:schemeClr val="accent1">
-              <a:alpha val="90000"/>
-              <a:tint val="40000"/>
-              <a:hueOff val="0"/>
-              <a:satOff val="0"/>
-              <a:lumOff val="0"/>
-              <a:alphaOff val="0"/>
-            </a:schemeClr>
-          </a:solidFill>
-          <a:prstDash val="solid"/>
-          <a:miter lim="800000"/>
-        </a:ln>
-        <a:effectLst/>
-      </dsp:spPr>
-      <dsp:style>
-        <a:lnRef idx="2">
-          <a:scrgbClr r="0" g="0" b="0"/>
-        </a:lnRef>
-        <a:fillRef idx="1">
-          <a:scrgbClr r="0" g="0" b="0"/>
-        </a:fillRef>
-        <a:effectRef idx="0">
-          <a:scrgbClr r="0" g="0" b="0"/>
-        </a:effectRef>
-        <a:fontRef idx="minor"/>
-      </dsp:style>
-      <dsp:txBody>
-        <a:bodyPr spcFirstLastPara="0" vert="horz" wrap="square" lIns="45720" tIns="11430" rIns="22860" bIns="11430" numCol="1" spcCol="1270" anchor="ctr" anchorCtr="0">
-          <a:noAutofit/>
-        </a:bodyPr>
-        <a:lstStyle/>
-        <a:p>
-          <a:pPr lvl="0" algn="ctr" defTabSz="800100">
-            <a:lnSpc>
-              <a:spcPct val="90000"/>
-            </a:lnSpc>
-            <a:spcBef>
-              <a:spcPct val="0"/>
-            </a:spcBef>
-            <a:spcAft>
-              <a:spcPct val="35000"/>
-            </a:spcAft>
-          </a:pPr>
-          <a:r>
-            <a:rPr lang="en-US" sz="1800" kern="1200" dirty="0" smtClean="0"/>
-            <a:t>Task description</a:t>
-          </a:r>
-          <a:endParaRPr lang="en-US" sz="1800" kern="1200" dirty="0"/>
-        </a:p>
-      </dsp:txBody>
-      <dsp:txXfrm>
-        <a:off x="4491186" y="1147694"/>
-        <a:ext cx="1206713" cy="1514611"/>
-      </dsp:txXfrm>
-    </dsp:sp>
-    <dsp:sp modelId="{EE8733A1-7662-4D0A-B39E-2218596CC81C}">
-      <dsp:nvSpPr>
-        <dsp:cNvPr id="0" name=""/>
-        <dsp:cNvSpPr/>
-      </dsp:nvSpPr>
-      <dsp:spPr>
-        <a:xfrm>
-          <a:off x="3253531" y="1286172"/>
-          <a:ext cx="1237654" cy="1237654"/>
-        </a:xfrm>
-        <a:prstGeom prst="ellipse">
-          <a:avLst/>
-        </a:prstGeom>
-        <a:solidFill>
-          <a:schemeClr val="accent1">
-            <a:hueOff val="0"/>
-            <a:satOff val="0"/>
-            <a:lumOff val="0"/>
-            <a:alphaOff val="0"/>
-          </a:schemeClr>
-        </a:solidFill>
-        <a:ln w="12700" cap="flat" cmpd="sng" algn="ctr">
-          <a:solidFill>
-            <a:schemeClr val="lt1">
-              <a:hueOff val="0"/>
-              <a:satOff val="0"/>
-              <a:lumOff val="0"/>
-              <a:alphaOff val="0"/>
-            </a:schemeClr>
-          </a:solidFill>
-          <a:prstDash val="solid"/>
-          <a:miter lim="800000"/>
-        </a:ln>
-        <a:effectLst/>
-      </dsp:spPr>
-      <dsp:style>
-        <a:lnRef idx="2">
-          <a:scrgbClr r="0" g="0" b="0"/>
-        </a:lnRef>
-        <a:fillRef idx="1">
-          <a:scrgbClr r="0" g="0" b="0"/>
-        </a:fillRef>
-        <a:effectRef idx="0">
-          <a:scrgbClr r="0" g="0" b="0"/>
-        </a:effectRef>
-        <a:fontRef idx="minor">
-          <a:schemeClr val="lt1"/>
-        </a:fontRef>
-      </dsp:style>
-      <dsp:txBody>
-        <a:bodyPr spcFirstLastPara="0" vert="horz" wrap="square" lIns="15240" tIns="15240" rIns="15240" bIns="15240" numCol="1" spcCol="1270" anchor="ctr" anchorCtr="0">
-          <a:noAutofit/>
-        </a:bodyPr>
-        <a:lstStyle/>
-        <a:p>
-          <a:pPr lvl="0" algn="ctr" defTabSz="1066800">
-            <a:lnSpc>
-              <a:spcPct val="90000"/>
-            </a:lnSpc>
-            <a:spcBef>
-              <a:spcPct val="0"/>
-            </a:spcBef>
-            <a:spcAft>
-              <a:spcPct val="35000"/>
-            </a:spcAft>
-          </a:pPr>
-          <a:r>
-            <a:rPr lang="en-US" sz="2400" kern="1200" dirty="0" smtClean="0"/>
-            <a:t>Step 2 Title</a:t>
-          </a:r>
-          <a:endParaRPr lang="en-US" sz="2400" kern="1200" dirty="0"/>
-        </a:p>
-      </dsp:txBody>
-      <dsp:txXfrm>
-        <a:off x="3434781" y="1467422"/>
-        <a:ext cx="875154" cy="875154"/>
-      </dsp:txXfrm>
-    </dsp:sp>
-    <dsp:sp modelId="{4BF699B1-BE15-42D1-9784-AA33CF29870E}">
-      <dsp:nvSpPr>
-        <dsp:cNvPr id="0" name=""/>
-        <dsp:cNvSpPr/>
-      </dsp:nvSpPr>
-      <dsp:spPr>
-        <a:xfrm>
-          <a:off x="7121202" y="823134"/>
-          <a:ext cx="2475309" cy="2163731"/>
-        </a:xfrm>
-        <a:prstGeom prst="rightArrow">
-          <a:avLst>
-            <a:gd name="adj1" fmla="val 70000"/>
-            <a:gd name="adj2" fmla="val 50000"/>
-          </a:avLst>
-        </a:prstGeom>
-        <a:solidFill>
-          <a:schemeClr val="accent1">
-            <a:alpha val="90000"/>
-            <a:tint val="40000"/>
-            <a:hueOff val="0"/>
-            <a:satOff val="0"/>
-            <a:lumOff val="0"/>
-            <a:alphaOff val="0"/>
-          </a:schemeClr>
-        </a:solidFill>
-        <a:ln w="12700" cap="flat" cmpd="sng" algn="ctr">
-          <a:solidFill>
-            <a:schemeClr val="accent1">
-              <a:alpha val="90000"/>
-              <a:tint val="40000"/>
-              <a:hueOff val="0"/>
-              <a:satOff val="0"/>
-              <a:lumOff val="0"/>
-              <a:alphaOff val="0"/>
-            </a:schemeClr>
-          </a:solidFill>
-          <a:prstDash val="solid"/>
-          <a:miter lim="800000"/>
-        </a:ln>
-        <a:effectLst/>
-      </dsp:spPr>
-      <dsp:style>
-        <a:lnRef idx="2">
-          <a:scrgbClr r="0" g="0" b="0"/>
-        </a:lnRef>
-        <a:fillRef idx="1">
-          <a:scrgbClr r="0" g="0" b="0"/>
-        </a:fillRef>
-        <a:effectRef idx="0">
-          <a:scrgbClr r="0" g="0" b="0"/>
-        </a:effectRef>
-        <a:fontRef idx="minor"/>
-      </dsp:style>
-      <dsp:txBody>
-        <a:bodyPr spcFirstLastPara="0" vert="horz" wrap="square" lIns="45720" tIns="11430" rIns="22860" bIns="11430" numCol="1" spcCol="1270" anchor="ctr" anchorCtr="0">
-          <a:noAutofit/>
-        </a:bodyPr>
-        <a:lstStyle/>
-        <a:p>
-          <a:pPr lvl="0" algn="ctr" defTabSz="800100">
-            <a:lnSpc>
-              <a:spcPct val="90000"/>
-            </a:lnSpc>
-            <a:spcBef>
-              <a:spcPct val="0"/>
-            </a:spcBef>
-            <a:spcAft>
-              <a:spcPct val="35000"/>
-            </a:spcAft>
-          </a:pPr>
-          <a:r>
-            <a:rPr lang="en-US" sz="1800" kern="1200" dirty="0" smtClean="0"/>
-            <a:t>Task description</a:t>
-          </a:r>
-          <a:endParaRPr lang="en-US" sz="1800" kern="1200" dirty="0"/>
-        </a:p>
-      </dsp:txBody>
-      <dsp:txXfrm>
-        <a:off x="7740029" y="1147694"/>
-        <a:ext cx="1206713" cy="1514611"/>
-      </dsp:txXfrm>
-    </dsp:sp>
-    <dsp:sp modelId="{78E9A4E4-18A9-4B73-8007-A63A71C71937}">
-      <dsp:nvSpPr>
-        <dsp:cNvPr id="0" name=""/>
-        <dsp:cNvSpPr/>
-      </dsp:nvSpPr>
-      <dsp:spPr>
-        <a:xfrm>
-          <a:off x="6502375" y="1286172"/>
-          <a:ext cx="1237654" cy="1237654"/>
-        </a:xfrm>
-        <a:prstGeom prst="ellipse">
-          <a:avLst/>
-        </a:prstGeom>
-        <a:solidFill>
-          <a:schemeClr val="accent1">
-            <a:hueOff val="0"/>
-            <a:satOff val="0"/>
-            <a:lumOff val="0"/>
-            <a:alphaOff val="0"/>
-          </a:schemeClr>
-        </a:solidFill>
-        <a:ln w="12700" cap="flat" cmpd="sng" algn="ctr">
-          <a:solidFill>
-            <a:schemeClr val="lt1">
-              <a:hueOff val="0"/>
-              <a:satOff val="0"/>
-              <a:lumOff val="0"/>
-              <a:alphaOff val="0"/>
-            </a:schemeClr>
-          </a:solidFill>
-          <a:prstDash val="solid"/>
-          <a:miter lim="800000"/>
-        </a:ln>
-        <a:effectLst/>
-      </dsp:spPr>
-      <dsp:style>
-        <a:lnRef idx="2">
-          <a:scrgbClr r="0" g="0" b="0"/>
-        </a:lnRef>
-        <a:fillRef idx="1">
-          <a:scrgbClr r="0" g="0" b="0"/>
-        </a:fillRef>
-        <a:effectRef idx="0">
-          <a:scrgbClr r="0" g="0" b="0"/>
-        </a:effectRef>
-        <a:fontRef idx="minor">
-          <a:schemeClr val="lt1"/>
-        </a:fontRef>
-      </dsp:style>
-      <dsp:txBody>
-        <a:bodyPr spcFirstLastPara="0" vert="horz" wrap="square" lIns="15240" tIns="15240" rIns="15240" bIns="15240" numCol="1" spcCol="1270" anchor="ctr" anchorCtr="0">
-          <a:noAutofit/>
-        </a:bodyPr>
-        <a:lstStyle/>
-        <a:p>
-          <a:pPr lvl="0" algn="ctr" defTabSz="1066800">
-            <a:lnSpc>
-              <a:spcPct val="90000"/>
-            </a:lnSpc>
-            <a:spcBef>
-              <a:spcPct val="0"/>
-            </a:spcBef>
-            <a:spcAft>
-              <a:spcPct val="35000"/>
-            </a:spcAft>
-          </a:pPr>
-          <a:r>
-            <a:rPr lang="en-US" sz="2400" kern="1200" dirty="0" smtClean="0"/>
-            <a:t>Step 3 Title</a:t>
-          </a:r>
-          <a:endParaRPr lang="en-US" sz="2400" kern="1200" dirty="0"/>
-        </a:p>
-      </dsp:txBody>
-      <dsp:txXfrm>
-        <a:off x="6683625" y="1467422"/>
-        <a:ext cx="875154" cy="875154"/>
-      </dsp:txXfrm>
-    </dsp:sp>
   </dsp:spTree>
 </dsp:drawing>
 </file>
@@ -4166,7 +3683,7 @@
           <a:p>
             <a:fld id="{59041DB8-B66F-4DC8-A96E-33677E0F90FF}" type="datetimeFigureOut">
               <a:rPr lang="en-US" smtClean="0"/>
-              <a:t>5/11/2016</a:t>
+              <a:t>5/12/2016</a:t>
             </a:fld>
             <a:endParaRPr lang="en-US"/>
           </a:p>
@@ -4331,7 +3848,7 @@
           <a:p>
             <a:fld id="{DEB49C4A-65AC-492D-9701-81B46C3AD0E4}" type="datetimeFigureOut">
               <a:rPr lang="en-US" smtClean="0"/>
-              <a:t>5/11/2016</a:t>
+              <a:t>5/12/2016</a:t>
             </a:fld>
             <a:endParaRPr lang="en-US"/>
           </a:p>
@@ -6803,7 +6320,7 @@
           <a:p>
             <a:fld id="{384A29A4-78C8-47AB-BA06-22CB45938951}" type="datetime1">
               <a:rPr lang="en-US" smtClean="0"/>
-              <a:t>5/11/2016</a:t>
+              <a:t>5/12/2016</a:t>
             </a:fld>
             <a:endParaRPr lang="en-US"/>
           </a:p>
@@ -6995,7 +6512,7 @@
           <a:p>
             <a:fld id="{E1ED4ACF-2D82-46F2-A8E9-23963AA34E86}" type="datetime1">
               <a:rPr lang="en-US" smtClean="0"/>
-              <a:t>5/11/2016</a:t>
+              <a:t>5/12/2016</a:t>
             </a:fld>
             <a:endParaRPr lang="en-US"/>
           </a:p>
@@ -7177,7 +6694,7 @@
           <a:p>
             <a:fld id="{AE374B5B-21A0-4192-BF4C-38187F1A68D8}" type="datetime1">
               <a:rPr lang="en-US" smtClean="0"/>
-              <a:t>5/11/2016</a:t>
+              <a:t>5/12/2016</a:t>
             </a:fld>
             <a:endParaRPr lang="en-US"/>
           </a:p>
@@ -9517,7 +9034,7 @@
           <a:p>
             <a:fld id="{33B5CF7C-B333-48E1-A4A6-83A3C8B73AC0}" type="datetime1">
               <a:rPr lang="en-US" smtClean="0"/>
-              <a:t>5/11/2016</a:t>
+              <a:t>5/12/2016</a:t>
             </a:fld>
             <a:endParaRPr lang="en-US"/>
           </a:p>
@@ -9969,7 +9486,7 @@
           <a:p>
             <a:fld id="{AE320762-5CBF-4210-AB54-376B091119F8}" type="datetime1">
               <a:rPr lang="en-US" smtClean="0"/>
-              <a:t>5/11/2016</a:t>
+              <a:t>5/12/2016</a:t>
             </a:fld>
             <a:endParaRPr lang="en-US"/>
           </a:p>
@@ -10099,7 +9616,7 @@
           <a:p>
             <a:fld id="{7F0DB371-BF5F-4058-A212-1A908E4D2674}" type="datetime1">
               <a:rPr lang="en-US" smtClean="0"/>
-              <a:t>5/11/2016</a:t>
+              <a:t>5/12/2016</a:t>
             </a:fld>
             <a:endParaRPr lang="en-US"/>
           </a:p>
@@ -12029,7 +11546,7 @@
           <a:p>
             <a:fld id="{60A4083B-90AA-48CF-BAD5-00AA24D7F288}" type="datetime1">
               <a:rPr lang="en-US" smtClean="0"/>
-              <a:t>5/11/2016</a:t>
+              <a:t>5/12/2016</a:t>
             </a:fld>
             <a:endParaRPr lang="en-US"/>
           </a:p>
@@ -14276,7 +13793,7 @@
           <a:p>
             <a:fld id="{F5BAF629-ECA2-4CF3-B790-9D9BDED98269}" type="datetime1">
               <a:rPr lang="en-US" smtClean="0"/>
-              <a:t>5/11/2016</a:t>
+              <a:t>5/12/2016</a:t>
             </a:fld>
             <a:endParaRPr lang="en-US"/>
           </a:p>
@@ -18505,7 +18022,7 @@
           <a:p>
             <a:fld id="{B51B2453-8663-4C69-AF73-9FD7B1DEC5D0}" type="datetime1">
               <a:rPr lang="en-US" smtClean="0"/>
-              <a:t>5/11/2016</a:t>
+              <a:t>5/12/2016</a:t>
             </a:fld>
             <a:endParaRPr lang="en-US"/>
           </a:p>
@@ -19057,7 +18574,7 @@
         </p:spPr>
         <p:txBody>
           <a:bodyPr>
-            <a:normAutofit fontScale="85000" lnSpcReduction="20000"/>
+            <a:normAutofit/>
           </a:bodyPr>
           <a:lstStyle/>
           <a:p>
@@ -19070,13 +18587,6 @@
               <a:t>dave_mateer</a:t>
             </a:r>
             <a:endParaRPr lang="en-US" dirty="0" smtClean="0"/>
-          </a:p>
-          <a:p>
-            <a:r>
-              <a:rPr lang="en-US" dirty="0" smtClean="0"/>
-              <a:t>github.com/refactoring</a:t>
-            </a:r>
-            <a:endParaRPr lang="en-US" dirty="0"/>
           </a:p>
         </p:txBody>
       </p:sp>

--- a/Presentation1.pptx
+++ b/Presentation1.pptx
@@ -12,16 +12,16 @@
   </p:handoutMasterIdLst>
   <p:sldIdLst>
     <p:sldId id="261" r:id="rId3"/>
-    <p:sldId id="257" r:id="rId4"/>
-    <p:sldId id="262" r:id="rId5"/>
-    <p:sldId id="263" r:id="rId6"/>
-    <p:sldId id="264" r:id="rId7"/>
-    <p:sldId id="265" r:id="rId8"/>
-    <p:sldId id="266" r:id="rId9"/>
-    <p:sldId id="267" r:id="rId10"/>
-    <p:sldId id="268" r:id="rId11"/>
-    <p:sldId id="269" r:id="rId12"/>
-    <p:sldId id="270" r:id="rId13"/>
+    <p:sldId id="271" r:id="rId4"/>
+    <p:sldId id="272" r:id="rId5"/>
+    <p:sldId id="274" r:id="rId6"/>
+    <p:sldId id="273" r:id="rId7"/>
+    <p:sldId id="275" r:id="rId8"/>
+    <p:sldId id="276" r:id="rId9"/>
+    <p:sldId id="277" r:id="rId10"/>
+    <p:sldId id="279" r:id="rId11"/>
+    <p:sldId id="280" r:id="rId12"/>
+    <p:sldId id="278" r:id="rId13"/>
   </p:sldIdLst>
   <p:sldSz cx="12192000" cy="6858000"/>
   <p:notesSz cx="6858000" cy="9144000"/>
@@ -140,3465 +140,6 @@
     </p:ext>
   </p:extLst>
 </p:presentation>
-</file>
-
-<file path=ppt/charts/chart1.xml><?xml version="1.0" encoding="utf-8"?>
-<c:chartSpace xmlns:c="http://schemas.openxmlformats.org/drawingml/2006/chart" xmlns:a="http://schemas.openxmlformats.org/drawingml/2006/main" xmlns:r="http://schemas.openxmlformats.org/officeDocument/2006/relationships">
-  <c:date1904 val="0"/>
-  <c:lang val="en-US"/>
-  <c:roundedCorners val="0"/>
-  <mc:AlternateContent xmlns:mc="http://schemas.openxmlformats.org/markup-compatibility/2006">
-    <mc:Choice xmlns:c14="http://schemas.microsoft.com/office/drawing/2007/8/2/chart" Requires="c14">
-      <c14:style val="103"/>
-    </mc:Choice>
-    <mc:Fallback>
-      <c:style val="3"/>
-    </mc:Fallback>
-  </mc:AlternateContent>
-  <c:chart>
-    <c:autoTitleDeleted val="1"/>
-    <c:plotArea>
-      <c:layout/>
-      <c:barChart>
-        <c:barDir val="col"/>
-        <c:grouping val="clustered"/>
-        <c:varyColors val="0"/>
-        <c:ser>
-          <c:idx val="0"/>
-          <c:order val="0"/>
-          <c:tx>
-            <c:strRef>
-              <c:f>Sheet1!$B$1</c:f>
-              <c:strCache>
-                <c:ptCount val="1"/>
-                <c:pt idx="0">
-                  <c:v>Series 1</c:v>
-                </c:pt>
-              </c:strCache>
-            </c:strRef>
-          </c:tx>
-          <c:spPr>
-            <a:solidFill>
-              <a:schemeClr val="accent1">
-                <a:shade val="65000"/>
-              </a:schemeClr>
-            </a:solidFill>
-            <a:ln>
-              <a:noFill/>
-            </a:ln>
-            <a:effectLst/>
-          </c:spPr>
-          <c:invertIfNegative val="0"/>
-          <c:cat>
-            <c:strRef>
-              <c:f>Sheet1!$A$2:$A$5</c:f>
-              <c:strCache>
-                <c:ptCount val="4"/>
-                <c:pt idx="0">
-                  <c:v>Category 1</c:v>
-                </c:pt>
-                <c:pt idx="1">
-                  <c:v>Category 2</c:v>
-                </c:pt>
-                <c:pt idx="2">
-                  <c:v>Category 3</c:v>
-                </c:pt>
-                <c:pt idx="3">
-                  <c:v>Category 4</c:v>
-                </c:pt>
-              </c:strCache>
-            </c:strRef>
-          </c:cat>
-          <c:val>
-            <c:numRef>
-              <c:f>Sheet1!$B$2:$B$5</c:f>
-              <c:numCache>
-                <c:formatCode>General</c:formatCode>
-                <c:ptCount val="4"/>
-                <c:pt idx="0">
-                  <c:v>4.3</c:v>
-                </c:pt>
-                <c:pt idx="1">
-                  <c:v>2.5</c:v>
-                </c:pt>
-                <c:pt idx="2">
-                  <c:v>3.5</c:v>
-                </c:pt>
-                <c:pt idx="3">
-                  <c:v>4.5</c:v>
-                </c:pt>
-              </c:numCache>
-            </c:numRef>
-          </c:val>
-        </c:ser>
-        <c:ser>
-          <c:idx val="1"/>
-          <c:order val="1"/>
-          <c:tx>
-            <c:strRef>
-              <c:f>Sheet1!$C$1</c:f>
-              <c:strCache>
-                <c:ptCount val="1"/>
-                <c:pt idx="0">
-                  <c:v>Series 2</c:v>
-                </c:pt>
-              </c:strCache>
-            </c:strRef>
-          </c:tx>
-          <c:spPr>
-            <a:solidFill>
-              <a:schemeClr val="accent1"/>
-            </a:solidFill>
-            <a:ln>
-              <a:noFill/>
-            </a:ln>
-            <a:effectLst/>
-          </c:spPr>
-          <c:invertIfNegative val="0"/>
-          <c:cat>
-            <c:strRef>
-              <c:f>Sheet1!$A$2:$A$5</c:f>
-              <c:strCache>
-                <c:ptCount val="4"/>
-                <c:pt idx="0">
-                  <c:v>Category 1</c:v>
-                </c:pt>
-                <c:pt idx="1">
-                  <c:v>Category 2</c:v>
-                </c:pt>
-                <c:pt idx="2">
-                  <c:v>Category 3</c:v>
-                </c:pt>
-                <c:pt idx="3">
-                  <c:v>Category 4</c:v>
-                </c:pt>
-              </c:strCache>
-            </c:strRef>
-          </c:cat>
-          <c:val>
-            <c:numRef>
-              <c:f>Sheet1!$C$2:$C$5</c:f>
-              <c:numCache>
-                <c:formatCode>General</c:formatCode>
-                <c:ptCount val="4"/>
-                <c:pt idx="0">
-                  <c:v>2.4</c:v>
-                </c:pt>
-                <c:pt idx="1">
-                  <c:v>4.4000000000000004</c:v>
-                </c:pt>
-                <c:pt idx="2">
-                  <c:v>1.8</c:v>
-                </c:pt>
-                <c:pt idx="3">
-                  <c:v>2.8</c:v>
-                </c:pt>
-              </c:numCache>
-            </c:numRef>
-          </c:val>
-        </c:ser>
-        <c:ser>
-          <c:idx val="2"/>
-          <c:order val="2"/>
-          <c:tx>
-            <c:strRef>
-              <c:f>Sheet1!$D$1</c:f>
-              <c:strCache>
-                <c:ptCount val="1"/>
-                <c:pt idx="0">
-                  <c:v>Series 3</c:v>
-                </c:pt>
-              </c:strCache>
-            </c:strRef>
-          </c:tx>
-          <c:spPr>
-            <a:solidFill>
-              <a:schemeClr val="accent1">
-                <a:tint val="65000"/>
-              </a:schemeClr>
-            </a:solidFill>
-            <a:ln>
-              <a:noFill/>
-            </a:ln>
-            <a:effectLst/>
-          </c:spPr>
-          <c:invertIfNegative val="0"/>
-          <c:cat>
-            <c:strRef>
-              <c:f>Sheet1!$A$2:$A$5</c:f>
-              <c:strCache>
-                <c:ptCount val="4"/>
-                <c:pt idx="0">
-                  <c:v>Category 1</c:v>
-                </c:pt>
-                <c:pt idx="1">
-                  <c:v>Category 2</c:v>
-                </c:pt>
-                <c:pt idx="2">
-                  <c:v>Category 3</c:v>
-                </c:pt>
-                <c:pt idx="3">
-                  <c:v>Category 4</c:v>
-                </c:pt>
-              </c:strCache>
-            </c:strRef>
-          </c:cat>
-          <c:val>
-            <c:numRef>
-              <c:f>Sheet1!$D$2:$D$5</c:f>
-              <c:numCache>
-                <c:formatCode>General</c:formatCode>
-                <c:ptCount val="4"/>
-                <c:pt idx="0">
-                  <c:v>2</c:v>
-                </c:pt>
-                <c:pt idx="1">
-                  <c:v>2</c:v>
-                </c:pt>
-                <c:pt idx="2">
-                  <c:v>3</c:v>
-                </c:pt>
-                <c:pt idx="3">
-                  <c:v>5</c:v>
-                </c:pt>
-              </c:numCache>
-            </c:numRef>
-          </c:val>
-        </c:ser>
-        <c:dLbls>
-          <c:showLegendKey val="0"/>
-          <c:showVal val="0"/>
-          <c:showCatName val="0"/>
-          <c:showSerName val="0"/>
-          <c:showPercent val="0"/>
-          <c:showBubbleSize val="0"/>
-        </c:dLbls>
-        <c:gapWidth val="75"/>
-        <c:overlap val="-25"/>
-        <c:axId val="430931096"/>
-        <c:axId val="430933448"/>
-      </c:barChart>
-      <c:catAx>
-        <c:axId val="430931096"/>
-        <c:scaling>
-          <c:orientation val="minMax"/>
-        </c:scaling>
-        <c:delete val="0"/>
-        <c:axPos val="b"/>
-        <c:numFmt formatCode="General" sourceLinked="1"/>
-        <c:majorTickMark val="none"/>
-        <c:minorTickMark val="none"/>
-        <c:tickLblPos val="nextTo"/>
-        <c:spPr>
-          <a:noFill/>
-          <a:ln w="9525" cap="flat" cmpd="sng" algn="ctr">
-            <a:solidFill>
-              <a:schemeClr val="tx1">
-                <a:lumMod val="15000"/>
-                <a:lumOff val="85000"/>
-              </a:schemeClr>
-            </a:solidFill>
-            <a:round/>
-          </a:ln>
-          <a:effectLst/>
-        </c:spPr>
-        <c:txPr>
-          <a:bodyPr rot="-60000000" spcFirstLastPara="1" vertOverflow="ellipsis" vert="horz" wrap="square" anchor="ctr" anchorCtr="1"/>
-          <a:lstStyle/>
-          <a:p>
-            <a:pPr>
-              <a:defRPr sz="1197" b="0" i="0" u="none" strike="noStrike" kern="1200" baseline="0">
-                <a:solidFill>
-                  <a:schemeClr val="tx1">
-                    <a:lumMod val="65000"/>
-                    <a:lumOff val="35000"/>
-                  </a:schemeClr>
-                </a:solidFill>
-                <a:latin typeface="+mn-lt"/>
-                <a:ea typeface="+mn-ea"/>
-                <a:cs typeface="+mn-cs"/>
-              </a:defRPr>
-            </a:pPr>
-            <a:endParaRPr lang="en-US"/>
-          </a:p>
-        </c:txPr>
-        <c:crossAx val="430933448"/>
-        <c:crosses val="autoZero"/>
-        <c:auto val="1"/>
-        <c:lblAlgn val="ctr"/>
-        <c:lblOffset val="100"/>
-        <c:noMultiLvlLbl val="0"/>
-      </c:catAx>
-      <c:valAx>
-        <c:axId val="430933448"/>
-        <c:scaling>
-          <c:orientation val="minMax"/>
-        </c:scaling>
-        <c:delete val="0"/>
-        <c:axPos val="l"/>
-        <c:majorGridlines>
-          <c:spPr>
-            <a:ln w="9525" cap="flat" cmpd="sng" algn="ctr">
-              <a:solidFill>
-                <a:schemeClr val="tx1">
-                  <a:lumMod val="15000"/>
-                  <a:lumOff val="85000"/>
-                </a:schemeClr>
-              </a:solidFill>
-              <a:round/>
-            </a:ln>
-            <a:effectLst/>
-          </c:spPr>
-        </c:majorGridlines>
-        <c:numFmt formatCode="General" sourceLinked="1"/>
-        <c:majorTickMark val="none"/>
-        <c:minorTickMark val="none"/>
-        <c:tickLblPos val="nextTo"/>
-        <c:spPr>
-          <a:noFill/>
-          <a:ln>
-            <a:noFill/>
-          </a:ln>
-          <a:effectLst/>
-        </c:spPr>
-        <c:txPr>
-          <a:bodyPr rot="-60000000" spcFirstLastPara="1" vertOverflow="ellipsis" vert="horz" wrap="square" anchor="ctr" anchorCtr="1"/>
-          <a:lstStyle/>
-          <a:p>
-            <a:pPr>
-              <a:defRPr sz="1197" b="0" i="0" u="none" strike="noStrike" kern="1200" baseline="0">
-                <a:solidFill>
-                  <a:schemeClr val="tx1">
-                    <a:lumMod val="65000"/>
-                    <a:lumOff val="35000"/>
-                  </a:schemeClr>
-                </a:solidFill>
-                <a:latin typeface="+mn-lt"/>
-                <a:ea typeface="+mn-ea"/>
-                <a:cs typeface="+mn-cs"/>
-              </a:defRPr>
-            </a:pPr>
-            <a:endParaRPr lang="en-US"/>
-          </a:p>
-        </c:txPr>
-        <c:crossAx val="430931096"/>
-        <c:crosses val="autoZero"/>
-        <c:crossBetween val="between"/>
-      </c:valAx>
-      <c:spPr>
-        <a:noFill/>
-        <a:ln>
-          <a:noFill/>
-        </a:ln>
-        <a:effectLst/>
-      </c:spPr>
-    </c:plotArea>
-    <c:legend>
-      <c:legendPos val="b"/>
-      <c:overlay val="0"/>
-      <c:spPr>
-        <a:noFill/>
-        <a:ln>
-          <a:noFill/>
-        </a:ln>
-        <a:effectLst/>
-      </c:spPr>
-      <c:txPr>
-        <a:bodyPr rot="0" spcFirstLastPara="1" vertOverflow="ellipsis" vert="horz" wrap="square" anchor="ctr" anchorCtr="1"/>
-        <a:lstStyle/>
-        <a:p>
-          <a:pPr>
-            <a:defRPr sz="1197" b="0" i="0" u="none" strike="noStrike" kern="1200" baseline="0">
-              <a:solidFill>
-                <a:schemeClr val="tx1">
-                  <a:lumMod val="65000"/>
-                  <a:lumOff val="35000"/>
-                </a:schemeClr>
-              </a:solidFill>
-              <a:latin typeface="+mn-lt"/>
-              <a:ea typeface="+mn-ea"/>
-              <a:cs typeface="+mn-cs"/>
-            </a:defRPr>
-          </a:pPr>
-          <a:endParaRPr lang="en-US"/>
-        </a:p>
-      </c:txPr>
-    </c:legend>
-    <c:plotVisOnly val="1"/>
-    <c:dispBlanksAs val="gap"/>
-    <c:showDLblsOverMax val="0"/>
-  </c:chart>
-  <c:spPr>
-    <a:noFill/>
-    <a:ln>
-      <a:noFill/>
-    </a:ln>
-    <a:effectLst/>
-  </c:spPr>
-  <c:txPr>
-    <a:bodyPr/>
-    <a:lstStyle/>
-    <a:p>
-      <a:pPr>
-        <a:defRPr/>
-      </a:pPr>
-      <a:endParaRPr lang="en-US"/>
-    </a:p>
-  </c:txPr>
-  <c:externalData r:id="rId3">
-    <c:autoUpdate val="0"/>
-  </c:externalData>
-</c:chartSpace>
-</file>
-
-<file path=ppt/charts/colors1.xml><?xml version="1.0" encoding="utf-8"?>
-<cs:colorStyle xmlns:cs="http://schemas.microsoft.com/office/drawing/2012/chartStyle" xmlns:a="http://schemas.openxmlformats.org/drawingml/2006/main" meth="withinLinear" id="14">
-  <a:schemeClr val="accent1"/>
-</cs:colorStyle>
-</file>
-
-<file path=ppt/charts/style1.xml><?xml version="1.0" encoding="utf-8"?>
-<cs:chartStyle xmlns:cs="http://schemas.microsoft.com/office/drawing/2012/chartStyle" xmlns:a="http://schemas.openxmlformats.org/drawingml/2006/main" id="201">
-  <cs:axisTitle>
-    <cs:lnRef idx="0"/>
-    <cs:fillRef idx="0"/>
-    <cs:effectRef idx="0"/>
-    <cs:fontRef idx="minor">
-      <a:schemeClr val="tx1">
-        <a:lumMod val="65000"/>
-        <a:lumOff val="35000"/>
-      </a:schemeClr>
-    </cs:fontRef>
-    <cs:defRPr sz="1330" kern="1200"/>
-  </cs:axisTitle>
-  <cs:categoryAxis>
-    <cs:lnRef idx="0"/>
-    <cs:fillRef idx="0"/>
-    <cs:effectRef idx="0"/>
-    <cs:fontRef idx="minor">
-      <a:schemeClr val="tx1">
-        <a:lumMod val="65000"/>
-        <a:lumOff val="35000"/>
-      </a:schemeClr>
-    </cs:fontRef>
-    <cs:spPr>
-      <a:ln w="9525" cap="flat" cmpd="sng" algn="ctr">
-        <a:solidFill>
-          <a:schemeClr val="tx1">
-            <a:lumMod val="15000"/>
-            <a:lumOff val="85000"/>
-          </a:schemeClr>
-        </a:solidFill>
-        <a:round/>
-      </a:ln>
-    </cs:spPr>
-    <cs:defRPr sz="1197" kern="1200"/>
-  </cs:categoryAxis>
-  <cs:chartArea mods="allowNoFillOverride allowNoLineOverride">
-    <cs:lnRef idx="0"/>
-    <cs:fillRef idx="0"/>
-    <cs:effectRef idx="0"/>
-    <cs:fontRef idx="minor">
-      <a:schemeClr val="tx1"/>
-    </cs:fontRef>
-    <cs:spPr>
-      <a:solidFill>
-        <a:schemeClr val="bg1"/>
-      </a:solidFill>
-      <a:ln w="9525" cap="flat" cmpd="sng" algn="ctr">
-        <a:solidFill>
-          <a:schemeClr val="tx1">
-            <a:lumMod val="15000"/>
-            <a:lumOff val="85000"/>
-          </a:schemeClr>
-        </a:solidFill>
-        <a:round/>
-      </a:ln>
-    </cs:spPr>
-    <cs:defRPr sz="1330" kern="1200"/>
-  </cs:chartArea>
-  <cs:dataLabel>
-    <cs:lnRef idx="0"/>
-    <cs:fillRef idx="0"/>
-    <cs:effectRef idx="0"/>
-    <cs:fontRef idx="minor">
-      <a:schemeClr val="tx1">
-        <a:lumMod val="75000"/>
-        <a:lumOff val="25000"/>
-      </a:schemeClr>
-    </cs:fontRef>
-    <cs:defRPr sz="1197" kern="1200"/>
-  </cs:dataLabel>
-  <cs:dataLabelCallout>
-    <cs:lnRef idx="0"/>
-    <cs:fillRef idx="0"/>
-    <cs:effectRef idx="0"/>
-    <cs:fontRef idx="minor">
-      <a:schemeClr val="dk1">
-        <a:lumMod val="65000"/>
-        <a:lumOff val="35000"/>
-      </a:schemeClr>
-    </cs:fontRef>
-    <cs:spPr>
-      <a:solidFill>
-        <a:schemeClr val="lt1"/>
-      </a:solidFill>
-      <a:ln>
-        <a:solidFill>
-          <a:schemeClr val="dk1">
-            <a:lumMod val="25000"/>
-            <a:lumOff val="75000"/>
-          </a:schemeClr>
-        </a:solidFill>
-      </a:ln>
-    </cs:spPr>
-    <cs:defRPr sz="1197" kern="1200"/>
-  </cs:dataLabelCallout>
-  <cs:dataPoint>
-    <cs:lnRef idx="0"/>
-    <cs:fillRef idx="1">
-      <cs:styleClr val="auto"/>
-    </cs:fillRef>
-    <cs:effectRef idx="0"/>
-    <cs:fontRef idx="minor">
-      <a:schemeClr val="tx1"/>
-    </cs:fontRef>
-  </cs:dataPoint>
-  <cs:dataPoint3D>
-    <cs:lnRef idx="0"/>
-    <cs:fillRef idx="1">
-      <cs:styleClr val="auto"/>
-    </cs:fillRef>
-    <cs:effectRef idx="0"/>
-    <cs:fontRef idx="minor">
-      <a:schemeClr val="tx1"/>
-    </cs:fontRef>
-  </cs:dataPoint3D>
-  <cs:dataPointLine>
-    <cs:lnRef idx="0">
-      <cs:styleClr val="auto"/>
-    </cs:lnRef>
-    <cs:fillRef idx="1"/>
-    <cs:effectRef idx="0"/>
-    <cs:fontRef idx="minor">
-      <a:schemeClr val="tx1"/>
-    </cs:fontRef>
-    <cs:spPr>
-      <a:ln w="28575" cap="rnd">
-        <a:solidFill>
-          <a:schemeClr val="phClr"/>
-        </a:solidFill>
-        <a:round/>
-      </a:ln>
-    </cs:spPr>
-  </cs:dataPointLine>
-  <cs:dataPointMarker>
-    <cs:lnRef idx="0">
-      <cs:styleClr val="auto"/>
-    </cs:lnRef>
-    <cs:fillRef idx="1">
-      <cs:styleClr val="auto"/>
-    </cs:fillRef>
-    <cs:effectRef idx="0"/>
-    <cs:fontRef idx="minor">
-      <a:schemeClr val="tx1"/>
-    </cs:fontRef>
-    <cs:spPr>
-      <a:ln w="9525">
-        <a:solidFill>
-          <a:schemeClr val="phClr"/>
-        </a:solidFill>
-      </a:ln>
-    </cs:spPr>
-  </cs:dataPointMarker>
-  <cs:dataPointMarkerLayout symbol="circle" size="5"/>
-  <cs:dataPointWireframe>
-    <cs:lnRef idx="0">
-      <cs:styleClr val="auto"/>
-    </cs:lnRef>
-    <cs:fillRef idx="1"/>
-    <cs:effectRef idx="0"/>
-    <cs:fontRef idx="minor">
-      <a:schemeClr val="tx1"/>
-    </cs:fontRef>
-    <cs:spPr>
-      <a:ln w="9525" cap="rnd">
-        <a:solidFill>
-          <a:schemeClr val="phClr"/>
-        </a:solidFill>
-        <a:round/>
-      </a:ln>
-    </cs:spPr>
-  </cs:dataPointWireframe>
-  <cs:dataTable>
-    <cs:lnRef idx="0"/>
-    <cs:fillRef idx="0"/>
-    <cs:effectRef idx="0"/>
-    <cs:fontRef idx="minor">
-      <a:schemeClr val="tx1">
-        <a:lumMod val="65000"/>
-        <a:lumOff val="35000"/>
-      </a:schemeClr>
-    </cs:fontRef>
-    <cs:spPr>
-      <a:noFill/>
-      <a:ln w="9525" cap="flat" cmpd="sng" algn="ctr">
-        <a:solidFill>
-          <a:schemeClr val="tx1">
-            <a:lumMod val="15000"/>
-            <a:lumOff val="85000"/>
-          </a:schemeClr>
-        </a:solidFill>
-        <a:round/>
-      </a:ln>
-    </cs:spPr>
-    <cs:defRPr sz="1197" kern="1200"/>
-  </cs:dataTable>
-  <cs:downBar>
-    <cs:lnRef idx="0"/>
-    <cs:fillRef idx="0"/>
-    <cs:effectRef idx="0"/>
-    <cs:fontRef idx="minor">
-      <a:schemeClr val="dk1"/>
-    </cs:fontRef>
-    <cs:spPr>
-      <a:solidFill>
-        <a:schemeClr val="dk1">
-          <a:lumMod val="65000"/>
-          <a:lumOff val="35000"/>
-        </a:schemeClr>
-      </a:solidFill>
-      <a:ln w="9525">
-        <a:solidFill>
-          <a:schemeClr val="tx1">
-            <a:lumMod val="65000"/>
-            <a:lumOff val="35000"/>
-          </a:schemeClr>
-        </a:solidFill>
-      </a:ln>
-    </cs:spPr>
-  </cs:downBar>
-  <cs:dropLine>
-    <cs:lnRef idx="0"/>
-    <cs:fillRef idx="0"/>
-    <cs:effectRef idx="0"/>
-    <cs:fontRef idx="minor">
-      <a:schemeClr val="tx1"/>
-    </cs:fontRef>
-    <cs:spPr>
-      <a:ln w="9525" cap="flat" cmpd="sng" algn="ctr">
-        <a:solidFill>
-          <a:schemeClr val="tx1">
-            <a:lumMod val="35000"/>
-            <a:lumOff val="65000"/>
-          </a:schemeClr>
-        </a:solidFill>
-        <a:round/>
-      </a:ln>
-    </cs:spPr>
-  </cs:dropLine>
-  <cs:errorBar>
-    <cs:lnRef idx="0"/>
-    <cs:fillRef idx="0"/>
-    <cs:effectRef idx="0"/>
-    <cs:fontRef idx="minor">
-      <a:schemeClr val="tx1"/>
-    </cs:fontRef>
-    <cs:spPr>
-      <a:ln w="9525" cap="flat" cmpd="sng" algn="ctr">
-        <a:solidFill>
-          <a:schemeClr val="tx1">
-            <a:lumMod val="65000"/>
-            <a:lumOff val="35000"/>
-          </a:schemeClr>
-        </a:solidFill>
-        <a:round/>
-      </a:ln>
-    </cs:spPr>
-  </cs:errorBar>
-  <cs:floor>
-    <cs:lnRef idx="0"/>
-    <cs:fillRef idx="0"/>
-    <cs:effectRef idx="0"/>
-    <cs:fontRef idx="minor">
-      <a:schemeClr val="tx1"/>
-    </cs:fontRef>
-    <cs:spPr>
-      <a:noFill/>
-      <a:ln>
-        <a:noFill/>
-      </a:ln>
-    </cs:spPr>
-  </cs:floor>
-  <cs:gridlineMajor>
-    <cs:lnRef idx="0"/>
-    <cs:fillRef idx="0"/>
-    <cs:effectRef idx="0"/>
-    <cs:fontRef idx="minor">
-      <a:schemeClr val="tx1"/>
-    </cs:fontRef>
-    <cs:spPr>
-      <a:ln w="9525" cap="flat" cmpd="sng" algn="ctr">
-        <a:solidFill>
-          <a:schemeClr val="tx1">
-            <a:lumMod val="15000"/>
-            <a:lumOff val="85000"/>
-          </a:schemeClr>
-        </a:solidFill>
-        <a:round/>
-      </a:ln>
-    </cs:spPr>
-  </cs:gridlineMajor>
-  <cs:gridlineMinor>
-    <cs:lnRef idx="0"/>
-    <cs:fillRef idx="0"/>
-    <cs:effectRef idx="0"/>
-    <cs:fontRef idx="minor">
-      <a:schemeClr val="tx1"/>
-    </cs:fontRef>
-    <cs:spPr>
-      <a:ln w="9525" cap="flat" cmpd="sng" algn="ctr">
-        <a:solidFill>
-          <a:schemeClr val="tx1">
-            <a:lumMod val="5000"/>
-            <a:lumOff val="95000"/>
-          </a:schemeClr>
-        </a:solidFill>
-        <a:round/>
-      </a:ln>
-    </cs:spPr>
-  </cs:gridlineMinor>
-  <cs:hiLoLine>
-    <cs:lnRef idx="0"/>
-    <cs:fillRef idx="0"/>
-    <cs:effectRef idx="0"/>
-    <cs:fontRef idx="minor">
-      <a:schemeClr val="tx1"/>
-    </cs:fontRef>
-    <cs:spPr>
-      <a:ln w="9525" cap="flat" cmpd="sng" algn="ctr">
-        <a:solidFill>
-          <a:schemeClr val="tx1">
-            <a:lumMod val="75000"/>
-            <a:lumOff val="25000"/>
-          </a:schemeClr>
-        </a:solidFill>
-        <a:round/>
-      </a:ln>
-    </cs:spPr>
-  </cs:hiLoLine>
-  <cs:leaderLine>
-    <cs:lnRef idx="0"/>
-    <cs:fillRef idx="0"/>
-    <cs:effectRef idx="0"/>
-    <cs:fontRef idx="minor">
-      <a:schemeClr val="tx1"/>
-    </cs:fontRef>
-    <cs:spPr>
-      <a:ln w="9525" cap="flat" cmpd="sng" algn="ctr">
-        <a:solidFill>
-          <a:schemeClr val="tx1">
-            <a:lumMod val="35000"/>
-            <a:lumOff val="65000"/>
-          </a:schemeClr>
-        </a:solidFill>
-        <a:round/>
-      </a:ln>
-    </cs:spPr>
-  </cs:leaderLine>
-  <cs:legend>
-    <cs:lnRef idx="0"/>
-    <cs:fillRef idx="0"/>
-    <cs:effectRef idx="0"/>
-    <cs:fontRef idx="minor">
-      <a:schemeClr val="tx1">
-        <a:lumMod val="65000"/>
-        <a:lumOff val="35000"/>
-      </a:schemeClr>
-    </cs:fontRef>
-    <cs:defRPr sz="1197" kern="1200"/>
-  </cs:legend>
-  <cs:plotArea mods="allowNoFillOverride allowNoLineOverride">
-    <cs:lnRef idx="0"/>
-    <cs:fillRef idx="0"/>
-    <cs:effectRef idx="0"/>
-    <cs:fontRef idx="minor">
-      <a:schemeClr val="tx1"/>
-    </cs:fontRef>
-  </cs:plotArea>
-  <cs:plotArea3D mods="allowNoFillOverride allowNoLineOverride">
-    <cs:lnRef idx="0"/>
-    <cs:fillRef idx="0"/>
-    <cs:effectRef idx="0"/>
-    <cs:fontRef idx="minor">
-      <a:schemeClr val="tx1"/>
-    </cs:fontRef>
-  </cs:plotArea3D>
-  <cs:seriesAxis>
-    <cs:lnRef idx="0"/>
-    <cs:fillRef idx="0"/>
-    <cs:effectRef idx="0"/>
-    <cs:fontRef idx="minor">
-      <a:schemeClr val="tx1">
-        <a:lumMod val="65000"/>
-        <a:lumOff val="35000"/>
-      </a:schemeClr>
-    </cs:fontRef>
-    <cs:defRPr sz="1197" kern="1200"/>
-  </cs:seriesAxis>
-  <cs:seriesLine>
-    <cs:lnRef idx="0"/>
-    <cs:fillRef idx="0"/>
-    <cs:effectRef idx="0"/>
-    <cs:fontRef idx="minor">
-      <a:schemeClr val="tx1"/>
-    </cs:fontRef>
-    <cs:spPr>
-      <a:ln w="9525" cap="flat" cmpd="sng" algn="ctr">
-        <a:solidFill>
-          <a:schemeClr val="tx1">
-            <a:lumMod val="35000"/>
-            <a:lumOff val="65000"/>
-          </a:schemeClr>
-        </a:solidFill>
-        <a:round/>
-      </a:ln>
-    </cs:spPr>
-  </cs:seriesLine>
-  <cs:title>
-    <cs:lnRef idx="0"/>
-    <cs:fillRef idx="0"/>
-    <cs:effectRef idx="0"/>
-    <cs:fontRef idx="minor">
-      <a:schemeClr val="tx1">
-        <a:lumMod val="65000"/>
-        <a:lumOff val="35000"/>
-      </a:schemeClr>
-    </cs:fontRef>
-    <cs:defRPr sz="1862" b="0" kern="1200" spc="0" baseline="0"/>
-  </cs:title>
-  <cs:trendline>
-    <cs:lnRef idx="0">
-      <cs:styleClr val="auto"/>
-    </cs:lnRef>
-    <cs:fillRef idx="0"/>
-    <cs:effectRef idx="0"/>
-    <cs:fontRef idx="minor">
-      <a:schemeClr val="tx1"/>
-    </cs:fontRef>
-    <cs:spPr>
-      <a:ln w="19050" cap="rnd">
-        <a:solidFill>
-          <a:schemeClr val="phClr"/>
-        </a:solidFill>
-        <a:prstDash val="sysDot"/>
-      </a:ln>
-    </cs:spPr>
-  </cs:trendline>
-  <cs:trendlineLabel>
-    <cs:lnRef idx="0"/>
-    <cs:fillRef idx="0"/>
-    <cs:effectRef idx="0"/>
-    <cs:fontRef idx="minor">
-      <a:schemeClr val="tx1">
-        <a:lumMod val="65000"/>
-        <a:lumOff val="35000"/>
-      </a:schemeClr>
-    </cs:fontRef>
-    <cs:defRPr sz="1197" kern="1200"/>
-  </cs:trendlineLabel>
-  <cs:upBar>
-    <cs:lnRef idx="0"/>
-    <cs:fillRef idx="0"/>
-    <cs:effectRef idx="0"/>
-    <cs:fontRef idx="minor">
-      <a:schemeClr val="dk1"/>
-    </cs:fontRef>
-    <cs:spPr>
-      <a:solidFill>
-        <a:schemeClr val="lt1"/>
-      </a:solidFill>
-      <a:ln w="9525">
-        <a:solidFill>
-          <a:schemeClr val="tx1">
-            <a:lumMod val="15000"/>
-            <a:lumOff val="85000"/>
-          </a:schemeClr>
-        </a:solidFill>
-      </a:ln>
-    </cs:spPr>
-  </cs:upBar>
-  <cs:valueAxis>
-    <cs:lnRef idx="0"/>
-    <cs:fillRef idx="0"/>
-    <cs:effectRef idx="0"/>
-    <cs:fontRef idx="minor">
-      <a:schemeClr val="tx1">
-        <a:lumMod val="65000"/>
-        <a:lumOff val="35000"/>
-      </a:schemeClr>
-    </cs:fontRef>
-    <cs:defRPr sz="1197" kern="1200"/>
-  </cs:valueAxis>
-  <cs:wall>
-    <cs:lnRef idx="0"/>
-    <cs:fillRef idx="0"/>
-    <cs:effectRef idx="0"/>
-    <cs:fontRef idx="minor">
-      <a:schemeClr val="tx1"/>
-    </cs:fontRef>
-    <cs:spPr>
-      <a:noFill/>
-      <a:ln>
-        <a:noFill/>
-      </a:ln>
-    </cs:spPr>
-  </cs:wall>
-</cs:chartStyle>
-</file>
-
-<file path=ppt/diagrams/colors1.xml><?xml version="1.0" encoding="utf-8"?>
-<dgm:colorsDef xmlns:dgm="http://schemas.openxmlformats.org/drawingml/2006/diagram" xmlns:a="http://schemas.openxmlformats.org/drawingml/2006/main" uniqueId="urn:microsoft.com/office/officeart/2005/8/colors/accent1_2">
-  <dgm:title val=""/>
-  <dgm:desc val=""/>
-  <dgm:catLst>
-    <dgm:cat type="accent1" pri="11200"/>
-  </dgm:catLst>
-  <dgm:styleLbl name="node0">
-    <dgm:fillClrLst meth="repeat">
-      <a:schemeClr val="accent1"/>
-    </dgm:fillClrLst>
-    <dgm:linClrLst meth="repeat">
-      <a:schemeClr val="lt1"/>
-    </dgm:linClrLst>
-    <dgm:effectClrLst/>
-    <dgm:txLinClrLst/>
-    <dgm:txFillClrLst/>
-    <dgm:txEffectClrLst/>
-  </dgm:styleLbl>
-  <dgm:styleLbl name="alignNode1">
-    <dgm:fillClrLst meth="repeat">
-      <a:schemeClr val="accent1"/>
-    </dgm:fillClrLst>
-    <dgm:linClrLst meth="repeat">
-      <a:schemeClr val="accent1"/>
-    </dgm:linClrLst>
-    <dgm:effectClrLst/>
-    <dgm:txLinClrLst/>
-    <dgm:txFillClrLst/>
-    <dgm:txEffectClrLst/>
-  </dgm:styleLbl>
-  <dgm:styleLbl name="node1">
-    <dgm:fillClrLst meth="repeat">
-      <a:schemeClr val="accent1"/>
-    </dgm:fillClrLst>
-    <dgm:linClrLst meth="repeat">
-      <a:schemeClr val="lt1"/>
-    </dgm:linClrLst>
-    <dgm:effectClrLst/>
-    <dgm:txLinClrLst/>
-    <dgm:txFillClrLst/>
-    <dgm:txEffectClrLst/>
-  </dgm:styleLbl>
-  <dgm:styleLbl name="lnNode1">
-    <dgm:fillClrLst meth="repeat">
-      <a:schemeClr val="accent1"/>
-    </dgm:fillClrLst>
-    <dgm:linClrLst meth="repeat">
-      <a:schemeClr val="lt1"/>
-    </dgm:linClrLst>
-    <dgm:effectClrLst/>
-    <dgm:txLinClrLst/>
-    <dgm:txFillClrLst/>
-    <dgm:txEffectClrLst/>
-  </dgm:styleLbl>
-  <dgm:styleLbl name="vennNode1">
-    <dgm:fillClrLst meth="repeat">
-      <a:schemeClr val="accent1">
-        <a:alpha val="50000"/>
-      </a:schemeClr>
-    </dgm:fillClrLst>
-    <dgm:linClrLst meth="repeat">
-      <a:schemeClr val="lt1"/>
-    </dgm:linClrLst>
-    <dgm:effectClrLst/>
-    <dgm:txLinClrLst/>
-    <dgm:txFillClrLst/>
-    <dgm:txEffectClrLst/>
-  </dgm:styleLbl>
-  <dgm:styleLbl name="node2">
-    <dgm:fillClrLst meth="repeat">
-      <a:schemeClr val="accent1"/>
-    </dgm:fillClrLst>
-    <dgm:linClrLst meth="repeat">
-      <a:schemeClr val="lt1"/>
-    </dgm:linClrLst>
-    <dgm:effectClrLst/>
-    <dgm:txLinClrLst/>
-    <dgm:txFillClrLst/>
-    <dgm:txEffectClrLst/>
-  </dgm:styleLbl>
-  <dgm:styleLbl name="node3">
-    <dgm:fillClrLst meth="repeat">
-      <a:schemeClr val="accent1"/>
-    </dgm:fillClrLst>
-    <dgm:linClrLst meth="repeat">
-      <a:schemeClr val="lt1"/>
-    </dgm:linClrLst>
-    <dgm:effectClrLst/>
-    <dgm:txLinClrLst/>
-    <dgm:txFillClrLst/>
-    <dgm:txEffectClrLst/>
-  </dgm:styleLbl>
-  <dgm:styleLbl name="node4">
-    <dgm:fillClrLst meth="repeat">
-      <a:schemeClr val="accent1"/>
-    </dgm:fillClrLst>
-    <dgm:linClrLst meth="repeat">
-      <a:schemeClr val="lt1"/>
-    </dgm:linClrLst>
-    <dgm:effectClrLst/>
-    <dgm:txLinClrLst/>
-    <dgm:txFillClrLst/>
-    <dgm:txEffectClrLst/>
-  </dgm:styleLbl>
-  <dgm:styleLbl name="fgImgPlace1">
-    <dgm:fillClrLst meth="repeat">
-      <a:schemeClr val="accent1">
-        <a:tint val="50000"/>
-      </a:schemeClr>
-    </dgm:fillClrLst>
-    <dgm:linClrLst meth="repeat">
-      <a:schemeClr val="lt1"/>
-    </dgm:linClrLst>
-    <dgm:effectClrLst/>
-    <dgm:txLinClrLst/>
-    <dgm:txFillClrLst meth="repeat">
-      <a:schemeClr val="lt1"/>
-    </dgm:txFillClrLst>
-    <dgm:txEffectClrLst/>
-  </dgm:styleLbl>
-  <dgm:styleLbl name="alignImgPlace1">
-    <dgm:fillClrLst meth="repeat">
-      <a:schemeClr val="accent1">
-        <a:tint val="50000"/>
-      </a:schemeClr>
-    </dgm:fillClrLst>
-    <dgm:linClrLst meth="repeat">
-      <a:schemeClr val="lt1"/>
-    </dgm:linClrLst>
-    <dgm:effectClrLst/>
-    <dgm:txLinClrLst/>
-    <dgm:txFillClrLst meth="repeat">
-      <a:schemeClr val="lt1"/>
-    </dgm:txFillClrLst>
-    <dgm:txEffectClrLst/>
-  </dgm:styleLbl>
-  <dgm:styleLbl name="bgImgPlace1">
-    <dgm:fillClrLst meth="repeat">
-      <a:schemeClr val="accent1">
-        <a:tint val="50000"/>
-      </a:schemeClr>
-    </dgm:fillClrLst>
-    <dgm:linClrLst meth="repeat">
-      <a:schemeClr val="lt1"/>
-    </dgm:linClrLst>
-    <dgm:effectClrLst/>
-    <dgm:txLinClrLst/>
-    <dgm:txFillClrLst meth="repeat">
-      <a:schemeClr val="lt1"/>
-    </dgm:txFillClrLst>
-    <dgm:txEffectClrLst/>
-  </dgm:styleLbl>
-  <dgm:styleLbl name="sibTrans2D1">
-    <dgm:fillClrLst meth="repeat">
-      <a:schemeClr val="accent1">
-        <a:tint val="60000"/>
-      </a:schemeClr>
-    </dgm:fillClrLst>
-    <dgm:linClrLst meth="repeat">
-      <a:schemeClr val="accent1">
-        <a:tint val="60000"/>
-      </a:schemeClr>
-    </dgm:linClrLst>
-    <dgm:effectClrLst/>
-    <dgm:txLinClrLst/>
-    <dgm:txFillClrLst/>
-    <dgm:txEffectClrLst/>
-  </dgm:styleLbl>
-  <dgm:styleLbl name="fgSibTrans2D1">
-    <dgm:fillClrLst meth="repeat">
-      <a:schemeClr val="accent1">
-        <a:tint val="60000"/>
-      </a:schemeClr>
-    </dgm:fillClrLst>
-    <dgm:linClrLst meth="repeat">
-      <a:schemeClr val="accent1">
-        <a:tint val="60000"/>
-      </a:schemeClr>
-    </dgm:linClrLst>
-    <dgm:effectClrLst/>
-    <dgm:txLinClrLst/>
-    <dgm:txFillClrLst/>
-    <dgm:txEffectClrLst/>
-  </dgm:styleLbl>
-  <dgm:styleLbl name="bgSibTrans2D1">
-    <dgm:fillClrLst meth="repeat">
-      <a:schemeClr val="accent1">
-        <a:tint val="60000"/>
-      </a:schemeClr>
-    </dgm:fillClrLst>
-    <dgm:linClrLst meth="repeat">
-      <a:schemeClr val="accent1">
-        <a:tint val="60000"/>
-      </a:schemeClr>
-    </dgm:linClrLst>
-    <dgm:effectClrLst/>
-    <dgm:txLinClrLst/>
-    <dgm:txFillClrLst/>
-    <dgm:txEffectClrLst/>
-  </dgm:styleLbl>
-  <dgm:styleLbl name="sibTrans1D1">
-    <dgm:fillClrLst meth="repeat">
-      <a:schemeClr val="accent1"/>
-    </dgm:fillClrLst>
-    <dgm:linClrLst meth="repeat">
-      <a:schemeClr val="accent1"/>
-    </dgm:linClrLst>
-    <dgm:effectClrLst/>
-    <dgm:txLinClrLst/>
-    <dgm:txFillClrLst meth="repeat">
-      <a:schemeClr val="tx1"/>
-    </dgm:txFillClrLst>
-    <dgm:txEffectClrLst/>
-  </dgm:styleLbl>
-  <dgm:styleLbl name="callout">
-    <dgm:fillClrLst meth="repeat">
-      <a:schemeClr val="accent1"/>
-    </dgm:fillClrLst>
-    <dgm:linClrLst meth="repeat">
-      <a:schemeClr val="accent1">
-        <a:tint val="50000"/>
-      </a:schemeClr>
-    </dgm:linClrLst>
-    <dgm:effectClrLst/>
-    <dgm:txLinClrLst/>
-    <dgm:txFillClrLst meth="repeat">
-      <a:schemeClr val="tx1"/>
-    </dgm:txFillClrLst>
-    <dgm:txEffectClrLst/>
-  </dgm:styleLbl>
-  <dgm:styleLbl name="asst0">
-    <dgm:fillClrLst meth="repeat">
-      <a:schemeClr val="accent1"/>
-    </dgm:fillClrLst>
-    <dgm:linClrLst meth="repeat">
-      <a:schemeClr val="lt1"/>
-    </dgm:linClrLst>
-    <dgm:effectClrLst/>
-    <dgm:txLinClrLst/>
-    <dgm:txFillClrLst/>
-    <dgm:txEffectClrLst/>
-  </dgm:styleLbl>
-  <dgm:styleLbl name="asst1">
-    <dgm:fillClrLst meth="repeat">
-      <a:schemeClr val="accent1"/>
-    </dgm:fillClrLst>
-    <dgm:linClrLst meth="repeat">
-      <a:schemeClr val="lt1"/>
-    </dgm:linClrLst>
-    <dgm:effectClrLst/>
-    <dgm:txLinClrLst/>
-    <dgm:txFillClrLst/>
-    <dgm:txEffectClrLst/>
-  </dgm:styleLbl>
-  <dgm:styleLbl name="asst2">
-    <dgm:fillClrLst meth="repeat">
-      <a:schemeClr val="accent1"/>
-    </dgm:fillClrLst>
-    <dgm:linClrLst meth="repeat">
-      <a:schemeClr val="lt1"/>
-    </dgm:linClrLst>
-    <dgm:effectClrLst/>
-    <dgm:txLinClrLst/>
-    <dgm:txFillClrLst/>
-    <dgm:txEffectClrLst/>
-  </dgm:styleLbl>
-  <dgm:styleLbl name="asst3">
-    <dgm:fillClrLst meth="repeat">
-      <a:schemeClr val="accent1"/>
-    </dgm:fillClrLst>
-    <dgm:linClrLst meth="repeat">
-      <a:schemeClr val="lt1"/>
-    </dgm:linClrLst>
-    <dgm:effectClrLst/>
-    <dgm:txLinClrLst/>
-    <dgm:txFillClrLst/>
-    <dgm:txEffectClrLst/>
-  </dgm:styleLbl>
-  <dgm:styleLbl name="asst4">
-    <dgm:fillClrLst meth="repeat">
-      <a:schemeClr val="accent1"/>
-    </dgm:fillClrLst>
-    <dgm:linClrLst meth="repeat">
-      <a:schemeClr val="lt1"/>
-    </dgm:linClrLst>
-    <dgm:effectClrLst/>
-    <dgm:txLinClrLst/>
-    <dgm:txFillClrLst/>
-    <dgm:txEffectClrLst/>
-  </dgm:styleLbl>
-  <dgm:styleLbl name="parChTrans2D1">
-    <dgm:fillClrLst meth="repeat">
-      <a:schemeClr val="accent1">
-        <a:tint val="60000"/>
-      </a:schemeClr>
-    </dgm:fillClrLst>
-    <dgm:linClrLst meth="repeat">
-      <a:schemeClr val="accent1">
-        <a:tint val="60000"/>
-      </a:schemeClr>
-    </dgm:linClrLst>
-    <dgm:effectClrLst/>
-    <dgm:txLinClrLst/>
-    <dgm:txFillClrLst meth="repeat">
-      <a:schemeClr val="lt1"/>
-    </dgm:txFillClrLst>
-    <dgm:txEffectClrLst/>
-  </dgm:styleLbl>
-  <dgm:styleLbl name="parChTrans2D2">
-    <dgm:fillClrLst meth="repeat">
-      <a:schemeClr val="accent1"/>
-    </dgm:fillClrLst>
-    <dgm:linClrLst meth="repeat">
-      <a:schemeClr val="accent1"/>
-    </dgm:linClrLst>
-    <dgm:effectClrLst/>
-    <dgm:txLinClrLst/>
-    <dgm:txFillClrLst meth="repeat">
-      <a:schemeClr val="lt1"/>
-    </dgm:txFillClrLst>
-    <dgm:txEffectClrLst/>
-  </dgm:styleLbl>
-  <dgm:styleLbl name="parChTrans2D3">
-    <dgm:fillClrLst meth="repeat">
-      <a:schemeClr val="accent1"/>
-    </dgm:fillClrLst>
-    <dgm:linClrLst meth="repeat">
-      <a:schemeClr val="accent1"/>
-    </dgm:linClrLst>
-    <dgm:effectClrLst/>
-    <dgm:txLinClrLst/>
-    <dgm:txFillClrLst meth="repeat">
-      <a:schemeClr val="lt1"/>
-    </dgm:txFillClrLst>
-    <dgm:txEffectClrLst/>
-  </dgm:styleLbl>
-  <dgm:styleLbl name="parChTrans2D4">
-    <dgm:fillClrLst meth="repeat">
-      <a:schemeClr val="accent1"/>
-    </dgm:fillClrLst>
-    <dgm:linClrLst meth="repeat">
-      <a:schemeClr val="accent1"/>
-    </dgm:linClrLst>
-    <dgm:effectClrLst/>
-    <dgm:txLinClrLst/>
-    <dgm:txFillClrLst meth="repeat">
-      <a:schemeClr val="lt1"/>
-    </dgm:txFillClrLst>
-    <dgm:txEffectClrLst/>
-  </dgm:styleLbl>
-  <dgm:styleLbl name="parChTrans1D1">
-    <dgm:fillClrLst meth="repeat">
-      <a:schemeClr val="accent1"/>
-    </dgm:fillClrLst>
-    <dgm:linClrLst meth="repeat">
-      <a:schemeClr val="accent1">
-        <a:shade val="60000"/>
-      </a:schemeClr>
-    </dgm:linClrLst>
-    <dgm:effectClrLst/>
-    <dgm:txLinClrLst/>
-    <dgm:txFillClrLst meth="repeat">
-      <a:schemeClr val="tx1"/>
-    </dgm:txFillClrLst>
-    <dgm:txEffectClrLst/>
-  </dgm:styleLbl>
-  <dgm:styleLbl name="parChTrans1D2">
-    <dgm:fillClrLst meth="repeat">
-      <a:schemeClr val="accent1"/>
-    </dgm:fillClrLst>
-    <dgm:linClrLst meth="repeat">
-      <a:schemeClr val="accent1">
-        <a:shade val="60000"/>
-      </a:schemeClr>
-    </dgm:linClrLst>
-    <dgm:effectClrLst/>
-    <dgm:txLinClrLst/>
-    <dgm:txFillClrLst meth="repeat">
-      <a:schemeClr val="tx1"/>
-    </dgm:txFillClrLst>
-    <dgm:txEffectClrLst/>
-  </dgm:styleLbl>
-  <dgm:styleLbl name="parChTrans1D3">
-    <dgm:fillClrLst meth="repeat">
-      <a:schemeClr val="accent1"/>
-    </dgm:fillClrLst>
-    <dgm:linClrLst meth="repeat">
-      <a:schemeClr val="accent1">
-        <a:shade val="80000"/>
-      </a:schemeClr>
-    </dgm:linClrLst>
-    <dgm:effectClrLst/>
-    <dgm:txLinClrLst/>
-    <dgm:txFillClrLst meth="repeat">
-      <a:schemeClr val="tx1"/>
-    </dgm:txFillClrLst>
-    <dgm:txEffectClrLst/>
-  </dgm:styleLbl>
-  <dgm:styleLbl name="parChTrans1D4">
-    <dgm:fillClrLst meth="repeat">
-      <a:schemeClr val="accent1"/>
-    </dgm:fillClrLst>
-    <dgm:linClrLst meth="repeat">
-      <a:schemeClr val="accent1">
-        <a:shade val="80000"/>
-      </a:schemeClr>
-    </dgm:linClrLst>
-    <dgm:effectClrLst/>
-    <dgm:txLinClrLst/>
-    <dgm:txFillClrLst meth="repeat">
-      <a:schemeClr val="tx1"/>
-    </dgm:txFillClrLst>
-    <dgm:txEffectClrLst/>
-  </dgm:styleLbl>
-  <dgm:styleLbl name="fgAcc1">
-    <dgm:fillClrLst meth="repeat">
-      <a:schemeClr val="lt1">
-        <a:alpha val="90000"/>
-      </a:schemeClr>
-    </dgm:fillClrLst>
-    <dgm:linClrLst meth="repeat">
-      <a:schemeClr val="accent1"/>
-    </dgm:linClrLst>
-    <dgm:effectClrLst/>
-    <dgm:txLinClrLst/>
-    <dgm:txFillClrLst meth="repeat">
-      <a:schemeClr val="dk1"/>
-    </dgm:txFillClrLst>
-    <dgm:txEffectClrLst/>
-  </dgm:styleLbl>
-  <dgm:styleLbl name="conFgAcc1">
-    <dgm:fillClrLst meth="repeat">
-      <a:schemeClr val="lt1">
-        <a:alpha val="90000"/>
-      </a:schemeClr>
-    </dgm:fillClrLst>
-    <dgm:linClrLst meth="repeat">
-      <a:schemeClr val="accent1"/>
-    </dgm:linClrLst>
-    <dgm:effectClrLst/>
-    <dgm:txLinClrLst/>
-    <dgm:txFillClrLst meth="repeat">
-      <a:schemeClr val="dk1"/>
-    </dgm:txFillClrLst>
-    <dgm:txEffectClrLst/>
-  </dgm:styleLbl>
-  <dgm:styleLbl name="alignAcc1">
-    <dgm:fillClrLst meth="repeat">
-      <a:schemeClr val="lt1">
-        <a:alpha val="90000"/>
-      </a:schemeClr>
-    </dgm:fillClrLst>
-    <dgm:linClrLst meth="repeat">
-      <a:schemeClr val="accent1"/>
-    </dgm:linClrLst>
-    <dgm:effectClrLst/>
-    <dgm:txLinClrLst/>
-    <dgm:txFillClrLst meth="repeat">
-      <a:schemeClr val="dk1"/>
-    </dgm:txFillClrLst>
-    <dgm:txEffectClrLst/>
-  </dgm:styleLbl>
-  <dgm:styleLbl name="trAlignAcc1">
-    <dgm:fillClrLst meth="repeat">
-      <a:schemeClr val="lt1">
-        <a:alpha val="40000"/>
-      </a:schemeClr>
-    </dgm:fillClrLst>
-    <dgm:linClrLst meth="repeat">
-      <a:schemeClr val="accent1"/>
-    </dgm:linClrLst>
-    <dgm:effectClrLst/>
-    <dgm:txLinClrLst/>
-    <dgm:txFillClrLst meth="repeat">
-      <a:schemeClr val="dk1"/>
-    </dgm:txFillClrLst>
-    <dgm:txEffectClrLst/>
-  </dgm:styleLbl>
-  <dgm:styleLbl name="bgAcc1">
-    <dgm:fillClrLst meth="repeat">
-      <a:schemeClr val="lt1">
-        <a:alpha val="90000"/>
-      </a:schemeClr>
-    </dgm:fillClrLst>
-    <dgm:linClrLst meth="repeat">
-      <a:schemeClr val="accent1"/>
-    </dgm:linClrLst>
-    <dgm:effectClrLst/>
-    <dgm:txLinClrLst/>
-    <dgm:txFillClrLst meth="repeat">
-      <a:schemeClr val="dk1"/>
-    </dgm:txFillClrLst>
-    <dgm:txEffectClrLst/>
-  </dgm:styleLbl>
-  <dgm:styleLbl name="solidFgAcc1">
-    <dgm:fillClrLst meth="repeat">
-      <a:schemeClr val="lt1"/>
-    </dgm:fillClrLst>
-    <dgm:linClrLst meth="repeat">
-      <a:schemeClr val="accent1"/>
-    </dgm:linClrLst>
-    <dgm:effectClrLst/>
-    <dgm:txLinClrLst/>
-    <dgm:txFillClrLst meth="repeat">
-      <a:schemeClr val="dk1"/>
-    </dgm:txFillClrLst>
-    <dgm:txEffectClrLst/>
-  </dgm:styleLbl>
-  <dgm:styleLbl name="solidAlignAcc1">
-    <dgm:fillClrLst meth="repeat">
-      <a:schemeClr val="lt1"/>
-    </dgm:fillClrLst>
-    <dgm:linClrLst meth="repeat">
-      <a:schemeClr val="accent1"/>
-    </dgm:linClrLst>
-    <dgm:effectClrLst/>
-    <dgm:txLinClrLst/>
-    <dgm:txFillClrLst meth="repeat">
-      <a:schemeClr val="dk1"/>
-    </dgm:txFillClrLst>
-    <dgm:txEffectClrLst/>
-  </dgm:styleLbl>
-  <dgm:styleLbl name="solidBgAcc1">
-    <dgm:fillClrLst meth="repeat">
-      <a:schemeClr val="lt1"/>
-    </dgm:fillClrLst>
-    <dgm:linClrLst meth="repeat">
-      <a:schemeClr val="accent1"/>
-    </dgm:linClrLst>
-    <dgm:effectClrLst/>
-    <dgm:txLinClrLst/>
-    <dgm:txFillClrLst meth="repeat">
-      <a:schemeClr val="dk1"/>
-    </dgm:txFillClrLst>
-    <dgm:txEffectClrLst/>
-  </dgm:styleLbl>
-  <dgm:styleLbl name="fgAccFollowNode1">
-    <dgm:fillClrLst meth="repeat">
-      <a:schemeClr val="accent1">
-        <a:alpha val="90000"/>
-        <a:tint val="40000"/>
-      </a:schemeClr>
-    </dgm:fillClrLst>
-    <dgm:linClrLst meth="repeat">
-      <a:schemeClr val="accent1">
-        <a:alpha val="90000"/>
-        <a:tint val="40000"/>
-      </a:schemeClr>
-    </dgm:linClrLst>
-    <dgm:effectClrLst/>
-    <dgm:txLinClrLst/>
-    <dgm:txFillClrLst meth="repeat">
-      <a:schemeClr val="dk1"/>
-    </dgm:txFillClrLst>
-    <dgm:txEffectClrLst/>
-  </dgm:styleLbl>
-  <dgm:styleLbl name="alignAccFollowNode1">
-    <dgm:fillClrLst meth="repeat">
-      <a:schemeClr val="accent1">
-        <a:alpha val="90000"/>
-        <a:tint val="40000"/>
-      </a:schemeClr>
-    </dgm:fillClrLst>
-    <dgm:linClrLst meth="repeat">
-      <a:schemeClr val="accent1">
-        <a:alpha val="90000"/>
-        <a:tint val="40000"/>
-      </a:schemeClr>
-    </dgm:linClrLst>
-    <dgm:effectClrLst/>
-    <dgm:txLinClrLst/>
-    <dgm:txFillClrLst meth="repeat">
-      <a:schemeClr val="dk1"/>
-    </dgm:txFillClrLst>
-    <dgm:txEffectClrLst/>
-  </dgm:styleLbl>
-  <dgm:styleLbl name="bgAccFollowNode1">
-    <dgm:fillClrLst meth="repeat">
-      <a:schemeClr val="accent1">
-        <a:alpha val="90000"/>
-        <a:tint val="40000"/>
-      </a:schemeClr>
-    </dgm:fillClrLst>
-    <dgm:linClrLst meth="repeat">
-      <a:schemeClr val="accent1">
-        <a:alpha val="90000"/>
-        <a:tint val="40000"/>
-      </a:schemeClr>
-    </dgm:linClrLst>
-    <dgm:effectClrLst/>
-    <dgm:txLinClrLst/>
-    <dgm:txFillClrLst meth="repeat">
-      <a:schemeClr val="dk1"/>
-    </dgm:txFillClrLst>
-    <dgm:txEffectClrLst/>
-  </dgm:styleLbl>
-  <dgm:styleLbl name="fgAcc0">
-    <dgm:fillClrLst meth="repeat">
-      <a:schemeClr val="lt1">
-        <a:alpha val="90000"/>
-      </a:schemeClr>
-    </dgm:fillClrLst>
-    <dgm:linClrLst meth="repeat">
-      <a:schemeClr val="accent1"/>
-    </dgm:linClrLst>
-    <dgm:effectClrLst/>
-    <dgm:txLinClrLst/>
-    <dgm:txFillClrLst meth="repeat">
-      <a:schemeClr val="dk1"/>
-    </dgm:txFillClrLst>
-    <dgm:txEffectClrLst/>
-  </dgm:styleLbl>
-  <dgm:styleLbl name="fgAcc2">
-    <dgm:fillClrLst meth="repeat">
-      <a:schemeClr val="lt1">
-        <a:alpha val="90000"/>
-      </a:schemeClr>
-    </dgm:fillClrLst>
-    <dgm:linClrLst meth="repeat">
-      <a:schemeClr val="accent1"/>
-    </dgm:linClrLst>
-    <dgm:effectClrLst/>
-    <dgm:txLinClrLst/>
-    <dgm:txFillClrLst meth="repeat">
-      <a:schemeClr val="dk1"/>
-    </dgm:txFillClrLst>
-    <dgm:txEffectClrLst/>
-  </dgm:styleLbl>
-  <dgm:styleLbl name="fgAcc3">
-    <dgm:fillClrLst meth="repeat">
-      <a:schemeClr val="lt1">
-        <a:alpha val="90000"/>
-      </a:schemeClr>
-    </dgm:fillClrLst>
-    <dgm:linClrLst meth="repeat">
-      <a:schemeClr val="accent1"/>
-    </dgm:linClrLst>
-    <dgm:effectClrLst/>
-    <dgm:txLinClrLst/>
-    <dgm:txFillClrLst meth="repeat">
-      <a:schemeClr val="dk1"/>
-    </dgm:txFillClrLst>
-    <dgm:txEffectClrLst/>
-  </dgm:styleLbl>
-  <dgm:styleLbl name="fgAcc4">
-    <dgm:fillClrLst meth="repeat">
-      <a:schemeClr val="lt1">
-        <a:alpha val="90000"/>
-      </a:schemeClr>
-    </dgm:fillClrLst>
-    <dgm:linClrLst meth="repeat">
-      <a:schemeClr val="accent1"/>
-    </dgm:linClrLst>
-    <dgm:effectClrLst/>
-    <dgm:txLinClrLst/>
-    <dgm:txFillClrLst meth="repeat">
-      <a:schemeClr val="dk1"/>
-    </dgm:txFillClrLst>
-    <dgm:txEffectClrLst/>
-  </dgm:styleLbl>
-  <dgm:styleLbl name="bgShp">
-    <dgm:fillClrLst meth="repeat">
-      <a:schemeClr val="accent1">
-        <a:tint val="40000"/>
-      </a:schemeClr>
-    </dgm:fillClrLst>
-    <dgm:linClrLst meth="repeat">
-      <a:schemeClr val="accent1"/>
-    </dgm:linClrLst>
-    <dgm:effectClrLst/>
-    <dgm:txLinClrLst/>
-    <dgm:txFillClrLst meth="repeat">
-      <a:schemeClr val="dk1"/>
-    </dgm:txFillClrLst>
-    <dgm:txEffectClrLst/>
-  </dgm:styleLbl>
-  <dgm:styleLbl name="dkBgShp">
-    <dgm:fillClrLst meth="repeat">
-      <a:schemeClr val="accent1">
-        <a:shade val="80000"/>
-      </a:schemeClr>
-    </dgm:fillClrLst>
-    <dgm:linClrLst meth="repeat">
-      <a:schemeClr val="accent1"/>
-    </dgm:linClrLst>
-    <dgm:effectClrLst/>
-    <dgm:txLinClrLst/>
-    <dgm:txFillClrLst meth="repeat">
-      <a:schemeClr val="lt1"/>
-    </dgm:txFillClrLst>
-    <dgm:txEffectClrLst/>
-  </dgm:styleLbl>
-  <dgm:styleLbl name="trBgShp">
-    <dgm:fillClrLst meth="repeat">
-      <a:schemeClr val="accent1">
-        <a:tint val="50000"/>
-        <a:alpha val="40000"/>
-      </a:schemeClr>
-    </dgm:fillClrLst>
-    <dgm:linClrLst meth="repeat">
-      <a:schemeClr val="accent1"/>
-    </dgm:linClrLst>
-    <dgm:effectClrLst/>
-    <dgm:txLinClrLst/>
-    <dgm:txFillClrLst meth="repeat">
-      <a:schemeClr val="lt1"/>
-    </dgm:txFillClrLst>
-    <dgm:txEffectClrLst/>
-  </dgm:styleLbl>
-  <dgm:styleLbl name="fgShp">
-    <dgm:fillClrLst meth="repeat">
-      <a:schemeClr val="accent1">
-        <a:tint val="60000"/>
-      </a:schemeClr>
-    </dgm:fillClrLst>
-    <dgm:linClrLst meth="repeat">
-      <a:schemeClr val="lt1"/>
-    </dgm:linClrLst>
-    <dgm:effectClrLst/>
-    <dgm:txLinClrLst/>
-    <dgm:txFillClrLst meth="repeat">
-      <a:schemeClr val="dk1"/>
-    </dgm:txFillClrLst>
-    <dgm:txEffectClrLst/>
-  </dgm:styleLbl>
-  <dgm:styleLbl name="revTx">
-    <dgm:fillClrLst meth="repeat">
-      <a:schemeClr val="lt1">
-        <a:alpha val="0"/>
-      </a:schemeClr>
-    </dgm:fillClrLst>
-    <dgm:linClrLst meth="repeat">
-      <a:schemeClr val="dk1">
-        <a:alpha val="0"/>
-      </a:schemeClr>
-    </dgm:linClrLst>
-    <dgm:effectClrLst/>
-    <dgm:txLinClrLst/>
-    <dgm:txFillClrLst meth="repeat">
-      <a:schemeClr val="tx1"/>
-    </dgm:txFillClrLst>
-    <dgm:txEffectClrLst/>
-  </dgm:styleLbl>
-</dgm:colorsDef>
-</file>
-
-<file path=ppt/diagrams/data1.xml><?xml version="1.0" encoding="utf-8"?>
-<dgm:dataModel xmlns:dgm="http://schemas.openxmlformats.org/drawingml/2006/diagram" xmlns:a="http://schemas.openxmlformats.org/drawingml/2006/main">
-  <dgm:ptLst>
-    <dgm:pt modelId="{FBA29113-7A70-4E0E-B036-871C49B835F1}" type="doc">
-      <dgm:prSet loTypeId="urn:microsoft.com/office/officeart/2005/8/layout/hProcess6" loCatId="process" qsTypeId="urn:microsoft.com/office/officeart/2005/8/quickstyle/simple1" qsCatId="simple" csTypeId="urn:microsoft.com/office/officeart/2005/8/colors/accent1_2" csCatId="accent1" phldr="1"/>
-      <dgm:spPr/>
-      <dgm:t>
-        <a:bodyPr/>
-        <a:lstStyle/>
-        <a:p>
-          <a:endParaRPr lang="en-US"/>
-        </a:p>
-      </dgm:t>
-    </dgm:pt>
-    <dgm:pt modelId="{A6406C01-7E83-4650-8EF5-394419DCB348}">
-      <dgm:prSet phldrT="[Text]"/>
-      <dgm:spPr/>
-      <dgm:t>
-        <a:bodyPr/>
-        <a:lstStyle/>
-        <a:p>
-          <a:r>
-            <a:rPr lang="en-US" dirty="0" smtClean="0"/>
-            <a:t>Step 1 Title</a:t>
-          </a:r>
-          <a:endParaRPr lang="en-US" dirty="0"/>
-        </a:p>
-      </dgm:t>
-    </dgm:pt>
-    <dgm:pt modelId="{2586B3BB-DA8B-42DF-AC9A-77CE21607FD0}" type="parTrans" cxnId="{4D956F8D-5727-488A-93AF-F33602655A44}">
-      <dgm:prSet/>
-      <dgm:spPr/>
-      <dgm:t>
-        <a:bodyPr/>
-        <a:lstStyle/>
-        <a:p>
-          <a:endParaRPr lang="en-US"/>
-        </a:p>
-      </dgm:t>
-    </dgm:pt>
-    <dgm:pt modelId="{7C5B61F0-A4F6-4FCA-B552-36151F31051E}" type="sibTrans" cxnId="{4D956F8D-5727-488A-93AF-F33602655A44}">
-      <dgm:prSet/>
-      <dgm:spPr/>
-      <dgm:t>
-        <a:bodyPr/>
-        <a:lstStyle/>
-        <a:p>
-          <a:endParaRPr lang="en-US"/>
-        </a:p>
-      </dgm:t>
-    </dgm:pt>
-    <dgm:pt modelId="{E4E9F0D0-FF23-4B59-9B97-973BCBE5DC65}">
-      <dgm:prSet phldrT="[Text]"/>
-      <dgm:spPr/>
-      <dgm:t>
-        <a:bodyPr/>
-        <a:lstStyle/>
-        <a:p>
-          <a:r>
-            <a:rPr lang="en-US" dirty="0" smtClean="0"/>
-            <a:t>Task description</a:t>
-          </a:r>
-          <a:endParaRPr lang="en-US" dirty="0"/>
-        </a:p>
-      </dgm:t>
-    </dgm:pt>
-    <dgm:pt modelId="{E9237435-F938-45D4-8BF4-6D5D4DFF850F}" type="parTrans" cxnId="{37A3A996-9723-4BDB-8959-9D9B7799BD9A}">
-      <dgm:prSet/>
-      <dgm:spPr/>
-      <dgm:t>
-        <a:bodyPr/>
-        <a:lstStyle/>
-        <a:p>
-          <a:endParaRPr lang="en-US"/>
-        </a:p>
-      </dgm:t>
-    </dgm:pt>
-    <dgm:pt modelId="{D32B195A-7CAD-474B-B79C-BE4BB171E742}" type="sibTrans" cxnId="{37A3A996-9723-4BDB-8959-9D9B7799BD9A}">
-      <dgm:prSet/>
-      <dgm:spPr/>
-      <dgm:t>
-        <a:bodyPr/>
-        <a:lstStyle/>
-        <a:p>
-          <a:endParaRPr lang="en-US"/>
-        </a:p>
-      </dgm:t>
-    </dgm:pt>
-    <dgm:pt modelId="{5D952622-A79E-41E4-BBC2-6212DEFFA91C}">
-      <dgm:prSet phldrT="[Text]"/>
-      <dgm:spPr/>
-      <dgm:t>
-        <a:bodyPr/>
-        <a:lstStyle/>
-        <a:p>
-          <a:r>
-            <a:rPr lang="en-US" dirty="0" smtClean="0"/>
-            <a:t>Step 2 Title</a:t>
-          </a:r>
-          <a:endParaRPr lang="en-US" dirty="0"/>
-        </a:p>
-      </dgm:t>
-    </dgm:pt>
-    <dgm:pt modelId="{10627A68-BE4B-4A4A-9EC9-4CFEF1E4DF39}" type="parTrans" cxnId="{A22BDB9A-90BB-4DA2-8850-00D4F1D3B898}">
-      <dgm:prSet/>
-      <dgm:spPr/>
-      <dgm:t>
-        <a:bodyPr/>
-        <a:lstStyle/>
-        <a:p>
-          <a:endParaRPr lang="en-US"/>
-        </a:p>
-      </dgm:t>
-    </dgm:pt>
-    <dgm:pt modelId="{092BAEF3-D9F2-476B-9A0B-6F14CC814529}" type="sibTrans" cxnId="{A22BDB9A-90BB-4DA2-8850-00D4F1D3B898}">
-      <dgm:prSet/>
-      <dgm:spPr/>
-      <dgm:t>
-        <a:bodyPr/>
-        <a:lstStyle/>
-        <a:p>
-          <a:endParaRPr lang="en-US"/>
-        </a:p>
-      </dgm:t>
-    </dgm:pt>
-    <dgm:pt modelId="{5248D9DA-6444-46F6-8D28-C8BB2253AAD1}">
-      <dgm:prSet phldrT="[Text]"/>
-      <dgm:spPr/>
-      <dgm:t>
-        <a:bodyPr/>
-        <a:lstStyle/>
-        <a:p>
-          <a:r>
-            <a:rPr lang="en-US" dirty="0" smtClean="0"/>
-            <a:t>Task description</a:t>
-          </a:r>
-          <a:endParaRPr lang="en-US" dirty="0"/>
-        </a:p>
-      </dgm:t>
-    </dgm:pt>
-    <dgm:pt modelId="{A8533F77-F094-4EDB-BCC7-35E0D6A46B71}" type="parTrans" cxnId="{35AF286C-A401-4C08-B8A3-F38B03322BD8}">
-      <dgm:prSet/>
-      <dgm:spPr/>
-      <dgm:t>
-        <a:bodyPr/>
-        <a:lstStyle/>
-        <a:p>
-          <a:endParaRPr lang="en-US"/>
-        </a:p>
-      </dgm:t>
-    </dgm:pt>
-    <dgm:pt modelId="{011B552E-515A-4C41-B810-0D2552861422}" type="sibTrans" cxnId="{35AF286C-A401-4C08-B8A3-F38B03322BD8}">
-      <dgm:prSet/>
-      <dgm:spPr/>
-      <dgm:t>
-        <a:bodyPr/>
-        <a:lstStyle/>
-        <a:p>
-          <a:endParaRPr lang="en-US"/>
-        </a:p>
-      </dgm:t>
-    </dgm:pt>
-    <dgm:pt modelId="{50706FFE-8A00-485D-9FF7-8D310692C602}">
-      <dgm:prSet phldrT="[Text]"/>
-      <dgm:spPr/>
-      <dgm:t>
-        <a:bodyPr/>
-        <a:lstStyle/>
-        <a:p>
-          <a:r>
-            <a:rPr lang="en-US" dirty="0" smtClean="0"/>
-            <a:t>Step 3 Title</a:t>
-          </a:r>
-          <a:endParaRPr lang="en-US" dirty="0"/>
-        </a:p>
-      </dgm:t>
-    </dgm:pt>
-    <dgm:pt modelId="{EF44BD91-19A4-424B-BA32-4A5492B6E40B}" type="parTrans" cxnId="{7599CECE-5293-4C57-A979-D096C99254C7}">
-      <dgm:prSet/>
-      <dgm:spPr/>
-      <dgm:t>
-        <a:bodyPr/>
-        <a:lstStyle/>
-        <a:p>
-          <a:endParaRPr lang="en-US"/>
-        </a:p>
-      </dgm:t>
-    </dgm:pt>
-    <dgm:pt modelId="{CD03DFF4-D962-46D6-AFFA-2A87FD08403E}" type="sibTrans" cxnId="{7599CECE-5293-4C57-A979-D096C99254C7}">
-      <dgm:prSet/>
-      <dgm:spPr/>
-      <dgm:t>
-        <a:bodyPr/>
-        <a:lstStyle/>
-        <a:p>
-          <a:endParaRPr lang="en-US"/>
-        </a:p>
-      </dgm:t>
-    </dgm:pt>
-    <dgm:pt modelId="{3A9B5D84-CB00-4BC9-ADB2-5CF832F36763}">
-      <dgm:prSet phldrT="[Text]"/>
-      <dgm:spPr/>
-      <dgm:t>
-        <a:bodyPr/>
-        <a:lstStyle/>
-        <a:p>
-          <a:r>
-            <a:rPr lang="en-US" dirty="0" smtClean="0"/>
-            <a:t>Task description</a:t>
-          </a:r>
-          <a:endParaRPr lang="en-US" dirty="0"/>
-        </a:p>
-      </dgm:t>
-    </dgm:pt>
-    <dgm:pt modelId="{BD57EC4A-052D-4824-8820-064BAC997A9B}" type="parTrans" cxnId="{11A0AF47-4BCA-470E-92BF-7B388FFB0DE8}">
-      <dgm:prSet/>
-      <dgm:spPr/>
-      <dgm:t>
-        <a:bodyPr/>
-        <a:lstStyle/>
-        <a:p>
-          <a:endParaRPr lang="en-US"/>
-        </a:p>
-      </dgm:t>
-    </dgm:pt>
-    <dgm:pt modelId="{98E878CF-4A49-4E76-BD23-AE7C5290BAFD}" type="sibTrans" cxnId="{11A0AF47-4BCA-470E-92BF-7B388FFB0DE8}">
-      <dgm:prSet/>
-      <dgm:spPr/>
-      <dgm:t>
-        <a:bodyPr/>
-        <a:lstStyle/>
-        <a:p>
-          <a:endParaRPr lang="en-US"/>
-        </a:p>
-      </dgm:t>
-    </dgm:pt>
-    <dgm:pt modelId="{8734DFB3-ADD8-4FD2-87D8-1981AA0ADD0B}" type="pres">
-      <dgm:prSet presAssocID="{FBA29113-7A70-4E0E-B036-871C49B835F1}" presName="theList" presStyleCnt="0">
-        <dgm:presLayoutVars>
-          <dgm:dir/>
-          <dgm:animLvl val="lvl"/>
-          <dgm:resizeHandles val="exact"/>
-        </dgm:presLayoutVars>
-      </dgm:prSet>
-      <dgm:spPr/>
-      <dgm:t>
-        <a:bodyPr/>
-        <a:lstStyle/>
-        <a:p>
-          <a:endParaRPr lang="en-US"/>
-        </a:p>
-      </dgm:t>
-    </dgm:pt>
-    <dgm:pt modelId="{5C04AEFB-7132-4B28-A7D3-862245070A8D}" type="pres">
-      <dgm:prSet presAssocID="{A6406C01-7E83-4650-8EF5-394419DCB348}" presName="compNode" presStyleCnt="0"/>
-      <dgm:spPr/>
-    </dgm:pt>
-    <dgm:pt modelId="{358F74AC-FC7D-465B-BD12-B6CCC00F3D29}" type="pres">
-      <dgm:prSet presAssocID="{A6406C01-7E83-4650-8EF5-394419DCB348}" presName="noGeometry" presStyleCnt="0"/>
-      <dgm:spPr/>
-    </dgm:pt>
-    <dgm:pt modelId="{610B5FFC-C0C9-444C-9F7A-14D1B54F604D}" type="pres">
-      <dgm:prSet presAssocID="{A6406C01-7E83-4650-8EF5-394419DCB348}" presName="childTextVisible" presStyleLbl="bgAccFollowNode1" presStyleIdx="0" presStyleCnt="3">
-        <dgm:presLayoutVars>
-          <dgm:bulletEnabled val="1"/>
-        </dgm:presLayoutVars>
-      </dgm:prSet>
-      <dgm:spPr/>
-      <dgm:t>
-        <a:bodyPr/>
-        <a:lstStyle/>
-        <a:p>
-          <a:endParaRPr lang="en-US"/>
-        </a:p>
-      </dgm:t>
-    </dgm:pt>
-    <dgm:pt modelId="{FB705FC1-639E-4064-8E9A-A79870DE5273}" type="pres">
-      <dgm:prSet presAssocID="{A6406C01-7E83-4650-8EF5-394419DCB348}" presName="childTextHidden" presStyleLbl="bgAccFollowNode1" presStyleIdx="0" presStyleCnt="3"/>
-      <dgm:spPr/>
-      <dgm:t>
-        <a:bodyPr/>
-        <a:lstStyle/>
-        <a:p>
-          <a:endParaRPr lang="en-US"/>
-        </a:p>
-      </dgm:t>
-    </dgm:pt>
-    <dgm:pt modelId="{47DA5750-48DC-4E4F-815D-0B05DBC30DAB}" type="pres">
-      <dgm:prSet presAssocID="{A6406C01-7E83-4650-8EF5-394419DCB348}" presName="parentText" presStyleLbl="node1" presStyleIdx="0" presStyleCnt="3">
-        <dgm:presLayoutVars>
-          <dgm:chMax val="1"/>
-          <dgm:bulletEnabled val="1"/>
-        </dgm:presLayoutVars>
-      </dgm:prSet>
-      <dgm:spPr/>
-      <dgm:t>
-        <a:bodyPr/>
-        <a:lstStyle/>
-        <a:p>
-          <a:endParaRPr lang="en-US"/>
-        </a:p>
-      </dgm:t>
-    </dgm:pt>
-    <dgm:pt modelId="{6319C676-A7DE-4777-9BB4-3B6D30ED3F5C}" type="pres">
-      <dgm:prSet presAssocID="{A6406C01-7E83-4650-8EF5-394419DCB348}" presName="aSpace" presStyleCnt="0"/>
-      <dgm:spPr/>
-    </dgm:pt>
-    <dgm:pt modelId="{CA708D38-D093-4C16-A955-CF2CAC7F0A99}" type="pres">
-      <dgm:prSet presAssocID="{5D952622-A79E-41E4-BBC2-6212DEFFA91C}" presName="compNode" presStyleCnt="0"/>
-      <dgm:spPr/>
-    </dgm:pt>
-    <dgm:pt modelId="{6F3066E9-E96F-489D-8A4B-6D55FBE389F2}" type="pres">
-      <dgm:prSet presAssocID="{5D952622-A79E-41E4-BBC2-6212DEFFA91C}" presName="noGeometry" presStyleCnt="0"/>
-      <dgm:spPr/>
-    </dgm:pt>
-    <dgm:pt modelId="{00D2DC2C-7CA2-4A4B-B66D-3DDCAB7DC8E9}" type="pres">
-      <dgm:prSet presAssocID="{5D952622-A79E-41E4-BBC2-6212DEFFA91C}" presName="childTextVisible" presStyleLbl="bgAccFollowNode1" presStyleIdx="1" presStyleCnt="3">
-        <dgm:presLayoutVars>
-          <dgm:bulletEnabled val="1"/>
-        </dgm:presLayoutVars>
-      </dgm:prSet>
-      <dgm:spPr/>
-      <dgm:t>
-        <a:bodyPr/>
-        <a:lstStyle/>
-        <a:p>
-          <a:endParaRPr lang="en-US"/>
-        </a:p>
-      </dgm:t>
-    </dgm:pt>
-    <dgm:pt modelId="{072FB640-0A28-40E8-9C0C-86BAF45C6EF0}" type="pres">
-      <dgm:prSet presAssocID="{5D952622-A79E-41E4-BBC2-6212DEFFA91C}" presName="childTextHidden" presStyleLbl="bgAccFollowNode1" presStyleIdx="1" presStyleCnt="3"/>
-      <dgm:spPr/>
-      <dgm:t>
-        <a:bodyPr/>
-        <a:lstStyle/>
-        <a:p>
-          <a:endParaRPr lang="en-US"/>
-        </a:p>
-      </dgm:t>
-    </dgm:pt>
-    <dgm:pt modelId="{EE8733A1-7662-4D0A-B39E-2218596CC81C}" type="pres">
-      <dgm:prSet presAssocID="{5D952622-A79E-41E4-BBC2-6212DEFFA91C}" presName="parentText" presStyleLbl="node1" presStyleIdx="1" presStyleCnt="3">
-        <dgm:presLayoutVars>
-          <dgm:chMax val="1"/>
-          <dgm:bulletEnabled val="1"/>
-        </dgm:presLayoutVars>
-      </dgm:prSet>
-      <dgm:spPr/>
-      <dgm:t>
-        <a:bodyPr/>
-        <a:lstStyle/>
-        <a:p>
-          <a:endParaRPr lang="en-US"/>
-        </a:p>
-      </dgm:t>
-    </dgm:pt>
-    <dgm:pt modelId="{E0D7C734-E391-436F-996C-E60442F50A17}" type="pres">
-      <dgm:prSet presAssocID="{5D952622-A79E-41E4-BBC2-6212DEFFA91C}" presName="aSpace" presStyleCnt="0"/>
-      <dgm:spPr/>
-    </dgm:pt>
-    <dgm:pt modelId="{E8F3A685-8F9F-4BAC-8C8B-A1DE5AA41F3A}" type="pres">
-      <dgm:prSet presAssocID="{50706FFE-8A00-485D-9FF7-8D310692C602}" presName="compNode" presStyleCnt="0"/>
-      <dgm:spPr/>
-    </dgm:pt>
-    <dgm:pt modelId="{84BFA617-6CAF-4DA9-A086-82BCA61093BE}" type="pres">
-      <dgm:prSet presAssocID="{50706FFE-8A00-485D-9FF7-8D310692C602}" presName="noGeometry" presStyleCnt="0"/>
-      <dgm:spPr/>
-    </dgm:pt>
-    <dgm:pt modelId="{4BF699B1-BE15-42D1-9784-AA33CF29870E}" type="pres">
-      <dgm:prSet presAssocID="{50706FFE-8A00-485D-9FF7-8D310692C602}" presName="childTextVisible" presStyleLbl="bgAccFollowNode1" presStyleIdx="2" presStyleCnt="3">
-        <dgm:presLayoutVars>
-          <dgm:bulletEnabled val="1"/>
-        </dgm:presLayoutVars>
-      </dgm:prSet>
-      <dgm:spPr/>
-      <dgm:t>
-        <a:bodyPr/>
-        <a:lstStyle/>
-        <a:p>
-          <a:endParaRPr lang="en-US"/>
-        </a:p>
-      </dgm:t>
-    </dgm:pt>
-    <dgm:pt modelId="{F0925EF4-86E2-4748-BA70-94AAF55AB064}" type="pres">
-      <dgm:prSet presAssocID="{50706FFE-8A00-485D-9FF7-8D310692C602}" presName="childTextHidden" presStyleLbl="bgAccFollowNode1" presStyleIdx="2" presStyleCnt="3"/>
-      <dgm:spPr/>
-      <dgm:t>
-        <a:bodyPr/>
-        <a:lstStyle/>
-        <a:p>
-          <a:endParaRPr lang="en-US"/>
-        </a:p>
-      </dgm:t>
-    </dgm:pt>
-    <dgm:pt modelId="{78E9A4E4-18A9-4B73-8007-A63A71C71937}" type="pres">
-      <dgm:prSet presAssocID="{50706FFE-8A00-485D-9FF7-8D310692C602}" presName="parentText" presStyleLbl="node1" presStyleIdx="2" presStyleCnt="3">
-        <dgm:presLayoutVars>
-          <dgm:chMax val="1"/>
-          <dgm:bulletEnabled val="1"/>
-        </dgm:presLayoutVars>
-      </dgm:prSet>
-      <dgm:spPr/>
-      <dgm:t>
-        <a:bodyPr/>
-        <a:lstStyle/>
-        <a:p>
-          <a:endParaRPr lang="en-US"/>
-        </a:p>
-      </dgm:t>
-    </dgm:pt>
-  </dgm:ptLst>
-  <dgm:cxnLst>
-    <dgm:cxn modelId="{35AF286C-A401-4C08-B8A3-F38B03322BD8}" srcId="{5D952622-A79E-41E4-BBC2-6212DEFFA91C}" destId="{5248D9DA-6444-46F6-8D28-C8BB2253AAD1}" srcOrd="0" destOrd="0" parTransId="{A8533F77-F094-4EDB-BCC7-35E0D6A46B71}" sibTransId="{011B552E-515A-4C41-B810-0D2552861422}"/>
-    <dgm:cxn modelId="{11A0AF47-4BCA-470E-92BF-7B388FFB0DE8}" srcId="{50706FFE-8A00-485D-9FF7-8D310692C602}" destId="{3A9B5D84-CB00-4BC9-ADB2-5CF832F36763}" srcOrd="0" destOrd="0" parTransId="{BD57EC4A-052D-4824-8820-064BAC997A9B}" sibTransId="{98E878CF-4A49-4E76-BD23-AE7C5290BAFD}"/>
-    <dgm:cxn modelId="{A22BDB9A-90BB-4DA2-8850-00D4F1D3B898}" srcId="{FBA29113-7A70-4E0E-B036-871C49B835F1}" destId="{5D952622-A79E-41E4-BBC2-6212DEFFA91C}" srcOrd="1" destOrd="0" parTransId="{10627A68-BE4B-4A4A-9EC9-4CFEF1E4DF39}" sibTransId="{092BAEF3-D9F2-476B-9A0B-6F14CC814529}"/>
-    <dgm:cxn modelId="{BA539253-48E3-447C-8770-C31D10399C4A}" type="presOf" srcId="{50706FFE-8A00-485D-9FF7-8D310692C602}" destId="{78E9A4E4-18A9-4B73-8007-A63A71C71937}" srcOrd="0" destOrd="0" presId="urn:microsoft.com/office/officeart/2005/8/layout/hProcess6"/>
-    <dgm:cxn modelId="{31498E67-CEA0-4571-B7AB-26A2113144F6}" type="presOf" srcId="{FBA29113-7A70-4E0E-B036-871C49B835F1}" destId="{8734DFB3-ADD8-4FD2-87D8-1981AA0ADD0B}" srcOrd="0" destOrd="0" presId="urn:microsoft.com/office/officeart/2005/8/layout/hProcess6"/>
-    <dgm:cxn modelId="{37A3A996-9723-4BDB-8959-9D9B7799BD9A}" srcId="{A6406C01-7E83-4650-8EF5-394419DCB348}" destId="{E4E9F0D0-FF23-4B59-9B97-973BCBE5DC65}" srcOrd="0" destOrd="0" parTransId="{E9237435-F938-45D4-8BF4-6D5D4DFF850F}" sibTransId="{D32B195A-7CAD-474B-B79C-BE4BB171E742}"/>
-    <dgm:cxn modelId="{AE4FA1B2-1FFD-4999-BFB4-0E2A9E4BEBBB}" type="presOf" srcId="{5248D9DA-6444-46F6-8D28-C8BB2253AAD1}" destId="{00D2DC2C-7CA2-4A4B-B66D-3DDCAB7DC8E9}" srcOrd="0" destOrd="0" presId="urn:microsoft.com/office/officeart/2005/8/layout/hProcess6"/>
-    <dgm:cxn modelId="{99E34304-5770-4691-A3EE-6A7C8B9ACD53}" type="presOf" srcId="{E4E9F0D0-FF23-4B59-9B97-973BCBE5DC65}" destId="{610B5FFC-C0C9-444C-9F7A-14D1B54F604D}" srcOrd="0" destOrd="0" presId="urn:microsoft.com/office/officeart/2005/8/layout/hProcess6"/>
-    <dgm:cxn modelId="{81ACEA16-295B-4802-A889-1DC375F525AB}" type="presOf" srcId="{A6406C01-7E83-4650-8EF5-394419DCB348}" destId="{47DA5750-48DC-4E4F-815D-0B05DBC30DAB}" srcOrd="0" destOrd="0" presId="urn:microsoft.com/office/officeart/2005/8/layout/hProcess6"/>
-    <dgm:cxn modelId="{4D956F8D-5727-488A-93AF-F33602655A44}" srcId="{FBA29113-7A70-4E0E-B036-871C49B835F1}" destId="{A6406C01-7E83-4650-8EF5-394419DCB348}" srcOrd="0" destOrd="0" parTransId="{2586B3BB-DA8B-42DF-AC9A-77CE21607FD0}" sibTransId="{7C5B61F0-A4F6-4FCA-B552-36151F31051E}"/>
-    <dgm:cxn modelId="{7599CECE-5293-4C57-A979-D096C99254C7}" srcId="{FBA29113-7A70-4E0E-B036-871C49B835F1}" destId="{50706FFE-8A00-485D-9FF7-8D310692C602}" srcOrd="2" destOrd="0" parTransId="{EF44BD91-19A4-424B-BA32-4A5492B6E40B}" sibTransId="{CD03DFF4-D962-46D6-AFFA-2A87FD08403E}"/>
-    <dgm:cxn modelId="{019AA969-1A2B-48C0-B7C9-005E817BC2CB}" type="presOf" srcId="{E4E9F0D0-FF23-4B59-9B97-973BCBE5DC65}" destId="{FB705FC1-639E-4064-8E9A-A79870DE5273}" srcOrd="1" destOrd="0" presId="urn:microsoft.com/office/officeart/2005/8/layout/hProcess6"/>
-    <dgm:cxn modelId="{F36BB86E-E9BB-4DBF-9DFE-F8050046ED1F}" type="presOf" srcId="{3A9B5D84-CB00-4BC9-ADB2-5CF832F36763}" destId="{4BF699B1-BE15-42D1-9784-AA33CF29870E}" srcOrd="0" destOrd="0" presId="urn:microsoft.com/office/officeart/2005/8/layout/hProcess6"/>
-    <dgm:cxn modelId="{D2E26D7D-A939-4166-987B-3E9E5A080266}" type="presOf" srcId="{3A9B5D84-CB00-4BC9-ADB2-5CF832F36763}" destId="{F0925EF4-86E2-4748-BA70-94AAF55AB064}" srcOrd="1" destOrd="0" presId="urn:microsoft.com/office/officeart/2005/8/layout/hProcess6"/>
-    <dgm:cxn modelId="{130B0544-2388-4104-A721-8D29E7C77420}" type="presOf" srcId="{5D952622-A79E-41E4-BBC2-6212DEFFA91C}" destId="{EE8733A1-7662-4D0A-B39E-2218596CC81C}" srcOrd="0" destOrd="0" presId="urn:microsoft.com/office/officeart/2005/8/layout/hProcess6"/>
-    <dgm:cxn modelId="{E23D729A-C2FC-40CD-8A08-F5EBB66CF80B}" type="presOf" srcId="{5248D9DA-6444-46F6-8D28-C8BB2253AAD1}" destId="{072FB640-0A28-40E8-9C0C-86BAF45C6EF0}" srcOrd="1" destOrd="0" presId="urn:microsoft.com/office/officeart/2005/8/layout/hProcess6"/>
-    <dgm:cxn modelId="{FF0D50D3-9477-4407-8F44-B60B9728DED7}" type="presParOf" srcId="{8734DFB3-ADD8-4FD2-87D8-1981AA0ADD0B}" destId="{5C04AEFB-7132-4B28-A7D3-862245070A8D}" srcOrd="0" destOrd="0" presId="urn:microsoft.com/office/officeart/2005/8/layout/hProcess6"/>
-    <dgm:cxn modelId="{126CE751-65CF-4E60-902C-2D0B01478834}" type="presParOf" srcId="{5C04AEFB-7132-4B28-A7D3-862245070A8D}" destId="{358F74AC-FC7D-465B-BD12-B6CCC00F3D29}" srcOrd="0" destOrd="0" presId="urn:microsoft.com/office/officeart/2005/8/layout/hProcess6"/>
-    <dgm:cxn modelId="{C6915109-771C-43AE-A4C7-A411D8E5978F}" type="presParOf" srcId="{5C04AEFB-7132-4B28-A7D3-862245070A8D}" destId="{610B5FFC-C0C9-444C-9F7A-14D1B54F604D}" srcOrd="1" destOrd="0" presId="urn:microsoft.com/office/officeart/2005/8/layout/hProcess6"/>
-    <dgm:cxn modelId="{954FE73F-9595-47D0-9AB9-6EB7EDC39F8E}" type="presParOf" srcId="{5C04AEFB-7132-4B28-A7D3-862245070A8D}" destId="{FB705FC1-639E-4064-8E9A-A79870DE5273}" srcOrd="2" destOrd="0" presId="urn:microsoft.com/office/officeart/2005/8/layout/hProcess6"/>
-    <dgm:cxn modelId="{362B7B1C-776A-481A-B10E-B2136C044DB5}" type="presParOf" srcId="{5C04AEFB-7132-4B28-A7D3-862245070A8D}" destId="{47DA5750-48DC-4E4F-815D-0B05DBC30DAB}" srcOrd="3" destOrd="0" presId="urn:microsoft.com/office/officeart/2005/8/layout/hProcess6"/>
-    <dgm:cxn modelId="{AB361918-49A4-4458-A6B4-A38162139DB4}" type="presParOf" srcId="{8734DFB3-ADD8-4FD2-87D8-1981AA0ADD0B}" destId="{6319C676-A7DE-4777-9BB4-3B6D30ED3F5C}" srcOrd="1" destOrd="0" presId="urn:microsoft.com/office/officeart/2005/8/layout/hProcess6"/>
-    <dgm:cxn modelId="{3E32ED31-FAFA-41FB-A502-0C9269827B55}" type="presParOf" srcId="{8734DFB3-ADD8-4FD2-87D8-1981AA0ADD0B}" destId="{CA708D38-D093-4C16-A955-CF2CAC7F0A99}" srcOrd="2" destOrd="0" presId="urn:microsoft.com/office/officeart/2005/8/layout/hProcess6"/>
-    <dgm:cxn modelId="{38B5F8BF-C6A8-4D51-8681-B847070CD1C0}" type="presParOf" srcId="{CA708D38-D093-4C16-A955-CF2CAC7F0A99}" destId="{6F3066E9-E96F-489D-8A4B-6D55FBE389F2}" srcOrd="0" destOrd="0" presId="urn:microsoft.com/office/officeart/2005/8/layout/hProcess6"/>
-    <dgm:cxn modelId="{B873A9F4-217E-473A-8D65-14527890AC34}" type="presParOf" srcId="{CA708D38-D093-4C16-A955-CF2CAC7F0A99}" destId="{00D2DC2C-7CA2-4A4B-B66D-3DDCAB7DC8E9}" srcOrd="1" destOrd="0" presId="urn:microsoft.com/office/officeart/2005/8/layout/hProcess6"/>
-    <dgm:cxn modelId="{F573A08D-1388-4362-9D10-155655876363}" type="presParOf" srcId="{CA708D38-D093-4C16-A955-CF2CAC7F0A99}" destId="{072FB640-0A28-40E8-9C0C-86BAF45C6EF0}" srcOrd="2" destOrd="0" presId="urn:microsoft.com/office/officeart/2005/8/layout/hProcess6"/>
-    <dgm:cxn modelId="{7ADF5CCF-F26A-45B5-9692-98B07AFD46A1}" type="presParOf" srcId="{CA708D38-D093-4C16-A955-CF2CAC7F0A99}" destId="{EE8733A1-7662-4D0A-B39E-2218596CC81C}" srcOrd="3" destOrd="0" presId="urn:microsoft.com/office/officeart/2005/8/layout/hProcess6"/>
-    <dgm:cxn modelId="{985C18C8-95A3-4479-821C-610A2BAFFFF3}" type="presParOf" srcId="{8734DFB3-ADD8-4FD2-87D8-1981AA0ADD0B}" destId="{E0D7C734-E391-436F-996C-E60442F50A17}" srcOrd="3" destOrd="0" presId="urn:microsoft.com/office/officeart/2005/8/layout/hProcess6"/>
-    <dgm:cxn modelId="{951CD7FA-A9B4-463F-BD0D-452C521FF523}" type="presParOf" srcId="{8734DFB3-ADD8-4FD2-87D8-1981AA0ADD0B}" destId="{E8F3A685-8F9F-4BAC-8C8B-A1DE5AA41F3A}" srcOrd="4" destOrd="0" presId="urn:microsoft.com/office/officeart/2005/8/layout/hProcess6"/>
-    <dgm:cxn modelId="{E08D8862-B273-4AA6-9A90-754366CE4945}" type="presParOf" srcId="{E8F3A685-8F9F-4BAC-8C8B-A1DE5AA41F3A}" destId="{84BFA617-6CAF-4DA9-A086-82BCA61093BE}" srcOrd="0" destOrd="0" presId="urn:microsoft.com/office/officeart/2005/8/layout/hProcess6"/>
-    <dgm:cxn modelId="{69392B4C-2A7B-41A4-A48C-35E312A6434A}" type="presParOf" srcId="{E8F3A685-8F9F-4BAC-8C8B-A1DE5AA41F3A}" destId="{4BF699B1-BE15-42D1-9784-AA33CF29870E}" srcOrd="1" destOrd="0" presId="urn:microsoft.com/office/officeart/2005/8/layout/hProcess6"/>
-    <dgm:cxn modelId="{29F5DEAB-A9C8-47F8-A089-1585C323795A}" type="presParOf" srcId="{E8F3A685-8F9F-4BAC-8C8B-A1DE5AA41F3A}" destId="{F0925EF4-86E2-4748-BA70-94AAF55AB064}" srcOrd="2" destOrd="0" presId="urn:microsoft.com/office/officeart/2005/8/layout/hProcess6"/>
-    <dgm:cxn modelId="{E9A57A1B-DDAF-4905-B46C-246DB5E9FB2A}" type="presParOf" srcId="{E8F3A685-8F9F-4BAC-8C8B-A1DE5AA41F3A}" destId="{78E9A4E4-18A9-4B73-8007-A63A71C71937}" srcOrd="3" destOrd="0" presId="urn:microsoft.com/office/officeart/2005/8/layout/hProcess6"/>
-  </dgm:cxnLst>
-  <dgm:bg/>
-  <dgm:whole/>
-  <dgm:extLst>
-    <a:ext uri="http://schemas.microsoft.com/office/drawing/2008/diagram">
-      <dsp:dataModelExt xmlns:dsp="http://schemas.microsoft.com/office/drawing/2008/diagram" relId="rId6" minVer="http://schemas.openxmlformats.org/drawingml/2006/diagram"/>
-    </a:ext>
-  </dgm:extLst>
-</dgm:dataModel>
-</file>
-
-<file path=ppt/diagrams/drawing1.xml><?xml version="1.0" encoding="utf-8"?>
-<dsp:drawing xmlns:dgm="http://schemas.openxmlformats.org/drawingml/2006/diagram" xmlns:dsp="http://schemas.microsoft.com/office/drawing/2008/diagram" xmlns:a="http://schemas.openxmlformats.org/drawingml/2006/main">
-  <dsp:spTree>
-    <dsp:nvGrpSpPr>
-      <dsp:cNvPr id="0" name=""/>
-      <dsp:cNvGrpSpPr/>
-    </dsp:nvGrpSpPr>
-    <dsp:grpSpPr/>
-  </dsp:spTree>
-</dsp:drawing>
-</file>
-
-<file path=ppt/diagrams/layout1.xml><?xml version="1.0" encoding="utf-8"?>
-<dgm:layoutDef xmlns:dgm="http://schemas.openxmlformats.org/drawingml/2006/diagram" xmlns:a="http://schemas.openxmlformats.org/drawingml/2006/main" uniqueId="urn:microsoft.com/office/officeart/2005/8/layout/hProcess6">
-  <dgm:title val=""/>
-  <dgm:desc val=""/>
-  <dgm:catLst>
-    <dgm:cat type="process" pri="7000"/>
-  </dgm:catLst>
-  <dgm:sampData>
-    <dgm:dataModel>
-      <dgm:ptLst>
-        <dgm:pt modelId="0" type="doc"/>
-        <dgm:pt modelId="1">
-          <dgm:prSet phldr="1"/>
-        </dgm:pt>
-        <dgm:pt modelId="11">
-          <dgm:prSet phldr="1"/>
-        </dgm:pt>
-        <dgm:pt modelId="12">
-          <dgm:prSet phldr="1"/>
-        </dgm:pt>
-        <dgm:pt modelId="2">
-          <dgm:prSet phldr="1"/>
-        </dgm:pt>
-        <dgm:pt modelId="21">
-          <dgm:prSet phldr="1"/>
-        </dgm:pt>
-        <dgm:pt modelId="22">
-          <dgm:prSet phldr="1"/>
-        </dgm:pt>
-        <dgm:pt modelId="3">
-          <dgm:prSet phldr="1"/>
-        </dgm:pt>
-        <dgm:pt modelId="31">
-          <dgm:prSet phldr="1"/>
-        </dgm:pt>
-        <dgm:pt modelId="32">
-          <dgm:prSet phldr="1"/>
-        </dgm:pt>
-      </dgm:ptLst>
-      <dgm:cxnLst>
-        <dgm:cxn modelId="4" srcId="0" destId="1" srcOrd="0" destOrd="0"/>
-        <dgm:cxn modelId="5" srcId="0" destId="2" srcOrd="1" destOrd="0"/>
-        <dgm:cxn modelId="13" srcId="1" destId="11" srcOrd="0" destOrd="0"/>
-        <dgm:cxn modelId="14" srcId="1" destId="12" srcOrd="0" destOrd="0"/>
-        <dgm:cxn modelId="23" srcId="2" destId="21" srcOrd="0" destOrd="0"/>
-        <dgm:cxn modelId="24" srcId="2" destId="22" srcOrd="0" destOrd="0"/>
-        <dgm:cxn modelId="33" srcId="3" destId="31" srcOrd="0" destOrd="0"/>
-        <dgm:cxn modelId="34" srcId="3" destId="32" srcOrd="0" destOrd="0"/>
-      </dgm:cxnLst>
-      <dgm:bg/>
-      <dgm:whole/>
-    </dgm:dataModel>
-  </dgm:sampData>
-  <dgm:styleData>
-    <dgm:dataModel>
-      <dgm:ptLst>
-        <dgm:pt modelId="0" type="doc"/>
-        <dgm:pt modelId="1"/>
-        <dgm:pt modelId="11"/>
-        <dgm:pt modelId="2"/>
-        <dgm:pt modelId="21"/>
-      </dgm:ptLst>
-      <dgm:cxnLst>
-        <dgm:cxn modelId="4" srcId="0" destId="1" srcOrd="0" destOrd="0"/>
-        <dgm:cxn modelId="5" srcId="0" destId="2" srcOrd="1" destOrd="0"/>
-        <dgm:cxn modelId="13" srcId="1" destId="11" srcOrd="0" destOrd="0"/>
-        <dgm:cxn modelId="23" srcId="2" destId="21" srcOrd="0" destOrd="0"/>
-      </dgm:cxnLst>
-      <dgm:bg/>
-      <dgm:whole/>
-    </dgm:dataModel>
-  </dgm:styleData>
-  <dgm:clrData>
-    <dgm:dataModel>
-      <dgm:ptLst>
-        <dgm:pt modelId="0" type="doc"/>
-        <dgm:pt modelId="1"/>
-        <dgm:pt modelId="11"/>
-        <dgm:pt modelId="2"/>
-        <dgm:pt modelId="21"/>
-        <dgm:pt modelId="3"/>
-        <dgm:pt modelId="31"/>
-        <dgm:pt modelId="4"/>
-        <dgm:pt modelId="41"/>
-      </dgm:ptLst>
-      <dgm:cxnLst>
-        <dgm:cxn modelId="5" srcId="0" destId="1" srcOrd="0" destOrd="0"/>
-        <dgm:cxn modelId="6" srcId="0" destId="2" srcOrd="1" destOrd="0"/>
-        <dgm:cxn modelId="7" srcId="0" destId="3" srcOrd="2" destOrd="0"/>
-        <dgm:cxn modelId="8" srcId="0" destId="4" srcOrd="3" destOrd="0"/>
-        <dgm:cxn modelId="13" srcId="1" destId="11" srcOrd="0" destOrd="0"/>
-        <dgm:cxn modelId="23" srcId="2" destId="21" srcOrd="0" destOrd="0"/>
-        <dgm:cxn modelId="33" srcId="3" destId="31" srcOrd="0" destOrd="0"/>
-        <dgm:cxn modelId="43" srcId="4" destId="41" srcOrd="0" destOrd="0"/>
-      </dgm:cxnLst>
-      <dgm:bg/>
-      <dgm:whole/>
-    </dgm:dataModel>
-  </dgm:clrData>
-  <dgm:layoutNode name="theList">
-    <dgm:varLst>
-      <dgm:dir/>
-      <dgm:animLvl val="lvl"/>
-      <dgm:resizeHandles val="exact"/>
-    </dgm:varLst>
-    <dgm:choose name="Name0">
-      <dgm:if name="Name1" func="var" arg="dir" op="equ" val="norm">
-        <dgm:alg type="lin">
-          <dgm:param type="linDir" val="fromL"/>
-          <dgm:param type="nodeHorzAlign" val="l"/>
-        </dgm:alg>
-      </dgm:if>
-      <dgm:else name="Name2">
-        <dgm:alg type="lin">
-          <dgm:param type="linDir" val="fromR"/>
-          <dgm:param type="nodeHorzAlign" val="r"/>
-        </dgm:alg>
-      </dgm:else>
-    </dgm:choose>
-    <dgm:shape xmlns:r="http://schemas.openxmlformats.org/officeDocument/2006/relationships" r:blip="">
-      <dgm:adjLst/>
-    </dgm:shape>
-    <dgm:presOf/>
-    <dgm:constrLst>
-      <dgm:constr type="w" for="ch" forName="compNode" refType="w"/>
-      <dgm:constr type="h" for="ch" forName="compNode" refType="w" refFor="ch" refForName="compNode" fact="0.7"/>
-      <dgm:constr type="ctrY" for="ch" forName="compNode" refType="h" fact="0.5"/>
-      <dgm:constr type="w" for="ch" forName="aSpace" refType="w" fact="0.05"/>
-      <dgm:constr type="primFontSz" for="des" forName="childTextHidden" op="equ" val="65"/>
-      <dgm:constr type="primFontSz" for="des" forName="parentText" op="equ"/>
-    </dgm:constrLst>
-    <dgm:ruleLst/>
-    <dgm:forEach name="aNodeForEach" axis="ch" ptType="node">
-      <dgm:layoutNode name="compNode">
-        <dgm:alg type="composite">
-          <dgm:param type="ar" val="1.43"/>
-        </dgm:alg>
-        <dgm:shape xmlns:r="http://schemas.openxmlformats.org/officeDocument/2006/relationships" r:blip="">
-          <dgm:adjLst/>
-        </dgm:shape>
-        <dgm:presOf/>
-        <dgm:choose name="Name3">
-          <dgm:if name="Name4" func="var" arg="dir" op="equ" val="norm">
-            <dgm:constrLst>
-              <dgm:constr type="w" for="ch" forName="childTextVisible" refType="w" fact="0.8"/>
-              <dgm:constr type="h" for="ch" forName="childTextVisible" refType="h"/>
-              <dgm:constr type="r" for="ch" forName="childTextVisible" refType="w"/>
-              <dgm:constr type="w" for="ch" forName="childTextHidden" refType="w" fact="0.6"/>
-              <dgm:constr type="h" for="ch" forName="childTextHidden" refType="h"/>
-              <dgm:constr type="r" for="ch" forName="childTextHidden" refType="w"/>
-              <dgm:constr type="l" for="ch" forName="parentText"/>
-              <dgm:constr type="w" for="ch" forName="parentText" refType="w" fact="0.4"/>
-              <dgm:constr type="h" for="ch" forName="parentText" refType="w" refFor="ch" refForName="parentText" op="equ"/>
-              <dgm:constr type="ctrY" for="ch" forName="parentText" refType="h" fact="0.5"/>
-            </dgm:constrLst>
-          </dgm:if>
-          <dgm:else name="Name5">
-            <dgm:constrLst>
-              <dgm:constr type="w" for="ch" forName="childTextVisible" refType="w" fact="0.8"/>
-              <dgm:constr type="h" for="ch" forName="childTextVisible" refType="h"/>
-              <dgm:constr type="l" for="ch" forName="childTextVisible"/>
-              <dgm:constr type="w" for="ch" forName="childTextHidden" refType="w" fact="0.6"/>
-              <dgm:constr type="h" for="ch" forName="childTextHidden" refType="h"/>
-              <dgm:constr type="l" for="ch" forName="childTextHidden"/>
-              <dgm:constr type="r" for="ch" forName="parentText" refType="w"/>
-              <dgm:constr type="w" for="ch" forName="parentText" refType="w" fact="0.4"/>
-              <dgm:constr type="h" for="ch" forName="parentText" refType="w" refFor="ch" refForName="parentText" op="equ"/>
-              <dgm:constr type="ctrY" for="ch" forName="parentText" refType="h" fact="0.5"/>
-            </dgm:constrLst>
-          </dgm:else>
-        </dgm:choose>
-        <dgm:ruleLst/>
-        <dgm:layoutNode name="noGeometry">
-          <dgm:alg type="sp"/>
-          <dgm:shape xmlns:r="http://schemas.openxmlformats.org/officeDocument/2006/relationships" r:blip="">
-            <dgm:adjLst/>
-          </dgm:shape>
-          <dgm:presOf/>
-          <dgm:constrLst/>
-          <dgm:ruleLst/>
-        </dgm:layoutNode>
-        <dgm:layoutNode name="childTextVisible" styleLbl="bgAccFollowNode1">
-          <dgm:varLst>
-            <dgm:bulletEnabled val="1"/>
-          </dgm:varLst>
-          <dgm:alg type="sp"/>
-          <dgm:choose name="Name6">
-            <dgm:if name="Name7" func="var" arg="dir" op="equ" val="norm">
-              <dgm:shape xmlns:r="http://schemas.openxmlformats.org/officeDocument/2006/relationships" type="rightArrow" r:blip="">
-                <dgm:adjLst>
-                  <dgm:adj idx="1" val="0.7"/>
-                  <dgm:adj idx="2" val="0.5"/>
-                </dgm:adjLst>
-              </dgm:shape>
-            </dgm:if>
-            <dgm:else name="Name8">
-              <dgm:shape xmlns:r="http://schemas.openxmlformats.org/officeDocument/2006/relationships" type="leftArrow" r:blip="">
-                <dgm:adjLst>
-                  <dgm:adj idx="1" val="0.7"/>
-                  <dgm:adj idx="2" val="0.5"/>
-                </dgm:adjLst>
-              </dgm:shape>
-            </dgm:else>
-          </dgm:choose>
-          <dgm:presOf axis="des" ptType="node"/>
-          <dgm:constrLst/>
-          <dgm:ruleLst/>
-        </dgm:layoutNode>
-        <dgm:layoutNode name="childTextHidden" styleLbl="bgAccFollowNode1">
-          <dgm:choose name="Name9">
-            <dgm:if name="Name10" axis="des followSib" ptType="node node" st="1 1" cnt="1 0" func="cnt" op="gte" val="1">
-              <dgm:alg type="tx">
-                <dgm:param type="stBulletLvl" val="1"/>
-                <dgm:param type="txAnchorVertCh" val="mid"/>
-              </dgm:alg>
-            </dgm:if>
-            <dgm:else name="Name11">
-              <dgm:alg type="tx">
-                <dgm:param type="stBulletLvl" val="2"/>
-                <dgm:param type="txAnchorVertCh" val="mid"/>
-              </dgm:alg>
-            </dgm:else>
-          </dgm:choose>
-          <dgm:choose name="Name12">
-            <dgm:if name="Name13" func="var" arg="dir" op="equ" val="norm">
-              <dgm:shape xmlns:r="http://schemas.openxmlformats.org/officeDocument/2006/relationships" type="rightArrow" r:blip="" hideGeom="1">
-                <dgm:adjLst>
-                  <dgm:adj idx="1" val="0.7"/>
-                  <dgm:adj idx="2" val="0.5"/>
-                </dgm:adjLst>
-              </dgm:shape>
-            </dgm:if>
-            <dgm:else name="Name14">
-              <dgm:shape xmlns:r="http://schemas.openxmlformats.org/officeDocument/2006/relationships" type="leftArrow" r:blip="" hideGeom="1">
-                <dgm:adjLst>
-                  <dgm:adj idx="1" val="0.7"/>
-                  <dgm:adj idx="2" val="0.5"/>
-                </dgm:adjLst>
-              </dgm:shape>
-            </dgm:else>
-          </dgm:choose>
-          <dgm:presOf axis="des" ptType="node"/>
-          <dgm:constrLst>
-            <dgm:constr type="secFontSz" refType="primFontSz"/>
-            <dgm:constr type="tMarg" refType="primFontSz" fact="0.05"/>
-            <dgm:constr type="bMarg" refType="primFontSz" fact="0.05"/>
-            <dgm:constr type="rMarg" refType="primFontSz" fact="0.1"/>
-            <dgm:constr type="lMarg" refType="primFontSz" fact="0.2"/>
-          </dgm:constrLst>
-          <dgm:ruleLst>
-            <dgm:rule type="primFontSz" val="5" fact="NaN" max="NaN"/>
-          </dgm:ruleLst>
-        </dgm:layoutNode>
-        <dgm:layoutNode name="parentText" styleLbl="node1">
-          <dgm:varLst>
-            <dgm:chMax val="1"/>
-            <dgm:bulletEnabled val="1"/>
-          </dgm:varLst>
-          <dgm:alg type="tx"/>
-          <dgm:shape xmlns:r="http://schemas.openxmlformats.org/officeDocument/2006/relationships" type="ellipse" r:blip="">
-            <dgm:adjLst/>
-          </dgm:shape>
-          <dgm:presOf axis="self"/>
-          <dgm:constrLst>
-            <dgm:constr type="primFontSz" val="65"/>
-            <dgm:constr type="tMarg" refType="primFontSz" fact="0.05"/>
-            <dgm:constr type="bMarg" refType="primFontSz" fact="0.05"/>
-            <dgm:constr type="lMarg" refType="primFontSz" fact="0.05"/>
-            <dgm:constr type="rMarg" refType="primFontSz" fact="0.05"/>
-          </dgm:constrLst>
-          <dgm:ruleLst>
-            <dgm:rule type="primFontSz" val="5" fact="NaN" max="NaN"/>
-          </dgm:ruleLst>
-        </dgm:layoutNode>
-      </dgm:layoutNode>
-      <dgm:choose name="Name15">
-        <dgm:if name="Name16" axis="self" ptType="node" func="revPos" op="gte" val="2">
-          <dgm:layoutNode name="aSpace">
-            <dgm:alg type="sp"/>
-            <dgm:shape xmlns:r="http://schemas.openxmlformats.org/officeDocument/2006/relationships" r:blip="">
-              <dgm:adjLst/>
-            </dgm:shape>
-            <dgm:presOf/>
-            <dgm:constrLst/>
-            <dgm:ruleLst/>
-          </dgm:layoutNode>
-        </dgm:if>
-        <dgm:else name="Name17"/>
-      </dgm:choose>
-    </dgm:forEach>
-  </dgm:layoutNode>
-</dgm:layoutDef>
-</file>
-
-<file path=ppt/diagrams/quickStyle1.xml><?xml version="1.0" encoding="utf-8"?>
-<dgm:styleDef xmlns:dgm="http://schemas.openxmlformats.org/drawingml/2006/diagram" xmlns:a="http://schemas.openxmlformats.org/drawingml/2006/main" uniqueId="urn:microsoft.com/office/officeart/2005/8/quickstyle/simple1">
-  <dgm:title val=""/>
-  <dgm:desc val=""/>
-  <dgm:catLst>
-    <dgm:cat type="simple" pri="10100"/>
-  </dgm:catLst>
-  <dgm:scene3d>
-    <a:camera prst="orthographicFront"/>
-    <a:lightRig rig="threePt" dir="t"/>
-  </dgm:scene3d>
-  <dgm:styleLbl name="node0">
-    <dgm:scene3d>
-      <a:camera prst="orthographicFront"/>
-      <a:lightRig rig="threePt" dir="t"/>
-    </dgm:scene3d>
-    <dgm:sp3d/>
-    <dgm:txPr/>
-    <dgm:style>
-      <a:lnRef idx="2">
-        <a:scrgbClr r="0" g="0" b="0"/>
-      </a:lnRef>
-      <a:fillRef idx="1">
-        <a:scrgbClr r="0" g="0" b="0"/>
-      </a:fillRef>
-      <a:effectRef idx="0">
-        <a:scrgbClr r="0" g="0" b="0"/>
-      </a:effectRef>
-      <a:fontRef idx="minor">
-        <a:schemeClr val="lt1"/>
-      </a:fontRef>
-    </dgm:style>
-  </dgm:styleLbl>
-  <dgm:styleLbl name="lnNode1">
-    <dgm:scene3d>
-      <a:camera prst="orthographicFront"/>
-      <a:lightRig rig="threePt" dir="t"/>
-    </dgm:scene3d>
-    <dgm:sp3d/>
-    <dgm:txPr/>
-    <dgm:style>
-      <a:lnRef idx="2">
-        <a:scrgbClr r="0" g="0" b="0"/>
-      </a:lnRef>
-      <a:fillRef idx="1">
-        <a:scrgbClr r="0" g="0" b="0"/>
-      </a:fillRef>
-      <a:effectRef idx="0">
-        <a:scrgbClr r="0" g="0" b="0"/>
-      </a:effectRef>
-      <a:fontRef idx="minor">
-        <a:schemeClr val="lt1"/>
-      </a:fontRef>
-    </dgm:style>
-  </dgm:styleLbl>
-  <dgm:styleLbl name="vennNode1">
-    <dgm:scene3d>
-      <a:camera prst="orthographicFront"/>
-      <a:lightRig rig="threePt" dir="t"/>
-    </dgm:scene3d>
-    <dgm:sp3d/>
-    <dgm:txPr/>
-    <dgm:style>
-      <a:lnRef idx="2">
-        <a:scrgbClr r="0" g="0" b="0"/>
-      </a:lnRef>
-      <a:fillRef idx="1">
-        <a:scrgbClr r="0" g="0" b="0"/>
-      </a:fillRef>
-      <a:effectRef idx="0">
-        <a:scrgbClr r="0" g="0" b="0"/>
-      </a:effectRef>
-      <a:fontRef idx="minor">
-        <a:schemeClr val="tx1"/>
-      </a:fontRef>
-    </dgm:style>
-  </dgm:styleLbl>
-  <dgm:styleLbl name="alignNode1">
-    <dgm:scene3d>
-      <a:camera prst="orthographicFront"/>
-      <a:lightRig rig="threePt" dir="t"/>
-    </dgm:scene3d>
-    <dgm:sp3d/>
-    <dgm:txPr/>
-    <dgm:style>
-      <a:lnRef idx="2">
-        <a:scrgbClr r="0" g="0" b="0"/>
-      </a:lnRef>
-      <a:fillRef idx="1">
-        <a:scrgbClr r="0" g="0" b="0"/>
-      </a:fillRef>
-      <a:effectRef idx="0">
-        <a:scrgbClr r="0" g="0" b="0"/>
-      </a:effectRef>
-      <a:fontRef idx="minor">
-        <a:schemeClr val="lt1"/>
-      </a:fontRef>
-    </dgm:style>
-  </dgm:styleLbl>
-  <dgm:styleLbl name="node1">
-    <dgm:scene3d>
-      <a:camera prst="orthographicFront"/>
-      <a:lightRig rig="threePt" dir="t"/>
-    </dgm:scene3d>
-    <dgm:sp3d/>
-    <dgm:txPr/>
-    <dgm:style>
-      <a:lnRef idx="2">
-        <a:scrgbClr r="0" g="0" b="0"/>
-      </a:lnRef>
-      <a:fillRef idx="1">
-        <a:scrgbClr r="0" g="0" b="0"/>
-      </a:fillRef>
-      <a:effectRef idx="0">
-        <a:scrgbClr r="0" g="0" b="0"/>
-      </a:effectRef>
-      <a:fontRef idx="minor">
-        <a:schemeClr val="lt1"/>
-      </a:fontRef>
-    </dgm:style>
-  </dgm:styleLbl>
-  <dgm:styleLbl name="node2">
-    <dgm:scene3d>
-      <a:camera prst="orthographicFront"/>
-      <a:lightRig rig="threePt" dir="t"/>
-    </dgm:scene3d>
-    <dgm:sp3d/>
-    <dgm:txPr/>
-    <dgm:style>
-      <a:lnRef idx="2">
-        <a:scrgbClr r="0" g="0" b="0"/>
-      </a:lnRef>
-      <a:fillRef idx="1">
-        <a:scrgbClr r="0" g="0" b="0"/>
-      </a:fillRef>
-      <a:effectRef idx="0">
-        <a:scrgbClr r="0" g="0" b="0"/>
-      </a:effectRef>
-      <a:fontRef idx="minor">
-        <a:schemeClr val="lt1"/>
-      </a:fontRef>
-    </dgm:style>
-  </dgm:styleLbl>
-  <dgm:styleLbl name="node3">
-    <dgm:scene3d>
-      <a:camera prst="orthographicFront"/>
-      <a:lightRig rig="threePt" dir="t"/>
-    </dgm:scene3d>
-    <dgm:sp3d/>
-    <dgm:txPr/>
-    <dgm:style>
-      <a:lnRef idx="2">
-        <a:scrgbClr r="0" g="0" b="0"/>
-      </a:lnRef>
-      <a:fillRef idx="1">
-        <a:scrgbClr r="0" g="0" b="0"/>
-      </a:fillRef>
-      <a:effectRef idx="0">
-        <a:scrgbClr r="0" g="0" b="0"/>
-      </a:effectRef>
-      <a:fontRef idx="minor">
-        <a:schemeClr val="lt1"/>
-      </a:fontRef>
-    </dgm:style>
-  </dgm:styleLbl>
-  <dgm:styleLbl name="node4">
-    <dgm:scene3d>
-      <a:camera prst="orthographicFront"/>
-      <a:lightRig rig="threePt" dir="t"/>
-    </dgm:scene3d>
-    <dgm:sp3d/>
-    <dgm:txPr/>
-    <dgm:style>
-      <a:lnRef idx="2">
-        <a:scrgbClr r="0" g="0" b="0"/>
-      </a:lnRef>
-      <a:fillRef idx="1">
-        <a:scrgbClr r="0" g="0" b="0"/>
-      </a:fillRef>
-      <a:effectRef idx="0">
-        <a:scrgbClr r="0" g="0" b="0"/>
-      </a:effectRef>
-      <a:fontRef idx="minor">
-        <a:schemeClr val="lt1"/>
-      </a:fontRef>
-    </dgm:style>
-  </dgm:styleLbl>
-  <dgm:styleLbl name="fgImgPlace1">
-    <dgm:scene3d>
-      <a:camera prst="orthographicFront"/>
-      <a:lightRig rig="threePt" dir="t"/>
-    </dgm:scene3d>
-    <dgm:sp3d/>
-    <dgm:txPr/>
-    <dgm:style>
-      <a:lnRef idx="2">
-        <a:scrgbClr r="0" g="0" b="0"/>
-      </a:lnRef>
-      <a:fillRef idx="1">
-        <a:scrgbClr r="0" g="0" b="0"/>
-      </a:fillRef>
-      <a:effectRef idx="0">
-        <a:scrgbClr r="0" g="0" b="0"/>
-      </a:effectRef>
-      <a:fontRef idx="minor"/>
-    </dgm:style>
-  </dgm:styleLbl>
-  <dgm:styleLbl name="alignImgPlace1">
-    <dgm:scene3d>
-      <a:camera prst="orthographicFront"/>
-      <a:lightRig rig="threePt" dir="t"/>
-    </dgm:scene3d>
-    <dgm:sp3d/>
-    <dgm:txPr/>
-    <dgm:style>
-      <a:lnRef idx="2">
-        <a:scrgbClr r="0" g="0" b="0"/>
-      </a:lnRef>
-      <a:fillRef idx="1">
-        <a:scrgbClr r="0" g="0" b="0"/>
-      </a:fillRef>
-      <a:effectRef idx="0">
-        <a:scrgbClr r="0" g="0" b="0"/>
-      </a:effectRef>
-      <a:fontRef idx="minor"/>
-    </dgm:style>
-  </dgm:styleLbl>
-  <dgm:styleLbl name="bgImgPlace1">
-    <dgm:scene3d>
-      <a:camera prst="orthographicFront"/>
-      <a:lightRig rig="threePt" dir="t"/>
-    </dgm:scene3d>
-    <dgm:sp3d/>
-    <dgm:txPr/>
-    <dgm:style>
-      <a:lnRef idx="2">
-        <a:scrgbClr r="0" g="0" b="0"/>
-      </a:lnRef>
-      <a:fillRef idx="1">
-        <a:scrgbClr r="0" g="0" b="0"/>
-      </a:fillRef>
-      <a:effectRef idx="0">
-        <a:scrgbClr r="0" g="0" b="0"/>
-      </a:effectRef>
-      <a:fontRef idx="minor"/>
-    </dgm:style>
-  </dgm:styleLbl>
-  <dgm:styleLbl name="sibTrans2D1">
-    <dgm:scene3d>
-      <a:camera prst="orthographicFront"/>
-      <a:lightRig rig="threePt" dir="t"/>
-    </dgm:scene3d>
-    <dgm:sp3d/>
-    <dgm:txPr/>
-    <dgm:style>
-      <a:lnRef idx="0">
-        <a:scrgbClr r="0" g="0" b="0"/>
-      </a:lnRef>
-      <a:fillRef idx="1">
-        <a:scrgbClr r="0" g="0" b="0"/>
-      </a:fillRef>
-      <a:effectRef idx="0">
-        <a:scrgbClr r="0" g="0" b="0"/>
-      </a:effectRef>
-      <a:fontRef idx="minor">
-        <a:schemeClr val="lt1"/>
-      </a:fontRef>
-    </dgm:style>
-  </dgm:styleLbl>
-  <dgm:styleLbl name="fgSibTrans2D1">
-    <dgm:scene3d>
-      <a:camera prst="orthographicFront"/>
-      <a:lightRig rig="threePt" dir="t"/>
-    </dgm:scene3d>
-    <dgm:sp3d/>
-    <dgm:txPr/>
-    <dgm:style>
-      <a:lnRef idx="0">
-        <a:scrgbClr r="0" g="0" b="0"/>
-      </a:lnRef>
-      <a:fillRef idx="1">
-        <a:scrgbClr r="0" g="0" b="0"/>
-      </a:fillRef>
-      <a:effectRef idx="0">
-        <a:scrgbClr r="0" g="0" b="0"/>
-      </a:effectRef>
-      <a:fontRef idx="minor">
-        <a:schemeClr val="lt1"/>
-      </a:fontRef>
-    </dgm:style>
-  </dgm:styleLbl>
-  <dgm:styleLbl name="bgSibTrans2D1">
-    <dgm:scene3d>
-      <a:camera prst="orthographicFront"/>
-      <a:lightRig rig="threePt" dir="t"/>
-    </dgm:scene3d>
-    <dgm:sp3d/>
-    <dgm:txPr/>
-    <dgm:style>
-      <a:lnRef idx="0">
-        <a:scrgbClr r="0" g="0" b="0"/>
-      </a:lnRef>
-      <a:fillRef idx="1">
-        <a:scrgbClr r="0" g="0" b="0"/>
-      </a:fillRef>
-      <a:effectRef idx="0">
-        <a:scrgbClr r="0" g="0" b="0"/>
-      </a:effectRef>
-      <a:fontRef idx="minor">
-        <a:schemeClr val="lt1"/>
-      </a:fontRef>
-    </dgm:style>
-  </dgm:styleLbl>
-  <dgm:styleLbl name="sibTrans1D1">
-    <dgm:scene3d>
-      <a:camera prst="orthographicFront"/>
-      <a:lightRig rig="threePt" dir="t"/>
-    </dgm:scene3d>
-    <dgm:sp3d/>
-    <dgm:txPr/>
-    <dgm:style>
-      <a:lnRef idx="1">
-        <a:scrgbClr r="0" g="0" b="0"/>
-      </a:lnRef>
-      <a:fillRef idx="0">
-        <a:scrgbClr r="0" g="0" b="0"/>
-      </a:fillRef>
-      <a:effectRef idx="0">
-        <a:scrgbClr r="0" g="0" b="0"/>
-      </a:effectRef>
-      <a:fontRef idx="minor"/>
-    </dgm:style>
-  </dgm:styleLbl>
-  <dgm:styleLbl name="callout">
-    <dgm:scene3d>
-      <a:camera prst="orthographicFront"/>
-      <a:lightRig rig="threePt" dir="t"/>
-    </dgm:scene3d>
-    <dgm:sp3d/>
-    <dgm:txPr/>
-    <dgm:style>
-      <a:lnRef idx="2">
-        <a:scrgbClr r="0" g="0" b="0"/>
-      </a:lnRef>
-      <a:fillRef idx="1">
-        <a:scrgbClr r="0" g="0" b="0"/>
-      </a:fillRef>
-      <a:effectRef idx="0">
-        <a:scrgbClr r="0" g="0" b="0"/>
-      </a:effectRef>
-      <a:fontRef idx="minor"/>
-    </dgm:style>
-  </dgm:styleLbl>
-  <dgm:styleLbl name="asst0">
-    <dgm:scene3d>
-      <a:camera prst="orthographicFront"/>
-      <a:lightRig rig="threePt" dir="t"/>
-    </dgm:scene3d>
-    <dgm:sp3d/>
-    <dgm:txPr/>
-    <dgm:style>
-      <a:lnRef idx="2">
-        <a:scrgbClr r="0" g="0" b="0"/>
-      </a:lnRef>
-      <a:fillRef idx="1">
-        <a:scrgbClr r="0" g="0" b="0"/>
-      </a:fillRef>
-      <a:effectRef idx="0">
-        <a:scrgbClr r="0" g="0" b="0"/>
-      </a:effectRef>
-      <a:fontRef idx="minor">
-        <a:schemeClr val="lt1"/>
-      </a:fontRef>
-    </dgm:style>
-  </dgm:styleLbl>
-  <dgm:styleLbl name="asst1">
-    <dgm:scene3d>
-      <a:camera prst="orthographicFront"/>
-      <a:lightRig rig="threePt" dir="t"/>
-    </dgm:scene3d>
-    <dgm:sp3d/>
-    <dgm:txPr/>
-    <dgm:style>
-      <a:lnRef idx="2">
-        <a:scrgbClr r="0" g="0" b="0"/>
-      </a:lnRef>
-      <a:fillRef idx="1">
-        <a:scrgbClr r="0" g="0" b="0"/>
-      </a:fillRef>
-      <a:effectRef idx="0">
-        <a:scrgbClr r="0" g="0" b="0"/>
-      </a:effectRef>
-      <a:fontRef idx="minor">
-        <a:schemeClr val="lt1"/>
-      </a:fontRef>
-    </dgm:style>
-  </dgm:styleLbl>
-  <dgm:styleLbl name="asst2">
-    <dgm:scene3d>
-      <a:camera prst="orthographicFront"/>
-      <a:lightRig rig="threePt" dir="t"/>
-    </dgm:scene3d>
-    <dgm:sp3d/>
-    <dgm:txPr/>
-    <dgm:style>
-      <a:lnRef idx="2">
-        <a:scrgbClr r="0" g="0" b="0"/>
-      </a:lnRef>
-      <a:fillRef idx="1">
-        <a:scrgbClr r="0" g="0" b="0"/>
-      </a:fillRef>
-      <a:effectRef idx="0">
-        <a:scrgbClr r="0" g="0" b="0"/>
-      </a:effectRef>
-      <a:fontRef idx="minor">
-        <a:schemeClr val="lt1"/>
-      </a:fontRef>
-    </dgm:style>
-  </dgm:styleLbl>
-  <dgm:styleLbl name="asst3">
-    <dgm:scene3d>
-      <a:camera prst="orthographicFront"/>
-      <a:lightRig rig="threePt" dir="t"/>
-    </dgm:scene3d>
-    <dgm:sp3d/>
-    <dgm:txPr/>
-    <dgm:style>
-      <a:lnRef idx="2">
-        <a:scrgbClr r="0" g="0" b="0"/>
-      </a:lnRef>
-      <a:fillRef idx="1">
-        <a:scrgbClr r="0" g="0" b="0"/>
-      </a:fillRef>
-      <a:effectRef idx="0">
-        <a:scrgbClr r="0" g="0" b="0"/>
-      </a:effectRef>
-      <a:fontRef idx="minor">
-        <a:schemeClr val="lt1"/>
-      </a:fontRef>
-    </dgm:style>
-  </dgm:styleLbl>
-  <dgm:styleLbl name="asst4">
-    <dgm:scene3d>
-      <a:camera prst="orthographicFront"/>
-      <a:lightRig rig="threePt" dir="t"/>
-    </dgm:scene3d>
-    <dgm:sp3d/>
-    <dgm:txPr/>
-    <dgm:style>
-      <a:lnRef idx="2">
-        <a:scrgbClr r="0" g="0" b="0"/>
-      </a:lnRef>
-      <a:fillRef idx="1">
-        <a:scrgbClr r="0" g="0" b="0"/>
-      </a:fillRef>
-      <a:effectRef idx="0">
-        <a:scrgbClr r="0" g="0" b="0"/>
-      </a:effectRef>
-      <a:fontRef idx="minor">
-        <a:schemeClr val="lt1"/>
-      </a:fontRef>
-    </dgm:style>
-  </dgm:styleLbl>
-  <dgm:styleLbl name="parChTrans2D1">
-    <dgm:scene3d>
-      <a:camera prst="orthographicFront"/>
-      <a:lightRig rig="threePt" dir="t"/>
-    </dgm:scene3d>
-    <dgm:sp3d/>
-    <dgm:txPr/>
-    <dgm:style>
-      <a:lnRef idx="2">
-        <a:scrgbClr r="0" g="0" b="0"/>
-      </a:lnRef>
-      <a:fillRef idx="1">
-        <a:scrgbClr r="0" g="0" b="0"/>
-      </a:fillRef>
-      <a:effectRef idx="0">
-        <a:scrgbClr r="0" g="0" b="0"/>
-      </a:effectRef>
-      <a:fontRef idx="minor">
-        <a:schemeClr val="lt1"/>
-      </a:fontRef>
-    </dgm:style>
-  </dgm:styleLbl>
-  <dgm:styleLbl name="parChTrans2D2">
-    <dgm:scene3d>
-      <a:camera prst="orthographicFront"/>
-      <a:lightRig rig="threePt" dir="t"/>
-    </dgm:scene3d>
-    <dgm:sp3d/>
-    <dgm:txPr/>
-    <dgm:style>
-      <a:lnRef idx="2">
-        <a:scrgbClr r="0" g="0" b="0"/>
-      </a:lnRef>
-      <a:fillRef idx="1">
-        <a:scrgbClr r="0" g="0" b="0"/>
-      </a:fillRef>
-      <a:effectRef idx="0">
-        <a:scrgbClr r="0" g="0" b="0"/>
-      </a:effectRef>
-      <a:fontRef idx="minor">
-        <a:schemeClr val="lt1"/>
-      </a:fontRef>
-    </dgm:style>
-  </dgm:styleLbl>
-  <dgm:styleLbl name="parChTrans2D3">
-    <dgm:scene3d>
-      <a:camera prst="orthographicFront"/>
-      <a:lightRig rig="threePt" dir="t"/>
-    </dgm:scene3d>
-    <dgm:sp3d/>
-    <dgm:txPr/>
-    <dgm:style>
-      <a:lnRef idx="2">
-        <a:scrgbClr r="0" g="0" b="0"/>
-      </a:lnRef>
-      <a:fillRef idx="1">
-        <a:scrgbClr r="0" g="0" b="0"/>
-      </a:fillRef>
-      <a:effectRef idx="0">
-        <a:scrgbClr r="0" g="0" b="0"/>
-      </a:effectRef>
-      <a:fontRef idx="minor">
-        <a:schemeClr val="lt1"/>
-      </a:fontRef>
-    </dgm:style>
-  </dgm:styleLbl>
-  <dgm:styleLbl name="parChTrans2D4">
-    <dgm:scene3d>
-      <a:camera prst="orthographicFront"/>
-      <a:lightRig rig="threePt" dir="t"/>
-    </dgm:scene3d>
-    <dgm:sp3d/>
-    <dgm:txPr/>
-    <dgm:style>
-      <a:lnRef idx="2">
-        <a:scrgbClr r="0" g="0" b="0"/>
-      </a:lnRef>
-      <a:fillRef idx="1">
-        <a:scrgbClr r="0" g="0" b="0"/>
-      </a:fillRef>
-      <a:effectRef idx="0">
-        <a:scrgbClr r="0" g="0" b="0"/>
-      </a:effectRef>
-      <a:fontRef idx="minor">
-        <a:schemeClr val="lt1"/>
-      </a:fontRef>
-    </dgm:style>
-  </dgm:styleLbl>
-  <dgm:styleLbl name="parChTrans1D1">
-    <dgm:scene3d>
-      <a:camera prst="orthographicFront"/>
-      <a:lightRig rig="threePt" dir="t"/>
-    </dgm:scene3d>
-    <dgm:sp3d/>
-    <dgm:txPr/>
-    <dgm:style>
-      <a:lnRef idx="2">
-        <a:scrgbClr r="0" g="0" b="0"/>
-      </a:lnRef>
-      <a:fillRef idx="0">
-        <a:scrgbClr r="0" g="0" b="0"/>
-      </a:fillRef>
-      <a:effectRef idx="0">
-        <a:scrgbClr r="0" g="0" b="0"/>
-      </a:effectRef>
-      <a:fontRef idx="minor"/>
-    </dgm:style>
-  </dgm:styleLbl>
-  <dgm:styleLbl name="parChTrans1D2">
-    <dgm:scene3d>
-      <a:camera prst="orthographicFront"/>
-      <a:lightRig rig="threePt" dir="t"/>
-    </dgm:scene3d>
-    <dgm:sp3d/>
-    <dgm:txPr/>
-    <dgm:style>
-      <a:lnRef idx="2">
-        <a:scrgbClr r="0" g="0" b="0"/>
-      </a:lnRef>
-      <a:fillRef idx="0">
-        <a:scrgbClr r="0" g="0" b="0"/>
-      </a:fillRef>
-      <a:effectRef idx="0">
-        <a:scrgbClr r="0" g="0" b="0"/>
-      </a:effectRef>
-      <a:fontRef idx="minor"/>
-    </dgm:style>
-  </dgm:styleLbl>
-  <dgm:styleLbl name="parChTrans1D3">
-    <dgm:scene3d>
-      <a:camera prst="orthographicFront"/>
-      <a:lightRig rig="threePt" dir="t"/>
-    </dgm:scene3d>
-    <dgm:sp3d/>
-    <dgm:txPr/>
-    <dgm:style>
-      <a:lnRef idx="2">
-        <a:scrgbClr r="0" g="0" b="0"/>
-      </a:lnRef>
-      <a:fillRef idx="0">
-        <a:scrgbClr r="0" g="0" b="0"/>
-      </a:fillRef>
-      <a:effectRef idx="0">
-        <a:scrgbClr r="0" g="0" b="0"/>
-      </a:effectRef>
-      <a:fontRef idx="minor"/>
-    </dgm:style>
-  </dgm:styleLbl>
-  <dgm:styleLbl name="parChTrans1D4">
-    <dgm:scene3d>
-      <a:camera prst="orthographicFront"/>
-      <a:lightRig rig="threePt" dir="t"/>
-    </dgm:scene3d>
-    <dgm:sp3d/>
-    <dgm:txPr/>
-    <dgm:style>
-      <a:lnRef idx="2">
-        <a:scrgbClr r="0" g="0" b="0"/>
-      </a:lnRef>
-      <a:fillRef idx="0">
-        <a:scrgbClr r="0" g="0" b="0"/>
-      </a:fillRef>
-      <a:effectRef idx="0">
-        <a:scrgbClr r="0" g="0" b="0"/>
-      </a:effectRef>
-      <a:fontRef idx="minor"/>
-    </dgm:style>
-  </dgm:styleLbl>
-  <dgm:styleLbl name="fgAcc1">
-    <dgm:scene3d>
-      <a:camera prst="orthographicFront"/>
-      <a:lightRig rig="threePt" dir="t"/>
-    </dgm:scene3d>
-    <dgm:sp3d/>
-    <dgm:txPr/>
-    <dgm:style>
-      <a:lnRef idx="2">
-        <a:scrgbClr r="0" g="0" b="0"/>
-      </a:lnRef>
-      <a:fillRef idx="1">
-        <a:scrgbClr r="0" g="0" b="0"/>
-      </a:fillRef>
-      <a:effectRef idx="0">
-        <a:scrgbClr r="0" g="0" b="0"/>
-      </a:effectRef>
-      <a:fontRef idx="minor"/>
-    </dgm:style>
-  </dgm:styleLbl>
-  <dgm:styleLbl name="conFgAcc1">
-    <dgm:scene3d>
-      <a:camera prst="orthographicFront"/>
-      <a:lightRig rig="threePt" dir="t"/>
-    </dgm:scene3d>
-    <dgm:sp3d/>
-    <dgm:txPr/>
-    <dgm:style>
-      <a:lnRef idx="2">
-        <a:scrgbClr r="0" g="0" b="0"/>
-      </a:lnRef>
-      <a:fillRef idx="1">
-        <a:scrgbClr r="0" g="0" b="0"/>
-      </a:fillRef>
-      <a:effectRef idx="0">
-        <a:scrgbClr r="0" g="0" b="0"/>
-      </a:effectRef>
-      <a:fontRef idx="minor"/>
-    </dgm:style>
-  </dgm:styleLbl>
-  <dgm:styleLbl name="alignAcc1">
-    <dgm:scene3d>
-      <a:camera prst="orthographicFront"/>
-      <a:lightRig rig="threePt" dir="t"/>
-    </dgm:scene3d>
-    <dgm:sp3d/>
-    <dgm:txPr/>
-    <dgm:style>
-      <a:lnRef idx="2">
-        <a:scrgbClr r="0" g="0" b="0"/>
-      </a:lnRef>
-      <a:fillRef idx="1">
-        <a:scrgbClr r="0" g="0" b="0"/>
-      </a:fillRef>
-      <a:effectRef idx="0">
-        <a:scrgbClr r="0" g="0" b="0"/>
-      </a:effectRef>
-      <a:fontRef idx="minor"/>
-    </dgm:style>
-  </dgm:styleLbl>
-  <dgm:styleLbl name="trAlignAcc1">
-    <dgm:scene3d>
-      <a:camera prst="orthographicFront"/>
-      <a:lightRig rig="threePt" dir="t"/>
-    </dgm:scene3d>
-    <dgm:sp3d/>
-    <dgm:txPr/>
-    <dgm:style>
-      <a:lnRef idx="1">
-        <a:scrgbClr r="0" g="0" b="0"/>
-      </a:lnRef>
-      <a:fillRef idx="1">
-        <a:scrgbClr r="0" g="0" b="0"/>
-      </a:fillRef>
-      <a:effectRef idx="0">
-        <a:scrgbClr r="0" g="0" b="0"/>
-      </a:effectRef>
-      <a:fontRef idx="minor"/>
-    </dgm:style>
-  </dgm:styleLbl>
-  <dgm:styleLbl name="bgAcc1">
-    <dgm:scene3d>
-      <a:camera prst="orthographicFront"/>
-      <a:lightRig rig="threePt" dir="t"/>
-    </dgm:scene3d>
-    <dgm:sp3d/>
-    <dgm:txPr/>
-    <dgm:style>
-      <a:lnRef idx="2">
-        <a:scrgbClr r="0" g="0" b="0"/>
-      </a:lnRef>
-      <a:fillRef idx="1">
-        <a:scrgbClr r="0" g="0" b="0"/>
-      </a:fillRef>
-      <a:effectRef idx="0">
-        <a:scrgbClr r="0" g="0" b="0"/>
-      </a:effectRef>
-      <a:fontRef idx="minor"/>
-    </dgm:style>
-  </dgm:styleLbl>
-  <dgm:styleLbl name="solidFgAcc1">
-    <dgm:scene3d>
-      <a:camera prst="orthographicFront"/>
-      <a:lightRig rig="threePt" dir="t"/>
-    </dgm:scene3d>
-    <dgm:sp3d/>
-    <dgm:txPr/>
-    <dgm:style>
-      <a:lnRef idx="2">
-        <a:scrgbClr r="0" g="0" b="0"/>
-      </a:lnRef>
-      <a:fillRef idx="1">
-        <a:scrgbClr r="0" g="0" b="0"/>
-      </a:fillRef>
-      <a:effectRef idx="0">
-        <a:scrgbClr r="0" g="0" b="0"/>
-      </a:effectRef>
-      <a:fontRef idx="minor"/>
-    </dgm:style>
-  </dgm:styleLbl>
-  <dgm:styleLbl name="solidAlignAcc1">
-    <dgm:scene3d>
-      <a:camera prst="orthographicFront"/>
-      <a:lightRig rig="threePt" dir="t"/>
-    </dgm:scene3d>
-    <dgm:sp3d/>
-    <dgm:txPr/>
-    <dgm:style>
-      <a:lnRef idx="2">
-        <a:scrgbClr r="0" g="0" b="0"/>
-      </a:lnRef>
-      <a:fillRef idx="1">
-        <a:scrgbClr r="0" g="0" b="0"/>
-      </a:fillRef>
-      <a:effectRef idx="0">
-        <a:scrgbClr r="0" g="0" b="0"/>
-      </a:effectRef>
-      <a:fontRef idx="minor"/>
-    </dgm:style>
-  </dgm:styleLbl>
-  <dgm:styleLbl name="solidBgAcc1">
-    <dgm:scene3d>
-      <a:camera prst="orthographicFront"/>
-      <a:lightRig rig="threePt" dir="t"/>
-    </dgm:scene3d>
-    <dgm:sp3d/>
-    <dgm:txPr/>
-    <dgm:style>
-      <a:lnRef idx="2">
-        <a:scrgbClr r="0" g="0" b="0"/>
-      </a:lnRef>
-      <a:fillRef idx="1">
-        <a:scrgbClr r="0" g="0" b="0"/>
-      </a:fillRef>
-      <a:effectRef idx="0">
-        <a:scrgbClr r="0" g="0" b="0"/>
-      </a:effectRef>
-      <a:fontRef idx="minor"/>
-    </dgm:style>
-  </dgm:styleLbl>
-  <dgm:styleLbl name="fgAccFollowNode1">
-    <dgm:scene3d>
-      <a:camera prst="orthographicFront"/>
-      <a:lightRig rig="threePt" dir="t"/>
-    </dgm:scene3d>
-    <dgm:sp3d/>
-    <dgm:txPr/>
-    <dgm:style>
-      <a:lnRef idx="2">
-        <a:scrgbClr r="0" g="0" b="0"/>
-      </a:lnRef>
-      <a:fillRef idx="1">
-        <a:scrgbClr r="0" g="0" b="0"/>
-      </a:fillRef>
-      <a:effectRef idx="0">
-        <a:scrgbClr r="0" g="0" b="0"/>
-      </a:effectRef>
-      <a:fontRef idx="minor"/>
-    </dgm:style>
-  </dgm:styleLbl>
-  <dgm:styleLbl name="alignAccFollowNode1">
-    <dgm:scene3d>
-      <a:camera prst="orthographicFront"/>
-      <a:lightRig rig="threePt" dir="t"/>
-    </dgm:scene3d>
-    <dgm:sp3d/>
-    <dgm:txPr/>
-    <dgm:style>
-      <a:lnRef idx="2">
-        <a:scrgbClr r="0" g="0" b="0"/>
-      </a:lnRef>
-      <a:fillRef idx="1">
-        <a:scrgbClr r="0" g="0" b="0"/>
-      </a:fillRef>
-      <a:effectRef idx="0">
-        <a:scrgbClr r="0" g="0" b="0"/>
-      </a:effectRef>
-      <a:fontRef idx="minor"/>
-    </dgm:style>
-  </dgm:styleLbl>
-  <dgm:styleLbl name="bgAccFollowNode1">
-    <dgm:scene3d>
-      <a:camera prst="orthographicFront"/>
-      <a:lightRig rig="threePt" dir="t"/>
-    </dgm:scene3d>
-    <dgm:sp3d/>
-    <dgm:txPr/>
-    <dgm:style>
-      <a:lnRef idx="2">
-        <a:scrgbClr r="0" g="0" b="0"/>
-      </a:lnRef>
-      <a:fillRef idx="1">
-        <a:scrgbClr r="0" g="0" b="0"/>
-      </a:fillRef>
-      <a:effectRef idx="0">
-        <a:scrgbClr r="0" g="0" b="0"/>
-      </a:effectRef>
-      <a:fontRef idx="minor"/>
-    </dgm:style>
-  </dgm:styleLbl>
-  <dgm:styleLbl name="fgAcc0">
-    <dgm:scene3d>
-      <a:camera prst="orthographicFront"/>
-      <a:lightRig rig="threePt" dir="t"/>
-    </dgm:scene3d>
-    <dgm:sp3d/>
-    <dgm:txPr/>
-    <dgm:style>
-      <a:lnRef idx="2">
-        <a:scrgbClr r="0" g="0" b="0"/>
-      </a:lnRef>
-      <a:fillRef idx="1">
-        <a:scrgbClr r="0" g="0" b="0"/>
-      </a:fillRef>
-      <a:effectRef idx="0">
-        <a:scrgbClr r="0" g="0" b="0"/>
-      </a:effectRef>
-      <a:fontRef idx="minor"/>
-    </dgm:style>
-  </dgm:styleLbl>
-  <dgm:styleLbl name="fgAcc2">
-    <dgm:scene3d>
-      <a:camera prst="orthographicFront"/>
-      <a:lightRig rig="threePt" dir="t"/>
-    </dgm:scene3d>
-    <dgm:sp3d/>
-    <dgm:txPr/>
-    <dgm:style>
-      <a:lnRef idx="2">
-        <a:scrgbClr r="0" g="0" b="0"/>
-      </a:lnRef>
-      <a:fillRef idx="1">
-        <a:scrgbClr r="0" g="0" b="0"/>
-      </a:fillRef>
-      <a:effectRef idx="0">
-        <a:scrgbClr r="0" g="0" b="0"/>
-      </a:effectRef>
-      <a:fontRef idx="minor"/>
-    </dgm:style>
-  </dgm:styleLbl>
-  <dgm:styleLbl name="fgAcc3">
-    <dgm:scene3d>
-      <a:camera prst="orthographicFront"/>
-      <a:lightRig rig="threePt" dir="t"/>
-    </dgm:scene3d>
-    <dgm:sp3d/>
-    <dgm:txPr/>
-    <dgm:style>
-      <a:lnRef idx="2">
-        <a:scrgbClr r="0" g="0" b="0"/>
-      </a:lnRef>
-      <a:fillRef idx="1">
-        <a:scrgbClr r="0" g="0" b="0"/>
-      </a:fillRef>
-      <a:effectRef idx="0">
-        <a:scrgbClr r="0" g="0" b="0"/>
-      </a:effectRef>
-      <a:fontRef idx="minor"/>
-    </dgm:style>
-  </dgm:styleLbl>
-  <dgm:styleLbl name="fgAcc4">
-    <dgm:scene3d>
-      <a:camera prst="orthographicFront"/>
-      <a:lightRig rig="threePt" dir="t"/>
-    </dgm:scene3d>
-    <dgm:sp3d/>
-    <dgm:txPr/>
-    <dgm:style>
-      <a:lnRef idx="2">
-        <a:scrgbClr r="0" g="0" b="0"/>
-      </a:lnRef>
-      <a:fillRef idx="1">
-        <a:scrgbClr r="0" g="0" b="0"/>
-      </a:fillRef>
-      <a:effectRef idx="0">
-        <a:scrgbClr r="0" g="0" b="0"/>
-      </a:effectRef>
-      <a:fontRef idx="minor"/>
-    </dgm:style>
-  </dgm:styleLbl>
-  <dgm:styleLbl name="bgShp">
-    <dgm:scene3d>
-      <a:camera prst="orthographicFront"/>
-      <a:lightRig rig="threePt" dir="t"/>
-    </dgm:scene3d>
-    <dgm:sp3d/>
-    <dgm:txPr/>
-    <dgm:style>
-      <a:lnRef idx="0">
-        <a:scrgbClr r="0" g="0" b="0"/>
-      </a:lnRef>
-      <a:fillRef idx="1">
-        <a:scrgbClr r="0" g="0" b="0"/>
-      </a:fillRef>
-      <a:effectRef idx="0">
-        <a:scrgbClr r="0" g="0" b="0"/>
-      </a:effectRef>
-      <a:fontRef idx="minor"/>
-    </dgm:style>
-  </dgm:styleLbl>
-  <dgm:styleLbl name="dkBgShp">
-    <dgm:scene3d>
-      <a:camera prst="orthographicFront"/>
-      <a:lightRig rig="threePt" dir="t"/>
-    </dgm:scene3d>
-    <dgm:sp3d/>
-    <dgm:txPr/>
-    <dgm:style>
-      <a:lnRef idx="0">
-        <a:scrgbClr r="0" g="0" b="0"/>
-      </a:lnRef>
-      <a:fillRef idx="1">
-        <a:scrgbClr r="0" g="0" b="0"/>
-      </a:fillRef>
-      <a:effectRef idx="0">
-        <a:scrgbClr r="0" g="0" b="0"/>
-      </a:effectRef>
-      <a:fontRef idx="minor"/>
-    </dgm:style>
-  </dgm:styleLbl>
-  <dgm:styleLbl name="trBgShp">
-    <dgm:scene3d>
-      <a:camera prst="orthographicFront"/>
-      <a:lightRig rig="threePt" dir="t"/>
-    </dgm:scene3d>
-    <dgm:sp3d/>
-    <dgm:txPr/>
-    <dgm:style>
-      <a:lnRef idx="0">
-        <a:scrgbClr r="0" g="0" b="0"/>
-      </a:lnRef>
-      <a:fillRef idx="1">
-        <a:scrgbClr r="0" g="0" b="0"/>
-      </a:fillRef>
-      <a:effectRef idx="0">
-        <a:scrgbClr r="0" g="0" b="0"/>
-      </a:effectRef>
-      <a:fontRef idx="minor"/>
-    </dgm:style>
-  </dgm:styleLbl>
-  <dgm:styleLbl name="fgShp">
-    <dgm:scene3d>
-      <a:camera prst="orthographicFront"/>
-      <a:lightRig rig="threePt" dir="t"/>
-    </dgm:scene3d>
-    <dgm:sp3d/>
-    <dgm:txPr/>
-    <dgm:style>
-      <a:lnRef idx="2">
-        <a:scrgbClr r="0" g="0" b="0"/>
-      </a:lnRef>
-      <a:fillRef idx="1">
-        <a:scrgbClr r="0" g="0" b="0"/>
-      </a:fillRef>
-      <a:effectRef idx="0">
-        <a:scrgbClr r="0" g="0" b="0"/>
-      </a:effectRef>
-      <a:fontRef idx="minor"/>
-    </dgm:style>
-  </dgm:styleLbl>
-  <dgm:styleLbl name="revTx">
-    <dgm:scene3d>
-      <a:camera prst="orthographicFront"/>
-      <a:lightRig rig="threePt" dir="t"/>
-    </dgm:scene3d>
-    <dgm:sp3d/>
-    <dgm:txPr/>
-    <dgm:style>
-      <a:lnRef idx="0">
-        <a:scrgbClr r="0" g="0" b="0"/>
-      </a:lnRef>
-      <a:fillRef idx="0">
-        <a:scrgbClr r="0" g="0" b="0"/>
-      </a:fillRef>
-      <a:effectRef idx="0">
-        <a:scrgbClr r="0" g="0" b="0"/>
-      </a:effectRef>
-      <a:fontRef idx="minor"/>
-    </dgm:style>
-  </dgm:styleLbl>
-</dgm:styleDef>
 </file>
 
 <file path=ppt/handoutMasters/handoutMaster1.xml><?xml version="1.0" encoding="utf-8"?>
@@ -4114,90 +655,6 @@
     </a:lvl9pPr>
   </p:notesStyle>
 </p:notesMaster>
-</file>
-
-<file path=ppt/notesSlides/notesSlide1.xml><?xml version="1.0" encoding="utf-8"?>
-<p:notes xmlns:a="http://schemas.openxmlformats.org/drawingml/2006/main" xmlns:r="http://schemas.openxmlformats.org/officeDocument/2006/relationships" xmlns:p="http://schemas.openxmlformats.org/presentationml/2006/main">
-  <p:cSld>
-    <p:spTree>
-      <p:nvGrpSpPr>
-        <p:cNvPr id="1" name=""/>
-        <p:cNvGrpSpPr/>
-        <p:nvPr/>
-      </p:nvGrpSpPr>
-      <p:grpSpPr>
-        <a:xfrm>
-          <a:off x="0" y="0"/>
-          <a:ext cx="0" cy="0"/>
-          <a:chOff x="0" y="0"/>
-          <a:chExt cx="0" cy="0"/>
-        </a:xfrm>
-      </p:grpSpPr>
-      <p:sp>
-        <p:nvSpPr>
-          <p:cNvPr id="2" name="Slide Image Placeholder 1"/>
-          <p:cNvSpPr>
-            <a:spLocks noGrp="1" noRot="1" noChangeAspect="1"/>
-          </p:cNvSpPr>
-          <p:nvPr>
-            <p:ph type="sldImg"/>
-          </p:nvPr>
-        </p:nvSpPr>
-        <p:spPr/>
-      </p:sp>
-      <p:sp>
-        <p:nvSpPr>
-          <p:cNvPr id="3" name="Notes Placeholder 2"/>
-          <p:cNvSpPr>
-            <a:spLocks noGrp="1"/>
-          </p:cNvSpPr>
-          <p:nvPr>
-            <p:ph type="body" idx="1"/>
-          </p:nvPr>
-        </p:nvSpPr>
-        <p:spPr/>
-        <p:txBody>
-          <a:bodyPr/>
-          <a:lstStyle/>
-          <a:p>
-            <a:endParaRPr lang="en-US"/>
-          </a:p>
-        </p:txBody>
-      </p:sp>
-      <p:sp>
-        <p:nvSpPr>
-          <p:cNvPr id="4" name="Slide Number Placeholder 3"/>
-          <p:cNvSpPr>
-            <a:spLocks noGrp="1"/>
-          </p:cNvSpPr>
-          <p:nvPr>
-            <p:ph type="sldNum" sz="quarter" idx="10"/>
-          </p:nvPr>
-        </p:nvSpPr>
-        <p:spPr/>
-        <p:txBody>
-          <a:bodyPr/>
-          <a:lstStyle/>
-          <a:p>
-            <a:fld id="{82869989-EB00-4EE7-BCB5-25BDC5BB29F8}" type="slidenum">
-              <a:rPr lang="en-US" smtClean="0"/>
-              <a:t>2</a:t>
-            </a:fld>
-            <a:endParaRPr lang="en-US"/>
-          </a:p>
-        </p:txBody>
-      </p:sp>
-    </p:spTree>
-    <p:extLst>
-      <p:ext uri="{BB962C8B-B14F-4D97-AF65-F5344CB8AC3E}">
-        <p14:creationId xmlns:p14="http://schemas.microsoft.com/office/powerpoint/2010/main" val="1980303916"/>
-      </p:ext>
-    </p:extLst>
-  </p:cSld>
-  <p:clrMapOvr>
-    <a:masterClrMapping/>
-  </p:clrMapOvr>
-</p:notes>
 </file>
 
 <file path=ppt/slideLayouts/slideLayout1.xml><?xml version="1.0" encoding="utf-8"?>
@@ -18538,7 +14995,7 @@
         </p:nvSpPr>
         <p:spPr>
           <a:xfrm>
-            <a:off x="532805" y="613064"/>
+            <a:off x="425713" y="1445085"/>
             <a:ext cx="4093866" cy="2908523"/>
           </a:xfrm>
         </p:spPr>
@@ -18548,9 +15005,31 @@
           </a:bodyPr>
           <a:lstStyle/>
           <a:p>
+            <a:pPr algn="ctr"/>
             <a:r>
               <a:rPr lang="en-US" sz="4400" dirty="0" smtClean="0"/>
-              <a:t>Refactoring towards testable code and happier developers</a:t>
+              <a:t>Refactoring towards </a:t>
+            </a:r>
+            <a:r>
+              <a:rPr lang="en-US" sz="4400" dirty="0" smtClean="0"/>
+              <a:t>testable </a:t>
+            </a:r>
+            <a:r>
+              <a:rPr lang="en-US" sz="4400" dirty="0" smtClean="0"/>
+              <a:t>code and happier </a:t>
+            </a:r>
+            <a:r>
+              <a:rPr lang="en-US" sz="4400" dirty="0" smtClean="0"/>
+              <a:t>developers</a:t>
+            </a:r>
+            <a:br>
+              <a:rPr lang="en-US" sz="4400" dirty="0" smtClean="0"/>
+            </a:br>
+            <a:r>
+              <a:rPr lang="en-US" sz="4400" dirty="0" smtClean="0">
+                <a:sym typeface="Wingdings" panose="05000000000000000000" pitchFamily="2" charset="2"/>
+              </a:rPr>
+              <a:t></a:t>
             </a:r>
             <a:endParaRPr lang="en-US" sz="4400" dirty="0"/>
           </a:p>
@@ -18682,7 +15161,7 @@
       </p:grpSpPr>
       <p:sp>
         <p:nvSpPr>
-          <p:cNvPr id="2" name="Title 1"/>
+          <p:cNvPr id="4" name="Title 3"/>
           <p:cNvSpPr>
             <a:spLocks noGrp="1"/>
           </p:cNvSpPr>
@@ -18690,57 +15169,122 @@
             <p:ph type="title"/>
           </p:nvPr>
         </p:nvSpPr>
-        <p:spPr/>
+        <p:spPr>
+          <a:xfrm>
+            <a:off x="763095" y="255001"/>
+            <a:ext cx="4850305" cy="1142385"/>
+          </a:xfrm>
+        </p:spPr>
         <p:txBody>
-          <a:bodyPr/>
+          <a:bodyPr>
+            <a:normAutofit/>
+          </a:bodyPr>
           <a:lstStyle/>
           <a:p>
-            <a:endParaRPr lang="en-US"/>
+            <a:r>
+              <a:rPr lang="en-GB" dirty="0" smtClean="0"/>
+              <a:t>Avoid Comments (duck)</a:t>
+            </a:r>
+            <a:endParaRPr lang="en-GB" dirty="0"/>
           </a:p>
         </p:txBody>
       </p:sp>
+      <p:pic>
+        <p:nvPicPr>
+          <p:cNvPr id="2" name="Picture 1"/>
+          <p:cNvPicPr>
+            <a:picLocks noChangeAspect="1"/>
+          </p:cNvPicPr>
+          <p:nvPr/>
+        </p:nvPicPr>
+        <p:blipFill>
+          <a:blip r:embed="rId2" cstate="print">
+            <a:extLst>
+              <a:ext uri="{28A0092B-C50C-407E-A947-70E740481C1C}">
+                <a14:useLocalDpi xmlns:a14="http://schemas.microsoft.com/office/drawing/2010/main" val="0"/>
+              </a:ext>
+            </a:extLst>
+          </a:blip>
+          <a:stretch>
+            <a:fillRect/>
+          </a:stretch>
+        </p:blipFill>
+        <p:spPr>
+          <a:xfrm>
+            <a:off x="6501241" y="255001"/>
+            <a:ext cx="5375975" cy="3580399"/>
+          </a:xfrm>
+          <a:prstGeom prst="rect">
+            <a:avLst/>
+          </a:prstGeom>
+        </p:spPr>
+      </p:pic>
+      <p:pic>
+        <p:nvPicPr>
+          <p:cNvPr id="3" name="Picture 2"/>
+          <p:cNvPicPr>
+            <a:picLocks noChangeAspect="1"/>
+          </p:cNvPicPr>
+          <p:nvPr/>
+        </p:nvPicPr>
+        <p:blipFill>
+          <a:blip r:embed="rId3"/>
+          <a:stretch>
+            <a:fillRect/>
+          </a:stretch>
+        </p:blipFill>
+        <p:spPr>
+          <a:xfrm>
+            <a:off x="505714" y="3771900"/>
+            <a:ext cx="10012172" cy="2181529"/>
+          </a:xfrm>
+          <a:prstGeom prst="rect">
+            <a:avLst/>
+          </a:prstGeom>
+        </p:spPr>
+      </p:pic>
       <p:sp>
         <p:nvSpPr>
-          <p:cNvPr id="3" name="Content Placeholder 2"/>
-          <p:cNvSpPr>
-            <a:spLocks noGrp="1"/>
-          </p:cNvSpPr>
-          <p:nvPr>
-            <p:ph idx="1"/>
-          </p:nvPr>
+          <p:cNvPr id="5" name="TextBox 4"/>
+          <p:cNvSpPr txBox="1"/>
+          <p:nvPr/>
         </p:nvSpPr>
-        <p:spPr/>
+        <p:spPr>
+          <a:xfrm>
+            <a:off x="763095" y="1752600"/>
+            <a:ext cx="3821605" cy="707886"/>
+          </a:xfrm>
+          <a:prstGeom prst="rect">
+            <a:avLst/>
+          </a:prstGeom>
+          <a:noFill/>
+        </p:spPr>
         <p:txBody>
-          <a:bodyPr/>
+          <a:bodyPr wrap="square" rtlCol="0">
+            <a:spAutoFit/>
+          </a:bodyPr>
           <a:lstStyle/>
           <a:p>
-            <a:endParaRPr lang="en-US"/>
-          </a:p>
-        </p:txBody>
-      </p:sp>
-      <p:sp>
-        <p:nvSpPr>
-          <p:cNvPr id="4" name="Text Placeholder 3"/>
-          <p:cNvSpPr>
-            <a:spLocks noGrp="1"/>
-          </p:cNvSpPr>
-          <p:nvPr>
-            <p:ph type="body" sz="half" idx="2"/>
-          </p:nvPr>
-        </p:nvSpPr>
-        <p:spPr/>
-        <p:txBody>
-          <a:bodyPr/>
-          <a:lstStyle/>
-          <a:p>
-            <a:endParaRPr lang="en-US"/>
+            <a:r>
+              <a:rPr lang="en-GB" sz="2000" dirty="0" smtClean="0"/>
+              <a:t>Candidate to refactor into a Method called </a:t>
+            </a:r>
+            <a:r>
+              <a:rPr lang="en-GB" sz="2000" dirty="0" err="1" smtClean="0"/>
+              <a:t>AddAuthors</a:t>
+            </a:r>
+            <a:r>
+              <a:rPr lang="en-GB" sz="2000" dirty="0" smtClean="0"/>
+              <a:t>?</a:t>
+            </a:r>
+            <a:endParaRPr lang="en-GB" sz="2000" dirty="0"/>
           </a:p>
         </p:txBody>
       </p:sp>
     </p:spTree>
     <p:extLst>
       <p:ext uri="{BB962C8B-B14F-4D97-AF65-F5344CB8AC3E}">
-        <p14:creationId xmlns:p14="http://schemas.microsoft.com/office/powerpoint/2010/main" val="4101607575"/>
+        <p14:creationId xmlns:p14="http://schemas.microsoft.com/office/powerpoint/2010/main" val="1666348929"/>
       </p:ext>
     </p:extLst>
   </p:cSld>
@@ -18779,60 +15323,10 @@
           <a:chExt cx="0" cy="0"/>
         </a:xfrm>
       </p:grpSpPr>
-      <p:sp>
-        <p:nvSpPr>
-          <p:cNvPr id="2" name="Picture Placeholder 1"/>
-          <p:cNvSpPr>
-            <a:spLocks noGrp="1"/>
-          </p:cNvSpPr>
-          <p:nvPr>
-            <p:ph type="pic" idx="1"/>
-          </p:nvPr>
-        </p:nvSpPr>
-        <p:spPr/>
-      </p:sp>
-      <p:sp>
-        <p:nvSpPr>
-          <p:cNvPr id="3" name="Title 2"/>
-          <p:cNvSpPr>
-            <a:spLocks noGrp="1"/>
-          </p:cNvSpPr>
-          <p:nvPr>
-            <p:ph type="title"/>
-          </p:nvPr>
-        </p:nvSpPr>
-        <p:spPr/>
-        <p:txBody>
-          <a:bodyPr/>
-          <a:lstStyle/>
-          <a:p>
-            <a:endParaRPr lang="en-US"/>
-          </a:p>
-        </p:txBody>
-      </p:sp>
-      <p:sp>
-        <p:nvSpPr>
-          <p:cNvPr id="4" name="Text Placeholder 3"/>
-          <p:cNvSpPr>
-            <a:spLocks noGrp="1"/>
-          </p:cNvSpPr>
-          <p:nvPr>
-            <p:ph type="body" sz="half" idx="2"/>
-          </p:nvPr>
-        </p:nvSpPr>
-        <p:spPr/>
-        <p:txBody>
-          <a:bodyPr/>
-          <a:lstStyle/>
-          <a:p>
-            <a:endParaRPr lang="en-US"/>
-          </a:p>
-        </p:txBody>
-      </p:sp>
     </p:spTree>
     <p:extLst>
       <p:ext uri="{BB962C8B-B14F-4D97-AF65-F5344CB8AC3E}">
-        <p14:creationId xmlns:p14="http://schemas.microsoft.com/office/powerpoint/2010/main" val="2794409471"/>
+        <p14:creationId xmlns:p14="http://schemas.microsoft.com/office/powerpoint/2010/main" val="3001454590"/>
       </p:ext>
     </p:extLst>
   </p:cSld>
@@ -18887,40 +15381,154 @@
           <a:lstStyle/>
           <a:p>
             <a:r>
-              <a:rPr lang="en-US" dirty="0" smtClean="0"/>
-              <a:t>Scott Allen Palindrome Examples</a:t>
+              <a:rPr lang="en-GB" dirty="0" smtClean="0"/>
+              <a:t>Stand on the Shoulders of Giants</a:t>
             </a:r>
-            <a:endParaRPr lang="en-US" dirty="0"/>
+            <a:endParaRPr lang="en-GB" dirty="0"/>
           </a:p>
         </p:txBody>
       </p:sp>
-      <p:sp>
-        <p:nvSpPr>
-          <p:cNvPr id="3" name="Content Placeholder 2"/>
-          <p:cNvSpPr>
-            <a:spLocks noGrp="1"/>
-          </p:cNvSpPr>
+      <p:pic>
+        <p:nvPicPr>
+          <p:cNvPr id="4" name="Content Placeholder 3"/>
+          <p:cNvPicPr>
+            <a:picLocks noGrp="1" noChangeAspect="1"/>
+          </p:cNvPicPr>
           <p:nvPr>
             <p:ph idx="1"/>
           </p:nvPr>
-        </p:nvSpPr>
-        <p:spPr/>
-        <p:txBody>
-          <a:bodyPr/>
-          <a:lstStyle/>
-          <a:p>
-            <a:r>
-              <a:rPr lang="en-US"/>
-              <a:t>https://app.pluralsight.com/library/courses/csharp-fundamentals-2/table-of-contents</a:t>
-            </a:r>
-            <a:endParaRPr lang="en-US" dirty="0"/>
-          </a:p>
-        </p:txBody>
-      </p:sp>
+        </p:nvPicPr>
+        <p:blipFill>
+          <a:blip r:embed="rId2" cstate="print">
+            <a:extLst>
+              <a:ext uri="{28A0092B-C50C-407E-A947-70E740481C1C}">
+                <a14:useLocalDpi xmlns:a14="http://schemas.microsoft.com/office/drawing/2010/main" val="0"/>
+              </a:ext>
+            </a:extLst>
+          </a:blip>
+          <a:stretch>
+            <a:fillRect/>
+          </a:stretch>
+        </p:blipFill>
+        <p:spPr>
+          <a:xfrm rot="5400000">
+            <a:off x="541638" y="2284456"/>
+            <a:ext cx="3810000" cy="2857500"/>
+          </a:xfrm>
+        </p:spPr>
+      </p:pic>
+      <p:pic>
+        <p:nvPicPr>
+          <p:cNvPr id="5" name="Picture 4"/>
+          <p:cNvPicPr>
+            <a:picLocks noChangeAspect="1"/>
+          </p:cNvPicPr>
+          <p:nvPr/>
+        </p:nvPicPr>
+        <p:blipFill>
+          <a:blip r:embed="rId3" cstate="print">
+            <a:extLst>
+              <a:ext uri="{28A0092B-C50C-407E-A947-70E740481C1C}">
+                <a14:useLocalDpi xmlns:a14="http://schemas.microsoft.com/office/drawing/2010/main" val="0"/>
+              </a:ext>
+            </a:extLst>
+          </a:blip>
+          <a:stretch>
+            <a:fillRect/>
+          </a:stretch>
+        </p:blipFill>
+        <p:spPr>
+          <a:xfrm rot="5400000">
+            <a:off x="3713721" y="3138619"/>
+            <a:ext cx="2438397" cy="1828798"/>
+          </a:xfrm>
+          <a:prstGeom prst="rect">
+            <a:avLst/>
+          </a:prstGeom>
+        </p:spPr>
+      </p:pic>
+      <p:pic>
+        <p:nvPicPr>
+          <p:cNvPr id="6" name="Picture 5"/>
+          <p:cNvPicPr>
+            <a:picLocks noChangeAspect="1"/>
+          </p:cNvPicPr>
+          <p:nvPr/>
+        </p:nvPicPr>
+        <p:blipFill>
+          <a:blip r:embed="rId4"/>
+          <a:stretch>
+            <a:fillRect/>
+          </a:stretch>
+        </p:blipFill>
+        <p:spPr>
+          <a:xfrm>
+            <a:off x="7144662" y="1808206"/>
+            <a:ext cx="3249275" cy="2008799"/>
+          </a:xfrm>
+          <a:prstGeom prst="rect">
+            <a:avLst/>
+          </a:prstGeom>
+        </p:spPr>
+      </p:pic>
+      <p:pic>
+        <p:nvPicPr>
+          <p:cNvPr id="7" name="Picture 6"/>
+          <p:cNvPicPr>
+            <a:picLocks noChangeAspect="1"/>
+          </p:cNvPicPr>
+          <p:nvPr/>
+        </p:nvPicPr>
+        <p:blipFill>
+          <a:blip r:embed="rId5"/>
+          <a:stretch>
+            <a:fillRect/>
+          </a:stretch>
+        </p:blipFill>
+        <p:spPr>
+          <a:xfrm>
+            <a:off x="7727816" y="4131241"/>
+            <a:ext cx="3409741" cy="1359311"/>
+          </a:xfrm>
+          <a:prstGeom prst="rect">
+            <a:avLst/>
+          </a:prstGeom>
+        </p:spPr>
+      </p:pic>
+      <p:pic>
+        <p:nvPicPr>
+          <p:cNvPr id="8" name="Picture 7"/>
+          <p:cNvPicPr>
+            <a:picLocks noChangeAspect="1"/>
+          </p:cNvPicPr>
+          <p:nvPr/>
+        </p:nvPicPr>
+        <p:blipFill>
+          <a:blip r:embed="rId6" cstate="print">
+            <a:extLst>
+              <a:ext uri="{28A0092B-C50C-407E-A947-70E740481C1C}">
+                <a14:useLocalDpi xmlns:a14="http://schemas.microsoft.com/office/drawing/2010/main" val="0"/>
+              </a:ext>
+            </a:extLst>
+          </a:blip>
+          <a:stretch>
+            <a:fillRect/>
+          </a:stretch>
+        </p:blipFill>
+        <p:spPr>
+          <a:xfrm rot="5400000">
+            <a:off x="6078084" y="4650518"/>
+            <a:ext cx="1418966" cy="1064225"/>
+          </a:xfrm>
+          <a:prstGeom prst="rect">
+            <a:avLst/>
+          </a:prstGeom>
+        </p:spPr>
+      </p:pic>
     </p:spTree>
     <p:extLst>
       <p:ext uri="{BB962C8B-B14F-4D97-AF65-F5344CB8AC3E}">
-        <p14:creationId xmlns:p14="http://schemas.microsoft.com/office/powerpoint/2010/main" val="3984617762"/>
+        <p14:creationId xmlns:p14="http://schemas.microsoft.com/office/powerpoint/2010/main" val="1505933173"/>
       </p:ext>
     </p:extLst>
   </p:cSld>
@@ -18939,13 +15547,6 @@
       </p:transition>
     </mc:Fallback>
   </mc:AlternateContent>
-  <p:timing>
-    <p:tnLst>
-      <p:par>
-        <p:cTn id="1" dur="indefinite" restart="never" nodeType="tmRoot"/>
-      </p:par>
-    </p:tnLst>
-  </p:timing>
 </p:sld>
 </file>
 
@@ -18976,48 +15577,107 @@
             <p:ph type="title"/>
           </p:nvPr>
         </p:nvSpPr>
-        <p:spPr/>
+        <p:spPr>
+          <a:xfrm>
+            <a:off x="1295400" y="503853"/>
+            <a:ext cx="2671119" cy="1142385"/>
+          </a:xfrm>
+        </p:spPr>
         <p:txBody>
           <a:bodyPr/>
           <a:lstStyle/>
           <a:p>
             <a:r>
-              <a:rPr lang="en-US" dirty="0" smtClean="0"/>
-              <a:t>Title and content layout with chart</a:t>
+              <a:rPr lang="en-GB" dirty="0" smtClean="0"/>
+              <a:t>1. Naming</a:t>
             </a:r>
-            <a:endParaRPr lang="en-US" dirty="0"/>
+            <a:endParaRPr lang="en-GB" dirty="0"/>
           </a:p>
         </p:txBody>
       </p:sp>
-      <p:graphicFrame>
-        <p:nvGraphicFramePr>
-          <p:cNvPr id="6" name="Content Placeholder 5" descr="Clustered Column Chart" title="Chart"/>
-          <p:cNvGraphicFramePr>
-            <a:graphicFrameLocks noGrp="1"/>
-          </p:cNvGraphicFramePr>
+      <p:sp>
+        <p:nvSpPr>
+          <p:cNvPr id="3" name="Content Placeholder 2"/>
+          <p:cNvSpPr>
+            <a:spLocks noGrp="1"/>
+          </p:cNvSpPr>
           <p:nvPr>
             <p:ph idx="1"/>
-            <p:extLst>
-              <p:ext uri="{D42A27DB-BD31-4B8C-83A1-F6EECF244321}">
-                <p14:modId xmlns:p14="http://schemas.microsoft.com/office/powerpoint/2010/main" val="3521976770"/>
-              </p:ext>
-            </p:extLst>
           </p:nvPr>
-        </p:nvGraphicFramePr>
-        <p:xfrm>
-          <a:off x="1295400" y="1981200"/>
-          <a:ext cx="9601200" cy="3810000"/>
-        </p:xfrm>
-        <a:graphic>
-          <a:graphicData uri="http://schemas.openxmlformats.org/drawingml/2006/chart">
-            <c:chart xmlns:c="http://schemas.openxmlformats.org/drawingml/2006/chart" xmlns:r="http://schemas.openxmlformats.org/officeDocument/2006/relationships" r:id="rId2"/>
-          </a:graphicData>
-        </a:graphic>
-      </p:graphicFrame>
+        </p:nvSpPr>
+        <p:spPr>
+          <a:xfrm>
+            <a:off x="1295400" y="1981201"/>
+            <a:ext cx="6223000" cy="3809999"/>
+          </a:xfrm>
+        </p:spPr>
+        <p:txBody>
+          <a:bodyPr/>
+          <a:lstStyle/>
+          <a:p>
+            <a:r>
+              <a:rPr lang="en-GB" dirty="0" smtClean="0"/>
+              <a:t>Solutions, Projects, Namespaces,</a:t>
+            </a:r>
+          </a:p>
+          <a:p>
+            <a:r>
+              <a:rPr lang="en-GB" dirty="0" smtClean="0"/>
+              <a:t>Classes / Files, Methods, </a:t>
+            </a:r>
+          </a:p>
+          <a:p>
+            <a:r>
+              <a:rPr lang="en-GB" dirty="0" smtClean="0"/>
+              <a:t>Parameters, Properties, Variables</a:t>
+            </a:r>
+          </a:p>
+          <a:p>
+            <a:endParaRPr lang="en-GB" dirty="0"/>
+          </a:p>
+          <a:p>
+            <a:r>
+              <a:rPr lang="en-GB" dirty="0" smtClean="0"/>
+              <a:t>Adding meaning to code is what readability is about</a:t>
+            </a:r>
+            <a:endParaRPr lang="en-GB" dirty="0"/>
+          </a:p>
+        </p:txBody>
+      </p:sp>
+      <p:pic>
+        <p:nvPicPr>
+          <p:cNvPr id="4" name="Picture 3"/>
+          <p:cNvPicPr>
+            <a:picLocks noChangeAspect="1"/>
+          </p:cNvPicPr>
+          <p:nvPr/>
+        </p:nvPicPr>
+        <p:blipFill>
+          <a:blip r:embed="rId2" cstate="print">
+            <a:extLst>
+              <a:ext uri="{28A0092B-C50C-407E-A947-70E740481C1C}">
+                <a14:useLocalDpi xmlns:a14="http://schemas.microsoft.com/office/drawing/2010/main" val="0"/>
+              </a:ext>
+            </a:extLst>
+          </a:blip>
+          <a:stretch>
+            <a:fillRect/>
+          </a:stretch>
+        </p:blipFill>
+        <p:spPr>
+          <a:xfrm rot="5400000">
+            <a:off x="7093338" y="824513"/>
+            <a:ext cx="5676216" cy="4257162"/>
+          </a:xfrm>
+          <a:prstGeom prst="rect">
+            <a:avLst/>
+          </a:prstGeom>
+        </p:spPr>
+      </p:pic>
     </p:spTree>
     <p:extLst>
       <p:ext uri="{BB962C8B-B14F-4D97-AF65-F5344CB8AC3E}">
-        <p14:creationId xmlns:p14="http://schemas.microsoft.com/office/powerpoint/2010/main" val="1476019738"/>
+        <p14:creationId xmlns:p14="http://schemas.microsoft.com/office/powerpoint/2010/main" val="2598014755"/>
       </p:ext>
     </p:extLst>
   </p:cSld>
@@ -19056,282 +15716,86 @@
           <a:chExt cx="0" cy="0"/>
         </a:xfrm>
       </p:grpSpPr>
+      <p:pic>
+        <p:nvPicPr>
+          <p:cNvPr id="4" name="Picture 3"/>
+          <p:cNvPicPr>
+            <a:picLocks noChangeAspect="1"/>
+          </p:cNvPicPr>
+          <p:nvPr/>
+        </p:nvPicPr>
+        <p:blipFill>
+          <a:blip r:embed="rId2"/>
+          <a:stretch>
+            <a:fillRect/>
+          </a:stretch>
+        </p:blipFill>
+        <p:spPr>
+          <a:xfrm>
+            <a:off x="648576" y="2117613"/>
+            <a:ext cx="10146452" cy="2081967"/>
+          </a:xfrm>
+          <a:prstGeom prst="rect">
+            <a:avLst/>
+          </a:prstGeom>
+        </p:spPr>
+      </p:pic>
       <p:sp>
         <p:nvSpPr>
-          <p:cNvPr id="2" name="Title 1"/>
-          <p:cNvSpPr>
-            <a:spLocks noGrp="1"/>
-          </p:cNvSpPr>
-          <p:nvPr>
-            <p:ph type="title"/>
-          </p:nvPr>
+          <p:cNvPr id="5" name="TextBox 4"/>
+          <p:cNvSpPr txBox="1"/>
+          <p:nvPr/>
         </p:nvSpPr>
-        <p:spPr/>
+        <p:spPr>
+          <a:xfrm>
+            <a:off x="648576" y="308918"/>
+            <a:ext cx="10761279" cy="830997"/>
+          </a:xfrm>
+          <a:prstGeom prst="rect">
+            <a:avLst/>
+          </a:prstGeom>
+          <a:noFill/>
+        </p:spPr>
         <p:txBody>
-          <a:bodyPr/>
+          <a:bodyPr wrap="none" rtlCol="0">
+            <a:spAutoFit/>
+          </a:bodyPr>
           <a:lstStyle/>
           <a:p>
             <a:r>
-              <a:rPr lang="en-US" dirty="0" smtClean="0"/>
-              <a:t>Two content layout with table</a:t>
+              <a:rPr lang="en-GB" sz="2400" dirty="0" smtClean="0"/>
+              <a:t>Palindrome tester:  words which are the same forwards as reversed </a:t>
             </a:r>
-            <a:endParaRPr lang="en-US" dirty="0"/>
-          </a:p>
-        </p:txBody>
-      </p:sp>
-      <p:sp>
-        <p:nvSpPr>
-          <p:cNvPr id="3" name="Content Placeholder 2"/>
-          <p:cNvSpPr>
-            <a:spLocks noGrp="1"/>
-          </p:cNvSpPr>
-          <p:nvPr>
-            <p:ph sz="half" idx="1"/>
-          </p:nvPr>
-        </p:nvSpPr>
-        <p:spPr/>
-        <p:txBody>
-          <a:bodyPr/>
-          <a:lstStyle/>
-          <a:p>
             <a:r>
-              <a:rPr lang="en-US" dirty="0" smtClean="0"/>
-              <a:t>First bullet point here</a:t>
+              <a:rPr lang="en-GB" sz="2400" dirty="0" err="1" smtClean="0"/>
+              <a:t>eg</a:t>
+            </a:r>
+            <a:r>
+              <a:rPr lang="en-GB" sz="2400" dirty="0" smtClean="0"/>
+              <a:t>:  noon</a:t>
             </a:r>
           </a:p>
           <a:p>
             <a:r>
-              <a:rPr lang="en-US" dirty="0" smtClean="0"/>
-              <a:t>Second bullet point here</a:t>
+              <a:rPr lang="en-GB" sz="2400" dirty="0" smtClean="0"/>
+              <a:t>Also ignoring any whitespace </a:t>
             </a:r>
-          </a:p>
-          <a:p>
             <a:r>
-              <a:rPr lang="en-US" dirty="0" smtClean="0"/>
-              <a:t>Third bullet point here</a:t>
+              <a:rPr lang="en-GB" sz="2400" dirty="0" err="1" smtClean="0"/>
+              <a:t>eg</a:t>
             </a:r>
-            <a:endParaRPr lang="en-US" dirty="0"/>
+            <a:r>
+              <a:rPr lang="en-GB" sz="2400" dirty="0" smtClean="0"/>
+              <a:t> no on</a:t>
+            </a:r>
+            <a:endParaRPr lang="en-GB" sz="2400" dirty="0"/>
           </a:p>
         </p:txBody>
       </p:sp>
-      <p:graphicFrame>
-        <p:nvGraphicFramePr>
-          <p:cNvPr id="5" name="Content Placeholder 4" descr="Sample table with 3 columns, 4 rows" title="Table"/>
-          <p:cNvGraphicFramePr>
-            <a:graphicFrameLocks noGrp="1"/>
-          </p:cNvGraphicFramePr>
-          <p:nvPr>
-            <p:ph sz="half" idx="2"/>
-            <p:extLst>
-              <p:ext uri="{D42A27DB-BD31-4B8C-83A1-F6EECF244321}">
-                <p14:modId xmlns:p14="http://schemas.microsoft.com/office/powerpoint/2010/main" val="1897668977"/>
-              </p:ext>
-            </p:extLst>
-          </p:nvPr>
-        </p:nvGraphicFramePr>
-        <p:xfrm>
-          <a:off x="6324600" y="1981200"/>
-          <a:ext cx="4572000" cy="2141912"/>
-        </p:xfrm>
-        <a:graphic>
-          <a:graphicData uri="http://schemas.openxmlformats.org/drawingml/2006/table">
-            <a:tbl>
-              <a:tblPr firstRow="1" bandRow="1">
-                <a:tableStyleId>{69012ECD-51FC-41F1-AA8D-1B2483CD663E}</a:tableStyleId>
-              </a:tblPr>
-              <a:tblGrid>
-                <a:gridCol w="1524000"/>
-                <a:gridCol w="1524000"/>
-                <a:gridCol w="1524000"/>
-              </a:tblGrid>
-              <a:tr h="535478">
-                <a:tc>
-                  <a:txBody>
-                    <a:bodyPr/>
-                    <a:lstStyle/>
-                    <a:p>
-                      <a:endParaRPr lang="en-US" dirty="0"/>
-                    </a:p>
-                  </a:txBody>
-                  <a:tcPr anchor="ctr"/>
-                </a:tc>
-                <a:tc>
-                  <a:txBody>
-                    <a:bodyPr/>
-                    <a:lstStyle/>
-                    <a:p>
-                      <a:pPr algn="ctr"/>
-                      <a:r>
-                        <a:rPr lang="en-US" dirty="0" smtClean="0"/>
-                        <a:t>Group 1</a:t>
-                      </a:r>
-                      <a:endParaRPr lang="en-US" dirty="0"/>
-                    </a:p>
-                  </a:txBody>
-                  <a:tcPr anchor="ctr"/>
-                </a:tc>
-                <a:tc>
-                  <a:txBody>
-                    <a:bodyPr/>
-                    <a:lstStyle/>
-                    <a:p>
-                      <a:pPr algn="ctr"/>
-                      <a:r>
-                        <a:rPr lang="en-US" dirty="0" smtClean="0"/>
-                        <a:t>Group 2</a:t>
-                      </a:r>
-                      <a:endParaRPr lang="en-US" dirty="0"/>
-                    </a:p>
-                  </a:txBody>
-                  <a:tcPr anchor="ctr"/>
-                </a:tc>
-              </a:tr>
-              <a:tr h="535478">
-                <a:tc>
-                  <a:txBody>
-                    <a:bodyPr/>
-                    <a:lstStyle/>
-                    <a:p>
-                      <a:r>
-                        <a:rPr lang="en-US" dirty="0" smtClean="0"/>
-                        <a:t>Class 1</a:t>
-                      </a:r>
-                      <a:endParaRPr lang="en-US" dirty="0"/>
-                    </a:p>
-                  </a:txBody>
-                  <a:tcPr anchor="ctr"/>
-                </a:tc>
-                <a:tc>
-                  <a:txBody>
-                    <a:bodyPr/>
-                    <a:lstStyle/>
-                    <a:p>
-                      <a:pPr algn="ctr"/>
-                      <a:r>
-                        <a:rPr lang="en-US" dirty="0" smtClean="0"/>
-                        <a:t>82</a:t>
-                      </a:r>
-                      <a:endParaRPr lang="en-US" dirty="0"/>
-                    </a:p>
-                  </a:txBody>
-                  <a:tcPr anchor="ctr"/>
-                </a:tc>
-                <a:tc>
-                  <a:txBody>
-                    <a:bodyPr/>
-                    <a:lstStyle/>
-                    <a:p>
-                      <a:pPr algn="ctr"/>
-                      <a:r>
-                        <a:rPr lang="en-US" dirty="0" smtClean="0"/>
-                        <a:t>95</a:t>
-                      </a:r>
-                      <a:endParaRPr lang="en-US" dirty="0"/>
-                    </a:p>
-                  </a:txBody>
-                  <a:tcPr anchor="ctr"/>
-                </a:tc>
-              </a:tr>
-              <a:tr h="535478">
-                <a:tc>
-                  <a:txBody>
-                    <a:bodyPr/>
-                    <a:lstStyle/>
-                    <a:p>
-                      <a:r>
-                        <a:rPr lang="en-US" dirty="0" smtClean="0"/>
-                        <a:t>Class 2</a:t>
-                      </a:r>
-                      <a:endParaRPr lang="en-US" dirty="0"/>
-                    </a:p>
-                  </a:txBody>
-                  <a:tcPr anchor="ctr"/>
-                </a:tc>
-                <a:tc>
-                  <a:txBody>
-                    <a:bodyPr/>
-                    <a:lstStyle/>
-                    <a:p>
-                      <a:pPr algn="ctr"/>
-                      <a:r>
-                        <a:rPr lang="en-US" dirty="0" smtClean="0"/>
-                        <a:t>76</a:t>
-                      </a:r>
-                      <a:endParaRPr lang="en-US" dirty="0"/>
-                    </a:p>
-                  </a:txBody>
-                  <a:tcPr anchor="ctr"/>
-                </a:tc>
-                <a:tc>
-                  <a:txBody>
-                    <a:bodyPr/>
-                    <a:lstStyle/>
-                    <a:p>
-                      <a:pPr algn="ctr"/>
-                      <a:r>
-                        <a:rPr lang="en-US" dirty="0" smtClean="0"/>
-                        <a:t>88</a:t>
-                      </a:r>
-                      <a:endParaRPr lang="en-US" dirty="0"/>
-                    </a:p>
-                  </a:txBody>
-                  <a:tcPr anchor="ctr"/>
-                </a:tc>
-              </a:tr>
-              <a:tr h="535478">
-                <a:tc>
-                  <a:txBody>
-                    <a:bodyPr/>
-                    <a:lstStyle/>
-                    <a:p>
-                      <a:r>
-                        <a:rPr lang="en-US" dirty="0" smtClean="0"/>
-                        <a:t>Class 3</a:t>
-                      </a:r>
-                      <a:endParaRPr lang="en-US" dirty="0"/>
-                    </a:p>
-                  </a:txBody>
-                  <a:tcPr anchor="ctr"/>
-                </a:tc>
-                <a:tc>
-                  <a:txBody>
-                    <a:bodyPr/>
-                    <a:lstStyle/>
-                    <a:p>
-                      <a:pPr algn="ctr"/>
-                      <a:r>
-                        <a:rPr lang="en-US" dirty="0" smtClean="0"/>
-                        <a:t>84</a:t>
-                      </a:r>
-                      <a:endParaRPr lang="en-US" dirty="0"/>
-                    </a:p>
-                  </a:txBody>
-                  <a:tcPr anchor="ctr"/>
-                </a:tc>
-                <a:tc>
-                  <a:txBody>
-                    <a:bodyPr/>
-                    <a:lstStyle/>
-                    <a:p>
-                      <a:pPr algn="ctr"/>
-                      <a:r>
-                        <a:rPr lang="en-US" dirty="0" smtClean="0"/>
-                        <a:t>90</a:t>
-                      </a:r>
-                      <a:endParaRPr lang="en-US" dirty="0"/>
-                    </a:p>
-                  </a:txBody>
-                  <a:tcPr anchor="ctr"/>
-                </a:tc>
-              </a:tr>
-            </a:tbl>
-          </a:graphicData>
-        </a:graphic>
-      </p:graphicFrame>
     </p:spTree>
     <p:extLst>
       <p:ext uri="{BB962C8B-B14F-4D97-AF65-F5344CB8AC3E}">
-        <p14:creationId xmlns:p14="http://schemas.microsoft.com/office/powerpoint/2010/main" val="2475092730"/>
+        <p14:creationId xmlns:p14="http://schemas.microsoft.com/office/powerpoint/2010/main" val="2875838497"/>
       </p:ext>
     </p:extLst>
   </p:cSld>
@@ -19372,56 +15836,171 @@
       </p:grpSpPr>
       <p:sp>
         <p:nvSpPr>
-          <p:cNvPr id="2" name="Title 1"/>
-          <p:cNvSpPr>
-            <a:spLocks noGrp="1"/>
-          </p:cNvSpPr>
-          <p:nvPr>
-            <p:ph type="title"/>
-          </p:nvPr>
+          <p:cNvPr id="7" name="TextBox 6"/>
+          <p:cNvSpPr txBox="1"/>
+          <p:nvPr/>
         </p:nvSpPr>
-        <p:spPr/>
+        <p:spPr>
+          <a:xfrm>
+            <a:off x="401443" y="3208294"/>
+            <a:ext cx="9366422" cy="3170099"/>
+          </a:xfrm>
+          <a:prstGeom prst="rect">
+            <a:avLst/>
+          </a:prstGeom>
+          <a:noFill/>
+        </p:spPr>
         <p:txBody>
-          <a:bodyPr/>
+          <a:bodyPr wrap="square" rtlCol="0">
+            <a:spAutoFit/>
+          </a:bodyPr>
           <a:lstStyle/>
           <a:p>
             <a:r>
-              <a:rPr lang="en-US" dirty="0" smtClean="0"/>
-              <a:t>Title and content layout with SmartArt</a:t>
+              <a:rPr lang="en-GB" sz="2000" dirty="0" err="1" smtClean="0"/>
+              <a:t>PascalCase</a:t>
             </a:r>
-            <a:endParaRPr lang="en-US" dirty="0"/>
+            <a:r>
+              <a:rPr lang="en-GB" sz="2000" dirty="0" smtClean="0"/>
+              <a:t> convention for method names (C#) - </a:t>
+            </a:r>
+            <a:r>
+              <a:rPr lang="en-GB" sz="2000" b="1" dirty="0" smtClean="0"/>
+              <a:t>good</a:t>
+            </a:r>
+          </a:p>
+          <a:p>
+            <a:endParaRPr lang="en-GB" sz="2000" dirty="0"/>
+          </a:p>
+          <a:p>
+            <a:r>
+              <a:rPr lang="en-GB" sz="2000" dirty="0" err="1"/>
+              <a:t>camelCase</a:t>
+            </a:r>
+            <a:r>
+              <a:rPr lang="en-GB" sz="2000" dirty="0"/>
+              <a:t> </a:t>
+            </a:r>
+            <a:r>
+              <a:rPr lang="en-GB" sz="2000" dirty="0" err="1"/>
+              <a:t>eg</a:t>
+            </a:r>
+            <a:r>
+              <a:rPr lang="en-GB" sz="2000" dirty="0"/>
+              <a:t> </a:t>
+            </a:r>
+            <a:r>
+              <a:rPr lang="en-GB" sz="2000" dirty="0" err="1" smtClean="0"/>
+              <a:t>firstName</a:t>
+            </a:r>
+            <a:endParaRPr lang="en-GB" sz="2000" dirty="0" smtClean="0"/>
+          </a:p>
+          <a:p>
+            <a:endParaRPr lang="en-GB" sz="2000" dirty="0"/>
+          </a:p>
+          <a:p>
+            <a:r>
+              <a:rPr lang="en-GB" sz="2000" dirty="0"/>
+              <a:t>Hungarian Notation </a:t>
+            </a:r>
+            <a:r>
+              <a:rPr lang="en-GB" sz="2000" dirty="0" err="1"/>
+              <a:t>eg</a:t>
+            </a:r>
+            <a:r>
+              <a:rPr lang="en-GB" sz="2000" dirty="0"/>
+              <a:t> </a:t>
+            </a:r>
+            <a:r>
+              <a:rPr lang="en-GB" sz="2000" dirty="0" err="1" smtClean="0"/>
+              <a:t>strInput</a:t>
+            </a:r>
+            <a:r>
+              <a:rPr lang="en-GB" sz="2000" dirty="0" smtClean="0"/>
+              <a:t> – </a:t>
+            </a:r>
+            <a:r>
+              <a:rPr lang="en-GB" sz="2000" b="1" dirty="0" smtClean="0"/>
+              <a:t>bad</a:t>
+            </a:r>
+          </a:p>
+          <a:p>
+            <a:endParaRPr lang="en-GB" sz="2000" b="1" dirty="0"/>
+          </a:p>
+          <a:p>
+            <a:r>
+              <a:rPr lang="en-GB" sz="2000" dirty="0" err="1" smtClean="0"/>
+              <a:t>strTrimmed</a:t>
+            </a:r>
+            <a:r>
+              <a:rPr lang="en-GB" sz="2000" dirty="0" smtClean="0"/>
+              <a:t> – trimmed generally means whitespace trim from beginning and end not middle – </a:t>
+            </a:r>
+            <a:r>
+              <a:rPr lang="en-GB" sz="2000" b="1" dirty="0" smtClean="0"/>
+              <a:t>bad</a:t>
+            </a:r>
+          </a:p>
+          <a:p>
+            <a:endParaRPr lang="en-GB" sz="2000" dirty="0"/>
+          </a:p>
+          <a:p>
+            <a:r>
+              <a:rPr lang="en-GB" sz="2000" dirty="0" smtClean="0"/>
+              <a:t>Bug at the end – should be </a:t>
+            </a:r>
+            <a:r>
+              <a:rPr lang="en-GB" sz="2000" dirty="0" err="1" smtClean="0"/>
+              <a:t>strTrimmed.Equals</a:t>
+            </a:r>
+            <a:r>
+              <a:rPr lang="en-GB" sz="2000" dirty="0" smtClean="0"/>
+              <a:t>(</a:t>
+            </a:r>
+            <a:r>
+              <a:rPr lang="en-GB" sz="2000" dirty="0" err="1" smtClean="0"/>
+              <a:t>strReversed</a:t>
+            </a:r>
+            <a:r>
+              <a:rPr lang="en-GB" sz="2000" dirty="0" smtClean="0"/>
+              <a:t>) - </a:t>
+            </a:r>
+            <a:r>
+              <a:rPr lang="en-GB" sz="2000" b="1" dirty="0" smtClean="0"/>
+              <a:t>bad</a:t>
+            </a:r>
+            <a:endParaRPr lang="en-GB" sz="2000" b="1" dirty="0"/>
           </a:p>
         </p:txBody>
       </p:sp>
-      <p:graphicFrame>
-        <p:nvGraphicFramePr>
-          <p:cNvPr id="4" name="Content Placeholder 3" descr="Process Arrows" title="SmartArt"/>
-          <p:cNvGraphicFramePr>
-            <a:graphicFrameLocks noGrp="1"/>
-          </p:cNvGraphicFramePr>
-          <p:nvPr>
-            <p:ph idx="1"/>
-            <p:extLst>
-              <p:ext uri="{D42A27DB-BD31-4B8C-83A1-F6EECF244321}">
-                <p14:modId xmlns:p14="http://schemas.microsoft.com/office/powerpoint/2010/main" val="244052020"/>
-              </p:ext>
-            </p:extLst>
-          </p:nvPr>
-        </p:nvGraphicFramePr>
-        <p:xfrm>
-          <a:off x="1295400" y="1981200"/>
-          <a:ext cx="9601200" cy="3810000"/>
-        </p:xfrm>
-        <a:graphic>
-          <a:graphicData uri="http://schemas.openxmlformats.org/drawingml/2006/diagram">
-            <dgm:relIds xmlns:dgm="http://schemas.openxmlformats.org/drawingml/2006/diagram" xmlns:r="http://schemas.openxmlformats.org/officeDocument/2006/relationships" r:dm="rId2" r:lo="rId3" r:qs="rId4" r:cs="rId5"/>
-          </a:graphicData>
-        </a:graphic>
-      </p:graphicFrame>
+      <p:pic>
+        <p:nvPicPr>
+          <p:cNvPr id="9" name="Picture 8"/>
+          <p:cNvPicPr>
+            <a:picLocks noChangeAspect="1"/>
+          </p:cNvPicPr>
+          <p:nvPr/>
+        </p:nvPicPr>
+        <p:blipFill>
+          <a:blip r:embed="rId2"/>
+          <a:stretch>
+            <a:fillRect/>
+          </a:stretch>
+        </p:blipFill>
+        <p:spPr>
+          <a:xfrm>
+            <a:off x="401443" y="414098"/>
+            <a:ext cx="10567995" cy="2168464"/>
+          </a:xfrm>
+          <a:prstGeom prst="rect">
+            <a:avLst/>
+          </a:prstGeom>
+        </p:spPr>
+      </p:pic>
     </p:spTree>
     <p:extLst>
       <p:ext uri="{BB962C8B-B14F-4D97-AF65-F5344CB8AC3E}">
-        <p14:creationId xmlns:p14="http://schemas.microsoft.com/office/powerpoint/2010/main" val="2761515851"/>
+        <p14:creationId xmlns:p14="http://schemas.microsoft.com/office/powerpoint/2010/main" val="633479731"/>
       </p:ext>
     </p:extLst>
   </p:cSld>
@@ -19460,48 +16039,146 @@
           <a:chExt cx="0" cy="0"/>
         </a:xfrm>
       </p:grpSpPr>
+      <p:pic>
+        <p:nvPicPr>
+          <p:cNvPr id="2" name="Picture 1"/>
+          <p:cNvPicPr>
+            <a:picLocks noChangeAspect="1"/>
+          </p:cNvPicPr>
+          <p:nvPr/>
+        </p:nvPicPr>
+        <p:blipFill>
+          <a:blip r:embed="rId2"/>
+          <a:stretch>
+            <a:fillRect/>
+          </a:stretch>
+        </p:blipFill>
+        <p:spPr>
+          <a:xfrm>
+            <a:off x="401443" y="2968525"/>
+            <a:ext cx="9424894" cy="2174975"/>
+          </a:xfrm>
+          <a:prstGeom prst="rect">
+            <a:avLst/>
+          </a:prstGeom>
+        </p:spPr>
+      </p:pic>
+      <p:pic>
+        <p:nvPicPr>
+          <p:cNvPr id="5" name="Picture 4"/>
+          <p:cNvPicPr>
+            <a:picLocks noChangeAspect="1"/>
+          </p:cNvPicPr>
+          <p:nvPr/>
+        </p:nvPicPr>
+        <p:blipFill>
+          <a:blip r:embed="rId3"/>
+          <a:stretch>
+            <a:fillRect/>
+          </a:stretch>
+        </p:blipFill>
+        <p:spPr>
+          <a:xfrm>
+            <a:off x="401443" y="414098"/>
+            <a:ext cx="10567995" cy="2168464"/>
+          </a:xfrm>
+          <a:prstGeom prst="rect">
+            <a:avLst/>
+          </a:prstGeom>
+        </p:spPr>
+      </p:pic>
       <p:sp>
         <p:nvSpPr>
-          <p:cNvPr id="2" name="Title 1"/>
-          <p:cNvSpPr>
-            <a:spLocks noGrp="1"/>
-          </p:cNvSpPr>
-          <p:nvPr>
-            <p:ph type="title"/>
-          </p:nvPr>
+          <p:cNvPr id="6" name="TextBox 5"/>
+          <p:cNvSpPr txBox="1"/>
+          <p:nvPr/>
         </p:nvSpPr>
-        <p:spPr/>
+        <p:spPr>
+          <a:xfrm>
+            <a:off x="401443" y="5321300"/>
+            <a:ext cx="8907657" cy="1323439"/>
+          </a:xfrm>
+          <a:prstGeom prst="rect">
+            <a:avLst/>
+          </a:prstGeom>
+          <a:noFill/>
+        </p:spPr>
         <p:txBody>
-          <a:bodyPr/>
+          <a:bodyPr wrap="square" rtlCol="0">
+            <a:spAutoFit/>
+          </a:bodyPr>
           <a:lstStyle/>
           <a:p>
-            <a:endParaRPr lang="en-US"/>
+            <a:r>
+              <a:rPr lang="en-GB" sz="2000" dirty="0" err="1" smtClean="0"/>
+              <a:t>IsPalindrome</a:t>
+            </a:r>
+            <a:r>
+              <a:rPr lang="en-GB" sz="2000" dirty="0" smtClean="0"/>
+              <a:t> – descriptive - </a:t>
+            </a:r>
+            <a:r>
+              <a:rPr lang="en-GB" sz="2000" b="1" dirty="0" smtClean="0"/>
+              <a:t>good</a:t>
+            </a:r>
           </a:p>
-        </p:txBody>
-      </p:sp>
-      <p:sp>
-        <p:nvSpPr>
-          <p:cNvPr id="3" name="Text Placeholder 2"/>
-          <p:cNvSpPr>
-            <a:spLocks noGrp="1"/>
-          </p:cNvSpPr>
-          <p:nvPr>
-            <p:ph type="body" idx="1"/>
-          </p:nvPr>
-        </p:nvSpPr>
-        <p:spPr/>
-        <p:txBody>
-          <a:bodyPr/>
-          <a:lstStyle/>
           <a:p>
-            <a:endParaRPr lang="en-US"/>
+            <a:r>
+              <a:rPr lang="en-GB" sz="2000" dirty="0" smtClean="0"/>
+              <a:t>Input – simple</a:t>
+            </a:r>
+            <a:r>
+              <a:rPr lang="en-GB" sz="2000" b="1" dirty="0" smtClean="0"/>
+              <a:t> </a:t>
+            </a:r>
+            <a:r>
+              <a:rPr lang="en-GB" sz="2000" dirty="0" smtClean="0"/>
+              <a:t>-</a:t>
+            </a:r>
+            <a:r>
+              <a:rPr lang="en-GB" sz="2000" b="1" dirty="0" smtClean="0"/>
+              <a:t> good</a:t>
+            </a:r>
+          </a:p>
+          <a:p>
+            <a:r>
+              <a:rPr lang="en-GB" sz="2000" dirty="0" err="1" smtClean="0"/>
+              <a:t>Var</a:t>
+            </a:r>
+            <a:r>
+              <a:rPr lang="en-GB" sz="2000" dirty="0" smtClean="0"/>
+              <a:t> keyword - </a:t>
+            </a:r>
+            <a:r>
+              <a:rPr lang="en-GB" sz="2000" b="1" dirty="0" smtClean="0"/>
+              <a:t>good</a:t>
+            </a:r>
+          </a:p>
+          <a:p>
+            <a:r>
+              <a:rPr lang="en-GB" sz="2000" dirty="0" smtClean="0"/>
+              <a:t>Symmetry of final line – conveys exactly what </a:t>
+            </a:r>
+            <a:r>
+              <a:rPr lang="en-GB" sz="2000" dirty="0" err="1" smtClean="0"/>
+              <a:t>IsPalindrome</a:t>
+            </a:r>
+            <a:r>
+              <a:rPr lang="en-GB" sz="2000" dirty="0" smtClean="0"/>
+              <a:t> does - </a:t>
+            </a:r>
+            <a:r>
+              <a:rPr lang="en-GB" sz="2000" b="1" dirty="0" smtClean="0"/>
+              <a:t>excellent</a:t>
+            </a:r>
+            <a:endParaRPr lang="en-GB" sz="2000" b="1" dirty="0"/>
           </a:p>
         </p:txBody>
       </p:sp>
     </p:spTree>
     <p:extLst>
       <p:ext uri="{BB962C8B-B14F-4D97-AF65-F5344CB8AC3E}">
-        <p14:creationId xmlns:p14="http://schemas.microsoft.com/office/powerpoint/2010/main" val="2362296366"/>
+        <p14:creationId xmlns:p14="http://schemas.microsoft.com/office/powerpoint/2010/main" val="198945833"/>
       </p:ext>
     </p:extLst>
   </p:cSld>
@@ -19542,7 +16219,7 @@
       </p:grpSpPr>
       <p:sp>
         <p:nvSpPr>
-          <p:cNvPr id="2" name="Title 1"/>
+          <p:cNvPr id="4" name="Title 3"/>
           <p:cNvSpPr>
             <a:spLocks noGrp="1"/>
           </p:cNvSpPr>
@@ -19550,95 +16227,143 @@
             <p:ph type="title"/>
           </p:nvPr>
         </p:nvSpPr>
-        <p:spPr/>
+        <p:spPr>
+          <a:xfrm>
+            <a:off x="1295400" y="503853"/>
+            <a:ext cx="4025900" cy="1142385"/>
+          </a:xfrm>
+        </p:spPr>
         <p:txBody>
           <a:bodyPr/>
           <a:lstStyle/>
           <a:p>
-            <a:endParaRPr lang="en-US"/>
+            <a:r>
+              <a:rPr lang="en-GB" dirty="0" smtClean="0"/>
+              <a:t>2.The Simple Stuff</a:t>
+            </a:r>
+            <a:endParaRPr lang="en-GB" dirty="0"/>
           </a:p>
         </p:txBody>
       </p:sp>
       <p:sp>
         <p:nvSpPr>
-          <p:cNvPr id="3" name="Text Placeholder 2"/>
-          <p:cNvSpPr>
-            <a:spLocks noGrp="1"/>
-          </p:cNvSpPr>
-          <p:nvPr>
-            <p:ph type="body" idx="1"/>
-          </p:nvPr>
+          <p:cNvPr id="6" name="Rectangle 5"/>
+          <p:cNvSpPr/>
+          <p:nvPr/>
         </p:nvSpPr>
-        <p:spPr/>
+        <p:spPr>
+          <a:xfrm>
+            <a:off x="8810290" y="5720834"/>
+            <a:ext cx="2565126" cy="215444"/>
+          </a:xfrm>
+          <a:prstGeom prst="rect">
+            <a:avLst/>
+          </a:prstGeom>
+        </p:spPr>
         <p:txBody>
-          <a:bodyPr/>
+          <a:bodyPr wrap="none">
+            <a:spAutoFit/>
+          </a:bodyPr>
           <a:lstStyle/>
           <a:p>
-            <a:endParaRPr lang="en-US"/>
+            <a:r>
+              <a:rPr lang="en-GB" sz="800" dirty="0"/>
+              <a:t>https://www.flickr.com/photos/dhollister/2596483147</a:t>
+            </a:r>
           </a:p>
         </p:txBody>
       </p:sp>
       <p:sp>
         <p:nvSpPr>
-          <p:cNvPr id="4" name="Content Placeholder 3"/>
-          <p:cNvSpPr>
-            <a:spLocks noGrp="1"/>
-          </p:cNvSpPr>
-          <p:nvPr>
-            <p:ph sz="half" idx="2"/>
-          </p:nvPr>
+          <p:cNvPr id="7" name="TextBox 6"/>
+          <p:cNvSpPr txBox="1"/>
+          <p:nvPr/>
         </p:nvSpPr>
-        <p:spPr/>
+        <p:spPr>
+          <a:xfrm>
+            <a:off x="763095" y="1646238"/>
+            <a:ext cx="4787900" cy="646331"/>
+          </a:xfrm>
+          <a:prstGeom prst="rect">
+            <a:avLst/>
+          </a:prstGeom>
+          <a:noFill/>
+        </p:spPr>
         <p:txBody>
-          <a:bodyPr/>
+          <a:bodyPr wrap="square" rtlCol="0">
+            <a:spAutoFit/>
+          </a:bodyPr>
           <a:lstStyle/>
           <a:p>
-            <a:endParaRPr lang="en-US"/>
+            <a:endParaRPr lang="en-GB" dirty="0" smtClean="0"/>
+          </a:p>
+          <a:p>
+            <a:r>
+              <a:rPr lang="en-GB" dirty="0" smtClean="0"/>
+              <a:t>Kill Zombie (nearly dead) code</a:t>
+            </a:r>
+            <a:endParaRPr lang="en-GB" dirty="0"/>
           </a:p>
         </p:txBody>
       </p:sp>
-      <p:sp>
-        <p:nvSpPr>
-          <p:cNvPr id="5" name="Text Placeholder 4"/>
-          <p:cNvSpPr>
-            <a:spLocks noGrp="1"/>
-          </p:cNvSpPr>
-          <p:nvPr>
-            <p:ph type="body" sz="quarter" idx="3"/>
-          </p:nvPr>
-        </p:nvSpPr>
-        <p:spPr/>
-        <p:txBody>
-          <a:bodyPr/>
-          <a:lstStyle/>
-          <a:p>
-            <a:endParaRPr lang="en-US"/>
-          </a:p>
-        </p:txBody>
-      </p:sp>
-      <p:sp>
-        <p:nvSpPr>
-          <p:cNvPr id="6" name="Content Placeholder 5"/>
-          <p:cNvSpPr>
-            <a:spLocks noGrp="1"/>
-          </p:cNvSpPr>
-          <p:nvPr>
-            <p:ph sz="quarter" idx="4"/>
-          </p:nvPr>
-        </p:nvSpPr>
-        <p:spPr/>
-        <p:txBody>
-          <a:bodyPr/>
-          <a:lstStyle/>
-          <a:p>
-            <a:endParaRPr lang="en-US"/>
-          </a:p>
-        </p:txBody>
-      </p:sp>
+      <p:pic>
+        <p:nvPicPr>
+          <p:cNvPr id="8" name="Picture 7"/>
+          <p:cNvPicPr>
+            <a:picLocks noChangeAspect="1"/>
+          </p:cNvPicPr>
+          <p:nvPr/>
+        </p:nvPicPr>
+        <p:blipFill>
+          <a:blip r:embed="rId2"/>
+          <a:stretch>
+            <a:fillRect/>
+          </a:stretch>
+        </p:blipFill>
+        <p:spPr>
+          <a:xfrm>
+            <a:off x="763095" y="3219330"/>
+            <a:ext cx="10297860" cy="2501504"/>
+          </a:xfrm>
+          <a:prstGeom prst="rect">
+            <a:avLst/>
+          </a:prstGeom>
+        </p:spPr>
+      </p:pic>
+      <p:pic>
+        <p:nvPicPr>
+          <p:cNvPr id="5" name="Picture 4"/>
+          <p:cNvPicPr>
+            <a:picLocks noChangeAspect="1"/>
+          </p:cNvPicPr>
+          <p:nvPr/>
+        </p:nvPicPr>
+        <p:blipFill>
+          <a:blip r:embed="rId3">
+            <a:extLst>
+              <a:ext uri="{28A0092B-C50C-407E-A947-70E740481C1C}">
+                <a14:useLocalDpi xmlns:a14="http://schemas.microsoft.com/office/drawing/2010/main" val="0"/>
+              </a:ext>
+            </a:extLst>
+          </a:blip>
+          <a:stretch>
+            <a:fillRect/>
+          </a:stretch>
+        </p:blipFill>
+        <p:spPr>
+          <a:xfrm>
+            <a:off x="6937435" y="224453"/>
+            <a:ext cx="4920581" cy="3282950"/>
+          </a:xfrm>
+          <a:prstGeom prst="rect">
+            <a:avLst/>
+          </a:prstGeom>
+        </p:spPr>
+      </p:pic>
     </p:spTree>
     <p:extLst>
       <p:ext uri="{BB962C8B-B14F-4D97-AF65-F5344CB8AC3E}">
-        <p14:creationId xmlns:p14="http://schemas.microsoft.com/office/powerpoint/2010/main" val="3229171051"/>
+        <p14:creationId xmlns:p14="http://schemas.microsoft.com/office/powerpoint/2010/main" val="954507065"/>
       </p:ext>
     </p:extLst>
   </p:cSld>
@@ -19677,29 +16402,34 @@
           <a:chExt cx="0" cy="0"/>
         </a:xfrm>
       </p:grpSpPr>
-      <p:sp>
-        <p:nvSpPr>
-          <p:cNvPr id="2" name="Title 1"/>
-          <p:cNvSpPr>
-            <a:spLocks noGrp="1"/>
-          </p:cNvSpPr>
-          <p:nvPr>
-            <p:ph type="title"/>
-          </p:nvPr>
-        </p:nvSpPr>
-        <p:spPr/>
-        <p:txBody>
-          <a:bodyPr/>
-          <a:lstStyle/>
-          <a:p>
-            <a:endParaRPr lang="en-US"/>
-          </a:p>
-        </p:txBody>
-      </p:sp>
+      <p:pic>
+        <p:nvPicPr>
+          <p:cNvPr id="3" name="Picture 2"/>
+          <p:cNvPicPr>
+            <a:picLocks noChangeAspect="1"/>
+          </p:cNvPicPr>
+          <p:nvPr/>
+        </p:nvPicPr>
+        <p:blipFill>
+          <a:blip r:embed="rId2"/>
+          <a:stretch>
+            <a:fillRect/>
+          </a:stretch>
+        </p:blipFill>
+        <p:spPr>
+          <a:xfrm>
+            <a:off x="1834647" y="0"/>
+            <a:ext cx="9239753" cy="6746487"/>
+          </a:xfrm>
+          <a:prstGeom prst="rect">
+            <a:avLst/>
+          </a:prstGeom>
+        </p:spPr>
+      </p:pic>
     </p:spTree>
     <p:extLst>
       <p:ext uri="{BB962C8B-B14F-4D97-AF65-F5344CB8AC3E}">
-        <p14:creationId xmlns:p14="http://schemas.microsoft.com/office/powerpoint/2010/main" val="452733939"/>
+        <p14:creationId xmlns:p14="http://schemas.microsoft.com/office/powerpoint/2010/main" val="3100252087"/>
       </p:ext>
     </p:extLst>
   </p:cSld>
@@ -19738,10 +16468,88 @@
           <a:chExt cx="0" cy="0"/>
         </a:xfrm>
       </p:grpSpPr>
+      <p:sp>
+        <p:nvSpPr>
+          <p:cNvPr id="4" name="Title 3"/>
+          <p:cNvSpPr>
+            <a:spLocks noGrp="1"/>
+          </p:cNvSpPr>
+          <p:nvPr>
+            <p:ph type="title"/>
+          </p:nvPr>
+        </p:nvSpPr>
+        <p:spPr>
+          <a:xfrm>
+            <a:off x="763095" y="255001"/>
+            <a:ext cx="9017000" cy="1142385"/>
+          </a:xfrm>
+        </p:spPr>
+        <p:txBody>
+          <a:bodyPr>
+            <a:normAutofit/>
+          </a:bodyPr>
+          <a:lstStyle/>
+          <a:p>
+            <a:r>
+              <a:rPr lang="en-GB" dirty="0" smtClean="0"/>
+              <a:t>Favour Short local scope variable names</a:t>
+            </a:r>
+            <a:endParaRPr lang="en-GB" dirty="0"/>
+          </a:p>
+        </p:txBody>
+      </p:sp>
+      <p:pic>
+        <p:nvPicPr>
+          <p:cNvPr id="9" name="Picture 8"/>
+          <p:cNvPicPr>
+            <a:picLocks noChangeAspect="1"/>
+          </p:cNvPicPr>
+          <p:nvPr/>
+        </p:nvPicPr>
+        <p:blipFill>
+          <a:blip r:embed="rId2"/>
+          <a:stretch>
+            <a:fillRect/>
+          </a:stretch>
+        </p:blipFill>
+        <p:spPr>
+          <a:xfrm>
+            <a:off x="323604" y="3276546"/>
+            <a:ext cx="10998376" cy="1193853"/>
+          </a:xfrm>
+          <a:prstGeom prst="rect">
+            <a:avLst/>
+          </a:prstGeom>
+        </p:spPr>
+      </p:pic>
+      <p:pic>
+        <p:nvPicPr>
+          <p:cNvPr id="10" name="Picture 9"/>
+          <p:cNvPicPr>
+            <a:picLocks noChangeAspect="1"/>
+          </p:cNvPicPr>
+          <p:nvPr/>
+        </p:nvPicPr>
+        <p:blipFill>
+          <a:blip r:embed="rId3"/>
+          <a:stretch>
+            <a:fillRect/>
+          </a:stretch>
+        </p:blipFill>
+        <p:spPr>
+          <a:xfrm>
+            <a:off x="323604" y="1695321"/>
+            <a:ext cx="11868396" cy="946279"/>
+          </a:xfrm>
+          <a:prstGeom prst="rect">
+            <a:avLst/>
+          </a:prstGeom>
+        </p:spPr>
+      </p:pic>
     </p:spTree>
     <p:extLst>
       <p:ext uri="{BB962C8B-B14F-4D97-AF65-F5344CB8AC3E}">
-        <p14:creationId xmlns:p14="http://schemas.microsoft.com/office/powerpoint/2010/main" val="1544302913"/>
+        <p14:creationId xmlns:p14="http://schemas.microsoft.com/office/powerpoint/2010/main" val="3429473598"/>
       </p:ext>
     </p:extLst>
   </p:cSld>

--- a/Presentation1.pptx
+++ b/Presentation1.pptx
@@ -5,23 +5,26 @@
     <p:sldMasterId id="2147483648" r:id="rId2"/>
   </p:sldMasterIdLst>
   <p:notesMasterIdLst>
-    <p:notesMasterId r:id="rId14"/>
+    <p:notesMasterId r:id="rId17"/>
   </p:notesMasterIdLst>
   <p:handoutMasterIdLst>
-    <p:handoutMasterId r:id="rId15"/>
+    <p:handoutMasterId r:id="rId18"/>
   </p:handoutMasterIdLst>
   <p:sldIdLst>
     <p:sldId id="261" r:id="rId3"/>
-    <p:sldId id="271" r:id="rId4"/>
-    <p:sldId id="272" r:id="rId5"/>
-    <p:sldId id="274" r:id="rId6"/>
-    <p:sldId id="273" r:id="rId7"/>
-    <p:sldId id="275" r:id="rId8"/>
-    <p:sldId id="276" r:id="rId9"/>
-    <p:sldId id="277" r:id="rId10"/>
-    <p:sldId id="279" r:id="rId11"/>
-    <p:sldId id="280" r:id="rId12"/>
-    <p:sldId id="278" r:id="rId13"/>
+    <p:sldId id="281" r:id="rId4"/>
+    <p:sldId id="271" r:id="rId5"/>
+    <p:sldId id="272" r:id="rId6"/>
+    <p:sldId id="274" r:id="rId7"/>
+    <p:sldId id="273" r:id="rId8"/>
+    <p:sldId id="275" r:id="rId9"/>
+    <p:sldId id="282" r:id="rId10"/>
+    <p:sldId id="276" r:id="rId11"/>
+    <p:sldId id="277" r:id="rId12"/>
+    <p:sldId id="279" r:id="rId13"/>
+    <p:sldId id="280" r:id="rId14"/>
+    <p:sldId id="283" r:id="rId15"/>
+    <p:sldId id="278" r:id="rId16"/>
   </p:sldIdLst>
   <p:sldSz cx="12192000" cy="6858000"/>
   <p:notesSz cx="6858000" cy="9144000"/>
@@ -224,7 +227,7 @@
           <a:p>
             <a:fld id="{59041DB8-B66F-4DC8-A96E-33677E0F90FF}" type="datetimeFigureOut">
               <a:rPr lang="en-US" smtClean="0"/>
-              <a:t>5/12/2016</a:t>
+              <a:t>5/13/2016</a:t>
             </a:fld>
             <a:endParaRPr lang="en-US"/>
           </a:p>
@@ -389,7 +392,7 @@
           <a:p>
             <a:fld id="{DEB49C4A-65AC-492D-9701-81B46C3AD0E4}" type="datetimeFigureOut">
               <a:rPr lang="en-US" smtClean="0"/>
-              <a:t>5/12/2016</a:t>
+              <a:t>5/13/2016</a:t>
             </a:fld>
             <a:endParaRPr lang="en-US"/>
           </a:p>
@@ -2777,7 +2780,7 @@
           <a:p>
             <a:fld id="{384A29A4-78C8-47AB-BA06-22CB45938951}" type="datetime1">
               <a:rPr lang="en-US" smtClean="0"/>
-              <a:t>5/12/2016</a:t>
+              <a:t>5/13/2016</a:t>
             </a:fld>
             <a:endParaRPr lang="en-US"/>
           </a:p>
@@ -2969,7 +2972,7 @@
           <a:p>
             <a:fld id="{E1ED4ACF-2D82-46F2-A8E9-23963AA34E86}" type="datetime1">
               <a:rPr lang="en-US" smtClean="0"/>
-              <a:t>5/12/2016</a:t>
+              <a:t>5/13/2016</a:t>
             </a:fld>
             <a:endParaRPr lang="en-US"/>
           </a:p>
@@ -3151,7 +3154,7 @@
           <a:p>
             <a:fld id="{AE374B5B-21A0-4192-BF4C-38187F1A68D8}" type="datetime1">
               <a:rPr lang="en-US" smtClean="0"/>
-              <a:t>5/12/2016</a:t>
+              <a:t>5/13/2016</a:t>
             </a:fld>
             <a:endParaRPr lang="en-US"/>
           </a:p>
@@ -5491,7 +5494,7 @@
           <a:p>
             <a:fld id="{33B5CF7C-B333-48E1-A4A6-83A3C8B73AC0}" type="datetime1">
               <a:rPr lang="en-US" smtClean="0"/>
-              <a:t>5/12/2016</a:t>
+              <a:t>5/13/2016</a:t>
             </a:fld>
             <a:endParaRPr lang="en-US"/>
           </a:p>
@@ -5943,7 +5946,7 @@
           <a:p>
             <a:fld id="{AE320762-5CBF-4210-AB54-376B091119F8}" type="datetime1">
               <a:rPr lang="en-US" smtClean="0"/>
-              <a:t>5/12/2016</a:t>
+              <a:t>5/13/2016</a:t>
             </a:fld>
             <a:endParaRPr lang="en-US"/>
           </a:p>
@@ -6073,7 +6076,7 @@
           <a:p>
             <a:fld id="{7F0DB371-BF5F-4058-A212-1A908E4D2674}" type="datetime1">
               <a:rPr lang="en-US" smtClean="0"/>
-              <a:t>5/12/2016</a:t>
+              <a:t>5/13/2016</a:t>
             </a:fld>
             <a:endParaRPr lang="en-US"/>
           </a:p>
@@ -8003,7 +8006,7 @@
           <a:p>
             <a:fld id="{60A4083B-90AA-48CF-BAD5-00AA24D7F288}" type="datetime1">
               <a:rPr lang="en-US" smtClean="0"/>
-              <a:t>5/12/2016</a:t>
+              <a:t>5/13/2016</a:t>
             </a:fld>
             <a:endParaRPr lang="en-US"/>
           </a:p>
@@ -10250,7 +10253,7 @@
           <a:p>
             <a:fld id="{F5BAF629-ECA2-4CF3-B790-9D9BDED98269}" type="datetime1">
               <a:rPr lang="en-US" smtClean="0"/>
-              <a:t>5/12/2016</a:t>
+              <a:t>5/13/2016</a:t>
             </a:fld>
             <a:endParaRPr lang="en-US"/>
           </a:p>
@@ -14479,7 +14482,7 @@
           <a:p>
             <a:fld id="{B51B2453-8663-4C69-AF73-9FD7B1DEC5D0}" type="datetime1">
               <a:rPr lang="en-US" smtClean="0"/>
-              <a:t>5/12/2016</a:t>
+              <a:t>5/13/2016</a:t>
             </a:fld>
             <a:endParaRPr lang="en-US"/>
           </a:p>
@@ -15008,19 +15011,7 @@
             <a:pPr algn="ctr"/>
             <a:r>
               <a:rPr lang="en-US" sz="4400" dirty="0" smtClean="0"/>
-              <a:t>Refactoring towards </a:t>
-            </a:r>
-            <a:r>
-              <a:rPr lang="en-US" sz="4400" dirty="0" smtClean="0"/>
-              <a:t>testable </a:t>
-            </a:r>
-            <a:r>
-              <a:rPr lang="en-US" sz="4400" dirty="0" smtClean="0"/>
-              <a:t>code and happier </a:t>
-            </a:r>
-            <a:r>
-              <a:rPr lang="en-US" sz="4400" dirty="0" smtClean="0"/>
-              <a:t>developers</a:t>
+              <a:t>Refactoring towards testable code and happier developers</a:t>
             </a:r>
             <a:br>
               <a:rPr lang="en-US" sz="4400" dirty="0" smtClean="0"/>
@@ -15159,6 +15150,206 @@
           <a:chExt cx="0" cy="0"/>
         </a:xfrm>
       </p:grpSpPr>
+      <p:pic>
+        <p:nvPicPr>
+          <p:cNvPr id="3" name="Picture 2"/>
+          <p:cNvPicPr>
+            <a:picLocks noChangeAspect="1"/>
+          </p:cNvPicPr>
+          <p:nvPr/>
+        </p:nvPicPr>
+        <p:blipFill>
+          <a:blip r:embed="rId2"/>
+          <a:stretch>
+            <a:fillRect/>
+          </a:stretch>
+        </p:blipFill>
+        <p:spPr>
+          <a:xfrm>
+            <a:off x="1834647" y="0"/>
+            <a:ext cx="9239753" cy="6746487"/>
+          </a:xfrm>
+          <a:prstGeom prst="rect">
+            <a:avLst/>
+          </a:prstGeom>
+        </p:spPr>
+      </p:pic>
+    </p:spTree>
+    <p:extLst>
+      <p:ext uri="{BB962C8B-B14F-4D97-AF65-F5344CB8AC3E}">
+        <p14:creationId xmlns:p14="http://schemas.microsoft.com/office/powerpoint/2010/main" val="3100252087"/>
+      </p:ext>
+    </p:extLst>
+  </p:cSld>
+  <p:clrMapOvr>
+    <a:masterClrMapping/>
+  </p:clrMapOvr>
+  <mc:AlternateContent xmlns:mc="http://schemas.openxmlformats.org/markup-compatibility/2006" xmlns:p14="http://schemas.microsoft.com/office/powerpoint/2010/main">
+    <mc:Choice Requires="p14">
+      <p:transition spd="med" p14:dur="700">
+        <p:fade/>
+      </p:transition>
+    </mc:Choice>
+    <mc:Fallback xmlns="">
+      <p:transition spd="med">
+        <p:fade/>
+      </p:transition>
+    </mc:Fallback>
+  </mc:AlternateContent>
+  <p:timing>
+    <p:tnLst>
+      <p:par>
+        <p:cTn id="1" dur="indefinite" restart="never" nodeType="tmRoot"/>
+      </p:par>
+    </p:tnLst>
+  </p:timing>
+</p:sld>
+</file>
+
+<file path=ppt/slides/slide11.xml><?xml version="1.0" encoding="utf-8"?>
+<p:sld xmlns:a="http://schemas.openxmlformats.org/drawingml/2006/main" xmlns:r="http://schemas.openxmlformats.org/officeDocument/2006/relationships" xmlns:p="http://schemas.openxmlformats.org/presentationml/2006/main">
+  <p:cSld>
+    <p:spTree>
+      <p:nvGrpSpPr>
+        <p:cNvPr id="1" name=""/>
+        <p:cNvGrpSpPr/>
+        <p:nvPr/>
+      </p:nvGrpSpPr>
+      <p:grpSpPr>
+        <a:xfrm>
+          <a:off x="0" y="0"/>
+          <a:ext cx="0" cy="0"/>
+          <a:chOff x="0" y="0"/>
+          <a:chExt cx="0" cy="0"/>
+        </a:xfrm>
+      </p:grpSpPr>
+      <p:sp>
+        <p:nvSpPr>
+          <p:cNvPr id="4" name="Title 3"/>
+          <p:cNvSpPr>
+            <a:spLocks noGrp="1"/>
+          </p:cNvSpPr>
+          <p:nvPr>
+            <p:ph type="title"/>
+          </p:nvPr>
+        </p:nvSpPr>
+        <p:spPr>
+          <a:xfrm>
+            <a:off x="763095" y="255001"/>
+            <a:ext cx="9017000" cy="1142385"/>
+          </a:xfrm>
+        </p:spPr>
+        <p:txBody>
+          <a:bodyPr>
+            <a:normAutofit/>
+          </a:bodyPr>
+          <a:lstStyle/>
+          <a:p>
+            <a:r>
+              <a:rPr lang="en-GB" dirty="0" smtClean="0"/>
+              <a:t>Favour Short local scope variable names</a:t>
+            </a:r>
+            <a:endParaRPr lang="en-GB" dirty="0"/>
+          </a:p>
+        </p:txBody>
+      </p:sp>
+      <p:pic>
+        <p:nvPicPr>
+          <p:cNvPr id="9" name="Picture 8"/>
+          <p:cNvPicPr>
+            <a:picLocks noChangeAspect="1"/>
+          </p:cNvPicPr>
+          <p:nvPr/>
+        </p:nvPicPr>
+        <p:blipFill>
+          <a:blip r:embed="rId2"/>
+          <a:stretch>
+            <a:fillRect/>
+          </a:stretch>
+        </p:blipFill>
+        <p:spPr>
+          <a:xfrm>
+            <a:off x="323604" y="3276546"/>
+            <a:ext cx="10998376" cy="1193853"/>
+          </a:xfrm>
+          <a:prstGeom prst="rect">
+            <a:avLst/>
+          </a:prstGeom>
+        </p:spPr>
+      </p:pic>
+      <p:pic>
+        <p:nvPicPr>
+          <p:cNvPr id="10" name="Picture 9"/>
+          <p:cNvPicPr>
+            <a:picLocks noChangeAspect="1"/>
+          </p:cNvPicPr>
+          <p:nvPr/>
+        </p:nvPicPr>
+        <p:blipFill>
+          <a:blip r:embed="rId3"/>
+          <a:stretch>
+            <a:fillRect/>
+          </a:stretch>
+        </p:blipFill>
+        <p:spPr>
+          <a:xfrm>
+            <a:off x="323604" y="1695321"/>
+            <a:ext cx="11868396" cy="946279"/>
+          </a:xfrm>
+          <a:prstGeom prst="rect">
+            <a:avLst/>
+          </a:prstGeom>
+        </p:spPr>
+      </p:pic>
+    </p:spTree>
+    <p:extLst>
+      <p:ext uri="{BB962C8B-B14F-4D97-AF65-F5344CB8AC3E}">
+        <p14:creationId xmlns:p14="http://schemas.microsoft.com/office/powerpoint/2010/main" val="3429473598"/>
+      </p:ext>
+    </p:extLst>
+  </p:cSld>
+  <p:clrMapOvr>
+    <a:masterClrMapping/>
+  </p:clrMapOvr>
+  <mc:AlternateContent xmlns:mc="http://schemas.openxmlformats.org/markup-compatibility/2006" xmlns:p14="http://schemas.microsoft.com/office/powerpoint/2010/main">
+    <mc:Choice Requires="p14">
+      <p:transition spd="med" p14:dur="700">
+        <p:fade/>
+      </p:transition>
+    </mc:Choice>
+    <mc:Fallback xmlns="">
+      <p:transition spd="med">
+        <p:fade/>
+      </p:transition>
+    </mc:Fallback>
+  </mc:AlternateContent>
+  <p:timing>
+    <p:tnLst>
+      <p:par>
+        <p:cTn id="1" dur="indefinite" restart="never" nodeType="tmRoot"/>
+      </p:par>
+    </p:tnLst>
+  </p:timing>
+</p:sld>
+</file>
+
+<file path=ppt/slides/slide12.xml><?xml version="1.0" encoding="utf-8"?>
+<p:sld xmlns:a="http://schemas.openxmlformats.org/drawingml/2006/main" xmlns:r="http://schemas.openxmlformats.org/officeDocument/2006/relationships" xmlns:p="http://schemas.openxmlformats.org/presentationml/2006/main">
+  <p:cSld>
+    <p:spTree>
+      <p:nvGrpSpPr>
+        <p:cNvPr id="1" name=""/>
+        <p:cNvGrpSpPr/>
+        <p:nvPr/>
+      </p:nvGrpSpPr>
+      <p:grpSpPr>
+        <a:xfrm>
+          <a:off x="0" y="0"/>
+          <a:ext cx="0" cy="0"/>
+          <a:chOff x="0" y="0"/>
+          <a:chExt cx="0" cy="0"/>
+        </a:xfrm>
+      </p:grpSpPr>
       <p:sp>
         <p:nvSpPr>
           <p:cNvPr id="4" name="Title 3"/>
@@ -15235,7 +15426,7 @@
         </p:blipFill>
         <p:spPr>
           <a:xfrm>
-            <a:off x="505714" y="3771900"/>
+            <a:off x="607314" y="3835400"/>
             <a:ext cx="10012172" cy="2181529"/>
           </a:xfrm>
           <a:prstGeom prst="rect">
@@ -15306,7 +15497,131 @@
 </p:sld>
 </file>
 
-<file path=ppt/slides/slide11.xml><?xml version="1.0" encoding="utf-8"?>
+<file path=ppt/slides/slide13.xml><?xml version="1.0" encoding="utf-8"?>
+<p:sld xmlns:a="http://schemas.openxmlformats.org/drawingml/2006/main" xmlns:r="http://schemas.openxmlformats.org/officeDocument/2006/relationships" xmlns:p="http://schemas.openxmlformats.org/presentationml/2006/main">
+  <p:cSld>
+    <p:spTree>
+      <p:nvGrpSpPr>
+        <p:cNvPr id="1" name=""/>
+        <p:cNvGrpSpPr/>
+        <p:nvPr/>
+      </p:nvGrpSpPr>
+      <p:grpSpPr>
+        <a:xfrm>
+          <a:off x="0" y="0"/>
+          <a:ext cx="0" cy="0"/>
+          <a:chOff x="0" y="0"/>
+          <a:chExt cx="0" cy="0"/>
+        </a:xfrm>
+      </p:grpSpPr>
+      <p:sp>
+        <p:nvSpPr>
+          <p:cNvPr id="4" name="Title 3"/>
+          <p:cNvSpPr>
+            <a:spLocks noGrp="1"/>
+          </p:cNvSpPr>
+          <p:nvPr>
+            <p:ph type="title"/>
+          </p:nvPr>
+        </p:nvSpPr>
+        <p:spPr>
+          <a:xfrm>
+            <a:off x="763095" y="255001"/>
+            <a:ext cx="4850305" cy="1142385"/>
+          </a:xfrm>
+        </p:spPr>
+        <p:txBody>
+          <a:bodyPr>
+            <a:normAutofit/>
+          </a:bodyPr>
+          <a:lstStyle/>
+          <a:p>
+            <a:r>
+              <a:rPr lang="en-GB" dirty="0" smtClean="0"/>
+              <a:t>Complex Expressions</a:t>
+            </a:r>
+            <a:endParaRPr lang="en-GB" dirty="0"/>
+          </a:p>
+        </p:txBody>
+      </p:sp>
+      <p:sp>
+        <p:nvSpPr>
+          <p:cNvPr id="5" name="TextBox 4"/>
+          <p:cNvSpPr txBox="1"/>
+          <p:nvPr/>
+        </p:nvSpPr>
+        <p:spPr>
+          <a:xfrm>
+            <a:off x="870187" y="1397386"/>
+            <a:ext cx="6387348" cy="707886"/>
+          </a:xfrm>
+          <a:prstGeom prst="rect">
+            <a:avLst/>
+          </a:prstGeom>
+          <a:noFill/>
+        </p:spPr>
+        <p:txBody>
+          <a:bodyPr wrap="square" rtlCol="0">
+            <a:spAutoFit/>
+          </a:bodyPr>
+          <a:lstStyle/>
+          <a:p>
+            <a:r>
+              <a:rPr lang="en-GB" sz="2000" dirty="0" smtClean="0"/>
+              <a:t>Try to encapsulate</a:t>
+            </a:r>
+          </a:p>
+          <a:p>
+            <a:r>
+              <a:rPr lang="en-GB" sz="2000" dirty="0">
+                <a:hlinkClick r:id="rId2"/>
+              </a:rPr>
+              <a:t>Refactoring Lynda Notes</a:t>
+            </a:r>
+            <a:r>
+              <a:rPr lang="en-GB" sz="2000" dirty="0"/>
+              <a:t>  (</a:t>
+            </a:r>
+            <a:r>
+              <a:rPr lang="en-GB" sz="2000" dirty="0">
+                <a:hlinkClick r:id="rId3"/>
+              </a:rPr>
+              <a:t>Web view</a:t>
+            </a:r>
+            <a:r>
+              <a:rPr lang="en-GB" sz="2000" dirty="0"/>
+              <a:t>)</a:t>
+            </a:r>
+            <a:endParaRPr lang="en-GB" sz="2000" dirty="0"/>
+          </a:p>
+        </p:txBody>
+      </p:sp>
+    </p:spTree>
+    <p:extLst>
+      <p:ext uri="{BB962C8B-B14F-4D97-AF65-F5344CB8AC3E}">
+        <p14:creationId xmlns:p14="http://schemas.microsoft.com/office/powerpoint/2010/main" val="3785300454"/>
+      </p:ext>
+    </p:extLst>
+  </p:cSld>
+  <p:clrMapOvr>
+    <a:masterClrMapping/>
+  </p:clrMapOvr>
+  <mc:AlternateContent xmlns:mc="http://schemas.openxmlformats.org/markup-compatibility/2006" xmlns:p14="http://schemas.microsoft.com/office/powerpoint/2010/main">
+    <mc:Choice Requires="p14">
+      <p:transition spd="med" p14:dur="700">
+        <p:fade/>
+      </p:transition>
+    </mc:Choice>
+    <mc:Fallback xmlns="">
+      <p:transition spd="med">
+        <p:fade/>
+      </p:transition>
+    </mc:Fallback>
+  </mc:AlternateContent>
+</p:sld>
+</file>
+
+<file path=ppt/slides/slide14.xml><?xml version="1.0" encoding="utf-8"?>
 <p:sld xmlns:a="http://schemas.openxmlformats.org/drawingml/2006/main" xmlns:r="http://schemas.openxmlformats.org/officeDocument/2006/relationships" xmlns:p="http://schemas.openxmlformats.org/presentationml/2006/main">
   <p:cSld>
     <p:spTree>
@@ -15367,6 +15682,414 @@
       </p:grpSpPr>
       <p:sp>
         <p:nvSpPr>
+          <p:cNvPr id="4" name="Title 1"/>
+          <p:cNvSpPr txBox="1">
+            <a:spLocks/>
+          </p:cNvSpPr>
+          <p:nvPr/>
+        </p:nvSpPr>
+        <p:spPr>
+          <a:xfrm>
+            <a:off x="614364" y="140908"/>
+            <a:ext cx="10515600" cy="799484"/>
+          </a:xfrm>
+          <a:prstGeom prst="rect">
+            <a:avLst/>
+          </a:prstGeom>
+          <a:solidFill>
+            <a:schemeClr val="bg1"/>
+          </a:solidFill>
+        </p:spPr>
+        <p:txBody>
+          <a:bodyPr vert="horz" lIns="91440" tIns="45720" rIns="91440" bIns="45720" rtlCol="0" anchor="b">
+            <a:normAutofit/>
+          </a:bodyPr>
+          <a:lstStyle>
+            <a:lvl1pPr algn="l" defTabSz="914400" rtl="0" eaLnBrk="1" latinLnBrk="0" hangingPunct="1">
+              <a:lnSpc>
+                <a:spcPct val="90000"/>
+              </a:lnSpc>
+              <a:spcBef>
+                <a:spcPct val="0"/>
+              </a:spcBef>
+              <a:buNone/>
+              <a:defRPr sz="3200" b="1" kern="1200">
+                <a:solidFill>
+                  <a:schemeClr val="accent1"/>
+                </a:solidFill>
+                <a:latin typeface="+mj-lt"/>
+                <a:ea typeface="+mj-ea"/>
+                <a:cs typeface="+mj-cs"/>
+              </a:defRPr>
+            </a:lvl1pPr>
+          </a:lstStyle>
+          <a:p>
+            <a:r>
+              <a:rPr lang="en-GB" dirty="0" smtClean="0"/>
+              <a:t>Quorum Network Resources</a:t>
+            </a:r>
+            <a:endParaRPr lang="en-GB" dirty="0"/>
+          </a:p>
+        </p:txBody>
+      </p:sp>
+      <p:pic>
+        <p:nvPicPr>
+          <p:cNvPr id="5" name="Picture 2" descr="http://www.logotypes101.com/logos/659/F7F9770609B3542CB3D6D7F7AC4708CA/RBS_Group.png"/>
+          <p:cNvPicPr>
+            <a:picLocks noChangeAspect="1" noChangeArrowheads="1"/>
+          </p:cNvPicPr>
+          <p:nvPr/>
+        </p:nvPicPr>
+        <p:blipFill>
+          <a:blip r:embed="rId2">
+            <a:extLst>
+              <a:ext uri="{28A0092B-C50C-407E-A947-70E740481C1C}">
+                <a14:useLocalDpi xmlns:a14="http://schemas.microsoft.com/office/drawing/2010/main" val="0"/>
+              </a:ext>
+            </a:extLst>
+          </a:blip>
+          <a:srcRect/>
+          <a:stretch>
+            <a:fillRect/>
+          </a:stretch>
+        </p:blipFill>
+        <p:spPr bwMode="auto">
+          <a:xfrm>
+            <a:off x="460375" y="2325195"/>
+            <a:ext cx="1872343" cy="1872343"/>
+          </a:xfrm>
+          <a:prstGeom prst="rect">
+            <a:avLst/>
+          </a:prstGeom>
+          <a:noFill/>
+          <a:extLst>
+            <a:ext uri="{909E8E84-426E-40DD-AFC4-6F175D3DCCD1}">
+              <a14:hiddenFill xmlns:a14="http://schemas.microsoft.com/office/drawing/2010/main">
+                <a:solidFill>
+                  <a:srgbClr val="FFFFFF"/>
+                </a:solidFill>
+              </a14:hiddenFill>
+            </a:ext>
+          </a:extLst>
+        </p:spPr>
+      </p:pic>
+      <p:pic>
+        <p:nvPicPr>
+          <p:cNvPr id="6" name="Picture 4" descr="File:Lloyds Bank official new logo.png"/>
+          <p:cNvPicPr>
+            <a:picLocks noChangeAspect="1" noChangeArrowheads="1"/>
+          </p:cNvPicPr>
+          <p:nvPr/>
+        </p:nvPicPr>
+        <p:blipFill>
+          <a:blip r:embed="rId3">
+            <a:extLst>
+              <a:ext uri="{28A0092B-C50C-407E-A947-70E740481C1C}">
+                <a14:useLocalDpi xmlns:a14="http://schemas.microsoft.com/office/drawing/2010/main" val="0"/>
+              </a:ext>
+            </a:extLst>
+          </a:blip>
+          <a:srcRect/>
+          <a:stretch>
+            <a:fillRect/>
+          </a:stretch>
+        </p:blipFill>
+        <p:spPr bwMode="auto">
+          <a:xfrm>
+            <a:off x="3086670" y="1998846"/>
+            <a:ext cx="3180139" cy="1719263"/>
+          </a:xfrm>
+          <a:prstGeom prst="rect">
+            <a:avLst/>
+          </a:prstGeom>
+          <a:noFill/>
+          <a:extLst>
+            <a:ext uri="{909E8E84-426E-40DD-AFC4-6F175D3DCCD1}">
+              <a14:hiddenFill xmlns:a14="http://schemas.microsoft.com/office/drawing/2010/main">
+                <a:solidFill>
+                  <a:srgbClr val="FFFFFF"/>
+                </a:solidFill>
+              </a14:hiddenFill>
+            </a:ext>
+          </a:extLst>
+        </p:spPr>
+      </p:pic>
+      <p:pic>
+        <p:nvPicPr>
+          <p:cNvPr id="7" name="Picture 4" descr="https://uk.virginmoney.com/virgin/Images/virgin-money-logo-white_tcm23-26069.jpg"/>
+          <p:cNvPicPr>
+            <a:picLocks noChangeAspect="1" noChangeArrowheads="1"/>
+          </p:cNvPicPr>
+          <p:nvPr/>
+        </p:nvPicPr>
+        <p:blipFill>
+          <a:blip r:embed="rId4" cstate="print">
+            <a:extLst>
+              <a:ext uri="{28A0092B-C50C-407E-A947-70E740481C1C}">
+                <a14:useLocalDpi xmlns:a14="http://schemas.microsoft.com/office/drawing/2010/main" val="0"/>
+              </a:ext>
+            </a:extLst>
+          </a:blip>
+          <a:srcRect/>
+          <a:stretch>
+            <a:fillRect/>
+          </a:stretch>
+        </p:blipFill>
+        <p:spPr bwMode="auto">
+          <a:xfrm>
+            <a:off x="8520305" y="2115602"/>
+            <a:ext cx="2906486" cy="1341136"/>
+          </a:xfrm>
+          <a:prstGeom prst="rect">
+            <a:avLst/>
+          </a:prstGeom>
+          <a:noFill/>
+          <a:extLst>
+            <a:ext uri="{909E8E84-426E-40DD-AFC4-6F175D3DCCD1}">
+              <a14:hiddenFill xmlns:a14="http://schemas.microsoft.com/office/drawing/2010/main">
+                <a:solidFill>
+                  <a:srgbClr val="FFFFFF"/>
+                </a:solidFill>
+              </a14:hiddenFill>
+            </a:ext>
+          </a:extLst>
+        </p:spPr>
+      </p:pic>
+      <p:pic>
+        <p:nvPicPr>
+          <p:cNvPr id="8" name="Picture 6" descr="http://offerclub.co.uk/wp-content/themes/shopperpress/thumbs/tesco-bank.png"/>
+          <p:cNvPicPr>
+            <a:picLocks noChangeAspect="1" noChangeArrowheads="1"/>
+          </p:cNvPicPr>
+          <p:nvPr/>
+        </p:nvPicPr>
+        <p:blipFill>
+          <a:blip r:embed="rId5">
+            <a:extLst>
+              <a:ext uri="{28A0092B-C50C-407E-A947-70E740481C1C}">
+                <a14:useLocalDpi xmlns:a14="http://schemas.microsoft.com/office/drawing/2010/main" val="0"/>
+              </a:ext>
+            </a:extLst>
+          </a:blip>
+          <a:srcRect/>
+          <a:stretch>
+            <a:fillRect/>
+          </a:stretch>
+        </p:blipFill>
+        <p:spPr bwMode="auto">
+          <a:xfrm>
+            <a:off x="9552992" y="3755890"/>
+            <a:ext cx="1576972" cy="1576972"/>
+          </a:xfrm>
+          <a:prstGeom prst="rect">
+            <a:avLst/>
+          </a:prstGeom>
+          <a:noFill/>
+          <a:extLst>
+            <a:ext uri="{909E8E84-426E-40DD-AFC4-6F175D3DCCD1}">
+              <a14:hiddenFill xmlns:a14="http://schemas.microsoft.com/office/drawing/2010/main">
+                <a:solidFill>
+                  <a:srgbClr val="FFFFFF"/>
+                </a:solidFill>
+              </a14:hiddenFill>
+            </a:ext>
+          </a:extLst>
+        </p:spPr>
+      </p:pic>
+      <p:pic>
+        <p:nvPicPr>
+          <p:cNvPr id="9" name="Picture 8" descr="National Australia Bank"/>
+          <p:cNvPicPr>
+            <a:picLocks noChangeAspect="1" noChangeArrowheads="1"/>
+          </p:cNvPicPr>
+          <p:nvPr/>
+        </p:nvPicPr>
+        <p:blipFill>
+          <a:blip r:embed="rId6">
+            <a:extLst>
+              <a:ext uri="{28A0092B-C50C-407E-A947-70E740481C1C}">
+                <a14:useLocalDpi xmlns:a14="http://schemas.microsoft.com/office/drawing/2010/main" val="0"/>
+              </a:ext>
+            </a:extLst>
+          </a:blip>
+          <a:srcRect/>
+          <a:stretch>
+            <a:fillRect/>
+          </a:stretch>
+        </p:blipFill>
+        <p:spPr bwMode="auto">
+          <a:xfrm>
+            <a:off x="8074463" y="4511603"/>
+            <a:ext cx="723900" cy="1057276"/>
+          </a:xfrm>
+          <a:prstGeom prst="rect">
+            <a:avLst/>
+          </a:prstGeom>
+          <a:noFill/>
+          <a:extLst>
+            <a:ext uri="{909E8E84-426E-40DD-AFC4-6F175D3DCCD1}">
+              <a14:hiddenFill xmlns:a14="http://schemas.microsoft.com/office/drawing/2010/main">
+                <a:solidFill>
+                  <a:srgbClr val="FFFFFF"/>
+                </a:solidFill>
+              </a14:hiddenFill>
+            </a:ext>
+          </a:extLst>
+        </p:spPr>
+      </p:pic>
+      <p:pic>
+        <p:nvPicPr>
+          <p:cNvPr id="10" name="Picture 9"/>
+          <p:cNvPicPr>
+            <a:picLocks noChangeAspect="1"/>
+          </p:cNvPicPr>
+          <p:nvPr/>
+        </p:nvPicPr>
+        <p:blipFill>
+          <a:blip r:embed="rId7"/>
+          <a:stretch>
+            <a:fillRect/>
+          </a:stretch>
+        </p:blipFill>
+        <p:spPr>
+          <a:xfrm>
+            <a:off x="5251213" y="4189862"/>
+            <a:ext cx="1952625" cy="1143000"/>
+          </a:xfrm>
+          <a:prstGeom prst="rect">
+            <a:avLst/>
+          </a:prstGeom>
+        </p:spPr>
+      </p:pic>
+      <p:pic>
+        <p:nvPicPr>
+          <p:cNvPr id="11" name="Picture 10"/>
+          <p:cNvPicPr>
+            <a:picLocks noChangeAspect="1"/>
+          </p:cNvPicPr>
+          <p:nvPr/>
+        </p:nvPicPr>
+        <p:blipFill>
+          <a:blip r:embed="rId8"/>
+          <a:stretch>
+            <a:fillRect/>
+          </a:stretch>
+        </p:blipFill>
+        <p:spPr>
+          <a:xfrm>
+            <a:off x="1183417" y="4619919"/>
+            <a:ext cx="3038475" cy="885825"/>
+          </a:xfrm>
+          <a:prstGeom prst="rect">
+            <a:avLst/>
+          </a:prstGeom>
+        </p:spPr>
+      </p:pic>
+      <p:pic>
+        <p:nvPicPr>
+          <p:cNvPr id="12" name="Picture 11"/>
+          <p:cNvPicPr>
+            <a:picLocks noChangeAspect="1"/>
+          </p:cNvPicPr>
+          <p:nvPr/>
+        </p:nvPicPr>
+        <p:blipFill>
+          <a:blip r:embed="rId9"/>
+          <a:stretch>
+            <a:fillRect/>
+          </a:stretch>
+        </p:blipFill>
+        <p:spPr>
+          <a:xfrm>
+            <a:off x="6679044" y="2559932"/>
+            <a:ext cx="1266825" cy="657225"/>
+          </a:xfrm>
+          <a:prstGeom prst="rect">
+            <a:avLst/>
+          </a:prstGeom>
+        </p:spPr>
+      </p:pic>
+      <p:sp>
+        <p:nvSpPr>
+          <p:cNvPr id="13" name="TextBox 12"/>
+          <p:cNvSpPr txBox="1"/>
+          <p:nvPr/>
+        </p:nvSpPr>
+        <p:spPr>
+          <a:xfrm>
+            <a:off x="619770" y="937113"/>
+            <a:ext cx="4226011" cy="369332"/>
+          </a:xfrm>
+          <a:prstGeom prst="rect">
+            <a:avLst/>
+          </a:prstGeom>
+          <a:noFill/>
+        </p:spPr>
+        <p:txBody>
+          <a:bodyPr wrap="square" rtlCol="0">
+            <a:spAutoFit/>
+          </a:bodyPr>
+          <a:lstStyle/>
+          <a:p>
+            <a:r>
+              <a:rPr lang="en-GB" dirty="0" smtClean="0"/>
+              <a:t>The kind of clients we work with:</a:t>
+            </a:r>
+            <a:endParaRPr lang="en-GB" dirty="0"/>
+          </a:p>
+        </p:txBody>
+      </p:sp>
+    </p:spTree>
+    <p:extLst>
+      <p:ext uri="{BB962C8B-B14F-4D97-AF65-F5344CB8AC3E}">
+        <p14:creationId xmlns:p14="http://schemas.microsoft.com/office/powerpoint/2010/main" val="90481481"/>
+      </p:ext>
+    </p:extLst>
+  </p:cSld>
+  <p:clrMapOvr>
+    <a:masterClrMapping/>
+  </p:clrMapOvr>
+  <mc:AlternateContent xmlns:mc="http://schemas.openxmlformats.org/markup-compatibility/2006" xmlns:p14="http://schemas.microsoft.com/office/powerpoint/2010/main">
+    <mc:Choice Requires="p14">
+      <p:transition spd="med" p14:dur="700">
+        <p:fade/>
+      </p:transition>
+    </mc:Choice>
+    <mc:Fallback xmlns="">
+      <p:transition spd="med">
+        <p:fade/>
+      </p:transition>
+    </mc:Fallback>
+  </mc:AlternateContent>
+  <p:timing>
+    <p:tnLst>
+      <p:par>
+        <p:cTn id="1" dur="indefinite" restart="never" nodeType="tmRoot"/>
+      </p:par>
+    </p:tnLst>
+  </p:timing>
+</p:sld>
+</file>
+
+<file path=ppt/slides/slide3.xml><?xml version="1.0" encoding="utf-8"?>
+<p:sld xmlns:a="http://schemas.openxmlformats.org/drawingml/2006/main" xmlns:r="http://schemas.openxmlformats.org/officeDocument/2006/relationships" xmlns:p="http://schemas.openxmlformats.org/presentationml/2006/main">
+  <p:cSld>
+    <p:spTree>
+      <p:nvGrpSpPr>
+        <p:cNvPr id="1" name=""/>
+        <p:cNvGrpSpPr/>
+        <p:nvPr/>
+      </p:nvGrpSpPr>
+      <p:grpSpPr>
+        <a:xfrm>
+          <a:off x="0" y="0"/>
+          <a:ext cx="0" cy="0"/>
+          <a:chOff x="0" y="0"/>
+          <a:chExt cx="0" cy="0"/>
+        </a:xfrm>
+      </p:grpSpPr>
+      <p:sp>
+        <p:nvSpPr>
           <p:cNvPr id="2" name="Title 1"/>
           <p:cNvSpPr>
             <a:spLocks noGrp="1"/>
@@ -15375,7 +16098,12 @@
             <p:ph type="title"/>
           </p:nvPr>
         </p:nvSpPr>
-        <p:spPr/>
+        <p:spPr>
+          <a:xfrm>
+            <a:off x="553994" y="109694"/>
+            <a:ext cx="9601200" cy="608270"/>
+          </a:xfrm>
+        </p:spPr>
         <p:txBody>
           <a:bodyPr/>
           <a:lstStyle/>
@@ -15412,7 +16140,7 @@
         </p:blipFill>
         <p:spPr>
           <a:xfrm rot="5400000">
-            <a:off x="541638" y="2284456"/>
+            <a:off x="-103411" y="1172350"/>
             <a:ext cx="3810000" cy="2857500"/>
           </a:xfrm>
         </p:spPr>
@@ -15439,8 +16167,8 @@
         </p:blipFill>
         <p:spPr>
           <a:xfrm rot="5400000">
-            <a:off x="3713721" y="3138619"/>
-            <a:ext cx="2438397" cy="1828798"/>
+            <a:off x="3010372" y="3967852"/>
+            <a:ext cx="2425715" cy="1819287"/>
           </a:xfrm>
           <a:prstGeom prst="rect">
             <a:avLst/>
@@ -15463,7 +16191,7 @@
         </p:blipFill>
         <p:spPr>
           <a:xfrm>
-            <a:off x="7144662" y="1808206"/>
+            <a:off x="8420809" y="1101092"/>
             <a:ext cx="3249275" cy="2008799"/>
           </a:xfrm>
           <a:prstGeom prst="rect">
@@ -15487,8 +16215,8 @@
         </p:blipFill>
         <p:spPr>
           <a:xfrm>
-            <a:off x="7727816" y="4131241"/>
-            <a:ext cx="3409741" cy="1359311"/>
+            <a:off x="7736054" y="3664638"/>
+            <a:ext cx="4073831" cy="1624054"/>
           </a:xfrm>
           <a:prstGeom prst="rect">
             <a:avLst/>
@@ -15517,8 +16245,68 @@
         </p:blipFill>
         <p:spPr>
           <a:xfrm rot="5400000">
-            <a:off x="6078084" y="4650518"/>
-            <a:ext cx="1418966" cy="1064225"/>
+            <a:off x="5313341" y="4051999"/>
+            <a:ext cx="2043056" cy="1532293"/>
+          </a:xfrm>
+          <a:prstGeom prst="rect">
+            <a:avLst/>
+          </a:prstGeom>
+        </p:spPr>
+      </p:pic>
+      <p:pic>
+        <p:nvPicPr>
+          <p:cNvPr id="3" name="Picture 2"/>
+          <p:cNvPicPr>
+            <a:picLocks noChangeAspect="1"/>
+          </p:cNvPicPr>
+          <p:nvPr/>
+        </p:nvPicPr>
+        <p:blipFill>
+          <a:blip r:embed="rId7" cstate="print">
+            <a:extLst>
+              <a:ext uri="{28A0092B-C50C-407E-A947-70E740481C1C}">
+                <a14:useLocalDpi xmlns:a14="http://schemas.microsoft.com/office/drawing/2010/main" val="0"/>
+              </a:ext>
+            </a:extLst>
+          </a:blip>
+          <a:stretch>
+            <a:fillRect/>
+          </a:stretch>
+        </p:blipFill>
+        <p:spPr>
+          <a:xfrm rot="5400000">
+            <a:off x="5784393" y="1156162"/>
+            <a:ext cx="2531546" cy="1898660"/>
+          </a:xfrm>
+          <a:prstGeom prst="rect">
+            <a:avLst/>
+          </a:prstGeom>
+        </p:spPr>
+      </p:pic>
+      <p:pic>
+        <p:nvPicPr>
+          <p:cNvPr id="9" name="Picture 8"/>
+          <p:cNvPicPr>
+            <a:picLocks noChangeAspect="1"/>
+          </p:cNvPicPr>
+          <p:nvPr/>
+        </p:nvPicPr>
+        <p:blipFill>
+          <a:blip r:embed="rId8" cstate="print">
+            <a:extLst>
+              <a:ext uri="{28A0092B-C50C-407E-A947-70E740481C1C}">
+                <a14:useLocalDpi xmlns:a14="http://schemas.microsoft.com/office/drawing/2010/main" val="0"/>
+              </a:ext>
+            </a:extLst>
+          </a:blip>
+          <a:stretch>
+            <a:fillRect/>
+          </a:stretch>
+        </p:blipFill>
+        <p:spPr>
+          <a:xfrm rot="5400000">
+            <a:off x="2990665" y="1048448"/>
+            <a:ext cx="2818786" cy="2114089"/>
           </a:xfrm>
           <a:prstGeom prst="rect">
             <a:avLst/>
@@ -15547,10 +16335,17 @@
       </p:transition>
     </mc:Fallback>
   </mc:AlternateContent>
+  <p:timing>
+    <p:tnLst>
+      <p:par>
+        <p:cTn id="1" dur="indefinite" restart="never" nodeType="tmRoot"/>
+      </p:par>
+    </p:tnLst>
+  </p:timing>
 </p:sld>
 </file>
 
-<file path=ppt/slides/slide3.xml><?xml version="1.0" encoding="utf-8"?>
+<file path=ppt/slides/slide4.xml><?xml version="1.0" encoding="utf-8"?>
 <p:sld xmlns:a="http://schemas.openxmlformats.org/drawingml/2006/main" xmlns:r="http://schemas.openxmlformats.org/officeDocument/2006/relationships" xmlns:p="http://schemas.openxmlformats.org/presentationml/2006/main">
   <p:cSld>
     <p:spTree>
@@ -15696,10 +16491,17 @@
       </p:transition>
     </mc:Fallback>
   </mc:AlternateContent>
+  <p:timing>
+    <p:tnLst>
+      <p:par>
+        <p:cTn id="1" dur="indefinite" restart="never" nodeType="tmRoot"/>
+      </p:par>
+    </p:tnLst>
+  </p:timing>
 </p:sld>
 </file>
 
-<file path=ppt/slides/slide4.xml><?xml version="1.0" encoding="utf-8"?>
+<file path=ppt/slides/slide5.xml><?xml version="1.0" encoding="utf-8"?>
 <p:sld xmlns:a="http://schemas.openxmlformats.org/drawingml/2006/main" xmlns:r="http://schemas.openxmlformats.org/officeDocument/2006/relationships" xmlns:p="http://schemas.openxmlformats.org/presentationml/2006/main">
   <p:cSld>
     <p:spTree>
@@ -15814,10 +16616,17 @@
       </p:transition>
     </mc:Fallback>
   </mc:AlternateContent>
+  <p:timing>
+    <p:tnLst>
+      <p:par>
+        <p:cTn id="1" dur="indefinite" restart="never" nodeType="tmRoot"/>
+      </p:par>
+    </p:tnLst>
+  </p:timing>
 </p:sld>
 </file>
 
-<file path=ppt/slides/slide5.xml><?xml version="1.0" encoding="utf-8"?>
+<file path=ppt/slides/slide6.xml><?xml version="1.0" encoding="utf-8"?>
 <p:sld xmlns:a="http://schemas.openxmlformats.org/drawingml/2006/main" xmlns:r="http://schemas.openxmlformats.org/officeDocument/2006/relationships" xmlns:p="http://schemas.openxmlformats.org/presentationml/2006/main">
   <p:cSld>
     <p:spTree>
@@ -16019,10 +16828,17 @@
       </p:transition>
     </mc:Fallback>
   </mc:AlternateContent>
+  <p:timing>
+    <p:tnLst>
+      <p:par>
+        <p:cTn id="1" dur="indefinite" restart="never" nodeType="tmRoot"/>
+      </p:par>
+    </p:tnLst>
+  </p:timing>
 </p:sld>
 </file>
 
-<file path=ppt/slides/slide6.xml><?xml version="1.0" encoding="utf-8"?>
+<file path=ppt/slides/slide7.xml><?xml version="1.0" encoding="utf-8"?>
 <p:sld xmlns:a="http://schemas.openxmlformats.org/drawingml/2006/main" xmlns:r="http://schemas.openxmlformats.org/officeDocument/2006/relationships" xmlns:p="http://schemas.openxmlformats.org/presentationml/2006/main">
   <p:cSld>
     <p:spTree>
@@ -16197,10 +17013,90 @@
       </p:transition>
     </mc:Fallback>
   </mc:AlternateContent>
+  <p:timing>
+    <p:tnLst>
+      <p:par>
+        <p:cTn id="1" dur="indefinite" restart="never" nodeType="tmRoot"/>
+      </p:par>
+    </p:tnLst>
+  </p:timing>
 </p:sld>
 </file>
 
-<file path=ppt/slides/slide7.xml><?xml version="1.0" encoding="utf-8"?>
+<file path=ppt/slides/slide8.xml><?xml version="1.0" encoding="utf-8"?>
+<p:sld xmlns:a="http://schemas.openxmlformats.org/drawingml/2006/main" xmlns:r="http://schemas.openxmlformats.org/officeDocument/2006/relationships" xmlns:p="http://schemas.openxmlformats.org/presentationml/2006/main">
+  <p:cSld>
+    <p:spTree>
+      <p:nvGrpSpPr>
+        <p:cNvPr id="1" name=""/>
+        <p:cNvGrpSpPr/>
+        <p:nvPr/>
+      </p:nvGrpSpPr>
+      <p:grpSpPr>
+        <a:xfrm>
+          <a:off x="0" y="0"/>
+          <a:ext cx="0" cy="0"/>
+          <a:chOff x="0" y="0"/>
+          <a:chExt cx="0" cy="0"/>
+        </a:xfrm>
+      </p:grpSpPr>
+      <p:pic>
+        <p:nvPicPr>
+          <p:cNvPr id="2" name="Picture 1"/>
+          <p:cNvPicPr>
+            <a:picLocks noChangeAspect="1"/>
+          </p:cNvPicPr>
+          <p:nvPr/>
+        </p:nvPicPr>
+        <p:blipFill>
+          <a:blip r:embed="rId2"/>
+          <a:stretch>
+            <a:fillRect/>
+          </a:stretch>
+        </p:blipFill>
+        <p:spPr>
+          <a:xfrm>
+            <a:off x="0" y="0"/>
+            <a:ext cx="11574162" cy="6856830"/>
+          </a:xfrm>
+          <a:prstGeom prst="rect">
+            <a:avLst/>
+          </a:prstGeom>
+        </p:spPr>
+      </p:pic>
+    </p:spTree>
+    <p:extLst>
+      <p:ext uri="{BB962C8B-B14F-4D97-AF65-F5344CB8AC3E}">
+        <p14:creationId xmlns:p14="http://schemas.microsoft.com/office/powerpoint/2010/main" val="761845453"/>
+      </p:ext>
+    </p:extLst>
+  </p:cSld>
+  <p:clrMapOvr>
+    <a:masterClrMapping/>
+  </p:clrMapOvr>
+  <mc:AlternateContent xmlns:mc="http://schemas.openxmlformats.org/markup-compatibility/2006" xmlns:p14="http://schemas.microsoft.com/office/powerpoint/2010/main">
+    <mc:Choice Requires="p14">
+      <p:transition spd="med" p14:dur="700">
+        <p:fade/>
+      </p:transition>
+    </mc:Choice>
+    <mc:Fallback xmlns="">
+      <p:transition spd="med">
+        <p:fade/>
+      </p:transition>
+    </mc:Fallback>
+  </mc:AlternateContent>
+  <p:timing>
+    <p:tnLst>
+      <p:par>
+        <p:cTn id="1" dur="indefinite" restart="never" nodeType="tmRoot"/>
+      </p:par>
+    </p:tnLst>
+  </p:timing>
+</p:sld>
+</file>
+
+<file path=ppt/slides/slide9.xml><?xml version="1.0" encoding="utf-8"?>
 <p:sld xmlns:a="http://schemas.openxmlformats.org/drawingml/2006/main" xmlns:r="http://schemas.openxmlformats.org/officeDocument/2006/relationships" xmlns:p="http://schemas.openxmlformats.org/presentationml/2006/main">
   <p:cSld>
     <p:spTree>
@@ -16382,192 +17278,13 @@
       </p:transition>
     </mc:Fallback>
   </mc:AlternateContent>
-</p:sld>
-</file>
-
-<file path=ppt/slides/slide8.xml><?xml version="1.0" encoding="utf-8"?>
-<p:sld xmlns:a="http://schemas.openxmlformats.org/drawingml/2006/main" xmlns:r="http://schemas.openxmlformats.org/officeDocument/2006/relationships" xmlns:p="http://schemas.openxmlformats.org/presentationml/2006/main">
-  <p:cSld>
-    <p:spTree>
-      <p:nvGrpSpPr>
-        <p:cNvPr id="1" name=""/>
-        <p:cNvGrpSpPr/>
-        <p:nvPr/>
-      </p:nvGrpSpPr>
-      <p:grpSpPr>
-        <a:xfrm>
-          <a:off x="0" y="0"/>
-          <a:ext cx="0" cy="0"/>
-          <a:chOff x="0" y="0"/>
-          <a:chExt cx="0" cy="0"/>
-        </a:xfrm>
-      </p:grpSpPr>
-      <p:pic>
-        <p:nvPicPr>
-          <p:cNvPr id="3" name="Picture 2"/>
-          <p:cNvPicPr>
-            <a:picLocks noChangeAspect="1"/>
-          </p:cNvPicPr>
-          <p:nvPr/>
-        </p:nvPicPr>
-        <p:blipFill>
-          <a:blip r:embed="rId2"/>
-          <a:stretch>
-            <a:fillRect/>
-          </a:stretch>
-        </p:blipFill>
-        <p:spPr>
-          <a:xfrm>
-            <a:off x="1834647" y="0"/>
-            <a:ext cx="9239753" cy="6746487"/>
-          </a:xfrm>
-          <a:prstGeom prst="rect">
-            <a:avLst/>
-          </a:prstGeom>
-        </p:spPr>
-      </p:pic>
-    </p:spTree>
-    <p:extLst>
-      <p:ext uri="{BB962C8B-B14F-4D97-AF65-F5344CB8AC3E}">
-        <p14:creationId xmlns:p14="http://schemas.microsoft.com/office/powerpoint/2010/main" val="3100252087"/>
-      </p:ext>
-    </p:extLst>
-  </p:cSld>
-  <p:clrMapOvr>
-    <a:masterClrMapping/>
-  </p:clrMapOvr>
-  <mc:AlternateContent xmlns:mc="http://schemas.openxmlformats.org/markup-compatibility/2006" xmlns:p14="http://schemas.microsoft.com/office/powerpoint/2010/main">
-    <mc:Choice Requires="p14">
-      <p:transition spd="med" p14:dur="700">
-        <p:fade/>
-      </p:transition>
-    </mc:Choice>
-    <mc:Fallback xmlns="">
-      <p:transition spd="med">
-        <p:fade/>
-      </p:transition>
-    </mc:Fallback>
-  </mc:AlternateContent>
-</p:sld>
-</file>
-
-<file path=ppt/slides/slide9.xml><?xml version="1.0" encoding="utf-8"?>
-<p:sld xmlns:a="http://schemas.openxmlformats.org/drawingml/2006/main" xmlns:r="http://schemas.openxmlformats.org/officeDocument/2006/relationships" xmlns:p="http://schemas.openxmlformats.org/presentationml/2006/main">
-  <p:cSld>
-    <p:spTree>
-      <p:nvGrpSpPr>
-        <p:cNvPr id="1" name=""/>
-        <p:cNvGrpSpPr/>
-        <p:nvPr/>
-      </p:nvGrpSpPr>
-      <p:grpSpPr>
-        <a:xfrm>
-          <a:off x="0" y="0"/>
-          <a:ext cx="0" cy="0"/>
-          <a:chOff x="0" y="0"/>
-          <a:chExt cx="0" cy="0"/>
-        </a:xfrm>
-      </p:grpSpPr>
-      <p:sp>
-        <p:nvSpPr>
-          <p:cNvPr id="4" name="Title 3"/>
-          <p:cNvSpPr>
-            <a:spLocks noGrp="1"/>
-          </p:cNvSpPr>
-          <p:nvPr>
-            <p:ph type="title"/>
-          </p:nvPr>
-        </p:nvSpPr>
-        <p:spPr>
-          <a:xfrm>
-            <a:off x="763095" y="255001"/>
-            <a:ext cx="9017000" cy="1142385"/>
-          </a:xfrm>
-        </p:spPr>
-        <p:txBody>
-          <a:bodyPr>
-            <a:normAutofit/>
-          </a:bodyPr>
-          <a:lstStyle/>
-          <a:p>
-            <a:r>
-              <a:rPr lang="en-GB" dirty="0" smtClean="0"/>
-              <a:t>Favour Short local scope variable names</a:t>
-            </a:r>
-            <a:endParaRPr lang="en-GB" dirty="0"/>
-          </a:p>
-        </p:txBody>
-      </p:sp>
-      <p:pic>
-        <p:nvPicPr>
-          <p:cNvPr id="9" name="Picture 8"/>
-          <p:cNvPicPr>
-            <a:picLocks noChangeAspect="1"/>
-          </p:cNvPicPr>
-          <p:nvPr/>
-        </p:nvPicPr>
-        <p:blipFill>
-          <a:blip r:embed="rId2"/>
-          <a:stretch>
-            <a:fillRect/>
-          </a:stretch>
-        </p:blipFill>
-        <p:spPr>
-          <a:xfrm>
-            <a:off x="323604" y="3276546"/>
-            <a:ext cx="10998376" cy="1193853"/>
-          </a:xfrm>
-          <a:prstGeom prst="rect">
-            <a:avLst/>
-          </a:prstGeom>
-        </p:spPr>
-      </p:pic>
-      <p:pic>
-        <p:nvPicPr>
-          <p:cNvPr id="10" name="Picture 9"/>
-          <p:cNvPicPr>
-            <a:picLocks noChangeAspect="1"/>
-          </p:cNvPicPr>
-          <p:nvPr/>
-        </p:nvPicPr>
-        <p:blipFill>
-          <a:blip r:embed="rId3"/>
-          <a:stretch>
-            <a:fillRect/>
-          </a:stretch>
-        </p:blipFill>
-        <p:spPr>
-          <a:xfrm>
-            <a:off x="323604" y="1695321"/>
-            <a:ext cx="11868396" cy="946279"/>
-          </a:xfrm>
-          <a:prstGeom prst="rect">
-            <a:avLst/>
-          </a:prstGeom>
-        </p:spPr>
-      </p:pic>
-    </p:spTree>
-    <p:extLst>
-      <p:ext uri="{BB962C8B-B14F-4D97-AF65-F5344CB8AC3E}">
-        <p14:creationId xmlns:p14="http://schemas.microsoft.com/office/powerpoint/2010/main" val="3429473598"/>
-      </p:ext>
-    </p:extLst>
-  </p:cSld>
-  <p:clrMapOvr>
-    <a:masterClrMapping/>
-  </p:clrMapOvr>
-  <mc:AlternateContent xmlns:mc="http://schemas.openxmlformats.org/markup-compatibility/2006" xmlns:p14="http://schemas.microsoft.com/office/powerpoint/2010/main">
-    <mc:Choice Requires="p14">
-      <p:transition spd="med" p14:dur="700">
-        <p:fade/>
-      </p:transition>
-    </mc:Choice>
-    <mc:Fallback xmlns="">
-      <p:transition spd="med">
-        <p:fade/>
-      </p:transition>
-    </mc:Fallback>
-  </mc:AlternateContent>
+  <p:timing>
+    <p:tnLst>
+      <p:par>
+        <p:cTn id="1" dur="indefinite" restart="never" nodeType="tmRoot"/>
+      </p:par>
+    </p:tnLst>
+  </p:timing>
 </p:sld>
 </file>
 

--- a/Presentation1.pptx
+++ b/Presentation1.pptx
@@ -5,26 +5,27 @@
     <p:sldMasterId id="2147483648" r:id="rId2"/>
   </p:sldMasterIdLst>
   <p:notesMasterIdLst>
-    <p:notesMasterId r:id="rId17"/>
+    <p:notesMasterId r:id="rId18"/>
   </p:notesMasterIdLst>
   <p:handoutMasterIdLst>
-    <p:handoutMasterId r:id="rId18"/>
+    <p:handoutMasterId r:id="rId19"/>
   </p:handoutMasterIdLst>
   <p:sldIdLst>
     <p:sldId id="261" r:id="rId3"/>
     <p:sldId id="281" r:id="rId4"/>
     <p:sldId id="271" r:id="rId5"/>
-    <p:sldId id="272" r:id="rId6"/>
-    <p:sldId id="274" r:id="rId7"/>
-    <p:sldId id="273" r:id="rId8"/>
-    <p:sldId id="275" r:id="rId9"/>
-    <p:sldId id="282" r:id="rId10"/>
-    <p:sldId id="276" r:id="rId11"/>
-    <p:sldId id="277" r:id="rId12"/>
-    <p:sldId id="279" r:id="rId13"/>
-    <p:sldId id="280" r:id="rId14"/>
-    <p:sldId id="283" r:id="rId15"/>
-    <p:sldId id="278" r:id="rId16"/>
+    <p:sldId id="284" r:id="rId6"/>
+    <p:sldId id="272" r:id="rId7"/>
+    <p:sldId id="274" r:id="rId8"/>
+    <p:sldId id="273" r:id="rId9"/>
+    <p:sldId id="275" r:id="rId10"/>
+    <p:sldId id="282" r:id="rId11"/>
+    <p:sldId id="276" r:id="rId12"/>
+    <p:sldId id="277" r:id="rId13"/>
+    <p:sldId id="279" r:id="rId14"/>
+    <p:sldId id="280" r:id="rId15"/>
+    <p:sldId id="283" r:id="rId16"/>
+    <p:sldId id="278" r:id="rId17"/>
   </p:sldIdLst>
   <p:sldSz cx="12192000" cy="6858000"/>
   <p:notesSz cx="6858000" cy="9144000"/>
@@ -227,7 +228,7 @@
           <a:p>
             <a:fld id="{59041DB8-B66F-4DC8-A96E-33677E0F90FF}" type="datetimeFigureOut">
               <a:rPr lang="en-US" smtClean="0"/>
-              <a:t>5/13/2016</a:t>
+              <a:t>5/15/2016</a:t>
             </a:fld>
             <a:endParaRPr lang="en-US"/>
           </a:p>
@@ -392,7 +393,7 @@
           <a:p>
             <a:fld id="{DEB49C4A-65AC-492D-9701-81B46C3AD0E4}" type="datetimeFigureOut">
               <a:rPr lang="en-US" smtClean="0"/>
-              <a:t>5/13/2016</a:t>
+              <a:t>5/15/2016</a:t>
             </a:fld>
             <a:endParaRPr lang="en-US"/>
           </a:p>
@@ -2780,7 +2781,7 @@
           <a:p>
             <a:fld id="{384A29A4-78C8-47AB-BA06-22CB45938951}" type="datetime1">
               <a:rPr lang="en-US" smtClean="0"/>
-              <a:t>5/13/2016</a:t>
+              <a:t>5/15/2016</a:t>
             </a:fld>
             <a:endParaRPr lang="en-US"/>
           </a:p>
@@ -2972,7 +2973,7 @@
           <a:p>
             <a:fld id="{E1ED4ACF-2D82-46F2-A8E9-23963AA34E86}" type="datetime1">
               <a:rPr lang="en-US" smtClean="0"/>
-              <a:t>5/13/2016</a:t>
+              <a:t>5/15/2016</a:t>
             </a:fld>
             <a:endParaRPr lang="en-US"/>
           </a:p>
@@ -3154,7 +3155,7 @@
           <a:p>
             <a:fld id="{AE374B5B-21A0-4192-BF4C-38187F1A68D8}" type="datetime1">
               <a:rPr lang="en-US" smtClean="0"/>
-              <a:t>5/13/2016</a:t>
+              <a:t>5/15/2016</a:t>
             </a:fld>
             <a:endParaRPr lang="en-US"/>
           </a:p>
@@ -5494,7 +5495,7 @@
           <a:p>
             <a:fld id="{33B5CF7C-B333-48E1-A4A6-83A3C8B73AC0}" type="datetime1">
               <a:rPr lang="en-US" smtClean="0"/>
-              <a:t>5/13/2016</a:t>
+              <a:t>5/15/2016</a:t>
             </a:fld>
             <a:endParaRPr lang="en-US"/>
           </a:p>
@@ -5946,7 +5947,7 @@
           <a:p>
             <a:fld id="{AE320762-5CBF-4210-AB54-376B091119F8}" type="datetime1">
               <a:rPr lang="en-US" smtClean="0"/>
-              <a:t>5/13/2016</a:t>
+              <a:t>5/15/2016</a:t>
             </a:fld>
             <a:endParaRPr lang="en-US"/>
           </a:p>
@@ -6076,7 +6077,7 @@
           <a:p>
             <a:fld id="{7F0DB371-BF5F-4058-A212-1A908E4D2674}" type="datetime1">
               <a:rPr lang="en-US" smtClean="0"/>
-              <a:t>5/13/2016</a:t>
+              <a:t>5/15/2016</a:t>
             </a:fld>
             <a:endParaRPr lang="en-US"/>
           </a:p>
@@ -8006,7 +8007,7 @@
           <a:p>
             <a:fld id="{60A4083B-90AA-48CF-BAD5-00AA24D7F288}" type="datetime1">
               <a:rPr lang="en-US" smtClean="0"/>
-              <a:t>5/13/2016</a:t>
+              <a:t>5/15/2016</a:t>
             </a:fld>
             <a:endParaRPr lang="en-US"/>
           </a:p>
@@ -10253,7 +10254,7 @@
           <a:p>
             <a:fld id="{F5BAF629-ECA2-4CF3-B790-9D9BDED98269}" type="datetime1">
               <a:rPr lang="en-US" smtClean="0"/>
-              <a:t>5/13/2016</a:t>
+              <a:t>5/15/2016</a:t>
             </a:fld>
             <a:endParaRPr lang="en-US"/>
           </a:p>
@@ -14482,7 +14483,7 @@
           <a:p>
             <a:fld id="{B51B2453-8663-4C69-AF73-9FD7B1DEC5D0}" type="datetime1">
               <a:rPr lang="en-US" smtClean="0"/>
-              <a:t>5/13/2016</a:t>
+              <a:t>5/15/2016</a:t>
             </a:fld>
             <a:endParaRPr lang="en-US"/>
           </a:p>
@@ -15150,6 +15151,198 @@
           <a:chExt cx="0" cy="0"/>
         </a:xfrm>
       </p:grpSpPr>
+      <p:sp>
+        <p:nvSpPr>
+          <p:cNvPr id="4" name="Title 3"/>
+          <p:cNvSpPr>
+            <a:spLocks noGrp="1"/>
+          </p:cNvSpPr>
+          <p:nvPr>
+            <p:ph type="title"/>
+          </p:nvPr>
+        </p:nvSpPr>
+        <p:spPr>
+          <a:xfrm>
+            <a:off x="1295400" y="503853"/>
+            <a:ext cx="4025900" cy="1142385"/>
+          </a:xfrm>
+        </p:spPr>
+        <p:txBody>
+          <a:bodyPr/>
+          <a:lstStyle/>
+          <a:p>
+            <a:r>
+              <a:rPr lang="en-GB" dirty="0" smtClean="0"/>
+              <a:t>2.The Simple Stuff</a:t>
+            </a:r>
+            <a:endParaRPr lang="en-GB" dirty="0"/>
+          </a:p>
+        </p:txBody>
+      </p:sp>
+      <p:sp>
+        <p:nvSpPr>
+          <p:cNvPr id="6" name="Rectangle 5"/>
+          <p:cNvSpPr/>
+          <p:nvPr/>
+        </p:nvSpPr>
+        <p:spPr>
+          <a:xfrm>
+            <a:off x="8810290" y="5720834"/>
+            <a:ext cx="2565126" cy="215444"/>
+          </a:xfrm>
+          <a:prstGeom prst="rect">
+            <a:avLst/>
+          </a:prstGeom>
+        </p:spPr>
+        <p:txBody>
+          <a:bodyPr wrap="none">
+            <a:spAutoFit/>
+          </a:bodyPr>
+          <a:lstStyle/>
+          <a:p>
+            <a:r>
+              <a:rPr lang="en-GB" sz="800" dirty="0"/>
+              <a:t>https://www.flickr.com/photos/dhollister/2596483147</a:t>
+            </a:r>
+          </a:p>
+        </p:txBody>
+      </p:sp>
+      <p:sp>
+        <p:nvSpPr>
+          <p:cNvPr id="7" name="TextBox 6"/>
+          <p:cNvSpPr txBox="1"/>
+          <p:nvPr/>
+        </p:nvSpPr>
+        <p:spPr>
+          <a:xfrm>
+            <a:off x="763095" y="1646238"/>
+            <a:ext cx="4787900" cy="646331"/>
+          </a:xfrm>
+          <a:prstGeom prst="rect">
+            <a:avLst/>
+          </a:prstGeom>
+          <a:noFill/>
+        </p:spPr>
+        <p:txBody>
+          <a:bodyPr wrap="square" rtlCol="0">
+            <a:spAutoFit/>
+          </a:bodyPr>
+          <a:lstStyle/>
+          <a:p>
+            <a:endParaRPr lang="en-GB" dirty="0" smtClean="0"/>
+          </a:p>
+          <a:p>
+            <a:r>
+              <a:rPr lang="en-GB" dirty="0" smtClean="0"/>
+              <a:t>Kill Zombie (nearly dead) code</a:t>
+            </a:r>
+            <a:endParaRPr lang="en-GB" dirty="0"/>
+          </a:p>
+        </p:txBody>
+      </p:sp>
+      <p:pic>
+        <p:nvPicPr>
+          <p:cNvPr id="8" name="Picture 7"/>
+          <p:cNvPicPr>
+            <a:picLocks noChangeAspect="1"/>
+          </p:cNvPicPr>
+          <p:nvPr/>
+        </p:nvPicPr>
+        <p:blipFill>
+          <a:blip r:embed="rId2"/>
+          <a:stretch>
+            <a:fillRect/>
+          </a:stretch>
+        </p:blipFill>
+        <p:spPr>
+          <a:xfrm>
+            <a:off x="763095" y="3219330"/>
+            <a:ext cx="10297860" cy="2501504"/>
+          </a:xfrm>
+          <a:prstGeom prst="rect">
+            <a:avLst/>
+          </a:prstGeom>
+        </p:spPr>
+      </p:pic>
+      <p:pic>
+        <p:nvPicPr>
+          <p:cNvPr id="5" name="Picture 4"/>
+          <p:cNvPicPr>
+            <a:picLocks noChangeAspect="1"/>
+          </p:cNvPicPr>
+          <p:nvPr/>
+        </p:nvPicPr>
+        <p:blipFill>
+          <a:blip r:embed="rId3">
+            <a:extLst>
+              <a:ext uri="{28A0092B-C50C-407E-A947-70E740481C1C}">
+                <a14:useLocalDpi xmlns:a14="http://schemas.microsoft.com/office/drawing/2010/main" val="0"/>
+              </a:ext>
+            </a:extLst>
+          </a:blip>
+          <a:stretch>
+            <a:fillRect/>
+          </a:stretch>
+        </p:blipFill>
+        <p:spPr>
+          <a:xfrm>
+            <a:off x="6937435" y="224453"/>
+            <a:ext cx="4920581" cy="3282950"/>
+          </a:xfrm>
+          <a:prstGeom prst="rect">
+            <a:avLst/>
+          </a:prstGeom>
+        </p:spPr>
+      </p:pic>
+    </p:spTree>
+    <p:extLst>
+      <p:ext uri="{BB962C8B-B14F-4D97-AF65-F5344CB8AC3E}">
+        <p14:creationId xmlns:p14="http://schemas.microsoft.com/office/powerpoint/2010/main" val="954507065"/>
+      </p:ext>
+    </p:extLst>
+  </p:cSld>
+  <p:clrMapOvr>
+    <a:masterClrMapping/>
+  </p:clrMapOvr>
+  <mc:AlternateContent xmlns:mc="http://schemas.openxmlformats.org/markup-compatibility/2006" xmlns:p14="http://schemas.microsoft.com/office/powerpoint/2010/main">
+    <mc:Choice Requires="p14">
+      <p:transition spd="med" p14:dur="700">
+        <p:fade/>
+      </p:transition>
+    </mc:Choice>
+    <mc:Fallback xmlns="">
+      <p:transition spd="med">
+        <p:fade/>
+      </p:transition>
+    </mc:Fallback>
+  </mc:AlternateContent>
+  <p:timing>
+    <p:tnLst>
+      <p:par>
+        <p:cTn id="1" dur="indefinite" restart="never" nodeType="tmRoot"/>
+      </p:par>
+    </p:tnLst>
+  </p:timing>
+</p:sld>
+</file>
+
+<file path=ppt/slides/slide11.xml><?xml version="1.0" encoding="utf-8"?>
+<p:sld xmlns:a="http://schemas.openxmlformats.org/drawingml/2006/main" xmlns:r="http://schemas.openxmlformats.org/officeDocument/2006/relationships" xmlns:p="http://schemas.openxmlformats.org/presentationml/2006/main">
+  <p:cSld>
+    <p:spTree>
+      <p:nvGrpSpPr>
+        <p:cNvPr id="1" name=""/>
+        <p:cNvGrpSpPr/>
+        <p:nvPr/>
+      </p:nvGrpSpPr>
+      <p:grpSpPr>
+        <a:xfrm>
+          <a:off x="0" y="0"/>
+          <a:ext cx="0" cy="0"/>
+          <a:chOff x="0" y="0"/>
+          <a:chExt cx="0" cy="0"/>
+        </a:xfrm>
+      </p:grpSpPr>
       <p:pic>
         <p:nvPicPr>
           <p:cNvPr id="3" name="Picture 2"/>
@@ -15206,7 +15399,7 @@
 </p:sld>
 </file>
 
-<file path=ppt/slides/slide11.xml><?xml version="1.0" encoding="utf-8"?>
+<file path=ppt/slides/slide12.xml><?xml version="1.0" encoding="utf-8"?>
 <p:sld xmlns:a="http://schemas.openxmlformats.org/drawingml/2006/main" xmlns:r="http://schemas.openxmlformats.org/officeDocument/2006/relationships" xmlns:p="http://schemas.openxmlformats.org/presentationml/2006/main">
   <p:cSld>
     <p:spTree>
@@ -15333,7 +15526,7 @@
 </p:sld>
 </file>
 
-<file path=ppt/slides/slide12.xml><?xml version="1.0" encoding="utf-8"?>
+<file path=ppt/slides/slide13.xml><?xml version="1.0" encoding="utf-8"?>
 <p:sld xmlns:a="http://schemas.openxmlformats.org/drawingml/2006/main" xmlns:r="http://schemas.openxmlformats.org/officeDocument/2006/relationships" xmlns:p="http://schemas.openxmlformats.org/presentationml/2006/main">
   <p:cSld>
     <p:spTree>
@@ -15494,10 +15687,17 @@
       </p:transition>
     </mc:Fallback>
   </mc:AlternateContent>
+  <p:timing>
+    <p:tnLst>
+      <p:par>
+        <p:cTn id="1" dur="indefinite" restart="never" nodeType="tmRoot"/>
+      </p:par>
+    </p:tnLst>
+  </p:timing>
 </p:sld>
 </file>
 
-<file path=ppt/slides/slide13.xml><?xml version="1.0" encoding="utf-8"?>
+<file path=ppt/slides/slide14.xml><?xml version="1.0" encoding="utf-8"?>
 <p:sld xmlns:a="http://schemas.openxmlformats.org/drawingml/2006/main" xmlns:r="http://schemas.openxmlformats.org/officeDocument/2006/relationships" xmlns:p="http://schemas.openxmlformats.org/presentationml/2006/main">
   <p:cSld>
     <p:spTree>
@@ -15592,7 +15792,6 @@
               <a:rPr lang="en-GB" sz="2000" dirty="0"/>
               <a:t>)</a:t>
             </a:r>
-            <a:endParaRPr lang="en-GB" sz="2000" dirty="0"/>
           </a:p>
         </p:txBody>
       </p:sp>
@@ -15618,10 +15817,17 @@
       </p:transition>
     </mc:Fallback>
   </mc:AlternateContent>
+  <p:timing>
+    <p:tnLst>
+      <p:par>
+        <p:cTn id="1" dur="indefinite" restart="never" nodeType="tmRoot"/>
+      </p:par>
+    </p:tnLst>
+  </p:timing>
 </p:sld>
 </file>
 
-<file path=ppt/slides/slide14.xml><?xml version="1.0" encoding="utf-8"?>
+<file path=ppt/slides/slide15.xml><?xml version="1.0" encoding="utf-8"?>
 <p:sld xmlns:a="http://schemas.openxmlformats.org/drawingml/2006/main" xmlns:r="http://schemas.openxmlformats.org/officeDocument/2006/relationships" xmlns:p="http://schemas.openxmlformats.org/presentationml/2006/main">
   <p:cSld>
     <p:spTree>
@@ -15660,6 +15866,13 @@
       </p:transition>
     </mc:Fallback>
   </mc:AlternateContent>
+  <p:timing>
+    <p:tnLst>
+      <p:par>
+        <p:cTn id="1" dur="indefinite" restart="never" nodeType="tmRoot"/>
+      </p:par>
+    </p:tnLst>
+  </p:timing>
 </p:sld>
 </file>
 
@@ -16374,6 +16587,118 @@
         </p:nvSpPr>
         <p:spPr>
           <a:xfrm>
+            <a:off x="346494" y="146648"/>
+            <a:ext cx="3483634" cy="2648310"/>
+          </a:xfrm>
+        </p:spPr>
+        <p:txBody>
+          <a:bodyPr>
+            <a:normAutofit/>
+          </a:bodyPr>
+          <a:lstStyle/>
+          <a:p>
+            <a:r>
+              <a:rPr lang="en-GB" sz="4000" dirty="0" smtClean="0"/>
+              <a:t>My practical </a:t>
+            </a:r>
+            <a:br>
+              <a:rPr lang="en-GB" sz="4000" dirty="0" smtClean="0"/>
+            </a:br>
+            <a:r>
+              <a:rPr lang="en-GB" sz="4000" dirty="0" smtClean="0"/>
+              <a:t>guide </a:t>
+            </a:r>
+            <a:br>
+              <a:rPr lang="en-GB" sz="4000" dirty="0" smtClean="0"/>
+            </a:br>
+            <a:r>
+              <a:rPr lang="en-GB" sz="4000" dirty="0" smtClean="0"/>
+              <a:t>on refactoring</a:t>
+            </a:r>
+            <a:endParaRPr lang="en-GB" sz="4000" dirty="0"/>
+          </a:p>
+        </p:txBody>
+      </p:sp>
+      <p:pic>
+        <p:nvPicPr>
+          <p:cNvPr id="4" name="Content Placeholder 3"/>
+          <p:cNvPicPr>
+            <a:picLocks noGrp="1" noChangeAspect="1"/>
+          </p:cNvPicPr>
+          <p:nvPr>
+            <p:ph idx="1"/>
+          </p:nvPr>
+        </p:nvPicPr>
+        <p:blipFill>
+          <a:blip r:embed="rId2"/>
+          <a:stretch>
+            <a:fillRect/>
+          </a:stretch>
+        </p:blipFill>
+        <p:spPr>
+          <a:xfrm>
+            <a:off x="5558287" y="0"/>
+            <a:ext cx="6633713" cy="6814558"/>
+          </a:xfrm>
+          <a:prstGeom prst="rect">
+            <a:avLst/>
+          </a:prstGeom>
+        </p:spPr>
+      </p:pic>
+    </p:spTree>
+    <p:extLst>
+      <p:ext uri="{BB962C8B-B14F-4D97-AF65-F5344CB8AC3E}">
+        <p14:creationId xmlns:p14="http://schemas.microsoft.com/office/powerpoint/2010/main" val="3530497725"/>
+      </p:ext>
+    </p:extLst>
+  </p:cSld>
+  <p:clrMapOvr>
+    <a:masterClrMapping/>
+  </p:clrMapOvr>
+  <mc:AlternateContent xmlns:mc="http://schemas.openxmlformats.org/markup-compatibility/2006" xmlns:p14="http://schemas.microsoft.com/office/powerpoint/2010/main">
+    <mc:Choice Requires="p14">
+      <p:transition spd="med" p14:dur="700">
+        <p:fade/>
+      </p:transition>
+    </mc:Choice>
+    <mc:Fallback xmlns="">
+      <p:transition spd="med">
+        <p:fade/>
+      </p:transition>
+    </mc:Fallback>
+  </mc:AlternateContent>
+</p:sld>
+</file>
+
+<file path=ppt/slides/slide5.xml><?xml version="1.0" encoding="utf-8"?>
+<p:sld xmlns:a="http://schemas.openxmlformats.org/drawingml/2006/main" xmlns:r="http://schemas.openxmlformats.org/officeDocument/2006/relationships" xmlns:p="http://schemas.openxmlformats.org/presentationml/2006/main">
+  <p:cSld>
+    <p:spTree>
+      <p:nvGrpSpPr>
+        <p:cNvPr id="1" name=""/>
+        <p:cNvGrpSpPr/>
+        <p:nvPr/>
+      </p:nvGrpSpPr>
+      <p:grpSpPr>
+        <a:xfrm>
+          <a:off x="0" y="0"/>
+          <a:ext cx="0" cy="0"/>
+          <a:chOff x="0" y="0"/>
+          <a:chExt cx="0" cy="0"/>
+        </a:xfrm>
+      </p:grpSpPr>
+      <p:sp>
+        <p:nvSpPr>
+          <p:cNvPr id="2" name="Title 1"/>
+          <p:cNvSpPr>
+            <a:spLocks noGrp="1"/>
+          </p:cNvSpPr>
+          <p:nvPr>
+            <p:ph type="title"/>
+          </p:nvPr>
+        </p:nvSpPr>
+        <p:spPr>
+          <a:xfrm>
             <a:off x="1295400" y="503853"/>
             <a:ext cx="2671119" cy="1142385"/>
           </a:xfrm>
@@ -16501,7 +16826,7 @@
 </p:sld>
 </file>
 
-<file path=ppt/slides/slide5.xml><?xml version="1.0" encoding="utf-8"?>
+<file path=ppt/slides/slide6.xml><?xml version="1.0" encoding="utf-8"?>
 <p:sld xmlns:a="http://schemas.openxmlformats.org/drawingml/2006/main" xmlns:r="http://schemas.openxmlformats.org/officeDocument/2006/relationships" xmlns:p="http://schemas.openxmlformats.org/presentationml/2006/main">
   <p:cSld>
     <p:spTree>
@@ -16626,7 +16951,7 @@
 </p:sld>
 </file>
 
-<file path=ppt/slides/slide6.xml><?xml version="1.0" encoding="utf-8"?>
+<file path=ppt/slides/slide7.xml><?xml version="1.0" encoding="utf-8"?>
 <p:sld xmlns:a="http://schemas.openxmlformats.org/drawingml/2006/main" xmlns:r="http://schemas.openxmlformats.org/officeDocument/2006/relationships" xmlns:p="http://schemas.openxmlformats.org/presentationml/2006/main">
   <p:cSld>
     <p:spTree>
@@ -16838,7 +17163,7 @@
 </p:sld>
 </file>
 
-<file path=ppt/slides/slide7.xml><?xml version="1.0" encoding="utf-8"?>
+<file path=ppt/slides/slide8.xml><?xml version="1.0" encoding="utf-8"?>
 <p:sld xmlns:a="http://schemas.openxmlformats.org/drawingml/2006/main" xmlns:r="http://schemas.openxmlformats.org/officeDocument/2006/relationships" xmlns:p="http://schemas.openxmlformats.org/presentationml/2006/main">
   <p:cSld>
     <p:spTree>
@@ -17023,7 +17348,7 @@
 </p:sld>
 </file>
 
-<file path=ppt/slides/slide8.xml><?xml version="1.0" encoding="utf-8"?>
+<file path=ppt/slides/slide9.xml><?xml version="1.0" encoding="utf-8"?>
 <p:sld xmlns:a="http://schemas.openxmlformats.org/drawingml/2006/main" xmlns:r="http://schemas.openxmlformats.org/officeDocument/2006/relationships" xmlns:p="http://schemas.openxmlformats.org/presentationml/2006/main">
   <p:cSld>
     <p:spTree>
@@ -17068,198 +17393,6 @@
     <p:extLst>
       <p:ext uri="{BB962C8B-B14F-4D97-AF65-F5344CB8AC3E}">
         <p14:creationId xmlns:p14="http://schemas.microsoft.com/office/powerpoint/2010/main" val="761845453"/>
-      </p:ext>
-    </p:extLst>
-  </p:cSld>
-  <p:clrMapOvr>
-    <a:masterClrMapping/>
-  </p:clrMapOvr>
-  <mc:AlternateContent xmlns:mc="http://schemas.openxmlformats.org/markup-compatibility/2006" xmlns:p14="http://schemas.microsoft.com/office/powerpoint/2010/main">
-    <mc:Choice Requires="p14">
-      <p:transition spd="med" p14:dur="700">
-        <p:fade/>
-      </p:transition>
-    </mc:Choice>
-    <mc:Fallback xmlns="">
-      <p:transition spd="med">
-        <p:fade/>
-      </p:transition>
-    </mc:Fallback>
-  </mc:AlternateContent>
-  <p:timing>
-    <p:tnLst>
-      <p:par>
-        <p:cTn id="1" dur="indefinite" restart="never" nodeType="tmRoot"/>
-      </p:par>
-    </p:tnLst>
-  </p:timing>
-</p:sld>
-</file>
-
-<file path=ppt/slides/slide9.xml><?xml version="1.0" encoding="utf-8"?>
-<p:sld xmlns:a="http://schemas.openxmlformats.org/drawingml/2006/main" xmlns:r="http://schemas.openxmlformats.org/officeDocument/2006/relationships" xmlns:p="http://schemas.openxmlformats.org/presentationml/2006/main">
-  <p:cSld>
-    <p:spTree>
-      <p:nvGrpSpPr>
-        <p:cNvPr id="1" name=""/>
-        <p:cNvGrpSpPr/>
-        <p:nvPr/>
-      </p:nvGrpSpPr>
-      <p:grpSpPr>
-        <a:xfrm>
-          <a:off x="0" y="0"/>
-          <a:ext cx="0" cy="0"/>
-          <a:chOff x="0" y="0"/>
-          <a:chExt cx="0" cy="0"/>
-        </a:xfrm>
-      </p:grpSpPr>
-      <p:sp>
-        <p:nvSpPr>
-          <p:cNvPr id="4" name="Title 3"/>
-          <p:cNvSpPr>
-            <a:spLocks noGrp="1"/>
-          </p:cNvSpPr>
-          <p:nvPr>
-            <p:ph type="title"/>
-          </p:nvPr>
-        </p:nvSpPr>
-        <p:spPr>
-          <a:xfrm>
-            <a:off x="1295400" y="503853"/>
-            <a:ext cx="4025900" cy="1142385"/>
-          </a:xfrm>
-        </p:spPr>
-        <p:txBody>
-          <a:bodyPr/>
-          <a:lstStyle/>
-          <a:p>
-            <a:r>
-              <a:rPr lang="en-GB" dirty="0" smtClean="0"/>
-              <a:t>2.The Simple Stuff</a:t>
-            </a:r>
-            <a:endParaRPr lang="en-GB" dirty="0"/>
-          </a:p>
-        </p:txBody>
-      </p:sp>
-      <p:sp>
-        <p:nvSpPr>
-          <p:cNvPr id="6" name="Rectangle 5"/>
-          <p:cNvSpPr/>
-          <p:nvPr/>
-        </p:nvSpPr>
-        <p:spPr>
-          <a:xfrm>
-            <a:off x="8810290" y="5720834"/>
-            <a:ext cx="2565126" cy="215444"/>
-          </a:xfrm>
-          <a:prstGeom prst="rect">
-            <a:avLst/>
-          </a:prstGeom>
-        </p:spPr>
-        <p:txBody>
-          <a:bodyPr wrap="none">
-            <a:spAutoFit/>
-          </a:bodyPr>
-          <a:lstStyle/>
-          <a:p>
-            <a:r>
-              <a:rPr lang="en-GB" sz="800" dirty="0"/>
-              <a:t>https://www.flickr.com/photos/dhollister/2596483147</a:t>
-            </a:r>
-          </a:p>
-        </p:txBody>
-      </p:sp>
-      <p:sp>
-        <p:nvSpPr>
-          <p:cNvPr id="7" name="TextBox 6"/>
-          <p:cNvSpPr txBox="1"/>
-          <p:nvPr/>
-        </p:nvSpPr>
-        <p:spPr>
-          <a:xfrm>
-            <a:off x="763095" y="1646238"/>
-            <a:ext cx="4787900" cy="646331"/>
-          </a:xfrm>
-          <a:prstGeom prst="rect">
-            <a:avLst/>
-          </a:prstGeom>
-          <a:noFill/>
-        </p:spPr>
-        <p:txBody>
-          <a:bodyPr wrap="square" rtlCol="0">
-            <a:spAutoFit/>
-          </a:bodyPr>
-          <a:lstStyle/>
-          <a:p>
-            <a:endParaRPr lang="en-GB" dirty="0" smtClean="0"/>
-          </a:p>
-          <a:p>
-            <a:r>
-              <a:rPr lang="en-GB" dirty="0" smtClean="0"/>
-              <a:t>Kill Zombie (nearly dead) code</a:t>
-            </a:r>
-            <a:endParaRPr lang="en-GB" dirty="0"/>
-          </a:p>
-        </p:txBody>
-      </p:sp>
-      <p:pic>
-        <p:nvPicPr>
-          <p:cNvPr id="8" name="Picture 7"/>
-          <p:cNvPicPr>
-            <a:picLocks noChangeAspect="1"/>
-          </p:cNvPicPr>
-          <p:nvPr/>
-        </p:nvPicPr>
-        <p:blipFill>
-          <a:blip r:embed="rId2"/>
-          <a:stretch>
-            <a:fillRect/>
-          </a:stretch>
-        </p:blipFill>
-        <p:spPr>
-          <a:xfrm>
-            <a:off x="763095" y="3219330"/>
-            <a:ext cx="10297860" cy="2501504"/>
-          </a:xfrm>
-          <a:prstGeom prst="rect">
-            <a:avLst/>
-          </a:prstGeom>
-        </p:spPr>
-      </p:pic>
-      <p:pic>
-        <p:nvPicPr>
-          <p:cNvPr id="5" name="Picture 4"/>
-          <p:cNvPicPr>
-            <a:picLocks noChangeAspect="1"/>
-          </p:cNvPicPr>
-          <p:nvPr/>
-        </p:nvPicPr>
-        <p:blipFill>
-          <a:blip r:embed="rId3">
-            <a:extLst>
-              <a:ext uri="{28A0092B-C50C-407E-A947-70E740481C1C}">
-                <a14:useLocalDpi xmlns:a14="http://schemas.microsoft.com/office/drawing/2010/main" val="0"/>
-              </a:ext>
-            </a:extLst>
-          </a:blip>
-          <a:stretch>
-            <a:fillRect/>
-          </a:stretch>
-        </p:blipFill>
-        <p:spPr>
-          <a:xfrm>
-            <a:off x="6937435" y="224453"/>
-            <a:ext cx="4920581" cy="3282950"/>
-          </a:xfrm>
-          <a:prstGeom prst="rect">
-            <a:avLst/>
-          </a:prstGeom>
-        </p:spPr>
-      </p:pic>
-    </p:spTree>
-    <p:extLst>
-      <p:ext uri="{BB962C8B-B14F-4D97-AF65-F5344CB8AC3E}">
-        <p14:creationId xmlns:p14="http://schemas.microsoft.com/office/powerpoint/2010/main" val="954507065"/>
       </p:ext>
     </p:extLst>
   </p:cSld>

--- a/Presentation1.pptx
+++ b/Presentation1.pptx
@@ -5,16 +5,16 @@
     <p:sldMasterId id="2147483648" r:id="rId2"/>
   </p:sldMasterIdLst>
   <p:notesMasterIdLst>
-    <p:notesMasterId r:id="rId18"/>
+    <p:notesMasterId r:id="rId23"/>
   </p:notesMasterIdLst>
   <p:handoutMasterIdLst>
-    <p:handoutMasterId r:id="rId19"/>
+    <p:handoutMasterId r:id="rId24"/>
   </p:handoutMasterIdLst>
   <p:sldIdLst>
     <p:sldId id="261" r:id="rId3"/>
-    <p:sldId id="281" r:id="rId4"/>
-    <p:sldId id="271" r:id="rId5"/>
-    <p:sldId id="284" r:id="rId6"/>
+    <p:sldId id="284" r:id="rId4"/>
+    <p:sldId id="281" r:id="rId5"/>
+    <p:sldId id="271" r:id="rId6"/>
     <p:sldId id="272" r:id="rId7"/>
     <p:sldId id="274" r:id="rId8"/>
     <p:sldId id="273" r:id="rId9"/>
@@ -26,6 +26,11 @@
     <p:sldId id="280" r:id="rId15"/>
     <p:sldId id="283" r:id="rId16"/>
     <p:sldId id="278" r:id="rId17"/>
+    <p:sldId id="285" r:id="rId18"/>
+    <p:sldId id="286" r:id="rId19"/>
+    <p:sldId id="289" r:id="rId20"/>
+    <p:sldId id="290" r:id="rId21"/>
+    <p:sldId id="288" r:id="rId22"/>
   </p:sldIdLst>
   <p:sldSz cx="12192000" cy="6858000"/>
   <p:notesSz cx="6858000" cy="9144000"/>
@@ -15173,7 +15178,7 @@
           <a:p>
             <a:r>
               <a:rPr lang="en-GB" dirty="0" smtClean="0"/>
-              <a:t>2.The Simple Stuff</a:t>
+              <a:t>2.Killing Zombies</a:t>
             </a:r>
             <a:endParaRPr lang="en-GB" dirty="0"/>
           </a:p>
@@ -15440,7 +15445,15 @@
           <a:p>
             <a:r>
               <a:rPr lang="en-GB" dirty="0" smtClean="0"/>
-              <a:t>Favour Short local scope variable names</a:t>
+              <a:t>3. Favour </a:t>
+            </a:r>
+            <a:r>
+              <a:rPr lang="en-GB" dirty="0" smtClean="0"/>
+              <a:t>Short local scope </a:t>
+            </a:r>
+            <a:r>
+              <a:rPr lang="en-GB" dirty="0" smtClean="0"/>
+              <a:t>names</a:t>
             </a:r>
             <a:endParaRPr lang="en-GB" dirty="0"/>
           </a:p>
@@ -15566,8 +15579,12 @@
           <a:lstStyle/>
           <a:p>
             <a:r>
+              <a:rPr lang="en-GB" dirty="0"/>
+              <a:t>4</a:t>
+            </a:r>
+            <a:r>
               <a:rPr lang="en-GB" dirty="0" smtClean="0"/>
-              <a:t>Avoid Comments (duck)</a:t>
+              <a:t> Minimise Comments</a:t>
             </a:r>
             <a:endParaRPr lang="en-GB" dirty="0"/>
           </a:p>
@@ -15727,7 +15744,7 @@
         <p:spPr>
           <a:xfrm>
             <a:off x="763095" y="255001"/>
-            <a:ext cx="4850305" cy="1142385"/>
+            <a:ext cx="6819524" cy="1142385"/>
           </a:xfrm>
         </p:spPr>
         <p:txBody>
@@ -15738,22 +15755,50 @@
           <a:p>
             <a:r>
               <a:rPr lang="en-GB" dirty="0" smtClean="0"/>
-              <a:t>Complex Expressions</a:t>
+              <a:t>5. Encapsulate </a:t>
+            </a:r>
+            <a:r>
+              <a:rPr lang="en-GB" dirty="0" smtClean="0"/>
+              <a:t>Complexity</a:t>
             </a:r>
             <a:endParaRPr lang="en-GB" dirty="0"/>
           </a:p>
         </p:txBody>
       </p:sp>
+      <p:pic>
+        <p:nvPicPr>
+          <p:cNvPr id="2" name="Picture 1"/>
+          <p:cNvPicPr>
+            <a:picLocks noChangeAspect="1"/>
+          </p:cNvPicPr>
+          <p:nvPr/>
+        </p:nvPicPr>
+        <p:blipFill>
+          <a:blip r:embed="rId2"/>
+          <a:stretch>
+            <a:fillRect/>
+          </a:stretch>
+        </p:blipFill>
+        <p:spPr>
+          <a:xfrm>
+            <a:off x="463116" y="1578860"/>
+            <a:ext cx="10769175" cy="4166331"/>
+          </a:xfrm>
+          <a:prstGeom prst="rect">
+            <a:avLst/>
+          </a:prstGeom>
+        </p:spPr>
+      </p:pic>
       <p:sp>
         <p:nvSpPr>
-          <p:cNvPr id="5" name="TextBox 4"/>
+          <p:cNvPr id="6" name="TextBox 5"/>
           <p:cNvSpPr txBox="1"/>
           <p:nvPr/>
         </p:nvSpPr>
         <p:spPr>
           <a:xfrm>
-            <a:off x="870187" y="1397386"/>
-            <a:ext cx="6387348" cy="707886"/>
+            <a:off x="8885208" y="5621454"/>
+            <a:ext cx="3094008" cy="246221"/>
           </a:xfrm>
           <a:prstGeom prst="rect">
             <a:avLst/>
@@ -15767,31 +15812,10 @@
           <a:lstStyle/>
           <a:p>
             <a:r>
-              <a:rPr lang="en-GB" sz="2000" dirty="0" smtClean="0"/>
-              <a:t>Try to encapsulate</a:t>
+              <a:rPr lang="en-GB" sz="1000" dirty="0" smtClean="0"/>
+              <a:t>**Inspired by refactoring course on Lynda.com</a:t>
             </a:r>
-          </a:p>
-          <a:p>
-            <a:r>
-              <a:rPr lang="en-GB" sz="2000" dirty="0">
-                <a:hlinkClick r:id="rId2"/>
-              </a:rPr>
-              <a:t>Refactoring Lynda Notes</a:t>
-            </a:r>
-            <a:r>
-              <a:rPr lang="en-GB" sz="2000" dirty="0"/>
-              <a:t>  (</a:t>
-            </a:r>
-            <a:r>
-              <a:rPr lang="en-GB" sz="2000" dirty="0">
-                <a:hlinkClick r:id="rId3"/>
-              </a:rPr>
-              <a:t>Web view</a:t>
-            </a:r>
-            <a:r>
-              <a:rPr lang="en-GB" sz="2000" dirty="0"/>
-              <a:t>)</a:t>
-            </a:r>
+            <a:endParaRPr lang="en-GB" sz="1000" dirty="0" smtClean="0"/>
           </a:p>
         </p:txBody>
       </p:sp>
@@ -15844,6 +15868,60 @@
           <a:chExt cx="0" cy="0"/>
         </a:xfrm>
       </p:grpSpPr>
+      <p:pic>
+        <p:nvPicPr>
+          <p:cNvPr id="2" name="Picture 1"/>
+          <p:cNvPicPr>
+            <a:picLocks noChangeAspect="1"/>
+          </p:cNvPicPr>
+          <p:nvPr/>
+        </p:nvPicPr>
+        <p:blipFill>
+          <a:blip r:embed="rId2"/>
+          <a:stretch>
+            <a:fillRect/>
+          </a:stretch>
+        </p:blipFill>
+        <p:spPr>
+          <a:xfrm>
+            <a:off x="229411" y="479498"/>
+            <a:ext cx="11049452" cy="4256404"/>
+          </a:xfrm>
+          <a:prstGeom prst="rect">
+            <a:avLst/>
+          </a:prstGeom>
+        </p:spPr>
+      </p:pic>
+      <p:sp>
+        <p:nvSpPr>
+          <p:cNvPr id="3" name="TextBox 2"/>
+          <p:cNvSpPr txBox="1"/>
+          <p:nvPr/>
+        </p:nvSpPr>
+        <p:spPr>
+          <a:xfrm>
+            <a:off x="301925" y="5529532"/>
+            <a:ext cx="3129383" cy="400110"/>
+          </a:xfrm>
+          <a:prstGeom prst="rect">
+            <a:avLst/>
+          </a:prstGeom>
+          <a:noFill/>
+        </p:spPr>
+        <p:txBody>
+          <a:bodyPr wrap="none" rtlCol="0">
+            <a:spAutoFit/>
+          </a:bodyPr>
+          <a:lstStyle/>
+          <a:p>
+            <a:r>
+              <a:rPr lang="en-GB" sz="2000" dirty="0" smtClean="0"/>
+              <a:t>Ctrl R M – Extract Method</a:t>
+            </a:r>
+            <a:endParaRPr lang="en-GB" sz="2000" dirty="0"/>
+          </a:p>
+        </p:txBody>
+      </p:sp>
     </p:spTree>
     <p:extLst>
       <p:ext uri="{BB962C8B-B14F-4D97-AF65-F5344CB8AC3E}">
@@ -15876,7 +15954,1079 @@
 </p:sld>
 </file>
 
+<file path=ppt/slides/slide16.xml><?xml version="1.0" encoding="utf-8"?>
+<p:sld xmlns:a="http://schemas.openxmlformats.org/drawingml/2006/main" xmlns:r="http://schemas.openxmlformats.org/officeDocument/2006/relationships" xmlns:p="http://schemas.openxmlformats.org/presentationml/2006/main">
+  <p:cSld>
+    <p:spTree>
+      <p:nvGrpSpPr>
+        <p:cNvPr id="1" name=""/>
+        <p:cNvGrpSpPr/>
+        <p:nvPr/>
+      </p:nvGrpSpPr>
+      <p:grpSpPr>
+        <a:xfrm>
+          <a:off x="0" y="0"/>
+          <a:ext cx="0" cy="0"/>
+          <a:chOff x="0" y="0"/>
+          <a:chExt cx="0" cy="0"/>
+        </a:xfrm>
+      </p:grpSpPr>
+      <p:pic>
+        <p:nvPicPr>
+          <p:cNvPr id="2" name="Picture 1"/>
+          <p:cNvPicPr>
+            <a:picLocks noChangeAspect="1"/>
+          </p:cNvPicPr>
+          <p:nvPr/>
+        </p:nvPicPr>
+        <p:blipFill>
+          <a:blip r:embed="rId2"/>
+          <a:stretch>
+            <a:fillRect/>
+          </a:stretch>
+        </p:blipFill>
+        <p:spPr>
+          <a:xfrm>
+            <a:off x="175409" y="426874"/>
+            <a:ext cx="11492590" cy="5828152"/>
+          </a:xfrm>
+          <a:prstGeom prst="rect">
+            <a:avLst/>
+          </a:prstGeom>
+        </p:spPr>
+      </p:pic>
+    </p:spTree>
+    <p:extLst>
+      <p:ext uri="{BB962C8B-B14F-4D97-AF65-F5344CB8AC3E}">
+        <p14:creationId xmlns:p14="http://schemas.microsoft.com/office/powerpoint/2010/main" val="1034566484"/>
+      </p:ext>
+    </p:extLst>
+  </p:cSld>
+  <p:clrMapOvr>
+    <a:masterClrMapping/>
+  </p:clrMapOvr>
+  <mc:AlternateContent xmlns:mc="http://schemas.openxmlformats.org/markup-compatibility/2006" xmlns:p14="http://schemas.microsoft.com/office/powerpoint/2010/main">
+    <mc:Choice Requires="p14">
+      <p:transition spd="med" p14:dur="700">
+        <p:fade/>
+      </p:transition>
+    </mc:Choice>
+    <mc:Fallback xmlns="">
+      <p:transition spd="med">
+        <p:fade/>
+      </p:transition>
+    </mc:Fallback>
+  </mc:AlternateContent>
+  <p:timing>
+    <p:tnLst>
+      <p:par>
+        <p:cTn id="1" dur="indefinite" restart="never" nodeType="tmRoot"/>
+      </p:par>
+    </p:tnLst>
+  </p:timing>
+</p:sld>
+</file>
+
+<file path=ppt/slides/slide17.xml><?xml version="1.0" encoding="utf-8"?>
+<p:sld xmlns:a="http://schemas.openxmlformats.org/drawingml/2006/main" xmlns:r="http://schemas.openxmlformats.org/officeDocument/2006/relationships" xmlns:p="http://schemas.openxmlformats.org/presentationml/2006/main">
+  <p:cSld>
+    <p:spTree>
+      <p:nvGrpSpPr>
+        <p:cNvPr id="1" name=""/>
+        <p:cNvGrpSpPr/>
+        <p:nvPr/>
+      </p:nvGrpSpPr>
+      <p:grpSpPr>
+        <a:xfrm>
+          <a:off x="0" y="0"/>
+          <a:ext cx="0" cy="0"/>
+          <a:chOff x="0" y="0"/>
+          <a:chExt cx="0" cy="0"/>
+        </a:xfrm>
+      </p:grpSpPr>
+      <p:pic>
+        <p:nvPicPr>
+          <p:cNvPr id="2" name="Picture 1"/>
+          <p:cNvPicPr>
+            <a:picLocks noChangeAspect="1"/>
+          </p:cNvPicPr>
+          <p:nvPr/>
+        </p:nvPicPr>
+        <p:blipFill>
+          <a:blip r:embed="rId2"/>
+          <a:stretch>
+            <a:fillRect/>
+          </a:stretch>
+        </p:blipFill>
+        <p:spPr>
+          <a:xfrm>
+            <a:off x="261638" y="195659"/>
+            <a:ext cx="6044271" cy="3091082"/>
+          </a:xfrm>
+          <a:prstGeom prst="rect">
+            <a:avLst/>
+          </a:prstGeom>
+        </p:spPr>
+      </p:pic>
+      <p:pic>
+        <p:nvPicPr>
+          <p:cNvPr id="3" name="Picture 2"/>
+          <p:cNvPicPr>
+            <a:picLocks noChangeAspect="1"/>
+          </p:cNvPicPr>
+          <p:nvPr/>
+        </p:nvPicPr>
+        <p:blipFill>
+          <a:blip r:embed="rId3"/>
+          <a:stretch>
+            <a:fillRect/>
+          </a:stretch>
+        </p:blipFill>
+        <p:spPr>
+          <a:xfrm>
+            <a:off x="426757" y="3744559"/>
+            <a:ext cx="5358382" cy="2923660"/>
+          </a:xfrm>
+          <a:prstGeom prst="rect">
+            <a:avLst/>
+          </a:prstGeom>
+        </p:spPr>
+      </p:pic>
+    </p:spTree>
+    <p:extLst>
+      <p:ext uri="{BB962C8B-B14F-4D97-AF65-F5344CB8AC3E}">
+        <p14:creationId xmlns:p14="http://schemas.microsoft.com/office/powerpoint/2010/main" val="3975046032"/>
+      </p:ext>
+    </p:extLst>
+  </p:cSld>
+  <p:clrMapOvr>
+    <a:masterClrMapping/>
+  </p:clrMapOvr>
+  <mc:AlternateContent xmlns:mc="http://schemas.openxmlformats.org/markup-compatibility/2006" xmlns:p14="http://schemas.microsoft.com/office/powerpoint/2010/main">
+    <mc:Choice Requires="p14">
+      <p:transition spd="med" p14:dur="700">
+        <p:fade/>
+      </p:transition>
+    </mc:Choice>
+    <mc:Fallback xmlns="">
+      <p:transition spd="med">
+        <p:fade/>
+      </p:transition>
+    </mc:Fallback>
+  </mc:AlternateContent>
+  <p:timing>
+    <p:tnLst>
+      <p:par>
+        <p:cTn id="1" dur="indefinite" restart="never" nodeType="tmRoot">
+          <p:childTnLst>
+            <p:seq concurrent="1" nextAc="seek">
+              <p:cTn id="2" dur="indefinite" nodeType="mainSeq">
+                <p:childTnLst>
+                  <p:par>
+                    <p:cTn id="3" fill="hold">
+                      <p:stCondLst>
+                        <p:cond delay="indefinite"/>
+                      </p:stCondLst>
+                      <p:childTnLst>
+                        <p:par>
+                          <p:cTn id="4" fill="hold">
+                            <p:stCondLst>
+                              <p:cond delay="0"/>
+                            </p:stCondLst>
+                            <p:childTnLst>
+                              <p:par>
+                                <p:cTn id="5" presetID="1" presetClass="entr" presetSubtype="0" fill="hold" nodeType="clickEffect">
+                                  <p:stCondLst>
+                                    <p:cond delay="0"/>
+                                  </p:stCondLst>
+                                  <p:childTnLst>
+                                    <p:set>
+                                      <p:cBhvr>
+                                        <p:cTn id="6" dur="1" fill="hold">
+                                          <p:stCondLst>
+                                            <p:cond delay="0"/>
+                                          </p:stCondLst>
+                                        </p:cTn>
+                                        <p:tgtEl>
+                                          <p:spTgt spid="3"/>
+                                        </p:tgtEl>
+                                        <p:attrNameLst>
+                                          <p:attrName>style.visibility</p:attrName>
+                                        </p:attrNameLst>
+                                      </p:cBhvr>
+                                      <p:to>
+                                        <p:strVal val="visible"/>
+                                      </p:to>
+                                    </p:set>
+                                  </p:childTnLst>
+                                </p:cTn>
+                              </p:par>
+                            </p:childTnLst>
+                          </p:cTn>
+                        </p:par>
+                      </p:childTnLst>
+                    </p:cTn>
+                  </p:par>
+                </p:childTnLst>
+              </p:cTn>
+              <p:prevCondLst>
+                <p:cond evt="onPrev" delay="0">
+                  <p:tgtEl>
+                    <p:sldTgt/>
+                  </p:tgtEl>
+                </p:cond>
+              </p:prevCondLst>
+              <p:nextCondLst>
+                <p:cond evt="onNext" delay="0">
+                  <p:tgtEl>
+                    <p:sldTgt/>
+                  </p:tgtEl>
+                </p:cond>
+              </p:nextCondLst>
+            </p:seq>
+          </p:childTnLst>
+        </p:cTn>
+      </p:par>
+    </p:tnLst>
+  </p:timing>
+</p:sld>
+</file>
+
+<file path=ppt/slides/slide18.xml><?xml version="1.0" encoding="utf-8"?>
+<p:sld xmlns:a="http://schemas.openxmlformats.org/drawingml/2006/main" xmlns:r="http://schemas.openxmlformats.org/officeDocument/2006/relationships" xmlns:p="http://schemas.openxmlformats.org/presentationml/2006/main">
+  <p:cSld>
+    <p:spTree>
+      <p:nvGrpSpPr>
+        <p:cNvPr id="1" name=""/>
+        <p:cNvGrpSpPr/>
+        <p:nvPr/>
+      </p:nvGrpSpPr>
+      <p:grpSpPr>
+        <a:xfrm>
+          <a:off x="0" y="0"/>
+          <a:ext cx="0" cy="0"/>
+          <a:chOff x="0" y="0"/>
+          <a:chExt cx="0" cy="0"/>
+        </a:xfrm>
+      </p:grpSpPr>
+      <p:pic>
+        <p:nvPicPr>
+          <p:cNvPr id="2" name="Picture 1"/>
+          <p:cNvPicPr>
+            <a:picLocks noChangeAspect="1"/>
+          </p:cNvPicPr>
+          <p:nvPr/>
+        </p:nvPicPr>
+        <p:blipFill>
+          <a:blip r:embed="rId2"/>
+          <a:stretch>
+            <a:fillRect/>
+          </a:stretch>
+        </p:blipFill>
+        <p:spPr>
+          <a:xfrm>
+            <a:off x="375057" y="134170"/>
+            <a:ext cx="5542663" cy="3287373"/>
+          </a:xfrm>
+          <a:prstGeom prst="rect">
+            <a:avLst/>
+          </a:prstGeom>
+        </p:spPr>
+      </p:pic>
+      <p:pic>
+        <p:nvPicPr>
+          <p:cNvPr id="3" name="Picture 2"/>
+          <p:cNvPicPr>
+            <a:picLocks noChangeAspect="1"/>
+          </p:cNvPicPr>
+          <p:nvPr/>
+        </p:nvPicPr>
+        <p:blipFill>
+          <a:blip r:embed="rId3"/>
+          <a:stretch>
+            <a:fillRect/>
+          </a:stretch>
+        </p:blipFill>
+        <p:spPr>
+          <a:xfrm>
+            <a:off x="375058" y="5589944"/>
+            <a:ext cx="10295818" cy="999677"/>
+          </a:xfrm>
+          <a:prstGeom prst="rect">
+            <a:avLst/>
+          </a:prstGeom>
+        </p:spPr>
+      </p:pic>
+      <p:pic>
+        <p:nvPicPr>
+          <p:cNvPr id="4" name="Picture 3"/>
+          <p:cNvPicPr>
+            <a:picLocks noChangeAspect="1"/>
+          </p:cNvPicPr>
+          <p:nvPr/>
+        </p:nvPicPr>
+        <p:blipFill>
+          <a:blip r:embed="rId4"/>
+          <a:stretch>
+            <a:fillRect/>
+          </a:stretch>
+        </p:blipFill>
+        <p:spPr>
+          <a:xfrm>
+            <a:off x="375057" y="3590192"/>
+            <a:ext cx="4965395" cy="1922088"/>
+          </a:xfrm>
+          <a:prstGeom prst="rect">
+            <a:avLst/>
+          </a:prstGeom>
+        </p:spPr>
+      </p:pic>
+      <p:pic>
+        <p:nvPicPr>
+          <p:cNvPr id="5" name="Picture 4"/>
+          <p:cNvPicPr>
+            <a:picLocks noChangeAspect="1"/>
+          </p:cNvPicPr>
+          <p:nvPr/>
+        </p:nvPicPr>
+        <p:blipFill>
+          <a:blip r:embed="rId5"/>
+          <a:stretch>
+            <a:fillRect/>
+          </a:stretch>
+        </p:blipFill>
+        <p:spPr>
+          <a:xfrm>
+            <a:off x="6953615" y="134169"/>
+            <a:ext cx="4802420" cy="1539355"/>
+          </a:xfrm>
+          <a:prstGeom prst="rect">
+            <a:avLst/>
+          </a:prstGeom>
+        </p:spPr>
+      </p:pic>
+    </p:spTree>
+    <p:extLst>
+      <p:ext uri="{BB962C8B-B14F-4D97-AF65-F5344CB8AC3E}">
+        <p14:creationId xmlns:p14="http://schemas.microsoft.com/office/powerpoint/2010/main" val="3977094349"/>
+      </p:ext>
+    </p:extLst>
+  </p:cSld>
+  <p:clrMapOvr>
+    <a:masterClrMapping/>
+  </p:clrMapOvr>
+  <mc:AlternateContent xmlns:mc="http://schemas.openxmlformats.org/markup-compatibility/2006" xmlns:p14="http://schemas.microsoft.com/office/powerpoint/2010/main">
+    <mc:Choice Requires="p14">
+      <p:transition spd="med" p14:dur="700">
+        <p:fade/>
+      </p:transition>
+    </mc:Choice>
+    <mc:Fallback xmlns="">
+      <p:transition spd="med">
+        <p:fade/>
+      </p:transition>
+    </mc:Fallback>
+  </mc:AlternateContent>
+  <p:timing>
+    <p:tnLst>
+      <p:par>
+        <p:cTn id="1" dur="indefinite" restart="never" nodeType="tmRoot">
+          <p:childTnLst>
+            <p:seq concurrent="1" nextAc="seek">
+              <p:cTn id="2" dur="indefinite" nodeType="mainSeq">
+                <p:childTnLst>
+                  <p:par>
+                    <p:cTn id="3" fill="hold">
+                      <p:stCondLst>
+                        <p:cond delay="indefinite"/>
+                      </p:stCondLst>
+                      <p:childTnLst>
+                        <p:par>
+                          <p:cTn id="4" fill="hold">
+                            <p:stCondLst>
+                              <p:cond delay="0"/>
+                            </p:stCondLst>
+                            <p:childTnLst>
+                              <p:par>
+                                <p:cTn id="5" presetID="1" presetClass="entr" presetSubtype="0" fill="hold" nodeType="clickEffect">
+                                  <p:stCondLst>
+                                    <p:cond delay="0"/>
+                                  </p:stCondLst>
+                                  <p:childTnLst>
+                                    <p:set>
+                                      <p:cBhvr>
+                                        <p:cTn id="6" dur="1" fill="hold">
+                                          <p:stCondLst>
+                                            <p:cond delay="0"/>
+                                          </p:stCondLst>
+                                        </p:cTn>
+                                        <p:tgtEl>
+                                          <p:spTgt spid="5"/>
+                                        </p:tgtEl>
+                                        <p:attrNameLst>
+                                          <p:attrName>style.visibility</p:attrName>
+                                        </p:attrNameLst>
+                                      </p:cBhvr>
+                                      <p:to>
+                                        <p:strVal val="visible"/>
+                                      </p:to>
+                                    </p:set>
+                                  </p:childTnLst>
+                                </p:cTn>
+                              </p:par>
+                            </p:childTnLst>
+                          </p:cTn>
+                        </p:par>
+                      </p:childTnLst>
+                    </p:cTn>
+                  </p:par>
+                  <p:par>
+                    <p:cTn id="7" fill="hold">
+                      <p:stCondLst>
+                        <p:cond delay="indefinite"/>
+                      </p:stCondLst>
+                      <p:childTnLst>
+                        <p:par>
+                          <p:cTn id="8" fill="hold">
+                            <p:stCondLst>
+                              <p:cond delay="0"/>
+                            </p:stCondLst>
+                            <p:childTnLst>
+                              <p:par>
+                                <p:cTn id="9" presetID="1" presetClass="entr" presetSubtype="0" fill="hold" nodeType="clickEffect">
+                                  <p:stCondLst>
+                                    <p:cond delay="0"/>
+                                  </p:stCondLst>
+                                  <p:childTnLst>
+                                    <p:set>
+                                      <p:cBhvr>
+                                        <p:cTn id="10" dur="1" fill="hold">
+                                          <p:stCondLst>
+                                            <p:cond delay="0"/>
+                                          </p:stCondLst>
+                                        </p:cTn>
+                                        <p:tgtEl>
+                                          <p:spTgt spid="4"/>
+                                        </p:tgtEl>
+                                        <p:attrNameLst>
+                                          <p:attrName>style.visibility</p:attrName>
+                                        </p:attrNameLst>
+                                      </p:cBhvr>
+                                      <p:to>
+                                        <p:strVal val="visible"/>
+                                      </p:to>
+                                    </p:set>
+                                  </p:childTnLst>
+                                </p:cTn>
+                              </p:par>
+                            </p:childTnLst>
+                          </p:cTn>
+                        </p:par>
+                      </p:childTnLst>
+                    </p:cTn>
+                  </p:par>
+                  <p:par>
+                    <p:cTn id="11" fill="hold">
+                      <p:stCondLst>
+                        <p:cond delay="indefinite"/>
+                      </p:stCondLst>
+                      <p:childTnLst>
+                        <p:par>
+                          <p:cTn id="12" fill="hold">
+                            <p:stCondLst>
+                              <p:cond delay="0"/>
+                            </p:stCondLst>
+                            <p:childTnLst>
+                              <p:par>
+                                <p:cTn id="13" presetID="1" presetClass="entr" presetSubtype="0" fill="hold" nodeType="clickEffect">
+                                  <p:stCondLst>
+                                    <p:cond delay="0"/>
+                                  </p:stCondLst>
+                                  <p:childTnLst>
+                                    <p:set>
+                                      <p:cBhvr>
+                                        <p:cTn id="14" dur="1" fill="hold">
+                                          <p:stCondLst>
+                                            <p:cond delay="0"/>
+                                          </p:stCondLst>
+                                        </p:cTn>
+                                        <p:tgtEl>
+                                          <p:spTgt spid="3"/>
+                                        </p:tgtEl>
+                                        <p:attrNameLst>
+                                          <p:attrName>style.visibility</p:attrName>
+                                        </p:attrNameLst>
+                                      </p:cBhvr>
+                                      <p:to>
+                                        <p:strVal val="visible"/>
+                                      </p:to>
+                                    </p:set>
+                                  </p:childTnLst>
+                                </p:cTn>
+                              </p:par>
+                            </p:childTnLst>
+                          </p:cTn>
+                        </p:par>
+                      </p:childTnLst>
+                    </p:cTn>
+                  </p:par>
+                </p:childTnLst>
+              </p:cTn>
+              <p:prevCondLst>
+                <p:cond evt="onPrev" delay="0">
+                  <p:tgtEl>
+                    <p:sldTgt/>
+                  </p:tgtEl>
+                </p:cond>
+              </p:prevCondLst>
+              <p:nextCondLst>
+                <p:cond evt="onNext" delay="0">
+                  <p:tgtEl>
+                    <p:sldTgt/>
+                  </p:tgtEl>
+                </p:cond>
+              </p:nextCondLst>
+            </p:seq>
+          </p:childTnLst>
+        </p:cTn>
+      </p:par>
+    </p:tnLst>
+  </p:timing>
+</p:sld>
+</file>
+
+<file path=ppt/slides/slide19.xml><?xml version="1.0" encoding="utf-8"?>
+<p:sld xmlns:a="http://schemas.openxmlformats.org/drawingml/2006/main" xmlns:r="http://schemas.openxmlformats.org/officeDocument/2006/relationships" xmlns:p="http://schemas.openxmlformats.org/presentationml/2006/main">
+  <p:cSld>
+    <p:spTree>
+      <p:nvGrpSpPr>
+        <p:cNvPr id="1" name=""/>
+        <p:cNvGrpSpPr/>
+        <p:nvPr/>
+      </p:nvGrpSpPr>
+      <p:grpSpPr>
+        <a:xfrm>
+          <a:off x="0" y="0"/>
+          <a:ext cx="0" cy="0"/>
+          <a:chOff x="0" y="0"/>
+          <a:chExt cx="0" cy="0"/>
+        </a:xfrm>
+      </p:grpSpPr>
+      <p:pic>
+        <p:nvPicPr>
+          <p:cNvPr id="2" name="Picture 1"/>
+          <p:cNvPicPr>
+            <a:picLocks noChangeAspect="1"/>
+          </p:cNvPicPr>
+          <p:nvPr/>
+        </p:nvPicPr>
+        <p:blipFill>
+          <a:blip r:embed="rId2"/>
+          <a:stretch>
+            <a:fillRect/>
+          </a:stretch>
+        </p:blipFill>
+        <p:spPr>
+          <a:xfrm>
+            <a:off x="221576" y="155501"/>
+            <a:ext cx="10769175" cy="4166331"/>
+          </a:xfrm>
+          <a:prstGeom prst="rect">
+            <a:avLst/>
+          </a:prstGeom>
+        </p:spPr>
+      </p:pic>
+      <p:pic>
+        <p:nvPicPr>
+          <p:cNvPr id="3" name="Picture 2"/>
+          <p:cNvPicPr>
+            <a:picLocks noChangeAspect="1"/>
+          </p:cNvPicPr>
+          <p:nvPr/>
+        </p:nvPicPr>
+        <p:blipFill>
+          <a:blip r:embed="rId3"/>
+          <a:stretch>
+            <a:fillRect/>
+          </a:stretch>
+        </p:blipFill>
+        <p:spPr>
+          <a:xfrm>
+            <a:off x="221576" y="4444206"/>
+            <a:ext cx="5901360" cy="2284397"/>
+          </a:xfrm>
+          <a:prstGeom prst="rect">
+            <a:avLst/>
+          </a:prstGeom>
+        </p:spPr>
+      </p:pic>
+    </p:spTree>
+    <p:extLst>
+      <p:ext uri="{BB962C8B-B14F-4D97-AF65-F5344CB8AC3E}">
+        <p14:creationId xmlns:p14="http://schemas.microsoft.com/office/powerpoint/2010/main" val="3623693143"/>
+      </p:ext>
+    </p:extLst>
+  </p:cSld>
+  <p:clrMapOvr>
+    <a:masterClrMapping/>
+  </p:clrMapOvr>
+  <mc:AlternateContent xmlns:mc="http://schemas.openxmlformats.org/markup-compatibility/2006" xmlns:p14="http://schemas.microsoft.com/office/powerpoint/2010/main">
+    <mc:Choice Requires="p14">
+      <p:transition spd="med" p14:dur="700">
+        <p:fade/>
+      </p:transition>
+    </mc:Choice>
+    <mc:Fallback xmlns="">
+      <p:transition spd="med">
+        <p:fade/>
+      </p:transition>
+    </mc:Fallback>
+  </mc:AlternateContent>
+  <p:timing>
+    <p:tnLst>
+      <p:par>
+        <p:cTn id="1" dur="indefinite" restart="never" nodeType="tmRoot">
+          <p:childTnLst>
+            <p:seq concurrent="1" nextAc="seek">
+              <p:cTn id="2" dur="indefinite" nodeType="mainSeq">
+                <p:childTnLst>
+                  <p:par>
+                    <p:cTn id="3" fill="hold">
+                      <p:stCondLst>
+                        <p:cond delay="indefinite"/>
+                      </p:stCondLst>
+                      <p:childTnLst>
+                        <p:par>
+                          <p:cTn id="4" fill="hold">
+                            <p:stCondLst>
+                              <p:cond delay="0"/>
+                            </p:stCondLst>
+                            <p:childTnLst>
+                              <p:par>
+                                <p:cTn id="5" presetID="1" presetClass="entr" presetSubtype="0" fill="hold" nodeType="clickEffect">
+                                  <p:stCondLst>
+                                    <p:cond delay="0"/>
+                                  </p:stCondLst>
+                                  <p:childTnLst>
+                                    <p:set>
+                                      <p:cBhvr>
+                                        <p:cTn id="6" dur="1" fill="hold">
+                                          <p:stCondLst>
+                                            <p:cond delay="0"/>
+                                          </p:stCondLst>
+                                        </p:cTn>
+                                        <p:tgtEl>
+                                          <p:spTgt spid="3"/>
+                                        </p:tgtEl>
+                                        <p:attrNameLst>
+                                          <p:attrName>style.visibility</p:attrName>
+                                        </p:attrNameLst>
+                                      </p:cBhvr>
+                                      <p:to>
+                                        <p:strVal val="visible"/>
+                                      </p:to>
+                                    </p:set>
+                                  </p:childTnLst>
+                                </p:cTn>
+                              </p:par>
+                            </p:childTnLst>
+                          </p:cTn>
+                        </p:par>
+                      </p:childTnLst>
+                    </p:cTn>
+                  </p:par>
+                </p:childTnLst>
+              </p:cTn>
+              <p:prevCondLst>
+                <p:cond evt="onPrev" delay="0">
+                  <p:tgtEl>
+                    <p:sldTgt/>
+                  </p:tgtEl>
+                </p:cond>
+              </p:prevCondLst>
+              <p:nextCondLst>
+                <p:cond evt="onNext" delay="0">
+                  <p:tgtEl>
+                    <p:sldTgt/>
+                  </p:tgtEl>
+                </p:cond>
+              </p:nextCondLst>
+            </p:seq>
+          </p:childTnLst>
+        </p:cTn>
+      </p:par>
+    </p:tnLst>
+  </p:timing>
+</p:sld>
+</file>
+
 <file path=ppt/slides/slide2.xml><?xml version="1.0" encoding="utf-8"?>
+<p:sld xmlns:a="http://schemas.openxmlformats.org/drawingml/2006/main" xmlns:r="http://schemas.openxmlformats.org/officeDocument/2006/relationships" xmlns:p="http://schemas.openxmlformats.org/presentationml/2006/main">
+  <p:cSld>
+    <p:spTree>
+      <p:nvGrpSpPr>
+        <p:cNvPr id="1" name=""/>
+        <p:cNvGrpSpPr/>
+        <p:nvPr/>
+      </p:nvGrpSpPr>
+      <p:grpSpPr>
+        <a:xfrm>
+          <a:off x="0" y="0"/>
+          <a:ext cx="0" cy="0"/>
+          <a:chOff x="0" y="0"/>
+          <a:chExt cx="0" cy="0"/>
+        </a:xfrm>
+      </p:grpSpPr>
+      <p:sp>
+        <p:nvSpPr>
+          <p:cNvPr id="2" name="Title 1"/>
+          <p:cNvSpPr>
+            <a:spLocks noGrp="1"/>
+          </p:cNvSpPr>
+          <p:nvPr>
+            <p:ph type="title"/>
+          </p:nvPr>
+        </p:nvSpPr>
+        <p:spPr>
+          <a:xfrm>
+            <a:off x="639793" y="2725946"/>
+            <a:ext cx="3483634" cy="3476446"/>
+          </a:xfrm>
+        </p:spPr>
+        <p:txBody>
+          <a:bodyPr>
+            <a:normAutofit fontScale="90000"/>
+          </a:bodyPr>
+          <a:lstStyle/>
+          <a:p>
+            <a:r>
+              <a:rPr lang="en-GB" sz="4000" dirty="0" smtClean="0"/>
+              <a:t>My practical </a:t>
+            </a:r>
+            <a:br>
+              <a:rPr lang="en-GB" sz="4000" dirty="0" smtClean="0"/>
+            </a:br>
+            <a:r>
+              <a:rPr lang="en-GB" sz="4000" dirty="0" smtClean="0"/>
+              <a:t>guide </a:t>
+            </a:r>
+            <a:r>
+              <a:rPr lang="en-GB" sz="4000" dirty="0" smtClean="0"/>
+              <a:t>(9 months)</a:t>
+            </a:r>
+            <a:r>
+              <a:rPr lang="en-GB" sz="4000" dirty="0" smtClean="0"/>
+              <a:t/>
+            </a:r>
+            <a:br>
+              <a:rPr lang="en-GB" sz="4000" dirty="0" smtClean="0"/>
+            </a:br>
+            <a:r>
+              <a:rPr lang="en-GB" sz="4000" dirty="0" smtClean="0"/>
+              <a:t/>
+            </a:r>
+            <a:br>
+              <a:rPr lang="en-GB" sz="4000" dirty="0" smtClean="0"/>
+            </a:br>
+            <a:r>
+              <a:rPr lang="en-GB" sz="4000" dirty="0" smtClean="0"/>
+              <a:t>http://</a:t>
+            </a:r>
+            <a:br>
+              <a:rPr lang="en-GB" sz="4000" dirty="0" smtClean="0"/>
+            </a:br>
+            <a:r>
+              <a:rPr lang="en-GB" sz="4000" dirty="0" smtClean="0"/>
+              <a:t>refactoring</a:t>
+            </a:r>
+            <a:br>
+              <a:rPr lang="en-GB" sz="4000" dirty="0" smtClean="0"/>
+            </a:br>
+            <a:r>
+              <a:rPr lang="en-GB" sz="4000" dirty="0" smtClean="0"/>
+              <a:t>.azurewebsites.net</a:t>
+            </a:r>
+            <a:br>
+              <a:rPr lang="en-GB" sz="4000" dirty="0" smtClean="0"/>
+            </a:br>
+            <a:r>
+              <a:rPr lang="en-GB" sz="4000" dirty="0"/>
+              <a:t/>
+            </a:r>
+            <a:br>
+              <a:rPr lang="en-GB" sz="4000" dirty="0"/>
+            </a:br>
+            <a:r>
+              <a:rPr lang="en-GB" sz="4000" dirty="0" smtClean="0"/>
+              <a:t>tonight.. The good bits</a:t>
+            </a:r>
+            <a:endParaRPr lang="en-GB" sz="4000" dirty="0"/>
+          </a:p>
+        </p:txBody>
+      </p:sp>
+      <p:pic>
+        <p:nvPicPr>
+          <p:cNvPr id="4" name="Content Placeholder 3"/>
+          <p:cNvPicPr>
+            <a:picLocks noGrp="1" noChangeAspect="1"/>
+          </p:cNvPicPr>
+          <p:nvPr>
+            <p:ph idx="1"/>
+          </p:nvPr>
+        </p:nvPicPr>
+        <p:blipFill>
+          <a:blip r:embed="rId2"/>
+          <a:stretch>
+            <a:fillRect/>
+          </a:stretch>
+        </p:blipFill>
+        <p:spPr>
+          <a:xfrm>
+            <a:off x="5558287" y="0"/>
+            <a:ext cx="6633713" cy="6814558"/>
+          </a:xfrm>
+          <a:prstGeom prst="rect">
+            <a:avLst/>
+          </a:prstGeom>
+        </p:spPr>
+      </p:pic>
+    </p:spTree>
+    <p:extLst>
+      <p:ext uri="{BB962C8B-B14F-4D97-AF65-F5344CB8AC3E}">
+        <p14:creationId xmlns:p14="http://schemas.microsoft.com/office/powerpoint/2010/main" val="3530497725"/>
+      </p:ext>
+    </p:extLst>
+  </p:cSld>
+  <p:clrMapOvr>
+    <a:masterClrMapping/>
+  </p:clrMapOvr>
+  <mc:AlternateContent xmlns:mc="http://schemas.openxmlformats.org/markup-compatibility/2006" xmlns:p14="http://schemas.microsoft.com/office/powerpoint/2010/main">
+    <mc:Choice Requires="p14">
+      <p:transition spd="med" p14:dur="700">
+        <p:fade/>
+      </p:transition>
+    </mc:Choice>
+    <mc:Fallback xmlns="">
+      <p:transition spd="med">
+        <p:fade/>
+      </p:transition>
+    </mc:Fallback>
+  </mc:AlternateContent>
+  <p:timing>
+    <p:tnLst>
+      <p:par>
+        <p:cTn id="1" dur="indefinite" restart="never" nodeType="tmRoot"/>
+      </p:par>
+    </p:tnLst>
+  </p:timing>
+</p:sld>
+</file>
+
+<file path=ppt/slides/slide20.xml><?xml version="1.0" encoding="utf-8"?>
+<p:sld xmlns:a="http://schemas.openxmlformats.org/drawingml/2006/main" xmlns:r="http://schemas.openxmlformats.org/officeDocument/2006/relationships" xmlns:p="http://schemas.openxmlformats.org/presentationml/2006/main">
+  <p:cSld>
+    <p:spTree>
+      <p:nvGrpSpPr>
+        <p:cNvPr id="1" name=""/>
+        <p:cNvGrpSpPr/>
+        <p:nvPr/>
+      </p:nvGrpSpPr>
+      <p:grpSpPr>
+        <a:xfrm>
+          <a:off x="0" y="0"/>
+          <a:ext cx="0" cy="0"/>
+          <a:chOff x="0" y="0"/>
+          <a:chExt cx="0" cy="0"/>
+        </a:xfrm>
+      </p:grpSpPr>
+      <p:sp>
+        <p:nvSpPr>
+          <p:cNvPr id="4" name="Title 3"/>
+          <p:cNvSpPr>
+            <a:spLocks noGrp="1"/>
+          </p:cNvSpPr>
+          <p:nvPr>
+            <p:ph type="title"/>
+          </p:nvPr>
+        </p:nvSpPr>
+        <p:spPr>
+          <a:xfrm>
+            <a:off x="763095" y="255001"/>
+            <a:ext cx="9361566" cy="1142385"/>
+          </a:xfrm>
+        </p:spPr>
+        <p:txBody>
+          <a:bodyPr>
+            <a:normAutofit/>
+          </a:bodyPr>
+          <a:lstStyle/>
+          <a:p>
+            <a:r>
+              <a:rPr lang="en-GB" dirty="0" smtClean="0"/>
+              <a:t>Developer happiness</a:t>
+            </a:r>
+            <a:br>
+              <a:rPr lang="en-GB" dirty="0" smtClean="0"/>
+            </a:br>
+            <a:r>
+              <a:rPr lang="en-GB" dirty="0" smtClean="0"/>
+              <a:t>and testability</a:t>
+            </a:r>
+            <a:endParaRPr lang="en-GB" dirty="0"/>
+          </a:p>
+        </p:txBody>
+      </p:sp>
+      <p:sp>
+        <p:nvSpPr>
+          <p:cNvPr id="8" name="TextBox 7"/>
+          <p:cNvSpPr txBox="1"/>
+          <p:nvPr/>
+        </p:nvSpPr>
+        <p:spPr>
+          <a:xfrm>
+            <a:off x="763095" y="1725282"/>
+            <a:ext cx="4850305" cy="2585323"/>
+          </a:xfrm>
+          <a:prstGeom prst="rect">
+            <a:avLst/>
+          </a:prstGeom>
+          <a:noFill/>
+        </p:spPr>
+        <p:txBody>
+          <a:bodyPr wrap="square" rtlCol="0">
+            <a:spAutoFit/>
+          </a:bodyPr>
+          <a:lstStyle/>
+          <a:p>
+            <a:r>
+              <a:rPr lang="en-GB" dirty="0" smtClean="0"/>
+              <a:t>1.Rename things</a:t>
+            </a:r>
+          </a:p>
+          <a:p>
+            <a:r>
+              <a:rPr lang="en-GB" dirty="0" smtClean="0"/>
+              <a:t>2.Kill zombies (nearly dead) </a:t>
+            </a:r>
+          </a:p>
+          <a:p>
+            <a:r>
+              <a:rPr lang="en-GB" dirty="0" smtClean="0"/>
+              <a:t>3.Favour short local names </a:t>
+            </a:r>
+            <a:r>
+              <a:rPr lang="en-GB" dirty="0" err="1" smtClean="0"/>
+              <a:t>eg</a:t>
+            </a:r>
+            <a:r>
+              <a:rPr lang="en-GB" dirty="0" smtClean="0"/>
+              <a:t> I</a:t>
+            </a:r>
+          </a:p>
+          <a:p>
+            <a:r>
+              <a:rPr lang="en-GB" dirty="0" smtClean="0"/>
+              <a:t>4.Minimise comments</a:t>
+            </a:r>
+          </a:p>
+          <a:p>
+            <a:r>
+              <a:rPr lang="en-GB" dirty="0" smtClean="0"/>
+              <a:t>5.Encapsulate complexity</a:t>
+            </a:r>
+          </a:p>
+          <a:p>
+            <a:endParaRPr lang="en-GB" dirty="0"/>
+          </a:p>
+          <a:p>
+            <a:endParaRPr lang="en-GB" dirty="0" smtClean="0"/>
+          </a:p>
+          <a:p>
+            <a:endParaRPr lang="en-GB" dirty="0"/>
+          </a:p>
+          <a:p>
+            <a:r>
+              <a:rPr lang="en-GB" dirty="0" smtClean="0"/>
+              <a:t>KISS!</a:t>
+            </a:r>
+            <a:endParaRPr lang="en-GB" dirty="0"/>
+          </a:p>
+        </p:txBody>
+      </p:sp>
+      <p:pic>
+        <p:nvPicPr>
+          <p:cNvPr id="9" name="Picture 2" descr="WTFs/m."/>
+          <p:cNvPicPr>
+            <a:picLocks noChangeAspect="1" noChangeArrowheads="1"/>
+          </p:cNvPicPr>
+          <p:nvPr/>
+        </p:nvPicPr>
+        <p:blipFill>
+          <a:blip r:embed="rId2">
+            <a:extLst>
+              <a:ext uri="{28A0092B-C50C-407E-A947-70E740481C1C}">
+                <a14:useLocalDpi xmlns:a14="http://schemas.microsoft.com/office/drawing/2010/main" val="0"/>
+              </a:ext>
+            </a:extLst>
+          </a:blip>
+          <a:srcRect/>
+          <a:stretch>
+            <a:fillRect/>
+          </a:stretch>
+        </p:blipFill>
+        <p:spPr bwMode="auto">
+          <a:xfrm>
+            <a:off x="5744193" y="30371"/>
+            <a:ext cx="6341415" cy="5973614"/>
+          </a:xfrm>
+          <a:prstGeom prst="rect">
+            <a:avLst/>
+          </a:prstGeom>
+          <a:noFill/>
+          <a:extLst>
+            <a:ext uri="{909E8E84-426E-40DD-AFC4-6F175D3DCCD1}">
+              <a14:hiddenFill xmlns:a14="http://schemas.microsoft.com/office/drawing/2010/main">
+                <a:solidFill>
+                  <a:srgbClr val="FFFFFF"/>
+                </a:solidFill>
+              </a14:hiddenFill>
+            </a:ext>
+          </a:extLst>
+        </p:spPr>
+      </p:pic>
+    </p:spTree>
+    <p:extLst>
+      <p:ext uri="{BB962C8B-B14F-4D97-AF65-F5344CB8AC3E}">
+        <p14:creationId xmlns:p14="http://schemas.microsoft.com/office/powerpoint/2010/main" val="3243764467"/>
+      </p:ext>
+    </p:extLst>
+  </p:cSld>
+  <p:clrMapOvr>
+    <a:masterClrMapping/>
+  </p:clrMapOvr>
+  <mc:AlternateContent xmlns:mc="http://schemas.openxmlformats.org/markup-compatibility/2006" xmlns:p14="http://schemas.microsoft.com/office/powerpoint/2010/main">
+    <mc:Choice Requires="p14">
+      <p:transition spd="med" p14:dur="700">
+        <p:fade/>
+      </p:transition>
+    </mc:Choice>
+    <mc:Fallback xmlns="">
+      <p:transition spd="med">
+        <p:fade/>
+      </p:transition>
+    </mc:Fallback>
+  </mc:AlternateContent>
+  <p:timing>
+    <p:tnLst>
+      <p:par>
+        <p:cTn id="1" dur="indefinite" restart="never" nodeType="tmRoot"/>
+      </p:par>
+    </p:tnLst>
+  </p:timing>
+</p:sld>
+</file>
+
+<file path=ppt/slides/slide3.xml><?xml version="1.0" encoding="utf-8"?>
 <p:sld xmlns:a="http://schemas.openxmlformats.org/drawingml/2006/main" xmlns:r="http://schemas.openxmlformats.org/officeDocument/2006/relationships" xmlns:p="http://schemas.openxmlformats.org/presentationml/2006/main">
   <p:cSld>
     <p:spTree>
@@ -16284,7 +17434,7 @@
 </p:sld>
 </file>
 
-<file path=ppt/slides/slide3.xml><?xml version="1.0" encoding="utf-8"?>
+<file path=ppt/slides/slide4.xml><?xml version="1.0" encoding="utf-8"?>
 <p:sld xmlns:a="http://schemas.openxmlformats.org/drawingml/2006/main" xmlns:r="http://schemas.openxmlformats.org/officeDocument/2006/relationships" xmlns:p="http://schemas.openxmlformats.org/presentationml/2006/main">
   <p:cSld>
     <p:spTree>
@@ -16558,118 +17708,6 @@
 </p:sld>
 </file>
 
-<file path=ppt/slides/slide4.xml><?xml version="1.0" encoding="utf-8"?>
-<p:sld xmlns:a="http://schemas.openxmlformats.org/drawingml/2006/main" xmlns:r="http://schemas.openxmlformats.org/officeDocument/2006/relationships" xmlns:p="http://schemas.openxmlformats.org/presentationml/2006/main">
-  <p:cSld>
-    <p:spTree>
-      <p:nvGrpSpPr>
-        <p:cNvPr id="1" name=""/>
-        <p:cNvGrpSpPr/>
-        <p:nvPr/>
-      </p:nvGrpSpPr>
-      <p:grpSpPr>
-        <a:xfrm>
-          <a:off x="0" y="0"/>
-          <a:ext cx="0" cy="0"/>
-          <a:chOff x="0" y="0"/>
-          <a:chExt cx="0" cy="0"/>
-        </a:xfrm>
-      </p:grpSpPr>
-      <p:sp>
-        <p:nvSpPr>
-          <p:cNvPr id="2" name="Title 1"/>
-          <p:cNvSpPr>
-            <a:spLocks noGrp="1"/>
-          </p:cNvSpPr>
-          <p:nvPr>
-            <p:ph type="title"/>
-          </p:nvPr>
-        </p:nvSpPr>
-        <p:spPr>
-          <a:xfrm>
-            <a:off x="346494" y="146648"/>
-            <a:ext cx="3483634" cy="2648310"/>
-          </a:xfrm>
-        </p:spPr>
-        <p:txBody>
-          <a:bodyPr>
-            <a:normAutofit/>
-          </a:bodyPr>
-          <a:lstStyle/>
-          <a:p>
-            <a:r>
-              <a:rPr lang="en-GB" sz="4000" dirty="0" smtClean="0"/>
-              <a:t>My practical </a:t>
-            </a:r>
-            <a:br>
-              <a:rPr lang="en-GB" sz="4000" dirty="0" smtClean="0"/>
-            </a:br>
-            <a:r>
-              <a:rPr lang="en-GB" sz="4000" dirty="0" smtClean="0"/>
-              <a:t>guide </a:t>
-            </a:r>
-            <a:br>
-              <a:rPr lang="en-GB" sz="4000" dirty="0" smtClean="0"/>
-            </a:br>
-            <a:r>
-              <a:rPr lang="en-GB" sz="4000" dirty="0" smtClean="0"/>
-              <a:t>on refactoring</a:t>
-            </a:r>
-            <a:endParaRPr lang="en-GB" sz="4000" dirty="0"/>
-          </a:p>
-        </p:txBody>
-      </p:sp>
-      <p:pic>
-        <p:nvPicPr>
-          <p:cNvPr id="4" name="Content Placeholder 3"/>
-          <p:cNvPicPr>
-            <a:picLocks noGrp="1" noChangeAspect="1"/>
-          </p:cNvPicPr>
-          <p:nvPr>
-            <p:ph idx="1"/>
-          </p:nvPr>
-        </p:nvPicPr>
-        <p:blipFill>
-          <a:blip r:embed="rId2"/>
-          <a:stretch>
-            <a:fillRect/>
-          </a:stretch>
-        </p:blipFill>
-        <p:spPr>
-          <a:xfrm>
-            <a:off x="5558287" y="0"/>
-            <a:ext cx="6633713" cy="6814558"/>
-          </a:xfrm>
-          <a:prstGeom prst="rect">
-            <a:avLst/>
-          </a:prstGeom>
-        </p:spPr>
-      </p:pic>
-    </p:spTree>
-    <p:extLst>
-      <p:ext uri="{BB962C8B-B14F-4D97-AF65-F5344CB8AC3E}">
-        <p14:creationId xmlns:p14="http://schemas.microsoft.com/office/powerpoint/2010/main" val="3530497725"/>
-      </p:ext>
-    </p:extLst>
-  </p:cSld>
-  <p:clrMapOvr>
-    <a:masterClrMapping/>
-  </p:clrMapOvr>
-  <mc:AlternateContent xmlns:mc="http://schemas.openxmlformats.org/markup-compatibility/2006" xmlns:p14="http://schemas.microsoft.com/office/powerpoint/2010/main">
-    <mc:Choice Requires="p14">
-      <p:transition spd="med" p14:dur="700">
-        <p:fade/>
-      </p:transition>
-    </mc:Choice>
-    <mc:Fallback xmlns="">
-      <p:transition spd="med">
-        <p:fade/>
-      </p:transition>
-    </mc:Fallback>
-  </mc:AlternateContent>
-</p:sld>
-</file>
-
 <file path=ppt/slides/slide5.xml><?xml version="1.0" encoding="utf-8"?>
 <p:sld xmlns:a="http://schemas.openxmlformats.org/drawingml/2006/main" xmlns:r="http://schemas.openxmlformats.org/officeDocument/2006/relationships" xmlns:p="http://schemas.openxmlformats.org/presentationml/2006/main">
   <p:cSld>
@@ -16709,7 +17747,11 @@
           <a:p>
             <a:r>
               <a:rPr lang="en-GB" dirty="0" smtClean="0"/>
-              <a:t>1. Naming</a:t>
+              <a:t>1. </a:t>
+            </a:r>
+            <a:r>
+              <a:rPr lang="en-GB" dirty="0" smtClean="0"/>
+              <a:t>Names</a:t>
             </a:r>
             <a:endParaRPr lang="en-GB" dirty="0"/>
           </a:p>
@@ -16728,7 +17770,7 @@
         <p:spPr>
           <a:xfrm>
             <a:off x="1295400" y="1981201"/>
-            <a:ext cx="6223000" cy="3809999"/>
+            <a:ext cx="5346940" cy="3809999"/>
           </a:xfrm>
         </p:spPr>
         <p:txBody>
@@ -16758,7 +17800,11 @@
           <a:p>
             <a:r>
               <a:rPr lang="en-GB" dirty="0" smtClean="0"/>
-              <a:t>Adding meaning to code is what readability is about</a:t>
+              <a:t>Adding meaning to </a:t>
+            </a:r>
+            <a:r>
+              <a:rPr lang="en-GB" dirty="0" smtClean="0"/>
+              <a:t>code</a:t>
             </a:r>
             <a:endParaRPr lang="en-GB" dirty="0"/>
           </a:p>
@@ -16786,8 +17832,8 @@
         </p:blipFill>
         <p:spPr>
           <a:xfrm rot="5400000">
-            <a:off x="7093338" y="824513"/>
-            <a:ext cx="5676216" cy="4257162"/>
+            <a:off x="6162086" y="957549"/>
+            <a:ext cx="6740504" cy="5055378"/>
           </a:xfrm>
           <a:prstGeom prst="rect">
             <a:avLst/>
@@ -16859,8 +17905,8 @@
         </p:blipFill>
         <p:spPr>
           <a:xfrm>
-            <a:off x="648576" y="2117613"/>
-            <a:ext cx="10146452" cy="2081967"/>
+            <a:off x="648575" y="2117613"/>
+            <a:ext cx="11414910" cy="2342244"/>
           </a:xfrm>
           <a:prstGeom prst="rect">
             <a:avLst/>

--- a/Presentation1.pptx
+++ b/Presentation1.pptx
@@ -5,10 +5,10 @@
     <p:sldMasterId id="2147483648" r:id="rId2"/>
   </p:sldMasterIdLst>
   <p:notesMasterIdLst>
-    <p:notesMasterId r:id="rId23"/>
+    <p:notesMasterId r:id="rId35"/>
   </p:notesMasterIdLst>
   <p:handoutMasterIdLst>
-    <p:handoutMasterId r:id="rId24"/>
+    <p:handoutMasterId r:id="rId36"/>
   </p:handoutMasterIdLst>
   <p:sldIdLst>
     <p:sldId id="261" r:id="rId3"/>
@@ -30,7 +30,19 @@
     <p:sldId id="286" r:id="rId19"/>
     <p:sldId id="289" r:id="rId20"/>
     <p:sldId id="290" r:id="rId21"/>
-    <p:sldId id="288" r:id="rId22"/>
+    <p:sldId id="291" r:id="rId22"/>
+    <p:sldId id="292" r:id="rId23"/>
+    <p:sldId id="293" r:id="rId24"/>
+    <p:sldId id="295" r:id="rId25"/>
+    <p:sldId id="296" r:id="rId26"/>
+    <p:sldId id="297" r:id="rId27"/>
+    <p:sldId id="298" r:id="rId28"/>
+    <p:sldId id="299" r:id="rId29"/>
+    <p:sldId id="300" r:id="rId30"/>
+    <p:sldId id="301" r:id="rId31"/>
+    <p:sldId id="294" r:id="rId32"/>
+    <p:sldId id="302" r:id="rId33"/>
+    <p:sldId id="288" r:id="rId34"/>
   </p:sldIdLst>
   <p:sldSz cx="12192000" cy="6858000"/>
   <p:notesSz cx="6858000" cy="9144000"/>
@@ -16766,13 +16778,11 @@
       </p:sp>
       <p:pic>
         <p:nvPicPr>
-          <p:cNvPr id="4" name="Content Placeholder 3"/>
+          <p:cNvPr id="5" name="Picture 4"/>
           <p:cNvPicPr>
-            <a:picLocks noGrp="1" noChangeAspect="1"/>
+            <a:picLocks noChangeAspect="1"/>
           </p:cNvPicPr>
-          <p:nvPr>
-            <p:ph idx="1"/>
-          </p:nvPr>
+          <p:nvPr/>
         </p:nvPicPr>
         <p:blipFill>
           <a:blip r:embed="rId2"/>
@@ -16782,8 +16792,8 @@
         </p:blipFill>
         <p:spPr>
           <a:xfrm>
-            <a:off x="5558287" y="0"/>
-            <a:ext cx="6633713" cy="6814558"/>
+            <a:off x="4082835" y="73840"/>
+            <a:ext cx="8046518" cy="6784160"/>
           </a:xfrm>
           <a:prstGeom prst="rect">
             <a:avLst/>
@@ -16841,51 +16851,87 @@
       </p:grpSpPr>
       <p:sp>
         <p:nvSpPr>
-          <p:cNvPr id="4" name="Title 3"/>
-          <p:cNvSpPr>
-            <a:spLocks noGrp="1"/>
+          <p:cNvPr id="2" name="Title 3"/>
+          <p:cNvSpPr txBox="1">
+            <a:spLocks/>
           </p:cNvSpPr>
-          <p:nvPr>
-            <p:ph type="title"/>
-          </p:nvPr>
+          <p:nvPr/>
         </p:nvSpPr>
         <p:spPr>
           <a:xfrm>
-            <a:off x="763095" y="255001"/>
-            <a:ext cx="9361566" cy="1142385"/>
+            <a:off x="763095" y="255002"/>
+            <a:ext cx="4850305" cy="719784"/>
           </a:xfrm>
+          <a:prstGeom prst="rect">
+            <a:avLst/>
+          </a:prstGeom>
         </p:spPr>
         <p:txBody>
           <a:bodyPr>
             <a:normAutofit/>
           </a:bodyPr>
-          <a:lstStyle/>
+          <a:lstStyle>
+            <a:lvl1pPr algn="l" defTabSz="914400" rtl="0" eaLnBrk="1" latinLnBrk="0" hangingPunct="1">
+              <a:lnSpc>
+                <a:spcPct val="90000"/>
+              </a:lnSpc>
+              <a:spcBef>
+                <a:spcPct val="0"/>
+              </a:spcBef>
+              <a:buNone/>
+              <a:defRPr sz="3200" b="1" kern="1200">
+                <a:solidFill>
+                  <a:schemeClr val="accent1"/>
+                </a:solidFill>
+                <a:latin typeface="+mj-lt"/>
+                <a:ea typeface="+mj-ea"/>
+                <a:cs typeface="+mj-cs"/>
+              </a:defRPr>
+            </a:lvl1pPr>
+          </a:lstStyle>
           <a:p>
             <a:r>
               <a:rPr lang="en-GB" dirty="0" smtClean="0"/>
-              <a:t>Developer happiness</a:t>
-            </a:r>
-            <a:br>
-              <a:rPr lang="en-GB" dirty="0" smtClean="0"/>
-            </a:br>
-            <a:r>
-              <a:rPr lang="en-GB" dirty="0" smtClean="0"/>
-              <a:t>and testability</a:t>
+              <a:t>Tips</a:t>
             </a:r>
             <a:endParaRPr lang="en-GB" dirty="0"/>
           </a:p>
         </p:txBody>
       </p:sp>
+      <p:pic>
+        <p:nvPicPr>
+          <p:cNvPr id="3" name="Picture 2"/>
+          <p:cNvPicPr>
+            <a:picLocks noChangeAspect="1"/>
+          </p:cNvPicPr>
+          <p:nvPr/>
+        </p:nvPicPr>
+        <p:blipFill>
+          <a:blip r:embed="rId2"/>
+          <a:stretch>
+            <a:fillRect/>
+          </a:stretch>
+        </p:blipFill>
+        <p:spPr>
+          <a:xfrm>
+            <a:off x="763095" y="1064314"/>
+            <a:ext cx="5837426" cy="4298052"/>
+          </a:xfrm>
+          <a:prstGeom prst="rect">
+            <a:avLst/>
+          </a:prstGeom>
+        </p:spPr>
+      </p:pic>
       <p:sp>
         <p:nvSpPr>
-          <p:cNvPr id="8" name="TextBox 7"/>
+          <p:cNvPr id="4" name="TextBox 3"/>
           <p:cNvSpPr txBox="1"/>
           <p:nvPr/>
         </p:nvSpPr>
         <p:spPr>
           <a:xfrm>
-            <a:off x="763095" y="1725282"/>
-            <a:ext cx="4850305" cy="2585323"/>
+            <a:off x="957532" y="5745193"/>
+            <a:ext cx="4929555" cy="369332"/>
           </a:xfrm>
           <a:prstGeom prst="rect">
             <a:avLst/>
@@ -16893,111 +16939,23 @@
           <a:noFill/>
         </p:spPr>
         <p:txBody>
-          <a:bodyPr wrap="square" rtlCol="0">
+          <a:bodyPr wrap="none" rtlCol="0">
             <a:spAutoFit/>
           </a:bodyPr>
           <a:lstStyle/>
           <a:p>
             <a:r>
               <a:rPr lang="en-GB" dirty="0" smtClean="0"/>
-              <a:t>1.Rename things</a:t>
-            </a:r>
-          </a:p>
-          <a:p>
-            <a:r>
-              <a:rPr lang="en-GB" dirty="0" smtClean="0"/>
-              <a:t>2.Kill zombies (nearly dead) </a:t>
-            </a:r>
-          </a:p>
-          <a:p>
-            <a:r>
-              <a:rPr lang="en-GB" dirty="0" smtClean="0"/>
-              <a:t>3.Favour short local names </a:t>
-            </a:r>
-            <a:r>
-              <a:rPr lang="en-GB" dirty="0" err="1" smtClean="0"/>
-              <a:t>eg</a:t>
-            </a:r>
-            <a:r>
-              <a:rPr lang="en-GB" dirty="0" smtClean="0"/>
-              <a:t> I</a:t>
-            </a:r>
-          </a:p>
-          <a:p>
-            <a:r>
-              <a:rPr lang="en-GB" dirty="0" smtClean="0"/>
-              <a:t>4.Minimise comments</a:t>
-            </a:r>
-          </a:p>
-          <a:p>
-            <a:r>
-              <a:rPr lang="en-GB" dirty="0" smtClean="0"/>
-              <a:t>5.Encapsulate complexity</a:t>
-            </a:r>
-          </a:p>
-          <a:p>
-            <a:endParaRPr lang="en-GB" dirty="0"/>
-          </a:p>
-          <a:p>
-            <a:endParaRPr lang="en-GB" dirty="0" smtClean="0"/>
-          </a:p>
-          <a:p>
-            <a:endParaRPr lang="en-GB" dirty="0"/>
-          </a:p>
-          <a:p>
-            <a:r>
-              <a:rPr lang="en-GB" dirty="0" smtClean="0"/>
-              <a:t>KISS!</a:t>
+              <a:t>**move to website from here and talk through..</a:t>
             </a:r>
             <a:endParaRPr lang="en-GB" dirty="0"/>
           </a:p>
         </p:txBody>
       </p:sp>
-      <p:pic>
-        <p:nvPicPr>
-          <p:cNvPr id="9" name="Picture 2" descr="WTFs/m."/>
-          <p:cNvPicPr>
-            <a:picLocks noChangeAspect="1" noChangeArrowheads="1"/>
-          </p:cNvPicPr>
-          <p:nvPr/>
-        </p:nvPicPr>
-        <p:blipFill>
-          <a:blip r:embed="rId2">
-            <a:extLst>
-              <a:ext uri="{28A0092B-C50C-407E-A947-70E740481C1C}">
-                <a14:useLocalDpi xmlns:a14="http://schemas.microsoft.com/office/drawing/2010/main" val="0"/>
-              </a:ext>
-            </a:extLst>
-          </a:blip>
-          <a:srcRect/>
-          <a:stretch>
-            <a:fillRect/>
-          </a:stretch>
-        </p:blipFill>
-        <p:spPr bwMode="auto">
-          <a:xfrm>
-            <a:off x="5744193" y="30371"/>
-            <a:ext cx="6341415" cy="5973614"/>
-          </a:xfrm>
-          <a:prstGeom prst="rect">
-            <a:avLst/>
-          </a:prstGeom>
-          <a:noFill/>
-          <a:extLst>
-            <a:ext uri="{909E8E84-426E-40DD-AFC4-6F175D3DCCD1}">
-              <a14:hiddenFill xmlns:a14="http://schemas.microsoft.com/office/drawing/2010/main">
-                <a:solidFill>
-                  <a:srgbClr val="FFFFFF"/>
-                </a:solidFill>
-              </a14:hiddenFill>
-            </a:ext>
-          </a:extLst>
-        </p:spPr>
-      </p:pic>
     </p:spTree>
     <p:extLst>
       <p:ext uri="{BB962C8B-B14F-4D97-AF65-F5344CB8AC3E}">
-        <p14:creationId xmlns:p14="http://schemas.microsoft.com/office/powerpoint/2010/main" val="3243764467"/>
+        <p14:creationId xmlns:p14="http://schemas.microsoft.com/office/powerpoint/2010/main" val="392356877"/>
       </p:ext>
     </p:extLst>
   </p:cSld>
@@ -17020,6 +16978,1762 @@
     <p:tnLst>
       <p:par>
         <p:cTn id="1" dur="indefinite" restart="never" nodeType="tmRoot"/>
+      </p:par>
+    </p:tnLst>
+  </p:timing>
+</p:sld>
+</file>
+
+<file path=ppt/slides/slide21.xml><?xml version="1.0" encoding="utf-8"?>
+<p:sld xmlns:a="http://schemas.openxmlformats.org/drawingml/2006/main" xmlns:r="http://schemas.openxmlformats.org/officeDocument/2006/relationships" xmlns:p="http://schemas.openxmlformats.org/presentationml/2006/main">
+  <p:cSld>
+    <p:spTree>
+      <p:nvGrpSpPr>
+        <p:cNvPr id="1" name=""/>
+        <p:cNvGrpSpPr/>
+        <p:nvPr/>
+      </p:nvGrpSpPr>
+      <p:grpSpPr>
+        <a:xfrm>
+          <a:off x="0" y="0"/>
+          <a:ext cx="0" cy="0"/>
+          <a:chOff x="0" y="0"/>
+          <a:chExt cx="0" cy="0"/>
+        </a:xfrm>
+      </p:grpSpPr>
+      <p:sp>
+        <p:nvSpPr>
+          <p:cNvPr id="4" name="Title 3"/>
+          <p:cNvSpPr>
+            <a:spLocks noGrp="1"/>
+          </p:cNvSpPr>
+          <p:nvPr>
+            <p:ph type="title"/>
+          </p:nvPr>
+        </p:nvSpPr>
+        <p:spPr>
+          <a:xfrm>
+            <a:off x="763095" y="255002"/>
+            <a:ext cx="4850305" cy="633520"/>
+          </a:xfrm>
+        </p:spPr>
+        <p:txBody>
+          <a:bodyPr>
+            <a:normAutofit/>
+          </a:bodyPr>
+          <a:lstStyle/>
+          <a:p>
+            <a:r>
+              <a:rPr lang="en-GB" dirty="0" smtClean="0"/>
+              <a:t>Tools</a:t>
+            </a:r>
+            <a:endParaRPr lang="en-GB" dirty="0"/>
+          </a:p>
+        </p:txBody>
+      </p:sp>
+      <p:sp>
+        <p:nvSpPr>
+          <p:cNvPr id="5" name="TextBox 4"/>
+          <p:cNvSpPr txBox="1"/>
+          <p:nvPr/>
+        </p:nvSpPr>
+        <p:spPr>
+          <a:xfrm>
+            <a:off x="625072" y="1088366"/>
+            <a:ext cx="10546135" cy="5632311"/>
+          </a:xfrm>
+          <a:prstGeom prst="rect">
+            <a:avLst/>
+          </a:prstGeom>
+          <a:noFill/>
+        </p:spPr>
+        <p:txBody>
+          <a:bodyPr wrap="square" rtlCol="0">
+            <a:spAutoFit/>
+          </a:bodyPr>
+          <a:lstStyle/>
+          <a:p>
+            <a:r>
+              <a:rPr lang="en-GB" sz="2000" dirty="0" smtClean="0"/>
+              <a:t>Win10 – new shell can copy and paste!</a:t>
+            </a:r>
+          </a:p>
+          <a:p>
+            <a:r>
+              <a:rPr lang="en-GB" sz="2000" dirty="0" smtClean="0"/>
+              <a:t>VS2015 </a:t>
+            </a:r>
+          </a:p>
+          <a:p>
+            <a:r>
+              <a:rPr lang="en-GB" sz="2000" dirty="0" smtClean="0"/>
+              <a:t>code . – for a fast easy editor **DEMO**</a:t>
+            </a:r>
+          </a:p>
+          <a:p>
+            <a:r>
+              <a:rPr lang="en-GB" sz="2000" dirty="0" smtClean="0"/>
+              <a:t>.\d trick  **DEMO**</a:t>
+            </a:r>
+          </a:p>
+          <a:p>
+            <a:r>
+              <a:rPr lang="en-GB" sz="2000" dirty="0" err="1" smtClean="0"/>
+              <a:t>Resharper</a:t>
+            </a:r>
+            <a:r>
+              <a:rPr lang="en-GB" sz="2000" dirty="0" smtClean="0"/>
+              <a:t> 10 (Personal license okay to use inside work if you buy yourself)</a:t>
+            </a:r>
+          </a:p>
+          <a:p>
+            <a:r>
+              <a:rPr lang="en-GB" sz="2000" dirty="0" err="1" smtClean="0"/>
+              <a:t>Github</a:t>
+            </a:r>
+            <a:r>
+              <a:rPr lang="en-GB" sz="2000" dirty="0" smtClean="0"/>
+              <a:t> Desktop (installs </a:t>
+            </a:r>
+            <a:r>
+              <a:rPr lang="en-GB" sz="2000" dirty="0" err="1" smtClean="0"/>
+              <a:t>PoshGit</a:t>
+            </a:r>
+            <a:r>
+              <a:rPr lang="en-GB" sz="2000" dirty="0" smtClean="0"/>
+              <a:t> – best command line client)  **DEMO**</a:t>
+            </a:r>
+          </a:p>
+          <a:p>
+            <a:r>
+              <a:rPr lang="en-GB" sz="2000" dirty="0" err="1" smtClean="0"/>
+              <a:t>Bitbucket</a:t>
+            </a:r>
+            <a:r>
+              <a:rPr lang="en-GB" sz="2000" dirty="0" smtClean="0"/>
+              <a:t> (private git repos)</a:t>
+            </a:r>
+          </a:p>
+          <a:p>
+            <a:r>
+              <a:rPr lang="en-GB" sz="2000" dirty="0" err="1" smtClean="0"/>
+              <a:t>Github</a:t>
+            </a:r>
+            <a:r>
+              <a:rPr lang="en-GB" sz="2000" dirty="0" smtClean="0"/>
+              <a:t> (public)</a:t>
+            </a:r>
+          </a:p>
+          <a:p>
+            <a:r>
+              <a:rPr lang="en-GB" sz="2000" dirty="0" err="1" smtClean="0"/>
+              <a:t>Appveyor</a:t>
+            </a:r>
+            <a:r>
+              <a:rPr lang="en-GB" sz="2000" dirty="0" smtClean="0"/>
+              <a:t> (free build and test server)</a:t>
+            </a:r>
+          </a:p>
+          <a:p>
+            <a:r>
+              <a:rPr lang="en-GB" sz="2000" dirty="0" err="1" smtClean="0"/>
+              <a:t>Miniprofiler</a:t>
+            </a:r>
+            <a:r>
+              <a:rPr lang="en-GB" sz="2000" dirty="0" smtClean="0"/>
+              <a:t> – to see speed of SQL Queries</a:t>
+            </a:r>
+          </a:p>
+          <a:p>
+            <a:r>
+              <a:rPr lang="en-GB" sz="2000" dirty="0" smtClean="0"/>
+              <a:t>Source control database (DB Project in VS)</a:t>
+            </a:r>
+          </a:p>
+          <a:p>
+            <a:endParaRPr lang="en-GB" sz="2000" dirty="0" smtClean="0"/>
+          </a:p>
+          <a:p>
+            <a:r>
+              <a:rPr lang="en-GB" sz="2000" dirty="0" smtClean="0"/>
+              <a:t>VS2012.5 (inside current corporation)</a:t>
+            </a:r>
+          </a:p>
+          <a:p>
+            <a:r>
+              <a:rPr lang="en-GB" sz="2000" dirty="0" smtClean="0"/>
+              <a:t>SSDT to talk to SQL2014</a:t>
+            </a:r>
+          </a:p>
+          <a:p>
+            <a:r>
+              <a:rPr lang="en-GB" sz="2000" dirty="0" smtClean="0"/>
+              <a:t>Web tools so can use MVC5</a:t>
+            </a:r>
+          </a:p>
+          <a:p>
+            <a:r>
+              <a:rPr lang="en-GB" sz="2000" dirty="0"/>
+              <a:t>Visio – for mock </a:t>
+            </a:r>
+            <a:r>
+              <a:rPr lang="en-GB" sz="2000" dirty="0" smtClean="0"/>
+              <a:t>ups!</a:t>
+            </a:r>
+            <a:endParaRPr lang="en-GB" sz="2000" dirty="0"/>
+          </a:p>
+          <a:p>
+            <a:endParaRPr lang="en-GB" sz="2000" dirty="0" smtClean="0"/>
+          </a:p>
+          <a:p>
+            <a:endParaRPr lang="en-GB" sz="2000" dirty="0"/>
+          </a:p>
+        </p:txBody>
+      </p:sp>
+    </p:spTree>
+    <p:extLst>
+      <p:ext uri="{BB962C8B-B14F-4D97-AF65-F5344CB8AC3E}">
+        <p14:creationId xmlns:p14="http://schemas.microsoft.com/office/powerpoint/2010/main" val="579989604"/>
+      </p:ext>
+    </p:extLst>
+  </p:cSld>
+  <p:clrMapOvr>
+    <a:masterClrMapping/>
+  </p:clrMapOvr>
+  <mc:AlternateContent xmlns:mc="http://schemas.openxmlformats.org/markup-compatibility/2006" xmlns:p14="http://schemas.microsoft.com/office/powerpoint/2010/main">
+    <mc:Choice Requires="p14">
+      <p:transition spd="med" p14:dur="700">
+        <p:fade/>
+      </p:transition>
+    </mc:Choice>
+    <mc:Fallback xmlns="">
+      <p:transition spd="med">
+        <p:fade/>
+      </p:transition>
+    </mc:Fallback>
+  </mc:AlternateContent>
+  <p:timing>
+    <p:tnLst>
+      <p:par>
+        <p:cTn id="1" dur="indefinite" restart="never" nodeType="tmRoot"/>
+      </p:par>
+    </p:tnLst>
+  </p:timing>
+</p:sld>
+</file>
+
+<file path=ppt/slides/slide22.xml><?xml version="1.0" encoding="utf-8"?>
+<p:sld xmlns:a="http://schemas.openxmlformats.org/drawingml/2006/main" xmlns:r="http://schemas.openxmlformats.org/officeDocument/2006/relationships" xmlns:p="http://schemas.openxmlformats.org/presentationml/2006/main">
+  <p:cSld>
+    <p:spTree>
+      <p:nvGrpSpPr>
+        <p:cNvPr id="1" name=""/>
+        <p:cNvGrpSpPr/>
+        <p:nvPr/>
+      </p:nvGrpSpPr>
+      <p:grpSpPr>
+        <a:xfrm>
+          <a:off x="0" y="0"/>
+          <a:ext cx="0" cy="0"/>
+          <a:chOff x="0" y="0"/>
+          <a:chExt cx="0" cy="0"/>
+        </a:xfrm>
+      </p:grpSpPr>
+      <p:sp>
+        <p:nvSpPr>
+          <p:cNvPr id="2" name="Title 1"/>
+          <p:cNvSpPr>
+            <a:spLocks noGrp="1"/>
+          </p:cNvSpPr>
+          <p:nvPr>
+            <p:ph type="title"/>
+          </p:nvPr>
+        </p:nvSpPr>
+        <p:spPr>
+          <a:xfrm>
+            <a:off x="588034" y="276044"/>
+            <a:ext cx="9601200" cy="766344"/>
+          </a:xfrm>
+        </p:spPr>
+        <p:txBody>
+          <a:bodyPr>
+            <a:normAutofit/>
+          </a:bodyPr>
+          <a:lstStyle/>
+          <a:p>
+            <a:r>
+              <a:rPr lang="en-GB" dirty="0" smtClean="0"/>
+              <a:t>Refactoring towards Perf / Big Data / Simplicity</a:t>
+            </a:r>
+            <a:endParaRPr lang="en-GB" dirty="0"/>
+          </a:p>
+        </p:txBody>
+      </p:sp>
+      <p:sp>
+        <p:nvSpPr>
+          <p:cNvPr id="3" name="TextBox 2"/>
+          <p:cNvSpPr txBox="1"/>
+          <p:nvPr/>
+        </p:nvSpPr>
+        <p:spPr>
+          <a:xfrm>
+            <a:off x="588034" y="1224951"/>
+            <a:ext cx="8383705" cy="4801314"/>
+          </a:xfrm>
+          <a:prstGeom prst="rect">
+            <a:avLst/>
+          </a:prstGeom>
+          <a:noFill/>
+        </p:spPr>
+        <p:txBody>
+          <a:bodyPr wrap="none" rtlCol="0">
+            <a:spAutoFit/>
+          </a:bodyPr>
+          <a:lstStyle/>
+          <a:p>
+            <a:r>
+              <a:rPr lang="en-GB" dirty="0" smtClean="0"/>
+              <a:t>Visio diagram of nice DAL tool with inheritance</a:t>
+            </a:r>
+          </a:p>
+          <a:p>
+            <a:r>
+              <a:rPr lang="en-GB" dirty="0" smtClean="0"/>
+              <a:t>YAGNI – I don’t need all that mocking etc..</a:t>
+            </a:r>
+          </a:p>
+          <a:p>
+            <a:r>
+              <a:rPr lang="en-GB" dirty="0" smtClean="0"/>
+              <a:t>What I need is simplicity</a:t>
+            </a:r>
+          </a:p>
+          <a:p>
+            <a:r>
+              <a:rPr lang="en-GB" dirty="0" smtClean="0"/>
+              <a:t>So my ‘DAL’.. Can be called directly from a controller</a:t>
+            </a:r>
+          </a:p>
+          <a:p>
+            <a:r>
+              <a:rPr lang="en-GB" dirty="0"/>
+              <a:t> </a:t>
+            </a:r>
+            <a:r>
+              <a:rPr lang="en-GB" dirty="0" smtClean="0"/>
+              <a:t>  had a simple </a:t>
+            </a:r>
+            <a:r>
+              <a:rPr lang="en-GB" dirty="0" err="1" smtClean="0"/>
+              <a:t>util</a:t>
+            </a:r>
+            <a:r>
+              <a:rPr lang="en-GB" dirty="0" smtClean="0"/>
+              <a:t> method to feed in a connection</a:t>
+            </a:r>
+          </a:p>
+          <a:p>
+            <a:endParaRPr lang="en-GB" dirty="0"/>
+          </a:p>
+          <a:p>
+            <a:r>
+              <a:rPr lang="en-GB" dirty="0" smtClean="0"/>
+              <a:t>Integration testing is done from an </a:t>
+            </a:r>
+            <a:r>
+              <a:rPr lang="en-GB" dirty="0" err="1" smtClean="0"/>
+              <a:t>app.config</a:t>
+            </a:r>
+            <a:endParaRPr lang="en-GB" dirty="0" smtClean="0"/>
+          </a:p>
+          <a:p>
+            <a:endParaRPr lang="en-GB" dirty="0"/>
+          </a:p>
+          <a:p>
+            <a:endParaRPr lang="en-GB" dirty="0" smtClean="0"/>
+          </a:p>
+          <a:p>
+            <a:r>
+              <a:rPr lang="en-GB" dirty="0" smtClean="0"/>
+              <a:t>Refactoring – let SQL Server do heavy lifting</a:t>
+            </a:r>
+          </a:p>
+          <a:p>
+            <a:r>
+              <a:rPr lang="en-GB" dirty="0"/>
+              <a:t> </a:t>
+            </a:r>
+            <a:r>
+              <a:rPr lang="en-GB" dirty="0" smtClean="0"/>
+              <a:t> </a:t>
+            </a:r>
+            <a:r>
+              <a:rPr lang="en-GB" dirty="0" err="1" smtClean="0"/>
+              <a:t>eg</a:t>
+            </a:r>
+            <a:r>
+              <a:rPr lang="en-GB" dirty="0" smtClean="0"/>
+              <a:t> Filter / Sort</a:t>
+            </a:r>
+            <a:endParaRPr lang="en-GB" dirty="0"/>
+          </a:p>
+          <a:p>
+            <a:r>
+              <a:rPr lang="en-GB" dirty="0" smtClean="0"/>
+              <a:t>Return the lightest weight possible</a:t>
+            </a:r>
+          </a:p>
+          <a:p>
+            <a:r>
+              <a:rPr lang="en-GB" dirty="0" err="1" smtClean="0"/>
+              <a:t>Mulitple</a:t>
+            </a:r>
+            <a:r>
+              <a:rPr lang="en-GB" dirty="0" smtClean="0"/>
+              <a:t> returns in SQL Server</a:t>
+            </a:r>
+          </a:p>
+          <a:p>
+            <a:endParaRPr lang="en-GB" dirty="0"/>
+          </a:p>
+          <a:p>
+            <a:r>
+              <a:rPr lang="en-GB" dirty="0" smtClean="0"/>
+              <a:t>Years of junior developers coming into project who need to get up to speed asap</a:t>
+            </a:r>
+          </a:p>
+          <a:p>
+            <a:r>
+              <a:rPr lang="en-GB" dirty="0" smtClean="0"/>
+              <a:t>Simple is paramount</a:t>
+            </a:r>
+          </a:p>
+          <a:p>
+            <a:endParaRPr lang="en-GB" dirty="0"/>
+          </a:p>
+        </p:txBody>
+      </p:sp>
+    </p:spTree>
+    <p:extLst>
+      <p:ext uri="{BB962C8B-B14F-4D97-AF65-F5344CB8AC3E}">
+        <p14:creationId xmlns:p14="http://schemas.microsoft.com/office/powerpoint/2010/main" val="360362626"/>
+      </p:ext>
+    </p:extLst>
+  </p:cSld>
+  <p:clrMapOvr>
+    <a:masterClrMapping/>
+  </p:clrMapOvr>
+  <mc:AlternateContent xmlns:mc="http://schemas.openxmlformats.org/markup-compatibility/2006" xmlns:p14="http://schemas.microsoft.com/office/powerpoint/2010/main">
+    <mc:Choice Requires="p14">
+      <p:transition spd="med" p14:dur="700">
+        <p:fade/>
+      </p:transition>
+    </mc:Choice>
+    <mc:Fallback xmlns="">
+      <p:transition spd="med">
+        <p:fade/>
+      </p:transition>
+    </mc:Fallback>
+  </mc:AlternateContent>
+  <p:timing>
+    <p:tnLst>
+      <p:par>
+        <p:cTn id="1" dur="indefinite" restart="never" nodeType="tmRoot"/>
+      </p:par>
+    </p:tnLst>
+  </p:timing>
+</p:sld>
+</file>
+
+<file path=ppt/slides/slide23.xml><?xml version="1.0" encoding="utf-8"?>
+<p:sld xmlns:a="http://schemas.openxmlformats.org/drawingml/2006/main" xmlns:r="http://schemas.openxmlformats.org/officeDocument/2006/relationships" xmlns:p="http://schemas.openxmlformats.org/presentationml/2006/main">
+  <p:cSld>
+    <p:spTree>
+      <p:nvGrpSpPr>
+        <p:cNvPr id="1" name=""/>
+        <p:cNvGrpSpPr/>
+        <p:nvPr/>
+      </p:nvGrpSpPr>
+      <p:grpSpPr>
+        <a:xfrm>
+          <a:off x="0" y="0"/>
+          <a:ext cx="0" cy="0"/>
+          <a:chOff x="0" y="0"/>
+          <a:chExt cx="0" cy="0"/>
+        </a:xfrm>
+      </p:grpSpPr>
+      <p:sp>
+        <p:nvSpPr>
+          <p:cNvPr id="2" name="Title 1"/>
+          <p:cNvSpPr>
+            <a:spLocks noGrp="1"/>
+          </p:cNvSpPr>
+          <p:nvPr>
+            <p:ph type="title"/>
+          </p:nvPr>
+        </p:nvSpPr>
+        <p:spPr>
+          <a:xfrm>
+            <a:off x="461181" y="94823"/>
+            <a:ext cx="9601200" cy="1142385"/>
+          </a:xfrm>
+        </p:spPr>
+        <p:txBody>
+          <a:bodyPr/>
+          <a:lstStyle/>
+          <a:p>
+            <a:r>
+              <a:rPr lang="en-GB" dirty="0" smtClean="0"/>
+              <a:t>Commands / Queries</a:t>
+            </a:r>
+            <a:br>
+              <a:rPr lang="en-GB" dirty="0" smtClean="0"/>
+            </a:br>
+            <a:endParaRPr lang="en-GB" dirty="0"/>
+          </a:p>
+        </p:txBody>
+      </p:sp>
+      <p:pic>
+        <p:nvPicPr>
+          <p:cNvPr id="3" name="Picture 2"/>
+          <p:cNvPicPr>
+            <a:picLocks noChangeAspect="1"/>
+          </p:cNvPicPr>
+          <p:nvPr/>
+        </p:nvPicPr>
+        <p:blipFill>
+          <a:blip r:embed="rId2"/>
+          <a:stretch>
+            <a:fillRect/>
+          </a:stretch>
+        </p:blipFill>
+        <p:spPr>
+          <a:xfrm>
+            <a:off x="461181" y="1237208"/>
+            <a:ext cx="10855042" cy="4784029"/>
+          </a:xfrm>
+          <a:prstGeom prst="rect">
+            <a:avLst/>
+          </a:prstGeom>
+        </p:spPr>
+      </p:pic>
+      <p:sp>
+        <p:nvSpPr>
+          <p:cNvPr id="4" name="TextBox 3"/>
+          <p:cNvSpPr txBox="1"/>
+          <p:nvPr/>
+        </p:nvSpPr>
+        <p:spPr>
+          <a:xfrm>
+            <a:off x="461181" y="6271404"/>
+            <a:ext cx="10067884" cy="369332"/>
+          </a:xfrm>
+          <a:prstGeom prst="rect">
+            <a:avLst/>
+          </a:prstGeom>
+          <a:noFill/>
+        </p:spPr>
+        <p:txBody>
+          <a:bodyPr wrap="none" rtlCol="0">
+            <a:spAutoFit/>
+          </a:bodyPr>
+          <a:lstStyle/>
+          <a:p>
+            <a:r>
+              <a:rPr lang="en-GB" dirty="0" smtClean="0"/>
+              <a:t>A Command DOES something (and returns void), a Query RETURNS something (no side effects)</a:t>
+            </a:r>
+            <a:endParaRPr lang="en-GB" dirty="0"/>
+          </a:p>
+        </p:txBody>
+      </p:sp>
+    </p:spTree>
+    <p:extLst>
+      <p:ext uri="{BB962C8B-B14F-4D97-AF65-F5344CB8AC3E}">
+        <p14:creationId xmlns:p14="http://schemas.microsoft.com/office/powerpoint/2010/main" val="2210204857"/>
+      </p:ext>
+    </p:extLst>
+  </p:cSld>
+  <p:clrMapOvr>
+    <a:masterClrMapping/>
+  </p:clrMapOvr>
+  <mc:AlternateContent xmlns:mc="http://schemas.openxmlformats.org/markup-compatibility/2006" xmlns:p14="http://schemas.microsoft.com/office/powerpoint/2010/main">
+    <mc:Choice Requires="p14">
+      <p:transition spd="med" p14:dur="700">
+        <p:fade/>
+      </p:transition>
+    </mc:Choice>
+    <mc:Fallback xmlns="">
+      <p:transition spd="med">
+        <p:fade/>
+      </p:transition>
+    </mc:Fallback>
+  </mc:AlternateContent>
+  <p:timing>
+    <p:tnLst>
+      <p:par>
+        <p:cTn id="1" dur="indefinite" restart="never" nodeType="tmRoot"/>
+      </p:par>
+    </p:tnLst>
+  </p:timing>
+</p:sld>
+</file>
+
+<file path=ppt/slides/slide24.xml><?xml version="1.0" encoding="utf-8"?>
+<p:sld xmlns:a="http://schemas.openxmlformats.org/drawingml/2006/main" xmlns:r="http://schemas.openxmlformats.org/officeDocument/2006/relationships" xmlns:p="http://schemas.openxmlformats.org/presentationml/2006/main">
+  <p:cSld>
+    <p:spTree>
+      <p:nvGrpSpPr>
+        <p:cNvPr id="1" name=""/>
+        <p:cNvGrpSpPr/>
+        <p:nvPr/>
+      </p:nvGrpSpPr>
+      <p:grpSpPr>
+        <a:xfrm>
+          <a:off x="0" y="0"/>
+          <a:ext cx="0" cy="0"/>
+          <a:chOff x="0" y="0"/>
+          <a:chExt cx="0" cy="0"/>
+        </a:xfrm>
+      </p:grpSpPr>
+      <p:sp>
+        <p:nvSpPr>
+          <p:cNvPr id="2" name="Title 1"/>
+          <p:cNvSpPr>
+            <a:spLocks noGrp="1"/>
+          </p:cNvSpPr>
+          <p:nvPr>
+            <p:ph type="title"/>
+          </p:nvPr>
+        </p:nvSpPr>
+        <p:spPr>
+          <a:xfrm>
+            <a:off x="352667" y="253687"/>
+            <a:ext cx="9601200" cy="1142385"/>
+          </a:xfrm>
+        </p:spPr>
+        <p:txBody>
+          <a:bodyPr/>
+          <a:lstStyle/>
+          <a:p>
+            <a:r>
+              <a:rPr lang="en-GB" dirty="0" smtClean="0"/>
+              <a:t>Connection</a:t>
+            </a:r>
+            <a:endParaRPr lang="en-GB" dirty="0"/>
+          </a:p>
+        </p:txBody>
+      </p:sp>
+      <p:pic>
+        <p:nvPicPr>
+          <p:cNvPr id="3" name="Picture 2"/>
+          <p:cNvPicPr>
+            <a:picLocks noChangeAspect="1"/>
+          </p:cNvPicPr>
+          <p:nvPr/>
+        </p:nvPicPr>
+        <p:blipFill>
+          <a:blip r:embed="rId2"/>
+          <a:stretch>
+            <a:fillRect/>
+          </a:stretch>
+        </p:blipFill>
+        <p:spPr>
+          <a:xfrm>
+            <a:off x="555570" y="1775259"/>
+            <a:ext cx="9195395" cy="3598998"/>
+          </a:xfrm>
+          <a:prstGeom prst="rect">
+            <a:avLst/>
+          </a:prstGeom>
+        </p:spPr>
+      </p:pic>
+    </p:spTree>
+    <p:extLst>
+      <p:ext uri="{BB962C8B-B14F-4D97-AF65-F5344CB8AC3E}">
+        <p14:creationId xmlns:p14="http://schemas.microsoft.com/office/powerpoint/2010/main" val="2246388347"/>
+      </p:ext>
+    </p:extLst>
+  </p:cSld>
+  <p:clrMapOvr>
+    <a:masterClrMapping/>
+  </p:clrMapOvr>
+  <mc:AlternateContent xmlns:mc="http://schemas.openxmlformats.org/markup-compatibility/2006" xmlns:p14="http://schemas.microsoft.com/office/powerpoint/2010/main">
+    <mc:Choice Requires="p14">
+      <p:transition spd="med" p14:dur="700">
+        <p:fade/>
+      </p:transition>
+    </mc:Choice>
+    <mc:Fallback xmlns="">
+      <p:transition spd="med">
+        <p:fade/>
+      </p:transition>
+    </mc:Fallback>
+  </mc:AlternateContent>
+  <p:timing>
+    <p:tnLst>
+      <p:par>
+        <p:cTn id="1" dur="indefinite" restart="never" nodeType="tmRoot"/>
+      </p:par>
+    </p:tnLst>
+  </p:timing>
+</p:sld>
+</file>
+
+<file path=ppt/slides/slide25.xml><?xml version="1.0" encoding="utf-8"?>
+<p:sld xmlns:a="http://schemas.openxmlformats.org/drawingml/2006/main" xmlns:r="http://schemas.openxmlformats.org/officeDocument/2006/relationships" xmlns:p="http://schemas.openxmlformats.org/presentationml/2006/main">
+  <p:cSld>
+    <p:spTree>
+      <p:nvGrpSpPr>
+        <p:cNvPr id="1" name=""/>
+        <p:cNvGrpSpPr/>
+        <p:nvPr/>
+      </p:nvGrpSpPr>
+      <p:grpSpPr>
+        <a:xfrm>
+          <a:off x="0" y="0"/>
+          <a:ext cx="0" cy="0"/>
+          <a:chOff x="0" y="0"/>
+          <a:chExt cx="0" cy="0"/>
+        </a:xfrm>
+      </p:grpSpPr>
+      <p:sp>
+        <p:nvSpPr>
+          <p:cNvPr id="2" name="Title 1"/>
+          <p:cNvSpPr>
+            <a:spLocks noGrp="1"/>
+          </p:cNvSpPr>
+          <p:nvPr>
+            <p:ph type="title"/>
+          </p:nvPr>
+        </p:nvSpPr>
+        <p:spPr>
+          <a:xfrm>
+            <a:off x="401893" y="250166"/>
+            <a:ext cx="9601200" cy="792223"/>
+          </a:xfrm>
+        </p:spPr>
+        <p:txBody>
+          <a:bodyPr/>
+          <a:lstStyle/>
+          <a:p>
+            <a:r>
+              <a:rPr lang="en-GB" dirty="0" smtClean="0"/>
+              <a:t>Let the DB do the work</a:t>
+            </a:r>
+            <a:endParaRPr lang="en-GB" dirty="0"/>
+          </a:p>
+        </p:txBody>
+      </p:sp>
+      <p:pic>
+        <p:nvPicPr>
+          <p:cNvPr id="3" name="Picture 2"/>
+          <p:cNvPicPr>
+            <a:picLocks noChangeAspect="1"/>
+          </p:cNvPicPr>
+          <p:nvPr/>
+        </p:nvPicPr>
+        <p:blipFill>
+          <a:blip r:embed="rId2"/>
+          <a:stretch>
+            <a:fillRect/>
+          </a:stretch>
+        </p:blipFill>
+        <p:spPr>
+          <a:xfrm>
+            <a:off x="519695" y="1203112"/>
+            <a:ext cx="5277256" cy="3609790"/>
+          </a:xfrm>
+          <a:prstGeom prst="rect">
+            <a:avLst/>
+          </a:prstGeom>
+        </p:spPr>
+      </p:pic>
+      <p:pic>
+        <p:nvPicPr>
+          <p:cNvPr id="5" name="Picture 4"/>
+          <p:cNvPicPr>
+            <a:picLocks noChangeAspect="1"/>
+          </p:cNvPicPr>
+          <p:nvPr/>
+        </p:nvPicPr>
+        <p:blipFill>
+          <a:blip r:embed="rId3"/>
+          <a:stretch>
+            <a:fillRect/>
+          </a:stretch>
+        </p:blipFill>
+        <p:spPr>
+          <a:xfrm>
+            <a:off x="6604693" y="890393"/>
+            <a:ext cx="5101112" cy="3741992"/>
+          </a:xfrm>
+          <a:prstGeom prst="rect">
+            <a:avLst/>
+          </a:prstGeom>
+        </p:spPr>
+      </p:pic>
+      <p:pic>
+        <p:nvPicPr>
+          <p:cNvPr id="6" name="Picture 5"/>
+          <p:cNvPicPr>
+            <a:picLocks noChangeAspect="1"/>
+          </p:cNvPicPr>
+          <p:nvPr/>
+        </p:nvPicPr>
+        <p:blipFill>
+          <a:blip r:embed="rId4"/>
+          <a:stretch>
+            <a:fillRect/>
+          </a:stretch>
+        </p:blipFill>
+        <p:spPr>
+          <a:xfrm>
+            <a:off x="5281588" y="1767008"/>
+            <a:ext cx="6424217" cy="3010161"/>
+          </a:xfrm>
+          <a:prstGeom prst="rect">
+            <a:avLst/>
+          </a:prstGeom>
+        </p:spPr>
+      </p:pic>
+      <p:pic>
+        <p:nvPicPr>
+          <p:cNvPr id="7" name="Picture 6"/>
+          <p:cNvPicPr>
+            <a:picLocks noChangeAspect="1"/>
+          </p:cNvPicPr>
+          <p:nvPr/>
+        </p:nvPicPr>
+        <p:blipFill>
+          <a:blip r:embed="rId5"/>
+          <a:stretch>
+            <a:fillRect/>
+          </a:stretch>
+        </p:blipFill>
+        <p:spPr>
+          <a:xfrm>
+            <a:off x="4452526" y="2482680"/>
+            <a:ext cx="5450599" cy="2838591"/>
+          </a:xfrm>
+          <a:prstGeom prst="rect">
+            <a:avLst/>
+          </a:prstGeom>
+        </p:spPr>
+      </p:pic>
+      <p:pic>
+        <p:nvPicPr>
+          <p:cNvPr id="8" name="Picture 7"/>
+          <p:cNvPicPr>
+            <a:picLocks noChangeAspect="1"/>
+          </p:cNvPicPr>
+          <p:nvPr/>
+        </p:nvPicPr>
+        <p:blipFill>
+          <a:blip r:embed="rId6"/>
+          <a:stretch>
+            <a:fillRect/>
+          </a:stretch>
+        </p:blipFill>
+        <p:spPr>
+          <a:xfrm>
+            <a:off x="3423700" y="3119680"/>
+            <a:ext cx="6172735" cy="3170195"/>
+          </a:xfrm>
+          <a:prstGeom prst="rect">
+            <a:avLst/>
+          </a:prstGeom>
+        </p:spPr>
+      </p:pic>
+      <p:sp>
+        <p:nvSpPr>
+          <p:cNvPr id="4" name="TextBox 3"/>
+          <p:cNvSpPr txBox="1"/>
+          <p:nvPr/>
+        </p:nvSpPr>
+        <p:spPr>
+          <a:xfrm>
+            <a:off x="974785" y="5357004"/>
+            <a:ext cx="8067145" cy="646331"/>
+          </a:xfrm>
+          <a:prstGeom prst="rect">
+            <a:avLst/>
+          </a:prstGeom>
+          <a:noFill/>
+        </p:spPr>
+        <p:txBody>
+          <a:bodyPr wrap="none" rtlCol="0">
+            <a:spAutoFit/>
+          </a:bodyPr>
+          <a:lstStyle/>
+          <a:p>
+            <a:r>
+              <a:rPr lang="en-GB" dirty="0" smtClean="0"/>
+              <a:t>250000 Authors, and 500000 Books.  </a:t>
+            </a:r>
+          </a:p>
+          <a:p>
+            <a:r>
+              <a:rPr lang="en-GB" dirty="0" smtClean="0"/>
+              <a:t>Query executes in 300ms (100DTU) or 1500ms (20DTU) or 110ms (500DTU)</a:t>
+            </a:r>
+            <a:endParaRPr lang="en-GB" dirty="0"/>
+          </a:p>
+        </p:txBody>
+      </p:sp>
+    </p:spTree>
+    <p:extLst>
+      <p:ext uri="{BB962C8B-B14F-4D97-AF65-F5344CB8AC3E}">
+        <p14:creationId xmlns:p14="http://schemas.microsoft.com/office/powerpoint/2010/main" val="620357785"/>
+      </p:ext>
+    </p:extLst>
+  </p:cSld>
+  <p:clrMapOvr>
+    <a:masterClrMapping/>
+  </p:clrMapOvr>
+  <mc:AlternateContent xmlns:mc="http://schemas.openxmlformats.org/markup-compatibility/2006" xmlns:p14="http://schemas.microsoft.com/office/powerpoint/2010/main">
+    <mc:Choice Requires="p14">
+      <p:transition spd="med" p14:dur="700">
+        <p:fade/>
+      </p:transition>
+    </mc:Choice>
+    <mc:Fallback xmlns="">
+      <p:transition spd="med">
+        <p:fade/>
+      </p:transition>
+    </mc:Fallback>
+  </mc:AlternateContent>
+  <p:timing>
+    <p:tnLst>
+      <p:par>
+        <p:cTn id="1" dur="indefinite" restart="never" nodeType="tmRoot">
+          <p:childTnLst>
+            <p:seq concurrent="1" nextAc="seek">
+              <p:cTn id="2" dur="indefinite" nodeType="mainSeq">
+                <p:childTnLst>
+                  <p:par>
+                    <p:cTn id="3" fill="hold">
+                      <p:stCondLst>
+                        <p:cond delay="indefinite"/>
+                      </p:stCondLst>
+                      <p:childTnLst>
+                        <p:par>
+                          <p:cTn id="4" fill="hold">
+                            <p:stCondLst>
+                              <p:cond delay="0"/>
+                            </p:stCondLst>
+                            <p:childTnLst>
+                              <p:par>
+                                <p:cTn id="5" presetID="1" presetClass="entr" presetSubtype="0" fill="hold" nodeType="clickEffect">
+                                  <p:stCondLst>
+                                    <p:cond delay="0"/>
+                                  </p:stCondLst>
+                                  <p:childTnLst>
+                                    <p:set>
+                                      <p:cBhvr>
+                                        <p:cTn id="6" dur="1" fill="hold">
+                                          <p:stCondLst>
+                                            <p:cond delay="0"/>
+                                          </p:stCondLst>
+                                        </p:cTn>
+                                        <p:tgtEl>
+                                          <p:spTgt spid="5"/>
+                                        </p:tgtEl>
+                                        <p:attrNameLst>
+                                          <p:attrName>style.visibility</p:attrName>
+                                        </p:attrNameLst>
+                                      </p:cBhvr>
+                                      <p:to>
+                                        <p:strVal val="visible"/>
+                                      </p:to>
+                                    </p:set>
+                                  </p:childTnLst>
+                                </p:cTn>
+                              </p:par>
+                            </p:childTnLst>
+                          </p:cTn>
+                        </p:par>
+                      </p:childTnLst>
+                    </p:cTn>
+                  </p:par>
+                  <p:par>
+                    <p:cTn id="7" fill="hold">
+                      <p:stCondLst>
+                        <p:cond delay="indefinite"/>
+                      </p:stCondLst>
+                      <p:childTnLst>
+                        <p:par>
+                          <p:cTn id="8" fill="hold">
+                            <p:stCondLst>
+                              <p:cond delay="0"/>
+                            </p:stCondLst>
+                            <p:childTnLst>
+                              <p:par>
+                                <p:cTn id="9" presetID="1" presetClass="entr" presetSubtype="0" fill="hold" nodeType="clickEffect">
+                                  <p:stCondLst>
+                                    <p:cond delay="0"/>
+                                  </p:stCondLst>
+                                  <p:childTnLst>
+                                    <p:set>
+                                      <p:cBhvr>
+                                        <p:cTn id="10" dur="1" fill="hold">
+                                          <p:stCondLst>
+                                            <p:cond delay="0"/>
+                                          </p:stCondLst>
+                                        </p:cTn>
+                                        <p:tgtEl>
+                                          <p:spTgt spid="6"/>
+                                        </p:tgtEl>
+                                        <p:attrNameLst>
+                                          <p:attrName>style.visibility</p:attrName>
+                                        </p:attrNameLst>
+                                      </p:cBhvr>
+                                      <p:to>
+                                        <p:strVal val="visible"/>
+                                      </p:to>
+                                    </p:set>
+                                  </p:childTnLst>
+                                </p:cTn>
+                              </p:par>
+                            </p:childTnLst>
+                          </p:cTn>
+                        </p:par>
+                      </p:childTnLst>
+                    </p:cTn>
+                  </p:par>
+                  <p:par>
+                    <p:cTn id="11" fill="hold">
+                      <p:stCondLst>
+                        <p:cond delay="indefinite"/>
+                      </p:stCondLst>
+                      <p:childTnLst>
+                        <p:par>
+                          <p:cTn id="12" fill="hold">
+                            <p:stCondLst>
+                              <p:cond delay="0"/>
+                            </p:stCondLst>
+                            <p:childTnLst>
+                              <p:par>
+                                <p:cTn id="13" presetID="1" presetClass="entr" presetSubtype="0" fill="hold" nodeType="clickEffect">
+                                  <p:stCondLst>
+                                    <p:cond delay="0"/>
+                                  </p:stCondLst>
+                                  <p:childTnLst>
+                                    <p:set>
+                                      <p:cBhvr>
+                                        <p:cTn id="14" dur="1" fill="hold">
+                                          <p:stCondLst>
+                                            <p:cond delay="0"/>
+                                          </p:stCondLst>
+                                        </p:cTn>
+                                        <p:tgtEl>
+                                          <p:spTgt spid="7"/>
+                                        </p:tgtEl>
+                                        <p:attrNameLst>
+                                          <p:attrName>style.visibility</p:attrName>
+                                        </p:attrNameLst>
+                                      </p:cBhvr>
+                                      <p:to>
+                                        <p:strVal val="visible"/>
+                                      </p:to>
+                                    </p:set>
+                                  </p:childTnLst>
+                                </p:cTn>
+                              </p:par>
+                            </p:childTnLst>
+                          </p:cTn>
+                        </p:par>
+                      </p:childTnLst>
+                    </p:cTn>
+                  </p:par>
+                  <p:par>
+                    <p:cTn id="15" fill="hold">
+                      <p:stCondLst>
+                        <p:cond delay="indefinite"/>
+                      </p:stCondLst>
+                      <p:childTnLst>
+                        <p:par>
+                          <p:cTn id="16" fill="hold">
+                            <p:stCondLst>
+                              <p:cond delay="0"/>
+                            </p:stCondLst>
+                            <p:childTnLst>
+                              <p:par>
+                                <p:cTn id="17" presetID="1" presetClass="entr" presetSubtype="0" fill="hold" nodeType="clickEffect">
+                                  <p:stCondLst>
+                                    <p:cond delay="0"/>
+                                  </p:stCondLst>
+                                  <p:childTnLst>
+                                    <p:set>
+                                      <p:cBhvr>
+                                        <p:cTn id="18" dur="1" fill="hold">
+                                          <p:stCondLst>
+                                            <p:cond delay="0"/>
+                                          </p:stCondLst>
+                                        </p:cTn>
+                                        <p:tgtEl>
+                                          <p:spTgt spid="8"/>
+                                        </p:tgtEl>
+                                        <p:attrNameLst>
+                                          <p:attrName>style.visibility</p:attrName>
+                                        </p:attrNameLst>
+                                      </p:cBhvr>
+                                      <p:to>
+                                        <p:strVal val="visible"/>
+                                      </p:to>
+                                    </p:set>
+                                  </p:childTnLst>
+                                </p:cTn>
+                              </p:par>
+                            </p:childTnLst>
+                          </p:cTn>
+                        </p:par>
+                      </p:childTnLst>
+                    </p:cTn>
+                  </p:par>
+                </p:childTnLst>
+              </p:cTn>
+              <p:prevCondLst>
+                <p:cond evt="onPrev" delay="0">
+                  <p:tgtEl>
+                    <p:sldTgt/>
+                  </p:tgtEl>
+                </p:cond>
+              </p:prevCondLst>
+              <p:nextCondLst>
+                <p:cond evt="onNext" delay="0">
+                  <p:tgtEl>
+                    <p:sldTgt/>
+                  </p:tgtEl>
+                </p:cond>
+              </p:nextCondLst>
+            </p:seq>
+          </p:childTnLst>
+        </p:cTn>
+      </p:par>
+    </p:tnLst>
+  </p:timing>
+</p:sld>
+</file>
+
+<file path=ppt/slides/slide26.xml><?xml version="1.0" encoding="utf-8"?>
+<p:sld xmlns:a="http://schemas.openxmlformats.org/drawingml/2006/main" xmlns:r="http://schemas.openxmlformats.org/officeDocument/2006/relationships" xmlns:p="http://schemas.openxmlformats.org/presentationml/2006/main">
+  <p:cSld>
+    <p:spTree>
+      <p:nvGrpSpPr>
+        <p:cNvPr id="1" name=""/>
+        <p:cNvGrpSpPr/>
+        <p:nvPr/>
+      </p:nvGrpSpPr>
+      <p:grpSpPr>
+        <a:xfrm>
+          <a:off x="0" y="0"/>
+          <a:ext cx="0" cy="0"/>
+          <a:chOff x="0" y="0"/>
+          <a:chExt cx="0" cy="0"/>
+        </a:xfrm>
+      </p:grpSpPr>
+      <p:sp>
+        <p:nvSpPr>
+          <p:cNvPr id="2" name="Title 1"/>
+          <p:cNvSpPr>
+            <a:spLocks noGrp="1"/>
+          </p:cNvSpPr>
+          <p:nvPr>
+            <p:ph type="title"/>
+          </p:nvPr>
+        </p:nvSpPr>
+        <p:spPr/>
+        <p:txBody>
+          <a:bodyPr/>
+          <a:lstStyle/>
+          <a:p>
+            <a:endParaRPr lang="en-GB"/>
+          </a:p>
+        </p:txBody>
+      </p:sp>
+      <p:pic>
+        <p:nvPicPr>
+          <p:cNvPr id="4" name="Picture 3"/>
+          <p:cNvPicPr>
+            <a:picLocks noChangeAspect="1"/>
+          </p:cNvPicPr>
+          <p:nvPr/>
+        </p:nvPicPr>
+        <p:blipFill>
+          <a:blip r:embed="rId2"/>
+          <a:stretch>
+            <a:fillRect/>
+          </a:stretch>
+        </p:blipFill>
+        <p:spPr>
+          <a:xfrm>
+            <a:off x="1" y="60383"/>
+            <a:ext cx="12170092" cy="5693434"/>
+          </a:xfrm>
+          <a:prstGeom prst="rect">
+            <a:avLst/>
+          </a:prstGeom>
+        </p:spPr>
+      </p:pic>
+    </p:spTree>
+    <p:extLst>
+      <p:ext uri="{BB962C8B-B14F-4D97-AF65-F5344CB8AC3E}">
+        <p14:creationId xmlns:p14="http://schemas.microsoft.com/office/powerpoint/2010/main" val="336369899"/>
+      </p:ext>
+    </p:extLst>
+  </p:cSld>
+  <p:clrMapOvr>
+    <a:masterClrMapping/>
+  </p:clrMapOvr>
+  <mc:AlternateContent xmlns:mc="http://schemas.openxmlformats.org/markup-compatibility/2006" xmlns:p14="http://schemas.microsoft.com/office/powerpoint/2010/main">
+    <mc:Choice Requires="p14">
+      <p:transition spd="med" p14:dur="700">
+        <p:fade/>
+      </p:transition>
+    </mc:Choice>
+    <mc:Fallback xmlns="">
+      <p:transition spd="med">
+        <p:fade/>
+      </p:transition>
+    </mc:Fallback>
+  </mc:AlternateContent>
+  <p:timing>
+    <p:tnLst>
+      <p:par>
+        <p:cTn id="1" dur="indefinite" restart="never" nodeType="tmRoot"/>
+      </p:par>
+    </p:tnLst>
+  </p:timing>
+</p:sld>
+</file>
+
+<file path=ppt/slides/slide27.xml><?xml version="1.0" encoding="utf-8"?>
+<p:sld xmlns:a="http://schemas.openxmlformats.org/drawingml/2006/main" xmlns:r="http://schemas.openxmlformats.org/officeDocument/2006/relationships" xmlns:p="http://schemas.openxmlformats.org/presentationml/2006/main">
+  <p:cSld>
+    <p:spTree>
+      <p:nvGrpSpPr>
+        <p:cNvPr id="1" name=""/>
+        <p:cNvGrpSpPr/>
+        <p:nvPr/>
+      </p:nvGrpSpPr>
+      <p:grpSpPr>
+        <a:xfrm>
+          <a:off x="0" y="0"/>
+          <a:ext cx="0" cy="0"/>
+          <a:chOff x="0" y="0"/>
+          <a:chExt cx="0" cy="0"/>
+        </a:xfrm>
+      </p:grpSpPr>
+      <p:sp>
+        <p:nvSpPr>
+          <p:cNvPr id="2" name="Title 1"/>
+          <p:cNvSpPr>
+            <a:spLocks noGrp="1"/>
+          </p:cNvSpPr>
+          <p:nvPr>
+            <p:ph type="title"/>
+          </p:nvPr>
+        </p:nvSpPr>
+        <p:spPr/>
+        <p:txBody>
+          <a:bodyPr/>
+          <a:lstStyle/>
+          <a:p>
+            <a:endParaRPr lang="en-GB"/>
+          </a:p>
+        </p:txBody>
+      </p:sp>
+      <p:pic>
+        <p:nvPicPr>
+          <p:cNvPr id="3" name="Picture 2"/>
+          <p:cNvPicPr>
+            <a:picLocks noChangeAspect="1"/>
+          </p:cNvPicPr>
+          <p:nvPr/>
+        </p:nvPicPr>
+        <p:blipFill>
+          <a:blip r:embed="rId2"/>
+          <a:stretch>
+            <a:fillRect/>
+          </a:stretch>
+        </p:blipFill>
+        <p:spPr>
+          <a:xfrm>
+            <a:off x="82771" y="0"/>
+            <a:ext cx="12109229" cy="5639289"/>
+          </a:xfrm>
+          <a:prstGeom prst="rect">
+            <a:avLst/>
+          </a:prstGeom>
+        </p:spPr>
+      </p:pic>
+    </p:spTree>
+    <p:extLst>
+      <p:ext uri="{BB962C8B-B14F-4D97-AF65-F5344CB8AC3E}">
+        <p14:creationId xmlns:p14="http://schemas.microsoft.com/office/powerpoint/2010/main" val="2443568423"/>
+      </p:ext>
+    </p:extLst>
+  </p:cSld>
+  <p:clrMapOvr>
+    <a:masterClrMapping/>
+  </p:clrMapOvr>
+  <mc:AlternateContent xmlns:mc="http://schemas.openxmlformats.org/markup-compatibility/2006" xmlns:p14="http://schemas.microsoft.com/office/powerpoint/2010/main">
+    <mc:Choice Requires="p14">
+      <p:transition spd="med" p14:dur="700">
+        <p:fade/>
+      </p:transition>
+    </mc:Choice>
+    <mc:Fallback xmlns="">
+      <p:transition spd="med">
+        <p:fade/>
+      </p:transition>
+    </mc:Fallback>
+  </mc:AlternateContent>
+  <p:timing>
+    <p:tnLst>
+      <p:par>
+        <p:cTn id="1" dur="indefinite" restart="never" nodeType="tmRoot"/>
+      </p:par>
+    </p:tnLst>
+  </p:timing>
+</p:sld>
+</file>
+
+<file path=ppt/slides/slide28.xml><?xml version="1.0" encoding="utf-8"?>
+<p:sld xmlns:a="http://schemas.openxmlformats.org/drawingml/2006/main" xmlns:r="http://schemas.openxmlformats.org/officeDocument/2006/relationships" xmlns:p="http://schemas.openxmlformats.org/presentationml/2006/main">
+  <p:cSld>
+    <p:spTree>
+      <p:nvGrpSpPr>
+        <p:cNvPr id="1" name=""/>
+        <p:cNvGrpSpPr/>
+        <p:nvPr/>
+      </p:nvGrpSpPr>
+      <p:grpSpPr>
+        <a:xfrm>
+          <a:off x="0" y="0"/>
+          <a:ext cx="0" cy="0"/>
+          <a:chOff x="0" y="0"/>
+          <a:chExt cx="0" cy="0"/>
+        </a:xfrm>
+      </p:grpSpPr>
+      <p:sp>
+        <p:nvSpPr>
+          <p:cNvPr id="2" name="Title 1"/>
+          <p:cNvSpPr>
+            <a:spLocks noGrp="1"/>
+          </p:cNvSpPr>
+          <p:nvPr>
+            <p:ph type="title"/>
+          </p:nvPr>
+        </p:nvSpPr>
+        <p:spPr/>
+        <p:txBody>
+          <a:bodyPr/>
+          <a:lstStyle/>
+          <a:p>
+            <a:endParaRPr lang="en-GB"/>
+          </a:p>
+        </p:txBody>
+      </p:sp>
+      <p:pic>
+        <p:nvPicPr>
+          <p:cNvPr id="3" name="Picture 2"/>
+          <p:cNvPicPr>
+            <a:picLocks noChangeAspect="1"/>
+          </p:cNvPicPr>
+          <p:nvPr/>
+        </p:nvPicPr>
+        <p:blipFill>
+          <a:blip r:embed="rId2"/>
+          <a:stretch>
+            <a:fillRect/>
+          </a:stretch>
+        </p:blipFill>
+        <p:spPr>
+          <a:xfrm>
+            <a:off x="-617802" y="365494"/>
+            <a:ext cx="13427604" cy="6127011"/>
+          </a:xfrm>
+          <a:prstGeom prst="rect">
+            <a:avLst/>
+          </a:prstGeom>
+        </p:spPr>
+      </p:pic>
+    </p:spTree>
+    <p:extLst>
+      <p:ext uri="{BB962C8B-B14F-4D97-AF65-F5344CB8AC3E}">
+        <p14:creationId xmlns:p14="http://schemas.microsoft.com/office/powerpoint/2010/main" val="736137848"/>
+      </p:ext>
+    </p:extLst>
+  </p:cSld>
+  <p:clrMapOvr>
+    <a:masterClrMapping/>
+  </p:clrMapOvr>
+  <mc:AlternateContent xmlns:mc="http://schemas.openxmlformats.org/markup-compatibility/2006" xmlns:p14="http://schemas.microsoft.com/office/powerpoint/2010/main">
+    <mc:Choice Requires="p14">
+      <p:transition spd="med" p14:dur="700">
+        <p:fade/>
+      </p:transition>
+    </mc:Choice>
+    <mc:Fallback xmlns="">
+      <p:transition spd="med">
+        <p:fade/>
+      </p:transition>
+    </mc:Fallback>
+  </mc:AlternateContent>
+  <p:timing>
+    <p:tnLst>
+      <p:par>
+        <p:cTn id="1" dur="indefinite" restart="never" nodeType="tmRoot"/>
+      </p:par>
+    </p:tnLst>
+  </p:timing>
+</p:sld>
+</file>
+
+<file path=ppt/slides/slide29.xml><?xml version="1.0" encoding="utf-8"?>
+<p:sld xmlns:a="http://schemas.openxmlformats.org/drawingml/2006/main" xmlns:r="http://schemas.openxmlformats.org/officeDocument/2006/relationships" xmlns:p="http://schemas.openxmlformats.org/presentationml/2006/main">
+  <p:cSld>
+    <p:spTree>
+      <p:nvGrpSpPr>
+        <p:cNvPr id="1" name=""/>
+        <p:cNvGrpSpPr/>
+        <p:nvPr/>
+      </p:nvGrpSpPr>
+      <p:grpSpPr>
+        <a:xfrm>
+          <a:off x="0" y="0"/>
+          <a:ext cx="0" cy="0"/>
+          <a:chOff x="0" y="0"/>
+          <a:chExt cx="0" cy="0"/>
+        </a:xfrm>
+      </p:grpSpPr>
+      <p:pic>
+        <p:nvPicPr>
+          <p:cNvPr id="6" name="Picture 5"/>
+          <p:cNvPicPr>
+            <a:picLocks noChangeAspect="1"/>
+          </p:cNvPicPr>
+          <p:nvPr/>
+        </p:nvPicPr>
+        <p:blipFill>
+          <a:blip r:embed="rId2"/>
+          <a:stretch>
+            <a:fillRect/>
+          </a:stretch>
+        </p:blipFill>
+        <p:spPr>
+          <a:xfrm>
+            <a:off x="3642148" y="0"/>
+            <a:ext cx="6294665" cy="3909399"/>
+          </a:xfrm>
+          <a:prstGeom prst="rect">
+            <a:avLst/>
+          </a:prstGeom>
+        </p:spPr>
+      </p:pic>
+      <p:pic>
+        <p:nvPicPr>
+          <p:cNvPr id="4" name="Picture 3"/>
+          <p:cNvPicPr>
+            <a:picLocks noChangeAspect="1"/>
+          </p:cNvPicPr>
+          <p:nvPr/>
+        </p:nvPicPr>
+        <p:blipFill>
+          <a:blip r:embed="rId3"/>
+          <a:stretch>
+            <a:fillRect/>
+          </a:stretch>
+        </p:blipFill>
+        <p:spPr>
+          <a:xfrm>
+            <a:off x="2885456" y="711390"/>
+            <a:ext cx="8474174" cy="3505504"/>
+          </a:xfrm>
+          <a:prstGeom prst="rect">
+            <a:avLst/>
+          </a:prstGeom>
+        </p:spPr>
+      </p:pic>
+      <p:pic>
+        <p:nvPicPr>
+          <p:cNvPr id="5" name="Picture 4"/>
+          <p:cNvPicPr>
+            <a:picLocks noChangeAspect="1"/>
+          </p:cNvPicPr>
+          <p:nvPr/>
+        </p:nvPicPr>
+        <p:blipFill>
+          <a:blip r:embed="rId4"/>
+          <a:stretch>
+            <a:fillRect/>
+          </a:stretch>
+        </p:blipFill>
+        <p:spPr>
+          <a:xfrm>
+            <a:off x="1668396" y="1577179"/>
+            <a:ext cx="8855207" cy="3703641"/>
+          </a:xfrm>
+          <a:prstGeom prst="rect">
+            <a:avLst/>
+          </a:prstGeom>
+        </p:spPr>
+      </p:pic>
+      <p:pic>
+        <p:nvPicPr>
+          <p:cNvPr id="3" name="Picture 2"/>
+          <p:cNvPicPr>
+            <a:picLocks noChangeAspect="1"/>
+          </p:cNvPicPr>
+          <p:nvPr/>
+        </p:nvPicPr>
+        <p:blipFill>
+          <a:blip r:embed="rId5"/>
+          <a:stretch>
+            <a:fillRect/>
+          </a:stretch>
+        </p:blipFill>
+        <p:spPr>
+          <a:xfrm>
+            <a:off x="0" y="2816267"/>
+            <a:ext cx="8268417" cy="2972058"/>
+          </a:xfrm>
+          <a:prstGeom prst="rect">
+            <a:avLst/>
+          </a:prstGeom>
+        </p:spPr>
+      </p:pic>
+    </p:spTree>
+    <p:extLst>
+      <p:ext uri="{BB962C8B-B14F-4D97-AF65-F5344CB8AC3E}">
+        <p14:creationId xmlns:p14="http://schemas.microsoft.com/office/powerpoint/2010/main" val="941803478"/>
+      </p:ext>
+    </p:extLst>
+  </p:cSld>
+  <p:clrMapOvr>
+    <a:masterClrMapping/>
+  </p:clrMapOvr>
+  <mc:AlternateContent xmlns:mc="http://schemas.openxmlformats.org/markup-compatibility/2006" xmlns:p14="http://schemas.microsoft.com/office/powerpoint/2010/main">
+    <mc:Choice Requires="p14">
+      <p:transition spd="med" p14:dur="700">
+        <p:fade/>
+      </p:transition>
+    </mc:Choice>
+    <mc:Fallback xmlns="">
+      <p:transition spd="med">
+        <p:fade/>
+      </p:transition>
+    </mc:Fallback>
+  </mc:AlternateContent>
+  <p:timing>
+    <p:tnLst>
+      <p:par>
+        <p:cTn id="1" dur="indefinite" restart="never" nodeType="tmRoot">
+          <p:childTnLst>
+            <p:seq concurrent="1" nextAc="seek">
+              <p:cTn id="2" dur="indefinite" nodeType="mainSeq">
+                <p:childTnLst>
+                  <p:par>
+                    <p:cTn id="3" fill="hold">
+                      <p:stCondLst>
+                        <p:cond delay="indefinite"/>
+                      </p:stCondLst>
+                      <p:childTnLst>
+                        <p:par>
+                          <p:cTn id="4" fill="hold">
+                            <p:stCondLst>
+                              <p:cond delay="0"/>
+                            </p:stCondLst>
+                            <p:childTnLst>
+                              <p:par>
+                                <p:cTn id="5" presetID="1" presetClass="entr" presetSubtype="0" fill="hold" nodeType="clickEffect">
+                                  <p:stCondLst>
+                                    <p:cond delay="0"/>
+                                  </p:stCondLst>
+                                  <p:childTnLst>
+                                    <p:set>
+                                      <p:cBhvr>
+                                        <p:cTn id="6" dur="1" fill="hold">
+                                          <p:stCondLst>
+                                            <p:cond delay="0"/>
+                                          </p:stCondLst>
+                                        </p:cTn>
+                                        <p:tgtEl>
+                                          <p:spTgt spid="6"/>
+                                        </p:tgtEl>
+                                        <p:attrNameLst>
+                                          <p:attrName>style.visibility</p:attrName>
+                                        </p:attrNameLst>
+                                      </p:cBhvr>
+                                      <p:to>
+                                        <p:strVal val="visible"/>
+                                      </p:to>
+                                    </p:set>
+                                  </p:childTnLst>
+                                </p:cTn>
+                              </p:par>
+                            </p:childTnLst>
+                          </p:cTn>
+                        </p:par>
+                      </p:childTnLst>
+                    </p:cTn>
+                  </p:par>
+                  <p:par>
+                    <p:cTn id="7" fill="hold">
+                      <p:stCondLst>
+                        <p:cond delay="indefinite"/>
+                      </p:stCondLst>
+                      <p:childTnLst>
+                        <p:par>
+                          <p:cTn id="8" fill="hold">
+                            <p:stCondLst>
+                              <p:cond delay="0"/>
+                            </p:stCondLst>
+                            <p:childTnLst>
+                              <p:par>
+                                <p:cTn id="9" presetID="1" presetClass="entr" presetSubtype="0" fill="hold" nodeType="clickEffect">
+                                  <p:stCondLst>
+                                    <p:cond delay="0"/>
+                                  </p:stCondLst>
+                                  <p:childTnLst>
+                                    <p:set>
+                                      <p:cBhvr>
+                                        <p:cTn id="10" dur="1" fill="hold">
+                                          <p:stCondLst>
+                                            <p:cond delay="0"/>
+                                          </p:stCondLst>
+                                        </p:cTn>
+                                        <p:tgtEl>
+                                          <p:spTgt spid="4"/>
+                                        </p:tgtEl>
+                                        <p:attrNameLst>
+                                          <p:attrName>style.visibility</p:attrName>
+                                        </p:attrNameLst>
+                                      </p:cBhvr>
+                                      <p:to>
+                                        <p:strVal val="visible"/>
+                                      </p:to>
+                                    </p:set>
+                                  </p:childTnLst>
+                                </p:cTn>
+                              </p:par>
+                            </p:childTnLst>
+                          </p:cTn>
+                        </p:par>
+                      </p:childTnLst>
+                    </p:cTn>
+                  </p:par>
+                  <p:par>
+                    <p:cTn id="11" fill="hold">
+                      <p:stCondLst>
+                        <p:cond delay="indefinite"/>
+                      </p:stCondLst>
+                      <p:childTnLst>
+                        <p:par>
+                          <p:cTn id="12" fill="hold">
+                            <p:stCondLst>
+                              <p:cond delay="0"/>
+                            </p:stCondLst>
+                            <p:childTnLst>
+                              <p:par>
+                                <p:cTn id="13" presetID="1" presetClass="entr" presetSubtype="0" fill="hold" nodeType="clickEffect">
+                                  <p:stCondLst>
+                                    <p:cond delay="0"/>
+                                  </p:stCondLst>
+                                  <p:childTnLst>
+                                    <p:set>
+                                      <p:cBhvr>
+                                        <p:cTn id="14" dur="1" fill="hold">
+                                          <p:stCondLst>
+                                            <p:cond delay="0"/>
+                                          </p:stCondLst>
+                                        </p:cTn>
+                                        <p:tgtEl>
+                                          <p:spTgt spid="5"/>
+                                        </p:tgtEl>
+                                        <p:attrNameLst>
+                                          <p:attrName>style.visibility</p:attrName>
+                                        </p:attrNameLst>
+                                      </p:cBhvr>
+                                      <p:to>
+                                        <p:strVal val="visible"/>
+                                      </p:to>
+                                    </p:set>
+                                  </p:childTnLst>
+                                </p:cTn>
+                              </p:par>
+                            </p:childTnLst>
+                          </p:cTn>
+                        </p:par>
+                      </p:childTnLst>
+                    </p:cTn>
+                  </p:par>
+                  <p:par>
+                    <p:cTn id="15" fill="hold">
+                      <p:stCondLst>
+                        <p:cond delay="indefinite"/>
+                      </p:stCondLst>
+                      <p:childTnLst>
+                        <p:par>
+                          <p:cTn id="16" fill="hold">
+                            <p:stCondLst>
+                              <p:cond delay="0"/>
+                            </p:stCondLst>
+                            <p:childTnLst>
+                              <p:par>
+                                <p:cTn id="17" presetID="1" presetClass="entr" presetSubtype="0" fill="hold" nodeType="clickEffect">
+                                  <p:stCondLst>
+                                    <p:cond delay="0"/>
+                                  </p:stCondLst>
+                                  <p:childTnLst>
+                                    <p:set>
+                                      <p:cBhvr>
+                                        <p:cTn id="18" dur="1" fill="hold">
+                                          <p:stCondLst>
+                                            <p:cond delay="0"/>
+                                          </p:stCondLst>
+                                        </p:cTn>
+                                        <p:tgtEl>
+                                          <p:spTgt spid="3"/>
+                                        </p:tgtEl>
+                                        <p:attrNameLst>
+                                          <p:attrName>style.visibility</p:attrName>
+                                        </p:attrNameLst>
+                                      </p:cBhvr>
+                                      <p:to>
+                                        <p:strVal val="visible"/>
+                                      </p:to>
+                                    </p:set>
+                                  </p:childTnLst>
+                                </p:cTn>
+                              </p:par>
+                            </p:childTnLst>
+                          </p:cTn>
+                        </p:par>
+                      </p:childTnLst>
+                    </p:cTn>
+                  </p:par>
+                </p:childTnLst>
+              </p:cTn>
+              <p:prevCondLst>
+                <p:cond evt="onPrev" delay="0">
+                  <p:tgtEl>
+                    <p:sldTgt/>
+                  </p:tgtEl>
+                </p:cond>
+              </p:prevCondLst>
+              <p:nextCondLst>
+                <p:cond evt="onNext" delay="0">
+                  <p:tgtEl>
+                    <p:sldTgt/>
+                  </p:tgtEl>
+                </p:cond>
+              </p:nextCondLst>
+            </p:seq>
+          </p:childTnLst>
+        </p:cTn>
       </p:par>
     </p:tnLst>
   </p:timing>
@@ -17406,6 +19120,568 @@
     <p:extLst>
       <p:ext uri="{BB962C8B-B14F-4D97-AF65-F5344CB8AC3E}">
         <p14:creationId xmlns:p14="http://schemas.microsoft.com/office/powerpoint/2010/main" val="90481481"/>
+      </p:ext>
+    </p:extLst>
+  </p:cSld>
+  <p:clrMapOvr>
+    <a:masterClrMapping/>
+  </p:clrMapOvr>
+  <mc:AlternateContent xmlns:mc="http://schemas.openxmlformats.org/markup-compatibility/2006" xmlns:p14="http://schemas.microsoft.com/office/powerpoint/2010/main">
+    <mc:Choice Requires="p14">
+      <p:transition spd="med" p14:dur="700">
+        <p:fade/>
+      </p:transition>
+    </mc:Choice>
+    <mc:Fallback xmlns="">
+      <p:transition spd="med">
+        <p:fade/>
+      </p:transition>
+    </mc:Fallback>
+  </mc:AlternateContent>
+  <p:timing>
+    <p:tnLst>
+      <p:par>
+        <p:cTn id="1" dur="indefinite" restart="never" nodeType="tmRoot"/>
+      </p:par>
+    </p:tnLst>
+  </p:timing>
+</p:sld>
+</file>
+
+<file path=ppt/slides/slide30.xml><?xml version="1.0" encoding="utf-8"?>
+<p:sld xmlns:a="http://schemas.openxmlformats.org/drawingml/2006/main" xmlns:r="http://schemas.openxmlformats.org/officeDocument/2006/relationships" xmlns:p="http://schemas.openxmlformats.org/presentationml/2006/main">
+  <p:cSld>
+    <p:spTree>
+      <p:nvGrpSpPr>
+        <p:cNvPr id="1" name=""/>
+        <p:cNvGrpSpPr/>
+        <p:nvPr/>
+      </p:nvGrpSpPr>
+      <p:grpSpPr>
+        <a:xfrm>
+          <a:off x="0" y="0"/>
+          <a:ext cx="0" cy="0"/>
+          <a:chOff x="0" y="0"/>
+          <a:chExt cx="0" cy="0"/>
+        </a:xfrm>
+      </p:grpSpPr>
+      <p:sp>
+        <p:nvSpPr>
+          <p:cNvPr id="2" name="Title 1"/>
+          <p:cNvSpPr>
+            <a:spLocks noGrp="1"/>
+          </p:cNvSpPr>
+          <p:nvPr>
+            <p:ph type="title"/>
+          </p:nvPr>
+        </p:nvSpPr>
+        <p:spPr/>
+        <p:txBody>
+          <a:bodyPr/>
+          <a:lstStyle/>
+          <a:p>
+            <a:r>
+              <a:rPr lang="en-GB" dirty="0" smtClean="0"/>
+              <a:t>Test Repository against a DB</a:t>
+            </a:r>
+            <a:endParaRPr lang="en-GB" dirty="0"/>
+          </a:p>
+        </p:txBody>
+      </p:sp>
+      <p:pic>
+        <p:nvPicPr>
+          <p:cNvPr id="3" name="Picture 2"/>
+          <p:cNvPicPr>
+            <a:picLocks noChangeAspect="1"/>
+          </p:cNvPicPr>
+          <p:nvPr/>
+        </p:nvPicPr>
+        <p:blipFill>
+          <a:blip r:embed="rId2"/>
+          <a:stretch>
+            <a:fillRect/>
+          </a:stretch>
+        </p:blipFill>
+        <p:spPr>
+          <a:xfrm>
+            <a:off x="1130119" y="1831311"/>
+            <a:ext cx="5273497" cy="3436918"/>
+          </a:xfrm>
+          <a:prstGeom prst="rect">
+            <a:avLst/>
+          </a:prstGeom>
+        </p:spPr>
+      </p:pic>
+      <p:sp>
+        <p:nvSpPr>
+          <p:cNvPr id="4" name="TextBox 3"/>
+          <p:cNvSpPr txBox="1"/>
+          <p:nvPr/>
+        </p:nvSpPr>
+        <p:spPr>
+          <a:xfrm>
+            <a:off x="940279" y="5727940"/>
+            <a:ext cx="5831533" cy="369332"/>
+          </a:xfrm>
+          <a:prstGeom prst="rect">
+            <a:avLst/>
+          </a:prstGeom>
+          <a:noFill/>
+        </p:spPr>
+        <p:txBody>
+          <a:bodyPr wrap="none" rtlCol="0">
+            <a:spAutoFit/>
+          </a:bodyPr>
+          <a:lstStyle/>
+          <a:p>
+            <a:r>
+              <a:rPr lang="en-GB" dirty="0" smtClean="0"/>
+              <a:t>Have a ‘Minimum’ dataset of a few Authors and Books</a:t>
+            </a:r>
+            <a:endParaRPr lang="en-GB" dirty="0"/>
+          </a:p>
+        </p:txBody>
+      </p:sp>
+    </p:spTree>
+    <p:extLst>
+      <p:ext uri="{BB962C8B-B14F-4D97-AF65-F5344CB8AC3E}">
+        <p14:creationId xmlns:p14="http://schemas.microsoft.com/office/powerpoint/2010/main" val="2260587139"/>
+      </p:ext>
+    </p:extLst>
+  </p:cSld>
+  <p:clrMapOvr>
+    <a:masterClrMapping/>
+  </p:clrMapOvr>
+  <mc:AlternateContent xmlns:mc="http://schemas.openxmlformats.org/markup-compatibility/2006" xmlns:p14="http://schemas.microsoft.com/office/powerpoint/2010/main">
+    <mc:Choice Requires="p14">
+      <p:transition spd="med" p14:dur="700">
+        <p:fade/>
+      </p:transition>
+    </mc:Choice>
+    <mc:Fallback xmlns="">
+      <p:transition spd="med">
+        <p:fade/>
+      </p:transition>
+    </mc:Fallback>
+  </mc:AlternateContent>
+  <p:timing>
+    <p:tnLst>
+      <p:par>
+        <p:cTn id="1" dur="indefinite" restart="never" nodeType="tmRoot"/>
+      </p:par>
+    </p:tnLst>
+  </p:timing>
+</p:sld>
+</file>
+
+<file path=ppt/slides/slide31.xml><?xml version="1.0" encoding="utf-8"?>
+<p:sld xmlns:a="http://schemas.openxmlformats.org/drawingml/2006/main" xmlns:r="http://schemas.openxmlformats.org/officeDocument/2006/relationships" xmlns:p="http://schemas.openxmlformats.org/presentationml/2006/main">
+  <p:cSld>
+    <p:spTree>
+      <p:nvGrpSpPr>
+        <p:cNvPr id="1" name=""/>
+        <p:cNvGrpSpPr/>
+        <p:nvPr/>
+      </p:nvGrpSpPr>
+      <p:grpSpPr>
+        <a:xfrm>
+          <a:off x="0" y="0"/>
+          <a:ext cx="0" cy="0"/>
+          <a:chOff x="0" y="0"/>
+          <a:chExt cx="0" cy="0"/>
+        </a:xfrm>
+      </p:grpSpPr>
+      <p:sp>
+        <p:nvSpPr>
+          <p:cNvPr id="2" name="Title 1"/>
+          <p:cNvSpPr>
+            <a:spLocks noGrp="1"/>
+          </p:cNvSpPr>
+          <p:nvPr>
+            <p:ph type="title"/>
+          </p:nvPr>
+        </p:nvSpPr>
+        <p:spPr>
+          <a:xfrm>
+            <a:off x="199845" y="119374"/>
+            <a:ext cx="9601200" cy="700136"/>
+          </a:xfrm>
+        </p:spPr>
+        <p:txBody>
+          <a:bodyPr/>
+          <a:lstStyle/>
+          <a:p>
+            <a:r>
+              <a:rPr lang="en-GB" dirty="0" smtClean="0"/>
+              <a:t>Command</a:t>
+            </a:r>
+            <a:endParaRPr lang="en-GB" dirty="0"/>
+          </a:p>
+        </p:txBody>
+      </p:sp>
+      <p:pic>
+        <p:nvPicPr>
+          <p:cNvPr id="3" name="Picture 2"/>
+          <p:cNvPicPr>
+            <a:picLocks noChangeAspect="1"/>
+          </p:cNvPicPr>
+          <p:nvPr/>
+        </p:nvPicPr>
+        <p:blipFill>
+          <a:blip r:embed="rId2"/>
+          <a:stretch>
+            <a:fillRect/>
+          </a:stretch>
+        </p:blipFill>
+        <p:spPr>
+          <a:xfrm>
+            <a:off x="199845" y="819510"/>
+            <a:ext cx="8405921" cy="3572743"/>
+          </a:xfrm>
+          <a:prstGeom prst="rect">
+            <a:avLst/>
+          </a:prstGeom>
+        </p:spPr>
+      </p:pic>
+      <p:pic>
+        <p:nvPicPr>
+          <p:cNvPr id="4" name="Picture 3"/>
+          <p:cNvPicPr>
+            <a:picLocks noChangeAspect="1"/>
+          </p:cNvPicPr>
+          <p:nvPr/>
+        </p:nvPicPr>
+        <p:blipFill>
+          <a:blip r:embed="rId3"/>
+          <a:stretch>
+            <a:fillRect/>
+          </a:stretch>
+        </p:blipFill>
+        <p:spPr>
+          <a:xfrm>
+            <a:off x="6265733" y="4264947"/>
+            <a:ext cx="5651013" cy="2498162"/>
+          </a:xfrm>
+          <a:prstGeom prst="rect">
+            <a:avLst/>
+          </a:prstGeom>
+        </p:spPr>
+      </p:pic>
+    </p:spTree>
+    <p:extLst>
+      <p:ext uri="{BB962C8B-B14F-4D97-AF65-F5344CB8AC3E}">
+        <p14:creationId xmlns:p14="http://schemas.microsoft.com/office/powerpoint/2010/main" val="3258582784"/>
+      </p:ext>
+    </p:extLst>
+  </p:cSld>
+  <p:clrMapOvr>
+    <a:masterClrMapping/>
+  </p:clrMapOvr>
+  <mc:AlternateContent xmlns:mc="http://schemas.openxmlformats.org/markup-compatibility/2006" xmlns:p14="http://schemas.microsoft.com/office/powerpoint/2010/main">
+    <mc:Choice Requires="p14">
+      <p:transition spd="med" p14:dur="700">
+        <p:fade/>
+      </p:transition>
+    </mc:Choice>
+    <mc:Fallback xmlns="">
+      <p:transition spd="med">
+        <p:fade/>
+      </p:transition>
+    </mc:Fallback>
+  </mc:AlternateContent>
+  <p:timing>
+    <p:tnLst>
+      <p:par>
+        <p:cTn id="1" dur="indefinite" restart="never" nodeType="tmRoot">
+          <p:childTnLst>
+            <p:seq concurrent="1" nextAc="seek">
+              <p:cTn id="2" dur="indefinite" nodeType="mainSeq">
+                <p:childTnLst>
+                  <p:par>
+                    <p:cTn id="3" fill="hold">
+                      <p:stCondLst>
+                        <p:cond delay="indefinite"/>
+                      </p:stCondLst>
+                      <p:childTnLst>
+                        <p:par>
+                          <p:cTn id="4" fill="hold">
+                            <p:stCondLst>
+                              <p:cond delay="0"/>
+                            </p:stCondLst>
+                            <p:childTnLst>
+                              <p:par>
+                                <p:cTn id="5" presetID="1" presetClass="entr" presetSubtype="0" fill="hold" nodeType="clickEffect">
+                                  <p:stCondLst>
+                                    <p:cond delay="0"/>
+                                  </p:stCondLst>
+                                  <p:childTnLst>
+                                    <p:set>
+                                      <p:cBhvr>
+                                        <p:cTn id="6" dur="1" fill="hold">
+                                          <p:stCondLst>
+                                            <p:cond delay="0"/>
+                                          </p:stCondLst>
+                                        </p:cTn>
+                                        <p:tgtEl>
+                                          <p:spTgt spid="4"/>
+                                        </p:tgtEl>
+                                        <p:attrNameLst>
+                                          <p:attrName>style.visibility</p:attrName>
+                                        </p:attrNameLst>
+                                      </p:cBhvr>
+                                      <p:to>
+                                        <p:strVal val="visible"/>
+                                      </p:to>
+                                    </p:set>
+                                  </p:childTnLst>
+                                </p:cTn>
+                              </p:par>
+                            </p:childTnLst>
+                          </p:cTn>
+                        </p:par>
+                      </p:childTnLst>
+                    </p:cTn>
+                  </p:par>
+                </p:childTnLst>
+              </p:cTn>
+              <p:prevCondLst>
+                <p:cond evt="onPrev" delay="0">
+                  <p:tgtEl>
+                    <p:sldTgt/>
+                  </p:tgtEl>
+                </p:cond>
+              </p:prevCondLst>
+              <p:nextCondLst>
+                <p:cond evt="onNext" delay="0">
+                  <p:tgtEl>
+                    <p:sldTgt/>
+                  </p:tgtEl>
+                </p:cond>
+              </p:nextCondLst>
+            </p:seq>
+          </p:childTnLst>
+        </p:cTn>
+      </p:par>
+    </p:tnLst>
+  </p:timing>
+</p:sld>
+</file>
+
+<file path=ppt/slides/slide32.xml><?xml version="1.0" encoding="utf-8"?>
+<p:sld xmlns:a="http://schemas.openxmlformats.org/drawingml/2006/main" xmlns:r="http://schemas.openxmlformats.org/officeDocument/2006/relationships" xmlns:p="http://schemas.openxmlformats.org/presentationml/2006/main">
+  <p:cSld>
+    <p:spTree>
+      <p:nvGrpSpPr>
+        <p:cNvPr id="1" name=""/>
+        <p:cNvGrpSpPr/>
+        <p:nvPr/>
+      </p:nvGrpSpPr>
+      <p:grpSpPr>
+        <a:xfrm>
+          <a:off x="0" y="0"/>
+          <a:ext cx="0" cy="0"/>
+          <a:chOff x="0" y="0"/>
+          <a:chExt cx="0" cy="0"/>
+        </a:xfrm>
+      </p:grpSpPr>
+      <p:sp>
+        <p:nvSpPr>
+          <p:cNvPr id="4" name="Title 3"/>
+          <p:cNvSpPr>
+            <a:spLocks noGrp="1"/>
+          </p:cNvSpPr>
+          <p:nvPr>
+            <p:ph type="title"/>
+          </p:nvPr>
+        </p:nvSpPr>
+        <p:spPr>
+          <a:xfrm>
+            <a:off x="763095" y="255001"/>
+            <a:ext cx="9361566" cy="1142385"/>
+          </a:xfrm>
+        </p:spPr>
+        <p:txBody>
+          <a:bodyPr>
+            <a:normAutofit/>
+          </a:bodyPr>
+          <a:lstStyle/>
+          <a:p>
+            <a:r>
+              <a:rPr lang="en-GB" dirty="0" smtClean="0"/>
+              <a:t>Developer happiness</a:t>
+            </a:r>
+            <a:br>
+              <a:rPr lang="en-GB" dirty="0" smtClean="0"/>
+            </a:br>
+            <a:r>
+              <a:rPr lang="en-GB" dirty="0" smtClean="0"/>
+              <a:t>and testability</a:t>
+            </a:r>
+            <a:endParaRPr lang="en-GB" dirty="0"/>
+          </a:p>
+        </p:txBody>
+      </p:sp>
+      <p:sp>
+        <p:nvSpPr>
+          <p:cNvPr id="8" name="TextBox 7"/>
+          <p:cNvSpPr txBox="1"/>
+          <p:nvPr/>
+        </p:nvSpPr>
+        <p:spPr>
+          <a:xfrm>
+            <a:off x="763095" y="1725282"/>
+            <a:ext cx="4850305" cy="4524315"/>
+          </a:xfrm>
+          <a:prstGeom prst="rect">
+            <a:avLst/>
+          </a:prstGeom>
+          <a:noFill/>
+        </p:spPr>
+        <p:txBody>
+          <a:bodyPr wrap="square" rtlCol="0">
+            <a:spAutoFit/>
+          </a:bodyPr>
+          <a:lstStyle/>
+          <a:p>
+            <a:r>
+              <a:rPr lang="en-GB" dirty="0" smtClean="0"/>
+              <a:t>1.Rename things</a:t>
+            </a:r>
+          </a:p>
+          <a:p>
+            <a:r>
+              <a:rPr lang="en-GB" dirty="0" smtClean="0"/>
+              <a:t>2.Kill zombies (nearly dead) </a:t>
+            </a:r>
+          </a:p>
+          <a:p>
+            <a:r>
+              <a:rPr lang="en-GB" dirty="0" smtClean="0"/>
+              <a:t>3.Favour short local names </a:t>
+            </a:r>
+          </a:p>
+          <a:p>
+            <a:r>
+              <a:rPr lang="en-GB" dirty="0" smtClean="0"/>
+              <a:t>4.Minimise comments</a:t>
+            </a:r>
+          </a:p>
+          <a:p>
+            <a:r>
+              <a:rPr lang="en-GB" dirty="0" smtClean="0"/>
+              <a:t>5.Encapsulate complexity</a:t>
+            </a:r>
+          </a:p>
+          <a:p>
+            <a:r>
+              <a:rPr lang="en-GB" dirty="0" smtClean="0"/>
+              <a:t>6.Automation / Tooling </a:t>
+            </a:r>
+            <a:endParaRPr lang="en-GB" dirty="0"/>
+          </a:p>
+          <a:p>
+            <a:r>
+              <a:rPr lang="en-GB" dirty="0" smtClean="0"/>
+              <a:t>7.Let exceptions bubble up</a:t>
+            </a:r>
+          </a:p>
+          <a:p>
+            <a:r>
+              <a:rPr lang="en-GB" dirty="0" smtClean="0"/>
+              <a:t>8.Performance measure</a:t>
+            </a:r>
+          </a:p>
+          <a:p>
+            <a:endParaRPr lang="en-GB" dirty="0"/>
+          </a:p>
+          <a:p>
+            <a:endParaRPr lang="en-GB" dirty="0" smtClean="0"/>
+          </a:p>
+          <a:p>
+            <a:r>
+              <a:rPr lang="en-GB" sz="3600" dirty="0" smtClean="0">
+                <a:solidFill>
+                  <a:srgbClr val="0070C0"/>
+                </a:solidFill>
+              </a:rPr>
+              <a:t>Thank you for listening </a:t>
+            </a:r>
+            <a:endParaRPr lang="en-GB" sz="3600" dirty="0">
+              <a:solidFill>
+                <a:srgbClr val="0070C0"/>
+              </a:solidFill>
+              <a:sym typeface="Wingdings" panose="05000000000000000000" pitchFamily="2" charset="2"/>
+            </a:endParaRPr>
+          </a:p>
+          <a:p>
+            <a:endParaRPr lang="en-GB" sz="3600" dirty="0" smtClean="0">
+              <a:solidFill>
+                <a:srgbClr val="0070C0"/>
+              </a:solidFill>
+            </a:endParaRPr>
+          </a:p>
+          <a:p>
+            <a:r>
+              <a:rPr lang="en-GB" sz="3600" dirty="0" smtClean="0">
+                <a:solidFill>
+                  <a:srgbClr val="0070C0"/>
+                </a:solidFill>
+              </a:rPr>
+              <a:t>Questions / Thoughts?</a:t>
+            </a:r>
+            <a:endParaRPr lang="en-GB" sz="3600" dirty="0">
+              <a:solidFill>
+                <a:srgbClr val="0070C0"/>
+              </a:solidFill>
+            </a:endParaRPr>
+          </a:p>
+        </p:txBody>
+      </p:sp>
+      <p:pic>
+        <p:nvPicPr>
+          <p:cNvPr id="9" name="Picture 2" descr="WTFs/m."/>
+          <p:cNvPicPr>
+            <a:picLocks noChangeAspect="1" noChangeArrowheads="1"/>
+          </p:cNvPicPr>
+          <p:nvPr/>
+        </p:nvPicPr>
+        <p:blipFill>
+          <a:blip r:embed="rId2">
+            <a:extLst>
+              <a:ext uri="{28A0092B-C50C-407E-A947-70E740481C1C}">
+                <a14:useLocalDpi xmlns:a14="http://schemas.microsoft.com/office/drawing/2010/main" val="0"/>
+              </a:ext>
+            </a:extLst>
+          </a:blip>
+          <a:srcRect/>
+          <a:stretch>
+            <a:fillRect/>
+          </a:stretch>
+        </p:blipFill>
+        <p:spPr bwMode="auto">
+          <a:xfrm>
+            <a:off x="5744193" y="30371"/>
+            <a:ext cx="6341415" cy="5973614"/>
+          </a:xfrm>
+          <a:prstGeom prst="rect">
+            <a:avLst/>
+          </a:prstGeom>
+          <a:noFill/>
+          <a:extLst>
+            <a:ext uri="{909E8E84-426E-40DD-AFC4-6F175D3DCCD1}">
+              <a14:hiddenFill xmlns:a14="http://schemas.microsoft.com/office/drawing/2010/main">
+                <a:solidFill>
+                  <a:srgbClr val="FFFFFF"/>
+                </a:solidFill>
+              </a14:hiddenFill>
+            </a:ext>
+          </a:extLst>
+        </p:spPr>
+      </p:pic>
+    </p:spTree>
+    <p:extLst>
+      <p:ext uri="{BB962C8B-B14F-4D97-AF65-F5344CB8AC3E}">
+        <p14:creationId xmlns:p14="http://schemas.microsoft.com/office/powerpoint/2010/main" val="3243764467"/>
       </p:ext>
     </p:extLst>
   </p:cSld>

--- a/Presentation1.pptx
+++ b/Presentation1.pptx
@@ -245,7 +245,7 @@
           <a:p>
             <a:fld id="{59041DB8-B66F-4DC8-A96E-33677E0F90FF}" type="datetimeFigureOut">
               <a:rPr lang="en-US" smtClean="0"/>
-              <a:t>5/15/2016</a:t>
+              <a:t>5/16/2016</a:t>
             </a:fld>
             <a:endParaRPr lang="en-US"/>
           </a:p>
@@ -410,7 +410,7 @@
           <a:p>
             <a:fld id="{DEB49C4A-65AC-492D-9701-81B46C3AD0E4}" type="datetimeFigureOut">
               <a:rPr lang="en-US" smtClean="0"/>
-              <a:t>5/15/2016</a:t>
+              <a:t>5/16/2016</a:t>
             </a:fld>
             <a:endParaRPr lang="en-US"/>
           </a:p>
@@ -2798,7 +2798,7 @@
           <a:p>
             <a:fld id="{384A29A4-78C8-47AB-BA06-22CB45938951}" type="datetime1">
               <a:rPr lang="en-US" smtClean="0"/>
-              <a:t>5/15/2016</a:t>
+              <a:t>5/16/2016</a:t>
             </a:fld>
             <a:endParaRPr lang="en-US"/>
           </a:p>
@@ -2990,7 +2990,7 @@
           <a:p>
             <a:fld id="{E1ED4ACF-2D82-46F2-A8E9-23963AA34E86}" type="datetime1">
               <a:rPr lang="en-US" smtClean="0"/>
-              <a:t>5/15/2016</a:t>
+              <a:t>5/16/2016</a:t>
             </a:fld>
             <a:endParaRPr lang="en-US"/>
           </a:p>
@@ -3172,7 +3172,7 @@
           <a:p>
             <a:fld id="{AE374B5B-21A0-4192-BF4C-38187F1A68D8}" type="datetime1">
               <a:rPr lang="en-US" smtClean="0"/>
-              <a:t>5/15/2016</a:t>
+              <a:t>5/16/2016</a:t>
             </a:fld>
             <a:endParaRPr lang="en-US"/>
           </a:p>
@@ -5512,7 +5512,7 @@
           <a:p>
             <a:fld id="{33B5CF7C-B333-48E1-A4A6-83A3C8B73AC0}" type="datetime1">
               <a:rPr lang="en-US" smtClean="0"/>
-              <a:t>5/15/2016</a:t>
+              <a:t>5/16/2016</a:t>
             </a:fld>
             <a:endParaRPr lang="en-US"/>
           </a:p>
@@ -5964,7 +5964,7 @@
           <a:p>
             <a:fld id="{AE320762-5CBF-4210-AB54-376B091119F8}" type="datetime1">
               <a:rPr lang="en-US" smtClean="0"/>
-              <a:t>5/15/2016</a:t>
+              <a:t>5/16/2016</a:t>
             </a:fld>
             <a:endParaRPr lang="en-US"/>
           </a:p>
@@ -6094,7 +6094,7 @@
           <a:p>
             <a:fld id="{7F0DB371-BF5F-4058-A212-1A908E4D2674}" type="datetime1">
               <a:rPr lang="en-US" smtClean="0"/>
-              <a:t>5/15/2016</a:t>
+              <a:t>5/16/2016</a:t>
             </a:fld>
             <a:endParaRPr lang="en-US"/>
           </a:p>
@@ -8024,7 +8024,7 @@
           <a:p>
             <a:fld id="{60A4083B-90AA-48CF-BAD5-00AA24D7F288}" type="datetime1">
               <a:rPr lang="en-US" smtClean="0"/>
-              <a:t>5/15/2016</a:t>
+              <a:t>5/16/2016</a:t>
             </a:fld>
             <a:endParaRPr lang="en-US"/>
           </a:p>
@@ -10271,7 +10271,7 @@
           <a:p>
             <a:fld id="{F5BAF629-ECA2-4CF3-B790-9D9BDED98269}" type="datetime1">
               <a:rPr lang="en-US" smtClean="0"/>
-              <a:t>5/15/2016</a:t>
+              <a:t>5/16/2016</a:t>
             </a:fld>
             <a:endParaRPr lang="en-US"/>
           </a:p>
@@ -14500,7 +14500,7 @@
           <a:p>
             <a:fld id="{B51B2453-8663-4C69-AF73-9FD7B1DEC5D0}" type="datetime1">
               <a:rPr lang="en-US" smtClean="0"/>
-              <a:t>5/15/2016</a:t>
+              <a:t>5/16/2016</a:t>
             </a:fld>
             <a:endParaRPr lang="en-US"/>
           </a:p>
@@ -15457,15 +15457,7 @@
           <a:p>
             <a:r>
               <a:rPr lang="en-GB" dirty="0" smtClean="0"/>
-              <a:t>3. Favour </a:t>
-            </a:r>
-            <a:r>
-              <a:rPr lang="en-GB" dirty="0" smtClean="0"/>
-              <a:t>Short local scope </a:t>
-            </a:r>
-            <a:r>
-              <a:rPr lang="en-GB" dirty="0" smtClean="0"/>
-              <a:t>names</a:t>
+              <a:t>3. Favour Short local scope names</a:t>
             </a:r>
             <a:endParaRPr lang="en-GB" dirty="0"/>
           </a:p>
@@ -15767,11 +15759,7 @@
           <a:p>
             <a:r>
               <a:rPr lang="en-GB" dirty="0" smtClean="0"/>
-              <a:t>5. Encapsulate </a:t>
-            </a:r>
-            <a:r>
-              <a:rPr lang="en-GB" dirty="0" smtClean="0"/>
-              <a:t>Complexity</a:t>
+              <a:t>5. Encapsulate Complexity</a:t>
             </a:r>
             <a:endParaRPr lang="en-GB" dirty="0"/>
           </a:p>
@@ -15825,9 +15813,75 @@
           <a:p>
             <a:r>
               <a:rPr lang="en-GB" sz="1000" dirty="0" smtClean="0"/>
-              <a:t>**Inspired by refactoring course on Lynda.com</a:t>
-            </a:r>
-            <a:endParaRPr lang="en-GB" sz="1000" dirty="0" smtClean="0"/>
+              <a:t>Inspired </a:t>
+            </a:r>
+            <a:r>
+              <a:rPr lang="en-GB" sz="1000" dirty="0" smtClean="0"/>
+              <a:t>by refactoring course on Lynda.com</a:t>
+            </a:r>
+          </a:p>
+        </p:txBody>
+      </p:sp>
+      <p:pic>
+        <p:nvPicPr>
+          <p:cNvPr id="3" name="Picture 2"/>
+          <p:cNvPicPr>
+            <a:picLocks noChangeAspect="1"/>
+          </p:cNvPicPr>
+          <p:nvPr/>
+        </p:nvPicPr>
+        <p:blipFill>
+          <a:blip r:embed="rId3">
+            <a:extLst>
+              <a:ext uri="{28A0092B-C50C-407E-A947-70E740481C1C}">
+                <a14:useLocalDpi xmlns:a14="http://schemas.microsoft.com/office/drawing/2010/main" val="0"/>
+              </a:ext>
+            </a:extLst>
+          </a:blip>
+          <a:stretch>
+            <a:fillRect/>
+          </a:stretch>
+        </p:blipFill>
+        <p:spPr>
+          <a:xfrm>
+            <a:off x="8548777" y="0"/>
+            <a:ext cx="3643223" cy="2419328"/>
+          </a:xfrm>
+          <a:prstGeom prst="rect">
+            <a:avLst/>
+          </a:prstGeom>
+        </p:spPr>
+      </p:pic>
+      <p:sp>
+        <p:nvSpPr>
+          <p:cNvPr id="5" name="TextBox 4"/>
+          <p:cNvSpPr txBox="1"/>
+          <p:nvPr/>
+        </p:nvSpPr>
+        <p:spPr>
+          <a:xfrm>
+            <a:off x="8885208" y="5744564"/>
+            <a:ext cx="2915728" cy="246221"/>
+          </a:xfrm>
+          <a:prstGeom prst="rect">
+            <a:avLst/>
+          </a:prstGeom>
+          <a:noFill/>
+        </p:spPr>
+        <p:txBody>
+          <a:bodyPr wrap="square" rtlCol="0">
+            <a:spAutoFit/>
+          </a:bodyPr>
+          <a:lstStyle/>
+          <a:p>
+            <a:r>
+              <a:rPr lang="en-GB" sz="1000" dirty="0" err="1" smtClean="0"/>
+              <a:t>Bmalarky</a:t>
+            </a:r>
+            <a:r>
+              <a:rPr lang="en-GB" sz="1000" dirty="0"/>
+              <a:t> https://flic.kr/p/9XWL8g</a:t>
+            </a:r>
           </a:p>
         </p:txBody>
       </p:sp>
@@ -16720,15 +16774,7 @@
             </a:br>
             <a:r>
               <a:rPr lang="en-GB" sz="4000" dirty="0" smtClean="0"/>
-              <a:t>guide </a:t>
-            </a:r>
-            <a:r>
-              <a:rPr lang="en-GB" sz="4000" dirty="0" smtClean="0"/>
-              <a:t>(9 months)</a:t>
-            </a:r>
-            <a:r>
-              <a:rPr lang="en-GB" sz="4000" dirty="0" smtClean="0"/>
-              <a:t/>
+              <a:t>guide (9 months)</a:t>
             </a:r>
             <a:br>
               <a:rPr lang="en-GB" sz="4000" dirty="0" smtClean="0"/>
@@ -16892,7 +16938,7 @@
           <a:p>
             <a:r>
               <a:rPr lang="en-GB" dirty="0" smtClean="0"/>
-              <a:t>Tips</a:t>
+              <a:t>6.WebsiteTips</a:t>
             </a:r>
             <a:endParaRPr lang="en-GB" dirty="0"/>
           </a:p>
@@ -17025,7 +17071,7 @@
           <a:p>
             <a:r>
               <a:rPr lang="en-GB" dirty="0" smtClean="0"/>
-              <a:t>Tools</a:t>
+              <a:t>7.Automation / Tools</a:t>
             </a:r>
             <a:endParaRPr lang="en-GB" dirty="0"/>
           </a:p>
@@ -17040,7 +17086,7 @@
         <p:spPr>
           <a:xfrm>
             <a:off x="625072" y="1088366"/>
-            <a:ext cx="10546135" cy="5632311"/>
+            <a:ext cx="10546135" cy="5324535"/>
           </a:xfrm>
           <a:prstGeom prst="rect">
             <a:avLst/>
@@ -17055,74 +17101,90 @@
           <a:p>
             <a:r>
               <a:rPr lang="en-GB" sz="2000" dirty="0" smtClean="0"/>
-              <a:t>Win10 – new shell can copy and paste!</a:t>
-            </a:r>
+              <a:t>Win10 – new shell can copy and </a:t>
+            </a:r>
+            <a:r>
+              <a:rPr lang="en-GB" sz="2000" dirty="0" smtClean="0"/>
+              <a:t>paste</a:t>
+            </a:r>
+            <a:endParaRPr lang="en-GB" sz="2000" dirty="0" smtClean="0"/>
           </a:p>
           <a:p>
             <a:r>
               <a:rPr lang="en-GB" sz="2000" dirty="0" smtClean="0"/>
-              <a:t>VS2015 </a:t>
+              <a:t>code </a:t>
+            </a:r>
+            <a:r>
+              <a:rPr lang="en-GB" sz="2000" dirty="0" smtClean="0"/>
+              <a:t>. – for a fast easy editor **DEMO**</a:t>
             </a:r>
           </a:p>
           <a:p>
             <a:r>
               <a:rPr lang="en-GB" sz="2000" dirty="0" smtClean="0"/>
-              <a:t>code . – for a fast easy editor **DEMO**</a:t>
+              <a:t>.\d trick  **DEMO**</a:t>
             </a:r>
           </a:p>
           <a:p>
             <a:r>
+              <a:rPr lang="en-GB" sz="2000" dirty="0" err="1" smtClean="0"/>
+              <a:t>Resharper</a:t>
+            </a:r>
+            <a:r>
               <a:rPr lang="en-GB" sz="2000" dirty="0" smtClean="0"/>
-              <a:t>.\d trick  **DEMO**</a:t>
+              <a:t> 10 (Personal license okay to use inside work if you buy yourself)</a:t>
             </a:r>
           </a:p>
           <a:p>
             <a:r>
               <a:rPr lang="en-GB" sz="2000" dirty="0" err="1" smtClean="0"/>
-              <a:t>Resharper</a:t>
+              <a:t>Github</a:t>
             </a:r>
             <a:r>
               <a:rPr lang="en-GB" sz="2000" dirty="0" smtClean="0"/>
-              <a:t> 10 (Personal license okay to use inside work if you buy yourself)</a:t>
+              <a:t> Desktop (installs </a:t>
+            </a:r>
+            <a:r>
+              <a:rPr lang="en-GB" sz="2000" dirty="0" err="1" smtClean="0"/>
+              <a:t>PoshGit</a:t>
+            </a:r>
+            <a:r>
+              <a:rPr lang="en-GB" sz="2000" dirty="0" smtClean="0"/>
+              <a:t> – best command line client)  **DEMO**</a:t>
             </a:r>
           </a:p>
           <a:p>
             <a:r>
               <a:rPr lang="en-GB" sz="2000" dirty="0" err="1" smtClean="0"/>
-              <a:t>Github</a:t>
+              <a:t>Bitbucket</a:t>
             </a:r>
             <a:r>
               <a:rPr lang="en-GB" sz="2000" dirty="0" smtClean="0"/>
-              <a:t> Desktop (installs </a:t>
-            </a:r>
-            <a:r>
-              <a:rPr lang="en-GB" sz="2000" dirty="0" err="1" smtClean="0"/>
-              <a:t>PoshGit</a:t>
+              <a:t> </a:t>
             </a:r>
             <a:r>
               <a:rPr lang="en-GB" sz="2000" dirty="0" smtClean="0"/>
-              <a:t> – best command line client)  **DEMO**</a:t>
+              <a:t>(free private </a:t>
+            </a:r>
+            <a:r>
+              <a:rPr lang="en-GB" sz="2000" dirty="0" smtClean="0"/>
+              <a:t>git repos)</a:t>
             </a:r>
           </a:p>
           <a:p>
             <a:r>
               <a:rPr lang="en-GB" sz="2000" dirty="0" err="1" smtClean="0"/>
-              <a:t>Bitbucket</a:t>
+              <a:t>Github</a:t>
             </a:r>
             <a:r>
               <a:rPr lang="en-GB" sz="2000" dirty="0" smtClean="0"/>
-              <a:t> (private git repos)</a:t>
-            </a:r>
-          </a:p>
-          <a:p>
-            <a:r>
-              <a:rPr lang="en-GB" sz="2000" dirty="0" err="1" smtClean="0"/>
-              <a:t>Github</a:t>
+              <a:t> (</a:t>
             </a:r>
             <a:r>
               <a:rPr lang="en-GB" sz="2000" dirty="0" smtClean="0"/>
-              <a:t> (public)</a:t>
-            </a:r>
+              <a:t>public repos)</a:t>
+            </a:r>
+            <a:endParaRPr lang="en-GB" sz="2000" dirty="0" smtClean="0"/>
           </a:p>
           <a:p>
             <a:r>
@@ -17263,7 +17325,11 @@
           <a:p>
             <a:r>
               <a:rPr lang="en-GB" dirty="0" smtClean="0"/>
-              <a:t>Refactoring towards Perf / Big Data / Simplicity</a:t>
+              <a:t>8.Refactoring </a:t>
+            </a:r>
+            <a:r>
+              <a:rPr lang="en-GB" dirty="0" smtClean="0"/>
+              <a:t>towards Perf / Big Data / Simplicity</a:t>
             </a:r>
             <a:endParaRPr lang="en-GB" dirty="0"/>
           </a:p>
@@ -17390,8 +17456,13 @@
             </a:r>
             <a:r>
               <a:rPr lang="en-GB" dirty="0" smtClean="0"/>
-              <a:t> returns in SQL Server</a:t>
-            </a:r>
+              <a:t> returns in SQL </a:t>
+            </a:r>
+            <a:r>
+              <a:rPr lang="en-GB" dirty="0" smtClean="0"/>
+              <a:t>Server</a:t>
+            </a:r>
+            <a:endParaRPr lang="en-GB" dirty="0" smtClean="0"/>
           </a:p>
           <a:p>
             <a:endParaRPr lang="en-GB" dirty="0"/>
@@ -17410,6 +17481,73 @@
           </a:p>
           <a:p>
             <a:endParaRPr lang="en-GB" dirty="0"/>
+          </a:p>
+        </p:txBody>
+      </p:sp>
+      <p:pic>
+        <p:nvPicPr>
+          <p:cNvPr id="4" name="Picture 3"/>
+          <p:cNvPicPr>
+            <a:picLocks noChangeAspect="1"/>
+          </p:cNvPicPr>
+          <p:nvPr/>
+        </p:nvPicPr>
+        <p:blipFill>
+          <a:blip r:embed="rId2">
+            <a:extLst>
+              <a:ext uri="{28A0092B-C50C-407E-A947-70E740481C1C}">
+                <a14:useLocalDpi xmlns:a14="http://schemas.microsoft.com/office/drawing/2010/main" val="0"/>
+              </a:ext>
+            </a:extLst>
+          </a:blip>
+          <a:stretch>
+            <a:fillRect/>
+          </a:stretch>
+        </p:blipFill>
+        <p:spPr>
+          <a:xfrm>
+            <a:off x="6187429" y="1042387"/>
+            <a:ext cx="5876133" cy="3305325"/>
+          </a:xfrm>
+          <a:prstGeom prst="rect">
+            <a:avLst/>
+          </a:prstGeom>
+        </p:spPr>
+      </p:pic>
+      <p:sp>
+        <p:nvSpPr>
+          <p:cNvPr id="5" name="TextBox 4"/>
+          <p:cNvSpPr txBox="1"/>
+          <p:nvPr/>
+        </p:nvSpPr>
+        <p:spPr>
+          <a:xfrm>
+            <a:off x="10233804" y="5626155"/>
+            <a:ext cx="1958196" cy="400110"/>
+          </a:xfrm>
+          <a:prstGeom prst="rect">
+            <a:avLst/>
+          </a:prstGeom>
+          <a:noFill/>
+        </p:spPr>
+        <p:txBody>
+          <a:bodyPr wrap="square" rtlCol="0">
+            <a:spAutoFit/>
+          </a:bodyPr>
+          <a:lstStyle/>
+          <a:p>
+            <a:r>
+              <a:rPr lang="en-GB" sz="1000" dirty="0" err="1" smtClean="0"/>
+              <a:t>Sunny_mjx</a:t>
+            </a:r>
+            <a:r>
+              <a:rPr lang="en-GB" sz="1000" dirty="0" smtClean="0"/>
+              <a:t> https</a:t>
+            </a:r>
+            <a:r>
+              <a:rPr lang="en-GB" sz="1000" dirty="0"/>
+              <a:t>://flic.kr/p/qGtWFw</a:t>
+            </a:r>
           </a:p>
         </p:txBody>
       </p:sp>
@@ -17484,7 +17622,7 @@
           <a:p>
             <a:r>
               <a:rPr lang="en-GB" dirty="0" smtClean="0"/>
-              <a:t>Commands / Queries</a:t>
+              <a:t>Queries (CQS)</a:t>
             </a:r>
             <a:br>
               <a:rPr lang="en-GB" dirty="0" smtClean="0"/>
@@ -17854,7 +17992,7 @@
         <p:spPr>
           <a:xfrm>
             <a:off x="974785" y="5357004"/>
-            <a:ext cx="8067145" cy="646331"/>
+            <a:ext cx="7926081" cy="646331"/>
           </a:xfrm>
           <a:prstGeom prst="rect">
             <a:avLst/>
@@ -17875,7 +18013,27 @@
           <a:p>
             <a:r>
               <a:rPr lang="en-GB" dirty="0" smtClean="0"/>
-              <a:t>Query executes in 300ms (100DTU) or 1500ms (20DTU) or 110ms (500DTU)</a:t>
+              <a:t>Query executes in </a:t>
+            </a:r>
+            <a:r>
+              <a:rPr lang="en-GB" dirty="0" smtClean="0"/>
+              <a:t>1500ms </a:t>
+            </a:r>
+            <a:r>
+              <a:rPr lang="en-GB" dirty="0" smtClean="0"/>
+              <a:t>(20DTU</a:t>
+            </a:r>
+            <a:r>
+              <a:rPr lang="en-GB" dirty="0"/>
+              <a:t>), 300ms (100DTU</a:t>
+            </a:r>
+            <a:r>
+              <a:rPr lang="en-GB" dirty="0" smtClean="0"/>
+              <a:t>), </a:t>
+            </a:r>
+            <a:r>
+              <a:rPr lang="en-GB" dirty="0" smtClean="0"/>
+              <a:t>or 110ms (500DTU)</a:t>
             </a:r>
             <a:endParaRPr lang="en-GB" dirty="0"/>
           </a:p>
@@ -19588,10 +19746,18 @@
           <a:p>
             <a:r>
               <a:rPr lang="en-GB" dirty="0" smtClean="0"/>
-              <a:t>8.Performance measure</a:t>
+              <a:t>8.Performance </a:t>
+            </a:r>
+            <a:r>
+              <a:rPr lang="en-GB" dirty="0" smtClean="0"/>
+              <a:t>measure</a:t>
             </a:r>
           </a:p>
           <a:p>
+            <a:r>
+              <a:rPr lang="en-GB" dirty="0" smtClean="0"/>
+              <a:t>9.Rollback transaction integration tests</a:t>
+            </a:r>
             <a:endParaRPr lang="en-GB" dirty="0"/>
           </a:p>
           <a:p>
@@ -20023,11 +20189,7 @@
           <a:p>
             <a:r>
               <a:rPr lang="en-GB" dirty="0" smtClean="0"/>
-              <a:t>1. </a:t>
-            </a:r>
-            <a:r>
-              <a:rPr lang="en-GB" dirty="0" smtClean="0"/>
-              <a:t>Names</a:t>
+              <a:t>1. Names</a:t>
             </a:r>
             <a:endParaRPr lang="en-GB" dirty="0"/>
           </a:p>
@@ -20076,11 +20238,7 @@
           <a:p>
             <a:r>
               <a:rPr lang="en-GB" dirty="0" smtClean="0"/>
-              <a:t>Adding meaning to </a:t>
-            </a:r>
-            <a:r>
-              <a:rPr lang="en-GB" dirty="0" smtClean="0"/>
-              <a:t>code</a:t>
+              <a:t>Adding meaning to code</a:t>
             </a:r>
             <a:endParaRPr lang="en-GB" dirty="0"/>
           </a:p>
@@ -20238,6 +20396,44 @@
               <a:t> no on</a:t>
             </a:r>
             <a:endParaRPr lang="en-GB" sz="2400" dirty="0"/>
+          </a:p>
+        </p:txBody>
+      </p:sp>
+      <p:sp>
+        <p:nvSpPr>
+          <p:cNvPr id="6" name="TextBox 5"/>
+          <p:cNvSpPr txBox="1"/>
+          <p:nvPr/>
+        </p:nvSpPr>
+        <p:spPr>
+          <a:xfrm>
+            <a:off x="7157014" y="6488492"/>
+            <a:ext cx="4906471" cy="276999"/>
+          </a:xfrm>
+          <a:prstGeom prst="rect">
+            <a:avLst/>
+          </a:prstGeom>
+          <a:noFill/>
+        </p:spPr>
+        <p:txBody>
+          <a:bodyPr wrap="none" rtlCol="0">
+            <a:spAutoFit/>
+          </a:bodyPr>
+          <a:lstStyle/>
+          <a:p>
+            <a:r>
+              <a:rPr lang="en-GB" sz="1200" dirty="0" smtClean="0"/>
+              <a:t>**Example based on K Scott Allen, </a:t>
+            </a:r>
+            <a:r>
+              <a:rPr lang="en-GB" sz="1200" dirty="0" err="1" smtClean="0"/>
+              <a:t>Pluralsight</a:t>
+            </a:r>
+            <a:r>
+              <a:rPr lang="en-GB" sz="1200" dirty="0" smtClean="0"/>
+              <a:t>, C# Programming 2011</a:t>
+            </a:r>
+            <a:endParaRPr lang="en-GB" sz="1200" dirty="0"/>
           </a:p>
         </p:txBody>
       </p:sp>
